--- a/teaching/ITIS6200/2023fa/lectures/lec06.pptx
+++ b/teaching/ITIS6200/2023fa/lectures/lec06.pptx
@@ -5,51 +5,52 @@
     <p:sldMasterId id="2147483663" r:id="rId1"/>
   </p:sldMasterIdLst>
   <p:notesMasterIdLst>
-    <p:notesMasterId r:id="rId44"/>
+    <p:notesMasterId r:id="rId45"/>
   </p:notesMasterIdLst>
   <p:sldIdLst>
     <p:sldId id="256" r:id="rId2"/>
-    <p:sldId id="257" r:id="rId3"/>
-    <p:sldId id="258" r:id="rId4"/>
-    <p:sldId id="259" r:id="rId5"/>
-    <p:sldId id="260" r:id="rId6"/>
-    <p:sldId id="261" r:id="rId7"/>
-    <p:sldId id="262" r:id="rId8"/>
-    <p:sldId id="263" r:id="rId9"/>
-    <p:sldId id="264" r:id="rId10"/>
-    <p:sldId id="265" r:id="rId11"/>
-    <p:sldId id="266" r:id="rId12"/>
-    <p:sldId id="267" r:id="rId13"/>
-    <p:sldId id="268" r:id="rId14"/>
-    <p:sldId id="269" r:id="rId15"/>
-    <p:sldId id="270" r:id="rId16"/>
-    <p:sldId id="271" r:id="rId17"/>
-    <p:sldId id="272" r:id="rId18"/>
-    <p:sldId id="273" r:id="rId19"/>
-    <p:sldId id="274" r:id="rId20"/>
-    <p:sldId id="275" r:id="rId21"/>
-    <p:sldId id="276" r:id="rId22"/>
-    <p:sldId id="277" r:id="rId23"/>
-    <p:sldId id="278" r:id="rId24"/>
-    <p:sldId id="279" r:id="rId25"/>
-    <p:sldId id="280" r:id="rId26"/>
-    <p:sldId id="281" r:id="rId27"/>
-    <p:sldId id="282" r:id="rId28"/>
-    <p:sldId id="283" r:id="rId29"/>
-    <p:sldId id="284" r:id="rId30"/>
-    <p:sldId id="285" r:id="rId31"/>
-    <p:sldId id="286" r:id="rId32"/>
-    <p:sldId id="287" r:id="rId33"/>
-    <p:sldId id="288" r:id="rId34"/>
-    <p:sldId id="289" r:id="rId35"/>
-    <p:sldId id="290" r:id="rId36"/>
-    <p:sldId id="291" r:id="rId37"/>
-    <p:sldId id="292" r:id="rId38"/>
-    <p:sldId id="293" r:id="rId39"/>
-    <p:sldId id="294" r:id="rId40"/>
-    <p:sldId id="295" r:id="rId41"/>
-    <p:sldId id="296" r:id="rId42"/>
-    <p:sldId id="297" r:id="rId43"/>
+    <p:sldId id="298" r:id="rId3"/>
+    <p:sldId id="257" r:id="rId4"/>
+    <p:sldId id="258" r:id="rId5"/>
+    <p:sldId id="259" r:id="rId6"/>
+    <p:sldId id="260" r:id="rId7"/>
+    <p:sldId id="261" r:id="rId8"/>
+    <p:sldId id="262" r:id="rId9"/>
+    <p:sldId id="263" r:id="rId10"/>
+    <p:sldId id="264" r:id="rId11"/>
+    <p:sldId id="265" r:id="rId12"/>
+    <p:sldId id="266" r:id="rId13"/>
+    <p:sldId id="267" r:id="rId14"/>
+    <p:sldId id="268" r:id="rId15"/>
+    <p:sldId id="269" r:id="rId16"/>
+    <p:sldId id="270" r:id="rId17"/>
+    <p:sldId id="271" r:id="rId18"/>
+    <p:sldId id="272" r:id="rId19"/>
+    <p:sldId id="273" r:id="rId20"/>
+    <p:sldId id="274" r:id="rId21"/>
+    <p:sldId id="275" r:id="rId22"/>
+    <p:sldId id="276" r:id="rId23"/>
+    <p:sldId id="277" r:id="rId24"/>
+    <p:sldId id="278" r:id="rId25"/>
+    <p:sldId id="279" r:id="rId26"/>
+    <p:sldId id="280" r:id="rId27"/>
+    <p:sldId id="281" r:id="rId28"/>
+    <p:sldId id="282" r:id="rId29"/>
+    <p:sldId id="283" r:id="rId30"/>
+    <p:sldId id="284" r:id="rId31"/>
+    <p:sldId id="285" r:id="rId32"/>
+    <p:sldId id="286" r:id="rId33"/>
+    <p:sldId id="287" r:id="rId34"/>
+    <p:sldId id="288" r:id="rId35"/>
+    <p:sldId id="289" r:id="rId36"/>
+    <p:sldId id="290" r:id="rId37"/>
+    <p:sldId id="291" r:id="rId38"/>
+    <p:sldId id="292" r:id="rId39"/>
+    <p:sldId id="293" r:id="rId40"/>
+    <p:sldId id="294" r:id="rId41"/>
+    <p:sldId id="295" r:id="rId42"/>
+    <p:sldId id="296" r:id="rId43"/>
+    <p:sldId id="297" r:id="rId44"/>
   </p:sldIdLst>
   <p:sldSz cx="9144000" cy="5143500" type="screen16x9"/>
   <p:notesSz cx="6858000" cy="9144000"/>
@@ -851,6 +852,110 @@
   <p:cSld>
     <p:spTree>
       <p:nvGrpSpPr>
+        <p:cNvPr id="1" name="Shape 128"/>
+        <p:cNvGrpSpPr/>
+        <p:nvPr/>
+      </p:nvGrpSpPr>
+      <p:grpSpPr>
+        <a:xfrm>
+          <a:off x="0" y="0"/>
+          <a:ext cx="0" cy="0"/>
+          <a:chOff x="0" y="0"/>
+          <a:chExt cx="0" cy="0"/>
+        </a:xfrm>
+      </p:grpSpPr>
+      <p:sp>
+        <p:nvSpPr>
+          <p:cNvPr id="129" name="Google Shape;129;g11468c29934_0_33:notes"/>
+          <p:cNvSpPr>
+            <a:spLocks noGrp="1" noRot="1" noChangeAspect="1"/>
+          </p:cNvSpPr>
+          <p:nvPr>
+            <p:ph type="sldImg" idx="2"/>
+          </p:nvPr>
+        </p:nvSpPr>
+        <p:spPr>
+          <a:xfrm>
+            <a:off x="381000" y="685800"/>
+            <a:ext cx="6096000" cy="3429000"/>
+          </a:xfrm>
+          <a:custGeom>
+            <a:avLst/>
+            <a:gdLst/>
+            <a:ahLst/>
+            <a:cxnLst/>
+            <a:rect l="l" t="t" r="r" b="b"/>
+            <a:pathLst>
+              <a:path w="120000" h="120000" extrusionOk="0">
+                <a:moveTo>
+                  <a:pt x="0" y="0"/>
+                </a:moveTo>
+                <a:lnTo>
+                  <a:pt x="120000" y="0"/>
+                </a:lnTo>
+                <a:lnTo>
+                  <a:pt x="120000" y="120000"/>
+                </a:lnTo>
+                <a:lnTo>
+                  <a:pt x="0" y="120000"/>
+                </a:lnTo>
+                <a:close/>
+              </a:path>
+            </a:pathLst>
+          </a:custGeom>
+        </p:spPr>
+      </p:sp>
+      <p:sp>
+        <p:nvSpPr>
+          <p:cNvPr id="130" name="Google Shape;130;g11468c29934_0_33:notes"/>
+          <p:cNvSpPr txBox="1">
+            <a:spLocks noGrp="1"/>
+          </p:cNvSpPr>
+          <p:nvPr>
+            <p:ph type="body" idx="1"/>
+          </p:nvPr>
+        </p:nvSpPr>
+        <p:spPr>
+          <a:xfrm>
+            <a:off x="685800" y="4343400"/>
+            <a:ext cx="5486400" cy="4114800"/>
+          </a:xfrm>
+          <a:prstGeom prst="rect">
+            <a:avLst/>
+          </a:prstGeom>
+        </p:spPr>
+        <p:txBody>
+          <a:bodyPr spcFirstLastPara="1" wrap="square" lIns="91425" tIns="91425" rIns="91425" bIns="91425" anchor="t" anchorCtr="0">
+            <a:noAutofit/>
+          </a:bodyPr>
+          <a:lstStyle/>
+          <a:p>
+            <a:pPr marL="0" lvl="0" indent="0" algn="l" rtl="0">
+              <a:spcBef>
+                <a:spcPts val="0"/>
+              </a:spcBef>
+              <a:spcAft>
+                <a:spcPts val="0"/>
+              </a:spcAft>
+              <a:buNone/>
+            </a:pPr>
+            <a:endParaRPr/>
+          </a:p>
+        </p:txBody>
+      </p:sp>
+    </p:spTree>
+  </p:cSld>
+  <p:clrMapOvr>
+    <a:masterClrMapping/>
+  </p:clrMapOvr>
+</p:notes>
+</file>
+
+<file path=ppt/notesSlides/notesSlide11.xml><?xml version="1.0" encoding="utf-8"?>
+<p:notes xmlns:a="http://schemas.openxmlformats.org/drawingml/2006/main" xmlns:r="http://schemas.openxmlformats.org/officeDocument/2006/relationships" xmlns:p="http://schemas.openxmlformats.org/presentationml/2006/main" showMasterSp="0" showMasterPhAnim="0">
+  <p:cSld>
+    <p:spTree>
+      <p:nvGrpSpPr>
         <p:cNvPr id="1" name="Shape 135"/>
         <p:cNvGrpSpPr/>
         <p:nvPr/>
@@ -875,7 +980,7 @@
         </p:nvSpPr>
         <p:spPr>
           <a:xfrm>
-            <a:off x="381300" y="685800"/>
+            <a:off x="381000" y="685800"/>
             <a:ext cx="6096000" cy="3429000"/>
           </a:xfrm>
           <a:custGeom>
@@ -950,7 +1055,7 @@
 </p:notes>
 </file>
 
-<file path=ppt/notesSlides/notesSlide11.xml><?xml version="1.0" encoding="utf-8"?>
+<file path=ppt/notesSlides/notesSlide12.xml><?xml version="1.0" encoding="utf-8"?>
 <p:notes xmlns:a="http://schemas.openxmlformats.org/drawingml/2006/main" xmlns:r="http://schemas.openxmlformats.org/officeDocument/2006/relationships" xmlns:p="http://schemas.openxmlformats.org/presentationml/2006/main" showMasterSp="0" showMasterPhAnim="0">
   <p:cSld>
     <p:spTree>
@@ -979,7 +1084,7 @@
         </p:nvSpPr>
         <p:spPr>
           <a:xfrm>
-            <a:off x="381300" y="685800"/>
+            <a:off x="381000" y="685800"/>
             <a:ext cx="6096000" cy="3429000"/>
           </a:xfrm>
           <a:custGeom>
@@ -1054,7 +1159,7 @@
 </p:notes>
 </file>
 
-<file path=ppt/notesSlides/notesSlide12.xml><?xml version="1.0" encoding="utf-8"?>
+<file path=ppt/notesSlides/notesSlide13.xml><?xml version="1.0" encoding="utf-8"?>
 <p:notes xmlns:a="http://schemas.openxmlformats.org/drawingml/2006/main" xmlns:r="http://schemas.openxmlformats.org/officeDocument/2006/relationships" xmlns:p="http://schemas.openxmlformats.org/presentationml/2006/main" showMasterSp="0" showMasterPhAnim="0">
   <p:cSld>
     <p:spTree>
@@ -1083,7 +1188,7 @@
         </p:nvSpPr>
         <p:spPr>
           <a:xfrm>
-            <a:off x="381300" y="685800"/>
+            <a:off x="381000" y="685800"/>
             <a:ext cx="6096000" cy="3429000"/>
           </a:xfrm>
           <a:custGeom>
@@ -1158,7 +1263,7 @@
 </p:notes>
 </file>
 
-<file path=ppt/notesSlides/notesSlide13.xml><?xml version="1.0" encoding="utf-8"?>
+<file path=ppt/notesSlides/notesSlide14.xml><?xml version="1.0" encoding="utf-8"?>
 <p:notes xmlns:a="http://schemas.openxmlformats.org/drawingml/2006/main" xmlns:r="http://schemas.openxmlformats.org/officeDocument/2006/relationships" xmlns:p="http://schemas.openxmlformats.org/presentationml/2006/main" showMasterSp="0" showMasterPhAnim="0">
   <p:cSld>
     <p:spTree>
@@ -1187,7 +1292,7 @@
         </p:nvSpPr>
         <p:spPr>
           <a:xfrm>
-            <a:off x="381300" y="685800"/>
+            <a:off x="381000" y="685800"/>
             <a:ext cx="6096000" cy="3429000"/>
           </a:xfrm>
           <a:custGeom>
@@ -1262,7 +1367,7 @@
 </p:notes>
 </file>
 
-<file path=ppt/notesSlides/notesSlide14.xml><?xml version="1.0" encoding="utf-8"?>
+<file path=ppt/notesSlides/notesSlide15.xml><?xml version="1.0" encoding="utf-8"?>
 <p:notes xmlns:a="http://schemas.openxmlformats.org/drawingml/2006/main" xmlns:r="http://schemas.openxmlformats.org/officeDocument/2006/relationships" xmlns:p="http://schemas.openxmlformats.org/presentationml/2006/main" showMasterSp="0" showMasterPhAnim="0">
   <p:cSld>
     <p:spTree>
@@ -1291,7 +1396,7 @@
         </p:nvSpPr>
         <p:spPr>
           <a:xfrm>
-            <a:off x="381300" y="685800"/>
+            <a:off x="381000" y="685800"/>
             <a:ext cx="6096000" cy="3429000"/>
           </a:xfrm>
           <a:custGeom>
@@ -1366,7 +1471,7 @@
 </p:notes>
 </file>
 
-<file path=ppt/notesSlides/notesSlide15.xml><?xml version="1.0" encoding="utf-8"?>
+<file path=ppt/notesSlides/notesSlide16.xml><?xml version="1.0" encoding="utf-8"?>
 <p:notes xmlns:a="http://schemas.openxmlformats.org/drawingml/2006/main" xmlns:r="http://schemas.openxmlformats.org/officeDocument/2006/relationships" xmlns:p="http://schemas.openxmlformats.org/presentationml/2006/main" showMasterSp="0" showMasterPhAnim="0">
   <p:cSld>
     <p:spTree>
@@ -1470,7 +1575,7 @@
 </p:notes>
 </file>
 
-<file path=ppt/notesSlides/notesSlide16.xml><?xml version="1.0" encoding="utf-8"?>
+<file path=ppt/notesSlides/notesSlide17.xml><?xml version="1.0" encoding="utf-8"?>
 <p:notes xmlns:a="http://schemas.openxmlformats.org/drawingml/2006/main" xmlns:r="http://schemas.openxmlformats.org/officeDocument/2006/relationships" xmlns:p="http://schemas.openxmlformats.org/presentationml/2006/main" showMasterSp="0" showMasterPhAnim="0">
   <p:cSld>
     <p:spTree>
@@ -1499,7 +1604,7 @@
         </p:nvSpPr>
         <p:spPr>
           <a:xfrm>
-            <a:off x="381300" y="685800"/>
+            <a:off x="381000" y="685800"/>
             <a:ext cx="6096000" cy="3429000"/>
           </a:xfrm>
           <a:custGeom>
@@ -1574,7 +1679,7 @@
 </p:notes>
 </file>
 
-<file path=ppt/notesSlides/notesSlide17.xml><?xml version="1.0" encoding="utf-8"?>
+<file path=ppt/notesSlides/notesSlide18.xml><?xml version="1.0" encoding="utf-8"?>
 <p:notes xmlns:a="http://schemas.openxmlformats.org/drawingml/2006/main" xmlns:r="http://schemas.openxmlformats.org/officeDocument/2006/relationships" xmlns:p="http://schemas.openxmlformats.org/presentationml/2006/main" showMasterSp="0" showMasterPhAnim="0">
   <p:cSld>
     <p:spTree>
@@ -1603,7 +1708,7 @@
         </p:nvSpPr>
         <p:spPr>
           <a:xfrm>
-            <a:off x="381300" y="685800"/>
+            <a:off x="381000" y="685800"/>
             <a:ext cx="6096000" cy="3429000"/>
           </a:xfrm>
           <a:custGeom>
@@ -1678,7 +1783,7 @@
 </p:notes>
 </file>
 
-<file path=ppt/notesSlides/notesSlide18.xml><?xml version="1.0" encoding="utf-8"?>
+<file path=ppt/notesSlides/notesSlide19.xml><?xml version="1.0" encoding="utf-8"?>
 <p:notes xmlns:a="http://schemas.openxmlformats.org/drawingml/2006/main" xmlns:r="http://schemas.openxmlformats.org/officeDocument/2006/relationships" xmlns:p="http://schemas.openxmlformats.org/presentationml/2006/main" showMasterSp="0" showMasterPhAnim="0">
   <p:cSld>
     <p:spTree>
@@ -1782,7 +1887,111 @@
 </p:notes>
 </file>
 
-<file path=ppt/notesSlides/notesSlide19.xml><?xml version="1.0" encoding="utf-8"?>
+<file path=ppt/notesSlides/notesSlide2.xml><?xml version="1.0" encoding="utf-8"?>
+<p:notes xmlns:a="http://schemas.openxmlformats.org/drawingml/2006/main" xmlns:r="http://schemas.openxmlformats.org/officeDocument/2006/relationships" xmlns:p="http://schemas.openxmlformats.org/presentationml/2006/main" showMasterSp="0" showMasterPhAnim="0">
+  <p:cSld>
+    <p:spTree>
+      <p:nvGrpSpPr>
+        <p:cNvPr id="1" name="Shape 75"/>
+        <p:cNvGrpSpPr/>
+        <p:nvPr/>
+      </p:nvGrpSpPr>
+      <p:grpSpPr>
+        <a:xfrm>
+          <a:off x="0" y="0"/>
+          <a:ext cx="0" cy="0"/>
+          <a:chOff x="0" y="0"/>
+          <a:chExt cx="0" cy="0"/>
+        </a:xfrm>
+      </p:grpSpPr>
+      <p:sp>
+        <p:nvSpPr>
+          <p:cNvPr id="76" name="Google Shape;76;g10dfac643a0_0_18:notes"/>
+          <p:cNvSpPr>
+            <a:spLocks noGrp="1" noRot="1" noChangeAspect="1"/>
+          </p:cNvSpPr>
+          <p:nvPr>
+            <p:ph type="sldImg" idx="2"/>
+          </p:nvPr>
+        </p:nvSpPr>
+        <p:spPr>
+          <a:xfrm>
+            <a:off x="381000" y="685800"/>
+            <a:ext cx="6096000" cy="3429000"/>
+          </a:xfrm>
+          <a:custGeom>
+            <a:avLst/>
+            <a:gdLst/>
+            <a:ahLst/>
+            <a:cxnLst/>
+            <a:rect l="l" t="t" r="r" b="b"/>
+            <a:pathLst>
+              <a:path w="120000" h="120000" extrusionOk="0">
+                <a:moveTo>
+                  <a:pt x="0" y="0"/>
+                </a:moveTo>
+                <a:lnTo>
+                  <a:pt x="120000" y="0"/>
+                </a:lnTo>
+                <a:lnTo>
+                  <a:pt x="120000" y="120000"/>
+                </a:lnTo>
+                <a:lnTo>
+                  <a:pt x="0" y="120000"/>
+                </a:lnTo>
+                <a:close/>
+              </a:path>
+            </a:pathLst>
+          </a:custGeom>
+        </p:spPr>
+      </p:sp>
+      <p:sp>
+        <p:nvSpPr>
+          <p:cNvPr id="77" name="Google Shape;77;g10dfac643a0_0_18:notes"/>
+          <p:cNvSpPr txBox="1">
+            <a:spLocks noGrp="1"/>
+          </p:cNvSpPr>
+          <p:nvPr>
+            <p:ph type="body" idx="1"/>
+          </p:nvPr>
+        </p:nvSpPr>
+        <p:spPr>
+          <a:xfrm>
+            <a:off x="685800" y="4343400"/>
+            <a:ext cx="5486400" cy="4114800"/>
+          </a:xfrm>
+          <a:prstGeom prst="rect">
+            <a:avLst/>
+          </a:prstGeom>
+        </p:spPr>
+        <p:txBody>
+          <a:bodyPr spcFirstLastPara="1" wrap="square" lIns="91425" tIns="91425" rIns="91425" bIns="91425" anchor="t" anchorCtr="0">
+            <a:noAutofit/>
+          </a:bodyPr>
+          <a:lstStyle/>
+          <a:p>
+            <a:pPr marL="0" lvl="0" indent="0" algn="l" rtl="0">
+              <a:spcBef>
+                <a:spcPts val="0"/>
+              </a:spcBef>
+              <a:spcAft>
+                <a:spcPts val="0"/>
+              </a:spcAft>
+              <a:buNone/>
+            </a:pPr>
+            <a:endParaRPr dirty="0"/>
+          </a:p>
+        </p:txBody>
+      </p:sp>
+    </p:spTree>
+  </p:cSld>
+  <p:clrMapOvr>
+    <a:masterClrMapping/>
+  </p:clrMapOvr>
+</p:notes>
+</file>
+
+<file path=ppt/notesSlides/notesSlide20.xml><?xml version="1.0" encoding="utf-8"?>
 <p:notes xmlns:a="http://schemas.openxmlformats.org/drawingml/2006/main" xmlns:r="http://schemas.openxmlformats.org/officeDocument/2006/relationships" xmlns:p="http://schemas.openxmlformats.org/presentationml/2006/main" showMasterSp="0" showMasterPhAnim="0">
   <p:cSld>
     <p:spTree>
@@ -1886,7 +2095,951 @@
 </p:notes>
 </file>
 
-<file path=ppt/notesSlides/notesSlide2.xml><?xml version="1.0" encoding="utf-8"?>
+<file path=ppt/notesSlides/notesSlide21.xml><?xml version="1.0" encoding="utf-8"?>
+<p:notes xmlns:a="http://schemas.openxmlformats.org/drawingml/2006/main" xmlns:r="http://schemas.openxmlformats.org/officeDocument/2006/relationships" xmlns:p="http://schemas.openxmlformats.org/presentationml/2006/main" showMasterSp="0" showMasterPhAnim="0">
+  <p:cSld>
+    <p:spTree>
+      <p:nvGrpSpPr>
+        <p:cNvPr id="1" name="Shape 209"/>
+        <p:cNvGrpSpPr/>
+        <p:nvPr/>
+      </p:nvGrpSpPr>
+      <p:grpSpPr>
+        <a:xfrm>
+          <a:off x="0" y="0"/>
+          <a:ext cx="0" cy="0"/>
+          <a:chOff x="0" y="0"/>
+          <a:chExt cx="0" cy="0"/>
+        </a:xfrm>
+      </p:grpSpPr>
+      <p:sp>
+        <p:nvSpPr>
+          <p:cNvPr id="210" name="Google Shape;210;g11468c29934_0_101:notes"/>
+          <p:cNvSpPr>
+            <a:spLocks noGrp="1" noRot="1" noChangeAspect="1"/>
+          </p:cNvSpPr>
+          <p:nvPr>
+            <p:ph type="sldImg" idx="2"/>
+          </p:nvPr>
+        </p:nvSpPr>
+        <p:spPr>
+          <a:xfrm>
+            <a:off x="381300" y="685800"/>
+            <a:ext cx="6096000" cy="3429000"/>
+          </a:xfrm>
+          <a:custGeom>
+            <a:avLst/>
+            <a:gdLst/>
+            <a:ahLst/>
+            <a:cxnLst/>
+            <a:rect l="l" t="t" r="r" b="b"/>
+            <a:pathLst>
+              <a:path w="120000" h="120000" extrusionOk="0">
+                <a:moveTo>
+                  <a:pt x="0" y="0"/>
+                </a:moveTo>
+                <a:lnTo>
+                  <a:pt x="120000" y="0"/>
+                </a:lnTo>
+                <a:lnTo>
+                  <a:pt x="120000" y="120000"/>
+                </a:lnTo>
+                <a:lnTo>
+                  <a:pt x="0" y="120000"/>
+                </a:lnTo>
+                <a:close/>
+              </a:path>
+            </a:pathLst>
+          </a:custGeom>
+        </p:spPr>
+      </p:sp>
+      <p:sp>
+        <p:nvSpPr>
+          <p:cNvPr id="211" name="Google Shape;211;g11468c29934_0_101:notes"/>
+          <p:cNvSpPr txBox="1">
+            <a:spLocks noGrp="1"/>
+          </p:cNvSpPr>
+          <p:nvPr>
+            <p:ph type="body" idx="1"/>
+          </p:nvPr>
+        </p:nvSpPr>
+        <p:spPr>
+          <a:xfrm>
+            <a:off x="685800" y="4343400"/>
+            <a:ext cx="5486400" cy="4114800"/>
+          </a:xfrm>
+          <a:prstGeom prst="rect">
+            <a:avLst/>
+          </a:prstGeom>
+        </p:spPr>
+        <p:txBody>
+          <a:bodyPr spcFirstLastPara="1" wrap="square" lIns="91425" tIns="91425" rIns="91425" bIns="91425" anchor="t" anchorCtr="0">
+            <a:noAutofit/>
+          </a:bodyPr>
+          <a:lstStyle/>
+          <a:p>
+            <a:pPr marL="0" lvl="0" indent="0" algn="l" rtl="0">
+              <a:spcBef>
+                <a:spcPts val="0"/>
+              </a:spcBef>
+              <a:spcAft>
+                <a:spcPts val="0"/>
+              </a:spcAft>
+              <a:buNone/>
+            </a:pPr>
+            <a:endParaRPr/>
+          </a:p>
+        </p:txBody>
+      </p:sp>
+    </p:spTree>
+  </p:cSld>
+  <p:clrMapOvr>
+    <a:masterClrMapping/>
+  </p:clrMapOvr>
+</p:notes>
+</file>
+
+<file path=ppt/notesSlides/notesSlide22.xml><?xml version="1.0" encoding="utf-8"?>
+<p:notes xmlns:a="http://schemas.openxmlformats.org/drawingml/2006/main" xmlns:r="http://schemas.openxmlformats.org/officeDocument/2006/relationships" xmlns:p="http://schemas.openxmlformats.org/presentationml/2006/main" showMasterSp="0" showMasterPhAnim="0">
+  <p:cSld>
+    <p:spTree>
+      <p:nvGrpSpPr>
+        <p:cNvPr id="1" name="Shape 216"/>
+        <p:cNvGrpSpPr/>
+        <p:nvPr/>
+      </p:nvGrpSpPr>
+      <p:grpSpPr>
+        <a:xfrm>
+          <a:off x="0" y="0"/>
+          <a:ext cx="0" cy="0"/>
+          <a:chOff x="0" y="0"/>
+          <a:chExt cx="0" cy="0"/>
+        </a:xfrm>
+      </p:grpSpPr>
+      <p:sp>
+        <p:nvSpPr>
+          <p:cNvPr id="217" name="Google Shape;217;g11468c29934_0_107:notes"/>
+          <p:cNvSpPr>
+            <a:spLocks noGrp="1" noRot="1" noChangeAspect="1"/>
+          </p:cNvSpPr>
+          <p:nvPr>
+            <p:ph type="sldImg" idx="2"/>
+          </p:nvPr>
+        </p:nvSpPr>
+        <p:spPr>
+          <a:xfrm>
+            <a:off x="381300" y="685800"/>
+            <a:ext cx="6096000" cy="3429000"/>
+          </a:xfrm>
+          <a:custGeom>
+            <a:avLst/>
+            <a:gdLst/>
+            <a:ahLst/>
+            <a:cxnLst/>
+            <a:rect l="l" t="t" r="r" b="b"/>
+            <a:pathLst>
+              <a:path w="120000" h="120000" extrusionOk="0">
+                <a:moveTo>
+                  <a:pt x="0" y="0"/>
+                </a:moveTo>
+                <a:lnTo>
+                  <a:pt x="120000" y="0"/>
+                </a:lnTo>
+                <a:lnTo>
+                  <a:pt x="120000" y="120000"/>
+                </a:lnTo>
+                <a:lnTo>
+                  <a:pt x="0" y="120000"/>
+                </a:lnTo>
+                <a:close/>
+              </a:path>
+            </a:pathLst>
+          </a:custGeom>
+        </p:spPr>
+      </p:sp>
+      <p:sp>
+        <p:nvSpPr>
+          <p:cNvPr id="218" name="Google Shape;218;g11468c29934_0_107:notes"/>
+          <p:cNvSpPr txBox="1">
+            <a:spLocks noGrp="1"/>
+          </p:cNvSpPr>
+          <p:nvPr>
+            <p:ph type="body" idx="1"/>
+          </p:nvPr>
+        </p:nvSpPr>
+        <p:spPr>
+          <a:xfrm>
+            <a:off x="685800" y="4343400"/>
+            <a:ext cx="5486400" cy="4114800"/>
+          </a:xfrm>
+          <a:prstGeom prst="rect">
+            <a:avLst/>
+          </a:prstGeom>
+        </p:spPr>
+        <p:txBody>
+          <a:bodyPr spcFirstLastPara="1" wrap="square" lIns="91425" tIns="91425" rIns="91425" bIns="91425" anchor="t" anchorCtr="0">
+            <a:noAutofit/>
+          </a:bodyPr>
+          <a:lstStyle/>
+          <a:p>
+            <a:pPr marL="0" lvl="0" indent="0" algn="l" rtl="0">
+              <a:spcBef>
+                <a:spcPts val="0"/>
+              </a:spcBef>
+              <a:spcAft>
+                <a:spcPts val="0"/>
+              </a:spcAft>
+              <a:buNone/>
+            </a:pPr>
+            <a:endParaRPr/>
+          </a:p>
+        </p:txBody>
+      </p:sp>
+    </p:spTree>
+  </p:cSld>
+  <p:clrMapOvr>
+    <a:masterClrMapping/>
+  </p:clrMapOvr>
+</p:notes>
+</file>
+
+<file path=ppt/notesSlides/notesSlide23.xml><?xml version="1.0" encoding="utf-8"?>
+<p:notes xmlns:a="http://schemas.openxmlformats.org/drawingml/2006/main" xmlns:r="http://schemas.openxmlformats.org/officeDocument/2006/relationships" xmlns:p="http://schemas.openxmlformats.org/presentationml/2006/main" showMasterSp="0" showMasterPhAnim="0">
+  <p:cSld>
+    <p:spTree>
+      <p:nvGrpSpPr>
+        <p:cNvPr id="1" name="Shape 223"/>
+        <p:cNvGrpSpPr/>
+        <p:nvPr/>
+      </p:nvGrpSpPr>
+      <p:grpSpPr>
+        <a:xfrm>
+          <a:off x="0" y="0"/>
+          <a:ext cx="0" cy="0"/>
+          <a:chOff x="0" y="0"/>
+          <a:chExt cx="0" cy="0"/>
+        </a:xfrm>
+      </p:grpSpPr>
+      <p:sp>
+        <p:nvSpPr>
+          <p:cNvPr id="224" name="Google Shape;224;g11468c29934_0_113:notes"/>
+          <p:cNvSpPr>
+            <a:spLocks noGrp="1" noRot="1" noChangeAspect="1"/>
+          </p:cNvSpPr>
+          <p:nvPr>
+            <p:ph type="sldImg" idx="2"/>
+          </p:nvPr>
+        </p:nvSpPr>
+        <p:spPr>
+          <a:xfrm>
+            <a:off x="381300" y="685800"/>
+            <a:ext cx="6096000" cy="3429000"/>
+          </a:xfrm>
+          <a:custGeom>
+            <a:avLst/>
+            <a:gdLst/>
+            <a:ahLst/>
+            <a:cxnLst/>
+            <a:rect l="l" t="t" r="r" b="b"/>
+            <a:pathLst>
+              <a:path w="120000" h="120000" extrusionOk="0">
+                <a:moveTo>
+                  <a:pt x="0" y="0"/>
+                </a:moveTo>
+                <a:lnTo>
+                  <a:pt x="120000" y="0"/>
+                </a:lnTo>
+                <a:lnTo>
+                  <a:pt x="120000" y="120000"/>
+                </a:lnTo>
+                <a:lnTo>
+                  <a:pt x="0" y="120000"/>
+                </a:lnTo>
+                <a:close/>
+              </a:path>
+            </a:pathLst>
+          </a:custGeom>
+        </p:spPr>
+      </p:sp>
+      <p:sp>
+        <p:nvSpPr>
+          <p:cNvPr id="225" name="Google Shape;225;g11468c29934_0_113:notes"/>
+          <p:cNvSpPr txBox="1">
+            <a:spLocks noGrp="1"/>
+          </p:cNvSpPr>
+          <p:nvPr>
+            <p:ph type="body" idx="1"/>
+          </p:nvPr>
+        </p:nvSpPr>
+        <p:spPr>
+          <a:xfrm>
+            <a:off x="685800" y="4343400"/>
+            <a:ext cx="5486400" cy="4114800"/>
+          </a:xfrm>
+          <a:prstGeom prst="rect">
+            <a:avLst/>
+          </a:prstGeom>
+        </p:spPr>
+        <p:txBody>
+          <a:bodyPr spcFirstLastPara="1" wrap="square" lIns="91425" tIns="91425" rIns="91425" bIns="91425" anchor="t" anchorCtr="0">
+            <a:noAutofit/>
+          </a:bodyPr>
+          <a:lstStyle/>
+          <a:p>
+            <a:pPr marL="0" lvl="0" indent="0" algn="l" rtl="0">
+              <a:spcBef>
+                <a:spcPts val="0"/>
+              </a:spcBef>
+              <a:spcAft>
+                <a:spcPts val="0"/>
+              </a:spcAft>
+              <a:buNone/>
+            </a:pPr>
+            <a:r>
+              <a:rPr lang="en"/>
+              <a:t>TODO Nick says this is a random key, but it’s really a fixed key (and a random input as part of the input to the fixed Feistel network)</a:t>
+            </a:r>
+            <a:endParaRPr/>
+          </a:p>
+        </p:txBody>
+      </p:sp>
+    </p:spTree>
+  </p:cSld>
+  <p:clrMapOvr>
+    <a:masterClrMapping/>
+  </p:clrMapOvr>
+</p:notes>
+</file>
+
+<file path=ppt/notesSlides/notesSlide24.xml><?xml version="1.0" encoding="utf-8"?>
+<p:notes xmlns:a="http://schemas.openxmlformats.org/drawingml/2006/main" xmlns:r="http://schemas.openxmlformats.org/officeDocument/2006/relationships" xmlns:p="http://schemas.openxmlformats.org/presentationml/2006/main" showMasterSp="0" showMasterPhAnim="0">
+  <p:cSld>
+    <p:spTree>
+      <p:nvGrpSpPr>
+        <p:cNvPr id="1" name="Shape 230"/>
+        <p:cNvGrpSpPr/>
+        <p:nvPr/>
+      </p:nvGrpSpPr>
+      <p:grpSpPr>
+        <a:xfrm>
+          <a:off x="0" y="0"/>
+          <a:ext cx="0" cy="0"/>
+          <a:chOff x="0" y="0"/>
+          <a:chExt cx="0" cy="0"/>
+        </a:xfrm>
+      </p:grpSpPr>
+      <p:sp>
+        <p:nvSpPr>
+          <p:cNvPr id="231" name="Google Shape;231;g11468c29934_0_119:notes"/>
+          <p:cNvSpPr>
+            <a:spLocks noGrp="1" noRot="1" noChangeAspect="1"/>
+          </p:cNvSpPr>
+          <p:nvPr>
+            <p:ph type="sldImg" idx="2"/>
+          </p:nvPr>
+        </p:nvSpPr>
+        <p:spPr>
+          <a:xfrm>
+            <a:off x="381300" y="685800"/>
+            <a:ext cx="6096000" cy="3429000"/>
+          </a:xfrm>
+          <a:custGeom>
+            <a:avLst/>
+            <a:gdLst/>
+            <a:ahLst/>
+            <a:cxnLst/>
+            <a:rect l="l" t="t" r="r" b="b"/>
+            <a:pathLst>
+              <a:path w="120000" h="120000" extrusionOk="0">
+                <a:moveTo>
+                  <a:pt x="0" y="0"/>
+                </a:moveTo>
+                <a:lnTo>
+                  <a:pt x="120000" y="0"/>
+                </a:lnTo>
+                <a:lnTo>
+                  <a:pt x="120000" y="120000"/>
+                </a:lnTo>
+                <a:lnTo>
+                  <a:pt x="0" y="120000"/>
+                </a:lnTo>
+                <a:close/>
+              </a:path>
+            </a:pathLst>
+          </a:custGeom>
+        </p:spPr>
+      </p:sp>
+      <p:sp>
+        <p:nvSpPr>
+          <p:cNvPr id="232" name="Google Shape;232;g11468c29934_0_119:notes"/>
+          <p:cNvSpPr txBox="1">
+            <a:spLocks noGrp="1"/>
+          </p:cNvSpPr>
+          <p:nvPr>
+            <p:ph type="body" idx="1"/>
+          </p:nvPr>
+        </p:nvSpPr>
+        <p:spPr>
+          <a:xfrm>
+            <a:off x="685800" y="4343400"/>
+            <a:ext cx="5486400" cy="4114800"/>
+          </a:xfrm>
+          <a:prstGeom prst="rect">
+            <a:avLst/>
+          </a:prstGeom>
+        </p:spPr>
+        <p:txBody>
+          <a:bodyPr spcFirstLastPara="1" wrap="square" lIns="91425" tIns="91425" rIns="91425" bIns="91425" anchor="t" anchorCtr="0">
+            <a:noAutofit/>
+          </a:bodyPr>
+          <a:lstStyle/>
+          <a:p>
+            <a:pPr marL="0" lvl="0" indent="0" algn="l" rtl="0">
+              <a:spcBef>
+                <a:spcPts val="0"/>
+              </a:spcBef>
+              <a:spcAft>
+                <a:spcPts val="0"/>
+              </a:spcAft>
+              <a:buNone/>
+            </a:pPr>
+            <a:endParaRPr/>
+          </a:p>
+        </p:txBody>
+      </p:sp>
+    </p:spTree>
+  </p:cSld>
+  <p:clrMapOvr>
+    <a:masterClrMapping/>
+  </p:clrMapOvr>
+</p:notes>
+</file>
+
+<file path=ppt/notesSlides/notesSlide25.xml><?xml version="1.0" encoding="utf-8"?>
+<p:notes xmlns:a="http://schemas.openxmlformats.org/drawingml/2006/main" xmlns:r="http://schemas.openxmlformats.org/officeDocument/2006/relationships" xmlns:p="http://schemas.openxmlformats.org/presentationml/2006/main" showMasterSp="0" showMasterPhAnim="0">
+  <p:cSld>
+    <p:spTree>
+      <p:nvGrpSpPr>
+        <p:cNvPr id="1" name="Shape 238"/>
+        <p:cNvGrpSpPr/>
+        <p:nvPr/>
+      </p:nvGrpSpPr>
+      <p:grpSpPr>
+        <a:xfrm>
+          <a:off x="0" y="0"/>
+          <a:ext cx="0" cy="0"/>
+          <a:chOff x="0" y="0"/>
+          <a:chExt cx="0" cy="0"/>
+        </a:xfrm>
+      </p:grpSpPr>
+      <p:sp>
+        <p:nvSpPr>
+          <p:cNvPr id="239" name="Google Shape;239;g11468c29934_0_126:notes"/>
+          <p:cNvSpPr>
+            <a:spLocks noGrp="1" noRot="1" noChangeAspect="1"/>
+          </p:cNvSpPr>
+          <p:nvPr>
+            <p:ph type="sldImg" idx="2"/>
+          </p:nvPr>
+        </p:nvSpPr>
+        <p:spPr>
+          <a:xfrm>
+            <a:off x="381300" y="685800"/>
+            <a:ext cx="6096000" cy="3429000"/>
+          </a:xfrm>
+          <a:custGeom>
+            <a:avLst/>
+            <a:gdLst/>
+            <a:ahLst/>
+            <a:cxnLst/>
+            <a:rect l="l" t="t" r="r" b="b"/>
+            <a:pathLst>
+              <a:path w="120000" h="120000" extrusionOk="0">
+                <a:moveTo>
+                  <a:pt x="0" y="0"/>
+                </a:moveTo>
+                <a:lnTo>
+                  <a:pt x="120000" y="0"/>
+                </a:lnTo>
+                <a:lnTo>
+                  <a:pt x="120000" y="120000"/>
+                </a:lnTo>
+                <a:lnTo>
+                  <a:pt x="0" y="120000"/>
+                </a:lnTo>
+                <a:close/>
+              </a:path>
+            </a:pathLst>
+          </a:custGeom>
+        </p:spPr>
+      </p:sp>
+      <p:sp>
+        <p:nvSpPr>
+          <p:cNvPr id="240" name="Google Shape;240;g11468c29934_0_126:notes"/>
+          <p:cNvSpPr txBox="1">
+            <a:spLocks noGrp="1"/>
+          </p:cNvSpPr>
+          <p:nvPr>
+            <p:ph type="body" idx="1"/>
+          </p:nvPr>
+        </p:nvSpPr>
+        <p:spPr>
+          <a:xfrm>
+            <a:off x="685800" y="4343400"/>
+            <a:ext cx="5486400" cy="4114800"/>
+          </a:xfrm>
+          <a:prstGeom prst="rect">
+            <a:avLst/>
+          </a:prstGeom>
+        </p:spPr>
+        <p:txBody>
+          <a:bodyPr spcFirstLastPara="1" wrap="square" lIns="91425" tIns="91425" rIns="91425" bIns="91425" anchor="t" anchorCtr="0">
+            <a:noAutofit/>
+          </a:bodyPr>
+          <a:lstStyle/>
+          <a:p>
+            <a:pPr marL="0" lvl="0" indent="0" algn="l" rtl="0">
+              <a:spcBef>
+                <a:spcPts val="0"/>
+              </a:spcBef>
+              <a:spcAft>
+                <a:spcPts val="0"/>
+              </a:spcAft>
+              <a:buNone/>
+            </a:pPr>
+            <a:endParaRPr/>
+          </a:p>
+        </p:txBody>
+      </p:sp>
+    </p:spTree>
+  </p:cSld>
+  <p:clrMapOvr>
+    <a:masterClrMapping/>
+  </p:clrMapOvr>
+</p:notes>
+</file>
+
+<file path=ppt/notesSlides/notesSlide26.xml><?xml version="1.0" encoding="utf-8"?>
+<p:notes xmlns:a="http://schemas.openxmlformats.org/drawingml/2006/main" xmlns:r="http://schemas.openxmlformats.org/officeDocument/2006/relationships" xmlns:p="http://schemas.openxmlformats.org/presentationml/2006/main" showMasterSp="0" showMasterPhAnim="0">
+  <p:cSld>
+    <p:spTree>
+      <p:nvGrpSpPr>
+        <p:cNvPr id="1" name="Shape 246"/>
+        <p:cNvGrpSpPr/>
+        <p:nvPr/>
+      </p:nvGrpSpPr>
+      <p:grpSpPr>
+        <a:xfrm>
+          <a:off x="0" y="0"/>
+          <a:ext cx="0" cy="0"/>
+          <a:chOff x="0" y="0"/>
+          <a:chExt cx="0" cy="0"/>
+        </a:xfrm>
+      </p:grpSpPr>
+      <p:sp>
+        <p:nvSpPr>
+          <p:cNvPr id="247" name="Google Shape;247;g11468c29934_0_133:notes"/>
+          <p:cNvSpPr>
+            <a:spLocks noGrp="1" noRot="1" noChangeAspect="1"/>
+          </p:cNvSpPr>
+          <p:nvPr>
+            <p:ph type="sldImg" idx="2"/>
+          </p:nvPr>
+        </p:nvSpPr>
+        <p:spPr>
+          <a:xfrm>
+            <a:off x="381300" y="685800"/>
+            <a:ext cx="6096000" cy="3429000"/>
+          </a:xfrm>
+          <a:custGeom>
+            <a:avLst/>
+            <a:gdLst/>
+            <a:ahLst/>
+            <a:cxnLst/>
+            <a:rect l="l" t="t" r="r" b="b"/>
+            <a:pathLst>
+              <a:path w="120000" h="120000" extrusionOk="0">
+                <a:moveTo>
+                  <a:pt x="0" y="0"/>
+                </a:moveTo>
+                <a:lnTo>
+                  <a:pt x="120000" y="0"/>
+                </a:lnTo>
+                <a:lnTo>
+                  <a:pt x="120000" y="120000"/>
+                </a:lnTo>
+                <a:lnTo>
+                  <a:pt x="0" y="120000"/>
+                </a:lnTo>
+                <a:close/>
+              </a:path>
+            </a:pathLst>
+          </a:custGeom>
+        </p:spPr>
+      </p:sp>
+      <p:sp>
+        <p:nvSpPr>
+          <p:cNvPr id="248" name="Google Shape;248;g11468c29934_0_133:notes"/>
+          <p:cNvSpPr txBox="1">
+            <a:spLocks noGrp="1"/>
+          </p:cNvSpPr>
+          <p:nvPr>
+            <p:ph type="body" idx="1"/>
+          </p:nvPr>
+        </p:nvSpPr>
+        <p:spPr>
+          <a:xfrm>
+            <a:off x="685800" y="4343400"/>
+            <a:ext cx="5486400" cy="4114800"/>
+          </a:xfrm>
+          <a:prstGeom prst="rect">
+            <a:avLst/>
+          </a:prstGeom>
+        </p:spPr>
+        <p:txBody>
+          <a:bodyPr spcFirstLastPara="1" wrap="square" lIns="91425" tIns="91425" rIns="91425" bIns="91425" anchor="t" anchorCtr="0">
+            <a:noAutofit/>
+          </a:bodyPr>
+          <a:lstStyle/>
+          <a:p>
+            <a:pPr marL="0" lvl="0" indent="0" algn="l" rtl="0">
+              <a:spcBef>
+                <a:spcPts val="0"/>
+              </a:spcBef>
+              <a:spcAft>
+                <a:spcPts val="0"/>
+              </a:spcAft>
+              <a:buNone/>
+            </a:pPr>
+            <a:endParaRPr/>
+          </a:p>
+        </p:txBody>
+      </p:sp>
+    </p:spTree>
+  </p:cSld>
+  <p:clrMapOvr>
+    <a:masterClrMapping/>
+  </p:clrMapOvr>
+</p:notes>
+</file>
+
+<file path=ppt/notesSlides/notesSlide27.xml><?xml version="1.0" encoding="utf-8"?>
+<p:notes xmlns:a="http://schemas.openxmlformats.org/drawingml/2006/main" xmlns:r="http://schemas.openxmlformats.org/officeDocument/2006/relationships" xmlns:p="http://schemas.openxmlformats.org/presentationml/2006/main" showMasterSp="0" showMasterPhAnim="0">
+  <p:cSld>
+    <p:spTree>
+      <p:nvGrpSpPr>
+        <p:cNvPr id="1" name="Shape 254"/>
+        <p:cNvGrpSpPr/>
+        <p:nvPr/>
+      </p:nvGrpSpPr>
+      <p:grpSpPr>
+        <a:xfrm>
+          <a:off x="0" y="0"/>
+          <a:ext cx="0" cy="0"/>
+          <a:chOff x="0" y="0"/>
+          <a:chExt cx="0" cy="0"/>
+        </a:xfrm>
+      </p:grpSpPr>
+      <p:sp>
+        <p:nvSpPr>
+          <p:cNvPr id="255" name="Google Shape;255;g11468c29934_0_140:notes"/>
+          <p:cNvSpPr>
+            <a:spLocks noGrp="1" noRot="1" noChangeAspect="1"/>
+          </p:cNvSpPr>
+          <p:nvPr>
+            <p:ph type="sldImg" idx="2"/>
+          </p:nvPr>
+        </p:nvSpPr>
+        <p:spPr>
+          <a:xfrm>
+            <a:off x="381300" y="685800"/>
+            <a:ext cx="6096000" cy="3429000"/>
+          </a:xfrm>
+          <a:custGeom>
+            <a:avLst/>
+            <a:gdLst/>
+            <a:ahLst/>
+            <a:cxnLst/>
+            <a:rect l="l" t="t" r="r" b="b"/>
+            <a:pathLst>
+              <a:path w="120000" h="120000" extrusionOk="0">
+                <a:moveTo>
+                  <a:pt x="0" y="0"/>
+                </a:moveTo>
+                <a:lnTo>
+                  <a:pt x="120000" y="0"/>
+                </a:lnTo>
+                <a:lnTo>
+                  <a:pt x="120000" y="120000"/>
+                </a:lnTo>
+                <a:lnTo>
+                  <a:pt x="0" y="120000"/>
+                </a:lnTo>
+                <a:close/>
+              </a:path>
+            </a:pathLst>
+          </a:custGeom>
+        </p:spPr>
+      </p:sp>
+      <p:sp>
+        <p:nvSpPr>
+          <p:cNvPr id="256" name="Google Shape;256;g11468c29934_0_140:notes"/>
+          <p:cNvSpPr txBox="1">
+            <a:spLocks noGrp="1"/>
+          </p:cNvSpPr>
+          <p:nvPr>
+            <p:ph type="body" idx="1"/>
+          </p:nvPr>
+        </p:nvSpPr>
+        <p:spPr>
+          <a:xfrm>
+            <a:off x="685800" y="4343400"/>
+            <a:ext cx="5486400" cy="4114800"/>
+          </a:xfrm>
+          <a:prstGeom prst="rect">
+            <a:avLst/>
+          </a:prstGeom>
+        </p:spPr>
+        <p:txBody>
+          <a:bodyPr spcFirstLastPara="1" wrap="square" lIns="91425" tIns="91425" rIns="91425" bIns="91425" anchor="t" anchorCtr="0">
+            <a:noAutofit/>
+          </a:bodyPr>
+          <a:lstStyle/>
+          <a:p>
+            <a:pPr marL="0" lvl="0" indent="0" algn="l" rtl="0">
+              <a:spcBef>
+                <a:spcPts val="0"/>
+              </a:spcBef>
+              <a:spcAft>
+                <a:spcPts val="0"/>
+              </a:spcAft>
+              <a:buNone/>
+            </a:pPr>
+            <a:r>
+              <a:rPr lang="en"/>
+              <a:t>Ask after presenting issues: Ideas for how to encrypt large messages efficiently?</a:t>
+            </a:r>
+            <a:endParaRPr/>
+          </a:p>
+        </p:txBody>
+      </p:sp>
+    </p:spTree>
+  </p:cSld>
+  <p:clrMapOvr>
+    <a:masterClrMapping/>
+  </p:clrMapOvr>
+</p:notes>
+</file>
+
+<file path=ppt/notesSlides/notesSlide28.xml><?xml version="1.0" encoding="utf-8"?>
+<p:notes xmlns:a="http://schemas.openxmlformats.org/drawingml/2006/main" xmlns:r="http://schemas.openxmlformats.org/officeDocument/2006/relationships" xmlns:p="http://schemas.openxmlformats.org/presentationml/2006/main" showMasterSp="0" showMasterPhAnim="0">
+  <p:cSld>
+    <p:spTree>
+      <p:nvGrpSpPr>
+        <p:cNvPr id="1" name="Shape 261"/>
+        <p:cNvGrpSpPr/>
+        <p:nvPr/>
+      </p:nvGrpSpPr>
+      <p:grpSpPr>
+        <a:xfrm>
+          <a:off x="0" y="0"/>
+          <a:ext cx="0" cy="0"/>
+          <a:chOff x="0" y="0"/>
+          <a:chExt cx="0" cy="0"/>
+        </a:xfrm>
+      </p:grpSpPr>
+      <p:sp>
+        <p:nvSpPr>
+          <p:cNvPr id="262" name="Google Shape;262;g11468c29934_0_146:notes"/>
+          <p:cNvSpPr>
+            <a:spLocks noGrp="1" noRot="1" noChangeAspect="1"/>
+          </p:cNvSpPr>
+          <p:nvPr>
+            <p:ph type="sldImg" idx="2"/>
+          </p:nvPr>
+        </p:nvSpPr>
+        <p:spPr>
+          <a:xfrm>
+            <a:off x="381000" y="685800"/>
+            <a:ext cx="6096000" cy="3429000"/>
+          </a:xfrm>
+          <a:custGeom>
+            <a:avLst/>
+            <a:gdLst/>
+            <a:ahLst/>
+            <a:cxnLst/>
+            <a:rect l="l" t="t" r="r" b="b"/>
+            <a:pathLst>
+              <a:path w="120000" h="120000" extrusionOk="0">
+                <a:moveTo>
+                  <a:pt x="0" y="0"/>
+                </a:moveTo>
+                <a:lnTo>
+                  <a:pt x="120000" y="0"/>
+                </a:lnTo>
+                <a:lnTo>
+                  <a:pt x="120000" y="120000"/>
+                </a:lnTo>
+                <a:lnTo>
+                  <a:pt x="0" y="120000"/>
+                </a:lnTo>
+                <a:close/>
+              </a:path>
+            </a:pathLst>
+          </a:custGeom>
+        </p:spPr>
+      </p:sp>
+      <p:sp>
+        <p:nvSpPr>
+          <p:cNvPr id="263" name="Google Shape;263;g11468c29934_0_146:notes"/>
+          <p:cNvSpPr txBox="1">
+            <a:spLocks noGrp="1"/>
+          </p:cNvSpPr>
+          <p:nvPr>
+            <p:ph type="body" idx="1"/>
+          </p:nvPr>
+        </p:nvSpPr>
+        <p:spPr>
+          <a:xfrm>
+            <a:off x="685800" y="4343400"/>
+            <a:ext cx="5486400" cy="4114800"/>
+          </a:xfrm>
+          <a:prstGeom prst="rect">
+            <a:avLst/>
+          </a:prstGeom>
+        </p:spPr>
+        <p:txBody>
+          <a:bodyPr spcFirstLastPara="1" wrap="square" lIns="91425" tIns="91425" rIns="91425" bIns="91425" anchor="t" anchorCtr="0">
+            <a:noAutofit/>
+          </a:bodyPr>
+          <a:lstStyle/>
+          <a:p>
+            <a:pPr marL="0" lvl="0" indent="0" algn="l" rtl="0">
+              <a:spcBef>
+                <a:spcPts val="0"/>
+              </a:spcBef>
+              <a:spcAft>
+                <a:spcPts val="0"/>
+              </a:spcAft>
+              <a:buNone/>
+            </a:pPr>
+            <a:endParaRPr/>
+          </a:p>
+        </p:txBody>
+      </p:sp>
+    </p:spTree>
+  </p:cSld>
+  <p:clrMapOvr>
+    <a:masterClrMapping/>
+  </p:clrMapOvr>
+</p:notes>
+</file>
+
+<file path=ppt/notesSlides/notesSlide29.xml><?xml version="1.0" encoding="utf-8"?>
+<p:notes xmlns:a="http://schemas.openxmlformats.org/drawingml/2006/main" xmlns:r="http://schemas.openxmlformats.org/officeDocument/2006/relationships" xmlns:p="http://schemas.openxmlformats.org/presentationml/2006/main" showMasterSp="0" showMasterPhAnim="0">
+  <p:cSld>
+    <p:spTree>
+      <p:nvGrpSpPr>
+        <p:cNvPr id="1" name="Shape 268"/>
+        <p:cNvGrpSpPr/>
+        <p:nvPr/>
+      </p:nvGrpSpPr>
+      <p:grpSpPr>
+        <a:xfrm>
+          <a:off x="0" y="0"/>
+          <a:ext cx="0" cy="0"/>
+          <a:chOff x="0" y="0"/>
+          <a:chExt cx="0" cy="0"/>
+        </a:xfrm>
+      </p:grpSpPr>
+      <p:sp>
+        <p:nvSpPr>
+          <p:cNvPr id="269" name="Google Shape;269;g11468c29934_0_151:notes"/>
+          <p:cNvSpPr>
+            <a:spLocks noGrp="1" noRot="1" noChangeAspect="1"/>
+          </p:cNvSpPr>
+          <p:nvPr>
+            <p:ph type="sldImg" idx="2"/>
+          </p:nvPr>
+        </p:nvSpPr>
+        <p:spPr>
+          <a:xfrm>
+            <a:off x="381000" y="685800"/>
+            <a:ext cx="6096000" cy="3429000"/>
+          </a:xfrm>
+          <a:custGeom>
+            <a:avLst/>
+            <a:gdLst/>
+            <a:ahLst/>
+            <a:cxnLst/>
+            <a:rect l="l" t="t" r="r" b="b"/>
+            <a:pathLst>
+              <a:path w="120000" h="120000" extrusionOk="0">
+                <a:moveTo>
+                  <a:pt x="0" y="0"/>
+                </a:moveTo>
+                <a:lnTo>
+                  <a:pt x="120000" y="0"/>
+                </a:lnTo>
+                <a:lnTo>
+                  <a:pt x="120000" y="120000"/>
+                </a:lnTo>
+                <a:lnTo>
+                  <a:pt x="0" y="120000"/>
+                </a:lnTo>
+                <a:close/>
+              </a:path>
+            </a:pathLst>
+          </a:custGeom>
+        </p:spPr>
+      </p:sp>
+      <p:sp>
+        <p:nvSpPr>
+          <p:cNvPr id="270" name="Google Shape;270;g11468c29934_0_151:notes"/>
+          <p:cNvSpPr txBox="1">
+            <a:spLocks noGrp="1"/>
+          </p:cNvSpPr>
+          <p:nvPr>
+            <p:ph type="body" idx="1"/>
+          </p:nvPr>
+        </p:nvSpPr>
+        <p:spPr>
+          <a:xfrm>
+            <a:off x="685800" y="4343400"/>
+            <a:ext cx="5486400" cy="4114800"/>
+          </a:xfrm>
+          <a:prstGeom prst="rect">
+            <a:avLst/>
+          </a:prstGeom>
+        </p:spPr>
+        <p:txBody>
+          <a:bodyPr spcFirstLastPara="1" wrap="square" lIns="91425" tIns="91425" rIns="91425" bIns="91425" anchor="t" anchorCtr="0">
+            <a:noAutofit/>
+          </a:bodyPr>
+          <a:lstStyle/>
+          <a:p>
+            <a:pPr marL="0" lvl="0" indent="0" algn="l" rtl="0">
+              <a:spcBef>
+                <a:spcPts val="0"/>
+              </a:spcBef>
+              <a:spcAft>
+                <a:spcPts val="0"/>
+              </a:spcAft>
+              <a:buNone/>
+            </a:pPr>
+            <a:endParaRPr/>
+          </a:p>
+        </p:txBody>
+      </p:sp>
+    </p:spTree>
+  </p:cSld>
+  <p:clrMapOvr>
+    <a:masterClrMapping/>
+  </p:clrMapOvr>
+</p:notes>
+</file>
+
+<file path=ppt/notesSlides/notesSlide3.xml><?xml version="1.0" encoding="utf-8"?>
 <p:notes xmlns:a="http://schemas.openxmlformats.org/drawingml/2006/main" xmlns:r="http://schemas.openxmlformats.org/officeDocument/2006/relationships" xmlns:p="http://schemas.openxmlformats.org/presentationml/2006/main" showMasterSp="0" showMasterPhAnim="0">
   <p:cSld>
     <p:spTree>
@@ -1990,951 +3143,7 @@
 </p:notes>
 </file>
 
-<file path=ppt/notesSlides/notesSlide20.xml><?xml version="1.0" encoding="utf-8"?>
-<p:notes xmlns:a="http://schemas.openxmlformats.org/drawingml/2006/main" xmlns:r="http://schemas.openxmlformats.org/officeDocument/2006/relationships" xmlns:p="http://schemas.openxmlformats.org/presentationml/2006/main" showMasterSp="0" showMasterPhAnim="0">
-  <p:cSld>
-    <p:spTree>
-      <p:nvGrpSpPr>
-        <p:cNvPr id="1" name="Shape 209"/>
-        <p:cNvGrpSpPr/>
-        <p:nvPr/>
-      </p:nvGrpSpPr>
-      <p:grpSpPr>
-        <a:xfrm>
-          <a:off x="0" y="0"/>
-          <a:ext cx="0" cy="0"/>
-          <a:chOff x="0" y="0"/>
-          <a:chExt cx="0" cy="0"/>
-        </a:xfrm>
-      </p:grpSpPr>
-      <p:sp>
-        <p:nvSpPr>
-          <p:cNvPr id="210" name="Google Shape;210;g11468c29934_0_101:notes"/>
-          <p:cNvSpPr>
-            <a:spLocks noGrp="1" noRot="1" noChangeAspect="1"/>
-          </p:cNvSpPr>
-          <p:nvPr>
-            <p:ph type="sldImg" idx="2"/>
-          </p:nvPr>
-        </p:nvSpPr>
-        <p:spPr>
-          <a:xfrm>
-            <a:off x="381300" y="685800"/>
-            <a:ext cx="6096000" cy="3429000"/>
-          </a:xfrm>
-          <a:custGeom>
-            <a:avLst/>
-            <a:gdLst/>
-            <a:ahLst/>
-            <a:cxnLst/>
-            <a:rect l="l" t="t" r="r" b="b"/>
-            <a:pathLst>
-              <a:path w="120000" h="120000" extrusionOk="0">
-                <a:moveTo>
-                  <a:pt x="0" y="0"/>
-                </a:moveTo>
-                <a:lnTo>
-                  <a:pt x="120000" y="0"/>
-                </a:lnTo>
-                <a:lnTo>
-                  <a:pt x="120000" y="120000"/>
-                </a:lnTo>
-                <a:lnTo>
-                  <a:pt x="0" y="120000"/>
-                </a:lnTo>
-                <a:close/>
-              </a:path>
-            </a:pathLst>
-          </a:custGeom>
-        </p:spPr>
-      </p:sp>
-      <p:sp>
-        <p:nvSpPr>
-          <p:cNvPr id="211" name="Google Shape;211;g11468c29934_0_101:notes"/>
-          <p:cNvSpPr txBox="1">
-            <a:spLocks noGrp="1"/>
-          </p:cNvSpPr>
-          <p:nvPr>
-            <p:ph type="body" idx="1"/>
-          </p:nvPr>
-        </p:nvSpPr>
-        <p:spPr>
-          <a:xfrm>
-            <a:off x="685800" y="4343400"/>
-            <a:ext cx="5486400" cy="4114800"/>
-          </a:xfrm>
-          <a:prstGeom prst="rect">
-            <a:avLst/>
-          </a:prstGeom>
-        </p:spPr>
-        <p:txBody>
-          <a:bodyPr spcFirstLastPara="1" wrap="square" lIns="91425" tIns="91425" rIns="91425" bIns="91425" anchor="t" anchorCtr="0">
-            <a:noAutofit/>
-          </a:bodyPr>
-          <a:lstStyle/>
-          <a:p>
-            <a:pPr marL="0" lvl="0" indent="0" algn="l" rtl="0">
-              <a:spcBef>
-                <a:spcPts val="0"/>
-              </a:spcBef>
-              <a:spcAft>
-                <a:spcPts val="0"/>
-              </a:spcAft>
-              <a:buNone/>
-            </a:pPr>
-            <a:endParaRPr/>
-          </a:p>
-        </p:txBody>
-      </p:sp>
-    </p:spTree>
-  </p:cSld>
-  <p:clrMapOvr>
-    <a:masterClrMapping/>
-  </p:clrMapOvr>
-</p:notes>
-</file>
-
-<file path=ppt/notesSlides/notesSlide21.xml><?xml version="1.0" encoding="utf-8"?>
-<p:notes xmlns:a="http://schemas.openxmlformats.org/drawingml/2006/main" xmlns:r="http://schemas.openxmlformats.org/officeDocument/2006/relationships" xmlns:p="http://schemas.openxmlformats.org/presentationml/2006/main" showMasterSp="0" showMasterPhAnim="0">
-  <p:cSld>
-    <p:spTree>
-      <p:nvGrpSpPr>
-        <p:cNvPr id="1" name="Shape 216"/>
-        <p:cNvGrpSpPr/>
-        <p:nvPr/>
-      </p:nvGrpSpPr>
-      <p:grpSpPr>
-        <a:xfrm>
-          <a:off x="0" y="0"/>
-          <a:ext cx="0" cy="0"/>
-          <a:chOff x="0" y="0"/>
-          <a:chExt cx="0" cy="0"/>
-        </a:xfrm>
-      </p:grpSpPr>
-      <p:sp>
-        <p:nvSpPr>
-          <p:cNvPr id="217" name="Google Shape;217;g11468c29934_0_107:notes"/>
-          <p:cNvSpPr>
-            <a:spLocks noGrp="1" noRot="1" noChangeAspect="1"/>
-          </p:cNvSpPr>
-          <p:nvPr>
-            <p:ph type="sldImg" idx="2"/>
-          </p:nvPr>
-        </p:nvSpPr>
-        <p:spPr>
-          <a:xfrm>
-            <a:off x="381300" y="685800"/>
-            <a:ext cx="6096000" cy="3429000"/>
-          </a:xfrm>
-          <a:custGeom>
-            <a:avLst/>
-            <a:gdLst/>
-            <a:ahLst/>
-            <a:cxnLst/>
-            <a:rect l="l" t="t" r="r" b="b"/>
-            <a:pathLst>
-              <a:path w="120000" h="120000" extrusionOk="0">
-                <a:moveTo>
-                  <a:pt x="0" y="0"/>
-                </a:moveTo>
-                <a:lnTo>
-                  <a:pt x="120000" y="0"/>
-                </a:lnTo>
-                <a:lnTo>
-                  <a:pt x="120000" y="120000"/>
-                </a:lnTo>
-                <a:lnTo>
-                  <a:pt x="0" y="120000"/>
-                </a:lnTo>
-                <a:close/>
-              </a:path>
-            </a:pathLst>
-          </a:custGeom>
-        </p:spPr>
-      </p:sp>
-      <p:sp>
-        <p:nvSpPr>
-          <p:cNvPr id="218" name="Google Shape;218;g11468c29934_0_107:notes"/>
-          <p:cNvSpPr txBox="1">
-            <a:spLocks noGrp="1"/>
-          </p:cNvSpPr>
-          <p:nvPr>
-            <p:ph type="body" idx="1"/>
-          </p:nvPr>
-        </p:nvSpPr>
-        <p:spPr>
-          <a:xfrm>
-            <a:off x="685800" y="4343400"/>
-            <a:ext cx="5486400" cy="4114800"/>
-          </a:xfrm>
-          <a:prstGeom prst="rect">
-            <a:avLst/>
-          </a:prstGeom>
-        </p:spPr>
-        <p:txBody>
-          <a:bodyPr spcFirstLastPara="1" wrap="square" lIns="91425" tIns="91425" rIns="91425" bIns="91425" anchor="t" anchorCtr="0">
-            <a:noAutofit/>
-          </a:bodyPr>
-          <a:lstStyle/>
-          <a:p>
-            <a:pPr marL="0" lvl="0" indent="0" algn="l" rtl="0">
-              <a:spcBef>
-                <a:spcPts val="0"/>
-              </a:spcBef>
-              <a:spcAft>
-                <a:spcPts val="0"/>
-              </a:spcAft>
-              <a:buNone/>
-            </a:pPr>
-            <a:endParaRPr/>
-          </a:p>
-        </p:txBody>
-      </p:sp>
-    </p:spTree>
-  </p:cSld>
-  <p:clrMapOvr>
-    <a:masterClrMapping/>
-  </p:clrMapOvr>
-</p:notes>
-</file>
-
-<file path=ppt/notesSlides/notesSlide22.xml><?xml version="1.0" encoding="utf-8"?>
-<p:notes xmlns:a="http://schemas.openxmlformats.org/drawingml/2006/main" xmlns:r="http://schemas.openxmlformats.org/officeDocument/2006/relationships" xmlns:p="http://schemas.openxmlformats.org/presentationml/2006/main" showMasterSp="0" showMasterPhAnim="0">
-  <p:cSld>
-    <p:spTree>
-      <p:nvGrpSpPr>
-        <p:cNvPr id="1" name="Shape 223"/>
-        <p:cNvGrpSpPr/>
-        <p:nvPr/>
-      </p:nvGrpSpPr>
-      <p:grpSpPr>
-        <a:xfrm>
-          <a:off x="0" y="0"/>
-          <a:ext cx="0" cy="0"/>
-          <a:chOff x="0" y="0"/>
-          <a:chExt cx="0" cy="0"/>
-        </a:xfrm>
-      </p:grpSpPr>
-      <p:sp>
-        <p:nvSpPr>
-          <p:cNvPr id="224" name="Google Shape;224;g11468c29934_0_113:notes"/>
-          <p:cNvSpPr>
-            <a:spLocks noGrp="1" noRot="1" noChangeAspect="1"/>
-          </p:cNvSpPr>
-          <p:nvPr>
-            <p:ph type="sldImg" idx="2"/>
-          </p:nvPr>
-        </p:nvSpPr>
-        <p:spPr>
-          <a:xfrm>
-            <a:off x="381300" y="685800"/>
-            <a:ext cx="6096000" cy="3429000"/>
-          </a:xfrm>
-          <a:custGeom>
-            <a:avLst/>
-            <a:gdLst/>
-            <a:ahLst/>
-            <a:cxnLst/>
-            <a:rect l="l" t="t" r="r" b="b"/>
-            <a:pathLst>
-              <a:path w="120000" h="120000" extrusionOk="0">
-                <a:moveTo>
-                  <a:pt x="0" y="0"/>
-                </a:moveTo>
-                <a:lnTo>
-                  <a:pt x="120000" y="0"/>
-                </a:lnTo>
-                <a:lnTo>
-                  <a:pt x="120000" y="120000"/>
-                </a:lnTo>
-                <a:lnTo>
-                  <a:pt x="0" y="120000"/>
-                </a:lnTo>
-                <a:close/>
-              </a:path>
-            </a:pathLst>
-          </a:custGeom>
-        </p:spPr>
-      </p:sp>
-      <p:sp>
-        <p:nvSpPr>
-          <p:cNvPr id="225" name="Google Shape;225;g11468c29934_0_113:notes"/>
-          <p:cNvSpPr txBox="1">
-            <a:spLocks noGrp="1"/>
-          </p:cNvSpPr>
-          <p:nvPr>
-            <p:ph type="body" idx="1"/>
-          </p:nvPr>
-        </p:nvSpPr>
-        <p:spPr>
-          <a:xfrm>
-            <a:off x="685800" y="4343400"/>
-            <a:ext cx="5486400" cy="4114800"/>
-          </a:xfrm>
-          <a:prstGeom prst="rect">
-            <a:avLst/>
-          </a:prstGeom>
-        </p:spPr>
-        <p:txBody>
-          <a:bodyPr spcFirstLastPara="1" wrap="square" lIns="91425" tIns="91425" rIns="91425" bIns="91425" anchor="t" anchorCtr="0">
-            <a:noAutofit/>
-          </a:bodyPr>
-          <a:lstStyle/>
-          <a:p>
-            <a:pPr marL="0" lvl="0" indent="0" algn="l" rtl="0">
-              <a:spcBef>
-                <a:spcPts val="0"/>
-              </a:spcBef>
-              <a:spcAft>
-                <a:spcPts val="0"/>
-              </a:spcAft>
-              <a:buNone/>
-            </a:pPr>
-            <a:r>
-              <a:rPr lang="en"/>
-              <a:t>TODO Nick says this is a random key, but it’s really a fixed key (and a random input as part of the input to the fixed Feistel network)</a:t>
-            </a:r>
-            <a:endParaRPr/>
-          </a:p>
-        </p:txBody>
-      </p:sp>
-    </p:spTree>
-  </p:cSld>
-  <p:clrMapOvr>
-    <a:masterClrMapping/>
-  </p:clrMapOvr>
-</p:notes>
-</file>
-
-<file path=ppt/notesSlides/notesSlide23.xml><?xml version="1.0" encoding="utf-8"?>
-<p:notes xmlns:a="http://schemas.openxmlformats.org/drawingml/2006/main" xmlns:r="http://schemas.openxmlformats.org/officeDocument/2006/relationships" xmlns:p="http://schemas.openxmlformats.org/presentationml/2006/main" showMasterSp="0" showMasterPhAnim="0">
-  <p:cSld>
-    <p:spTree>
-      <p:nvGrpSpPr>
-        <p:cNvPr id="1" name="Shape 230"/>
-        <p:cNvGrpSpPr/>
-        <p:nvPr/>
-      </p:nvGrpSpPr>
-      <p:grpSpPr>
-        <a:xfrm>
-          <a:off x="0" y="0"/>
-          <a:ext cx="0" cy="0"/>
-          <a:chOff x="0" y="0"/>
-          <a:chExt cx="0" cy="0"/>
-        </a:xfrm>
-      </p:grpSpPr>
-      <p:sp>
-        <p:nvSpPr>
-          <p:cNvPr id="231" name="Google Shape;231;g11468c29934_0_119:notes"/>
-          <p:cNvSpPr>
-            <a:spLocks noGrp="1" noRot="1" noChangeAspect="1"/>
-          </p:cNvSpPr>
-          <p:nvPr>
-            <p:ph type="sldImg" idx="2"/>
-          </p:nvPr>
-        </p:nvSpPr>
-        <p:spPr>
-          <a:xfrm>
-            <a:off x="381300" y="685800"/>
-            <a:ext cx="6096000" cy="3429000"/>
-          </a:xfrm>
-          <a:custGeom>
-            <a:avLst/>
-            <a:gdLst/>
-            <a:ahLst/>
-            <a:cxnLst/>
-            <a:rect l="l" t="t" r="r" b="b"/>
-            <a:pathLst>
-              <a:path w="120000" h="120000" extrusionOk="0">
-                <a:moveTo>
-                  <a:pt x="0" y="0"/>
-                </a:moveTo>
-                <a:lnTo>
-                  <a:pt x="120000" y="0"/>
-                </a:lnTo>
-                <a:lnTo>
-                  <a:pt x="120000" y="120000"/>
-                </a:lnTo>
-                <a:lnTo>
-                  <a:pt x="0" y="120000"/>
-                </a:lnTo>
-                <a:close/>
-              </a:path>
-            </a:pathLst>
-          </a:custGeom>
-        </p:spPr>
-      </p:sp>
-      <p:sp>
-        <p:nvSpPr>
-          <p:cNvPr id="232" name="Google Shape;232;g11468c29934_0_119:notes"/>
-          <p:cNvSpPr txBox="1">
-            <a:spLocks noGrp="1"/>
-          </p:cNvSpPr>
-          <p:nvPr>
-            <p:ph type="body" idx="1"/>
-          </p:nvPr>
-        </p:nvSpPr>
-        <p:spPr>
-          <a:xfrm>
-            <a:off x="685800" y="4343400"/>
-            <a:ext cx="5486400" cy="4114800"/>
-          </a:xfrm>
-          <a:prstGeom prst="rect">
-            <a:avLst/>
-          </a:prstGeom>
-        </p:spPr>
-        <p:txBody>
-          <a:bodyPr spcFirstLastPara="1" wrap="square" lIns="91425" tIns="91425" rIns="91425" bIns="91425" anchor="t" anchorCtr="0">
-            <a:noAutofit/>
-          </a:bodyPr>
-          <a:lstStyle/>
-          <a:p>
-            <a:pPr marL="0" lvl="0" indent="0" algn="l" rtl="0">
-              <a:spcBef>
-                <a:spcPts val="0"/>
-              </a:spcBef>
-              <a:spcAft>
-                <a:spcPts val="0"/>
-              </a:spcAft>
-              <a:buNone/>
-            </a:pPr>
-            <a:endParaRPr/>
-          </a:p>
-        </p:txBody>
-      </p:sp>
-    </p:spTree>
-  </p:cSld>
-  <p:clrMapOvr>
-    <a:masterClrMapping/>
-  </p:clrMapOvr>
-</p:notes>
-</file>
-
-<file path=ppt/notesSlides/notesSlide24.xml><?xml version="1.0" encoding="utf-8"?>
-<p:notes xmlns:a="http://schemas.openxmlformats.org/drawingml/2006/main" xmlns:r="http://schemas.openxmlformats.org/officeDocument/2006/relationships" xmlns:p="http://schemas.openxmlformats.org/presentationml/2006/main" showMasterSp="0" showMasterPhAnim="0">
-  <p:cSld>
-    <p:spTree>
-      <p:nvGrpSpPr>
-        <p:cNvPr id="1" name="Shape 238"/>
-        <p:cNvGrpSpPr/>
-        <p:nvPr/>
-      </p:nvGrpSpPr>
-      <p:grpSpPr>
-        <a:xfrm>
-          <a:off x="0" y="0"/>
-          <a:ext cx="0" cy="0"/>
-          <a:chOff x="0" y="0"/>
-          <a:chExt cx="0" cy="0"/>
-        </a:xfrm>
-      </p:grpSpPr>
-      <p:sp>
-        <p:nvSpPr>
-          <p:cNvPr id="239" name="Google Shape;239;g11468c29934_0_126:notes"/>
-          <p:cNvSpPr>
-            <a:spLocks noGrp="1" noRot="1" noChangeAspect="1"/>
-          </p:cNvSpPr>
-          <p:nvPr>
-            <p:ph type="sldImg" idx="2"/>
-          </p:nvPr>
-        </p:nvSpPr>
-        <p:spPr>
-          <a:xfrm>
-            <a:off x="381300" y="685800"/>
-            <a:ext cx="6096000" cy="3429000"/>
-          </a:xfrm>
-          <a:custGeom>
-            <a:avLst/>
-            <a:gdLst/>
-            <a:ahLst/>
-            <a:cxnLst/>
-            <a:rect l="l" t="t" r="r" b="b"/>
-            <a:pathLst>
-              <a:path w="120000" h="120000" extrusionOk="0">
-                <a:moveTo>
-                  <a:pt x="0" y="0"/>
-                </a:moveTo>
-                <a:lnTo>
-                  <a:pt x="120000" y="0"/>
-                </a:lnTo>
-                <a:lnTo>
-                  <a:pt x="120000" y="120000"/>
-                </a:lnTo>
-                <a:lnTo>
-                  <a:pt x="0" y="120000"/>
-                </a:lnTo>
-                <a:close/>
-              </a:path>
-            </a:pathLst>
-          </a:custGeom>
-        </p:spPr>
-      </p:sp>
-      <p:sp>
-        <p:nvSpPr>
-          <p:cNvPr id="240" name="Google Shape;240;g11468c29934_0_126:notes"/>
-          <p:cNvSpPr txBox="1">
-            <a:spLocks noGrp="1"/>
-          </p:cNvSpPr>
-          <p:nvPr>
-            <p:ph type="body" idx="1"/>
-          </p:nvPr>
-        </p:nvSpPr>
-        <p:spPr>
-          <a:xfrm>
-            <a:off x="685800" y="4343400"/>
-            <a:ext cx="5486400" cy="4114800"/>
-          </a:xfrm>
-          <a:prstGeom prst="rect">
-            <a:avLst/>
-          </a:prstGeom>
-        </p:spPr>
-        <p:txBody>
-          <a:bodyPr spcFirstLastPara="1" wrap="square" lIns="91425" tIns="91425" rIns="91425" bIns="91425" anchor="t" anchorCtr="0">
-            <a:noAutofit/>
-          </a:bodyPr>
-          <a:lstStyle/>
-          <a:p>
-            <a:pPr marL="0" lvl="0" indent="0" algn="l" rtl="0">
-              <a:spcBef>
-                <a:spcPts val="0"/>
-              </a:spcBef>
-              <a:spcAft>
-                <a:spcPts val="0"/>
-              </a:spcAft>
-              <a:buNone/>
-            </a:pPr>
-            <a:endParaRPr/>
-          </a:p>
-        </p:txBody>
-      </p:sp>
-    </p:spTree>
-  </p:cSld>
-  <p:clrMapOvr>
-    <a:masterClrMapping/>
-  </p:clrMapOvr>
-</p:notes>
-</file>
-
-<file path=ppt/notesSlides/notesSlide25.xml><?xml version="1.0" encoding="utf-8"?>
-<p:notes xmlns:a="http://schemas.openxmlformats.org/drawingml/2006/main" xmlns:r="http://schemas.openxmlformats.org/officeDocument/2006/relationships" xmlns:p="http://schemas.openxmlformats.org/presentationml/2006/main" showMasterSp="0" showMasterPhAnim="0">
-  <p:cSld>
-    <p:spTree>
-      <p:nvGrpSpPr>
-        <p:cNvPr id="1" name="Shape 246"/>
-        <p:cNvGrpSpPr/>
-        <p:nvPr/>
-      </p:nvGrpSpPr>
-      <p:grpSpPr>
-        <a:xfrm>
-          <a:off x="0" y="0"/>
-          <a:ext cx="0" cy="0"/>
-          <a:chOff x="0" y="0"/>
-          <a:chExt cx="0" cy="0"/>
-        </a:xfrm>
-      </p:grpSpPr>
-      <p:sp>
-        <p:nvSpPr>
-          <p:cNvPr id="247" name="Google Shape;247;g11468c29934_0_133:notes"/>
-          <p:cNvSpPr>
-            <a:spLocks noGrp="1" noRot="1" noChangeAspect="1"/>
-          </p:cNvSpPr>
-          <p:nvPr>
-            <p:ph type="sldImg" idx="2"/>
-          </p:nvPr>
-        </p:nvSpPr>
-        <p:spPr>
-          <a:xfrm>
-            <a:off x="381300" y="685800"/>
-            <a:ext cx="6096000" cy="3429000"/>
-          </a:xfrm>
-          <a:custGeom>
-            <a:avLst/>
-            <a:gdLst/>
-            <a:ahLst/>
-            <a:cxnLst/>
-            <a:rect l="l" t="t" r="r" b="b"/>
-            <a:pathLst>
-              <a:path w="120000" h="120000" extrusionOk="0">
-                <a:moveTo>
-                  <a:pt x="0" y="0"/>
-                </a:moveTo>
-                <a:lnTo>
-                  <a:pt x="120000" y="0"/>
-                </a:lnTo>
-                <a:lnTo>
-                  <a:pt x="120000" y="120000"/>
-                </a:lnTo>
-                <a:lnTo>
-                  <a:pt x="0" y="120000"/>
-                </a:lnTo>
-                <a:close/>
-              </a:path>
-            </a:pathLst>
-          </a:custGeom>
-        </p:spPr>
-      </p:sp>
-      <p:sp>
-        <p:nvSpPr>
-          <p:cNvPr id="248" name="Google Shape;248;g11468c29934_0_133:notes"/>
-          <p:cNvSpPr txBox="1">
-            <a:spLocks noGrp="1"/>
-          </p:cNvSpPr>
-          <p:nvPr>
-            <p:ph type="body" idx="1"/>
-          </p:nvPr>
-        </p:nvSpPr>
-        <p:spPr>
-          <a:xfrm>
-            <a:off x="685800" y="4343400"/>
-            <a:ext cx="5486400" cy="4114800"/>
-          </a:xfrm>
-          <a:prstGeom prst="rect">
-            <a:avLst/>
-          </a:prstGeom>
-        </p:spPr>
-        <p:txBody>
-          <a:bodyPr spcFirstLastPara="1" wrap="square" lIns="91425" tIns="91425" rIns="91425" bIns="91425" anchor="t" anchorCtr="0">
-            <a:noAutofit/>
-          </a:bodyPr>
-          <a:lstStyle/>
-          <a:p>
-            <a:pPr marL="0" lvl="0" indent="0" algn="l" rtl="0">
-              <a:spcBef>
-                <a:spcPts val="0"/>
-              </a:spcBef>
-              <a:spcAft>
-                <a:spcPts val="0"/>
-              </a:spcAft>
-              <a:buNone/>
-            </a:pPr>
-            <a:endParaRPr/>
-          </a:p>
-        </p:txBody>
-      </p:sp>
-    </p:spTree>
-  </p:cSld>
-  <p:clrMapOvr>
-    <a:masterClrMapping/>
-  </p:clrMapOvr>
-</p:notes>
-</file>
-
-<file path=ppt/notesSlides/notesSlide26.xml><?xml version="1.0" encoding="utf-8"?>
-<p:notes xmlns:a="http://schemas.openxmlformats.org/drawingml/2006/main" xmlns:r="http://schemas.openxmlformats.org/officeDocument/2006/relationships" xmlns:p="http://schemas.openxmlformats.org/presentationml/2006/main" showMasterSp="0" showMasterPhAnim="0">
-  <p:cSld>
-    <p:spTree>
-      <p:nvGrpSpPr>
-        <p:cNvPr id="1" name="Shape 254"/>
-        <p:cNvGrpSpPr/>
-        <p:nvPr/>
-      </p:nvGrpSpPr>
-      <p:grpSpPr>
-        <a:xfrm>
-          <a:off x="0" y="0"/>
-          <a:ext cx="0" cy="0"/>
-          <a:chOff x="0" y="0"/>
-          <a:chExt cx="0" cy="0"/>
-        </a:xfrm>
-      </p:grpSpPr>
-      <p:sp>
-        <p:nvSpPr>
-          <p:cNvPr id="255" name="Google Shape;255;g11468c29934_0_140:notes"/>
-          <p:cNvSpPr>
-            <a:spLocks noGrp="1" noRot="1" noChangeAspect="1"/>
-          </p:cNvSpPr>
-          <p:nvPr>
-            <p:ph type="sldImg" idx="2"/>
-          </p:nvPr>
-        </p:nvSpPr>
-        <p:spPr>
-          <a:xfrm>
-            <a:off x="381300" y="685800"/>
-            <a:ext cx="6096000" cy="3429000"/>
-          </a:xfrm>
-          <a:custGeom>
-            <a:avLst/>
-            <a:gdLst/>
-            <a:ahLst/>
-            <a:cxnLst/>
-            <a:rect l="l" t="t" r="r" b="b"/>
-            <a:pathLst>
-              <a:path w="120000" h="120000" extrusionOk="0">
-                <a:moveTo>
-                  <a:pt x="0" y="0"/>
-                </a:moveTo>
-                <a:lnTo>
-                  <a:pt x="120000" y="0"/>
-                </a:lnTo>
-                <a:lnTo>
-                  <a:pt x="120000" y="120000"/>
-                </a:lnTo>
-                <a:lnTo>
-                  <a:pt x="0" y="120000"/>
-                </a:lnTo>
-                <a:close/>
-              </a:path>
-            </a:pathLst>
-          </a:custGeom>
-        </p:spPr>
-      </p:sp>
-      <p:sp>
-        <p:nvSpPr>
-          <p:cNvPr id="256" name="Google Shape;256;g11468c29934_0_140:notes"/>
-          <p:cNvSpPr txBox="1">
-            <a:spLocks noGrp="1"/>
-          </p:cNvSpPr>
-          <p:nvPr>
-            <p:ph type="body" idx="1"/>
-          </p:nvPr>
-        </p:nvSpPr>
-        <p:spPr>
-          <a:xfrm>
-            <a:off x="685800" y="4343400"/>
-            <a:ext cx="5486400" cy="4114800"/>
-          </a:xfrm>
-          <a:prstGeom prst="rect">
-            <a:avLst/>
-          </a:prstGeom>
-        </p:spPr>
-        <p:txBody>
-          <a:bodyPr spcFirstLastPara="1" wrap="square" lIns="91425" tIns="91425" rIns="91425" bIns="91425" anchor="t" anchorCtr="0">
-            <a:noAutofit/>
-          </a:bodyPr>
-          <a:lstStyle/>
-          <a:p>
-            <a:pPr marL="0" lvl="0" indent="0" algn="l" rtl="0">
-              <a:spcBef>
-                <a:spcPts val="0"/>
-              </a:spcBef>
-              <a:spcAft>
-                <a:spcPts val="0"/>
-              </a:spcAft>
-              <a:buNone/>
-            </a:pPr>
-            <a:r>
-              <a:rPr lang="en"/>
-              <a:t>Ask after presenting issues: Ideas for how to encrypt large messages efficiently?</a:t>
-            </a:r>
-            <a:endParaRPr/>
-          </a:p>
-        </p:txBody>
-      </p:sp>
-    </p:spTree>
-  </p:cSld>
-  <p:clrMapOvr>
-    <a:masterClrMapping/>
-  </p:clrMapOvr>
-</p:notes>
-</file>
-
-<file path=ppt/notesSlides/notesSlide27.xml><?xml version="1.0" encoding="utf-8"?>
-<p:notes xmlns:a="http://schemas.openxmlformats.org/drawingml/2006/main" xmlns:r="http://schemas.openxmlformats.org/officeDocument/2006/relationships" xmlns:p="http://schemas.openxmlformats.org/presentationml/2006/main" showMasterSp="0" showMasterPhAnim="0">
-  <p:cSld>
-    <p:spTree>
-      <p:nvGrpSpPr>
-        <p:cNvPr id="1" name="Shape 261"/>
-        <p:cNvGrpSpPr/>
-        <p:nvPr/>
-      </p:nvGrpSpPr>
-      <p:grpSpPr>
-        <a:xfrm>
-          <a:off x="0" y="0"/>
-          <a:ext cx="0" cy="0"/>
-          <a:chOff x="0" y="0"/>
-          <a:chExt cx="0" cy="0"/>
-        </a:xfrm>
-      </p:grpSpPr>
-      <p:sp>
-        <p:nvSpPr>
-          <p:cNvPr id="262" name="Google Shape;262;g11468c29934_0_146:notes"/>
-          <p:cNvSpPr>
-            <a:spLocks noGrp="1" noRot="1" noChangeAspect="1"/>
-          </p:cNvSpPr>
-          <p:nvPr>
-            <p:ph type="sldImg" idx="2"/>
-          </p:nvPr>
-        </p:nvSpPr>
-        <p:spPr>
-          <a:xfrm>
-            <a:off x="381000" y="685800"/>
-            <a:ext cx="6096000" cy="3429000"/>
-          </a:xfrm>
-          <a:custGeom>
-            <a:avLst/>
-            <a:gdLst/>
-            <a:ahLst/>
-            <a:cxnLst/>
-            <a:rect l="l" t="t" r="r" b="b"/>
-            <a:pathLst>
-              <a:path w="120000" h="120000" extrusionOk="0">
-                <a:moveTo>
-                  <a:pt x="0" y="0"/>
-                </a:moveTo>
-                <a:lnTo>
-                  <a:pt x="120000" y="0"/>
-                </a:lnTo>
-                <a:lnTo>
-                  <a:pt x="120000" y="120000"/>
-                </a:lnTo>
-                <a:lnTo>
-                  <a:pt x="0" y="120000"/>
-                </a:lnTo>
-                <a:close/>
-              </a:path>
-            </a:pathLst>
-          </a:custGeom>
-        </p:spPr>
-      </p:sp>
-      <p:sp>
-        <p:nvSpPr>
-          <p:cNvPr id="263" name="Google Shape;263;g11468c29934_0_146:notes"/>
-          <p:cNvSpPr txBox="1">
-            <a:spLocks noGrp="1"/>
-          </p:cNvSpPr>
-          <p:nvPr>
-            <p:ph type="body" idx="1"/>
-          </p:nvPr>
-        </p:nvSpPr>
-        <p:spPr>
-          <a:xfrm>
-            <a:off x="685800" y="4343400"/>
-            <a:ext cx="5486400" cy="4114800"/>
-          </a:xfrm>
-          <a:prstGeom prst="rect">
-            <a:avLst/>
-          </a:prstGeom>
-        </p:spPr>
-        <p:txBody>
-          <a:bodyPr spcFirstLastPara="1" wrap="square" lIns="91425" tIns="91425" rIns="91425" bIns="91425" anchor="t" anchorCtr="0">
-            <a:noAutofit/>
-          </a:bodyPr>
-          <a:lstStyle/>
-          <a:p>
-            <a:pPr marL="0" lvl="0" indent="0" algn="l" rtl="0">
-              <a:spcBef>
-                <a:spcPts val="0"/>
-              </a:spcBef>
-              <a:spcAft>
-                <a:spcPts val="0"/>
-              </a:spcAft>
-              <a:buNone/>
-            </a:pPr>
-            <a:endParaRPr/>
-          </a:p>
-        </p:txBody>
-      </p:sp>
-    </p:spTree>
-  </p:cSld>
-  <p:clrMapOvr>
-    <a:masterClrMapping/>
-  </p:clrMapOvr>
-</p:notes>
-</file>
-
-<file path=ppt/notesSlides/notesSlide28.xml><?xml version="1.0" encoding="utf-8"?>
-<p:notes xmlns:a="http://schemas.openxmlformats.org/drawingml/2006/main" xmlns:r="http://schemas.openxmlformats.org/officeDocument/2006/relationships" xmlns:p="http://schemas.openxmlformats.org/presentationml/2006/main" showMasterSp="0" showMasterPhAnim="0">
-  <p:cSld>
-    <p:spTree>
-      <p:nvGrpSpPr>
-        <p:cNvPr id="1" name="Shape 268"/>
-        <p:cNvGrpSpPr/>
-        <p:nvPr/>
-      </p:nvGrpSpPr>
-      <p:grpSpPr>
-        <a:xfrm>
-          <a:off x="0" y="0"/>
-          <a:ext cx="0" cy="0"/>
-          <a:chOff x="0" y="0"/>
-          <a:chExt cx="0" cy="0"/>
-        </a:xfrm>
-      </p:grpSpPr>
-      <p:sp>
-        <p:nvSpPr>
-          <p:cNvPr id="269" name="Google Shape;269;g11468c29934_0_151:notes"/>
-          <p:cNvSpPr>
-            <a:spLocks noGrp="1" noRot="1" noChangeAspect="1"/>
-          </p:cNvSpPr>
-          <p:nvPr>
-            <p:ph type="sldImg" idx="2"/>
-          </p:nvPr>
-        </p:nvSpPr>
-        <p:spPr>
-          <a:xfrm>
-            <a:off x="381300" y="685800"/>
-            <a:ext cx="6096000" cy="3429000"/>
-          </a:xfrm>
-          <a:custGeom>
-            <a:avLst/>
-            <a:gdLst/>
-            <a:ahLst/>
-            <a:cxnLst/>
-            <a:rect l="l" t="t" r="r" b="b"/>
-            <a:pathLst>
-              <a:path w="120000" h="120000" extrusionOk="0">
-                <a:moveTo>
-                  <a:pt x="0" y="0"/>
-                </a:moveTo>
-                <a:lnTo>
-                  <a:pt x="120000" y="0"/>
-                </a:lnTo>
-                <a:lnTo>
-                  <a:pt x="120000" y="120000"/>
-                </a:lnTo>
-                <a:lnTo>
-                  <a:pt x="0" y="120000"/>
-                </a:lnTo>
-                <a:close/>
-              </a:path>
-            </a:pathLst>
-          </a:custGeom>
-        </p:spPr>
-      </p:sp>
-      <p:sp>
-        <p:nvSpPr>
-          <p:cNvPr id="270" name="Google Shape;270;g11468c29934_0_151:notes"/>
-          <p:cNvSpPr txBox="1">
-            <a:spLocks noGrp="1"/>
-          </p:cNvSpPr>
-          <p:nvPr>
-            <p:ph type="body" idx="1"/>
-          </p:nvPr>
-        </p:nvSpPr>
-        <p:spPr>
-          <a:xfrm>
-            <a:off x="685800" y="4343400"/>
-            <a:ext cx="5486400" cy="4114800"/>
-          </a:xfrm>
-          <a:prstGeom prst="rect">
-            <a:avLst/>
-          </a:prstGeom>
-        </p:spPr>
-        <p:txBody>
-          <a:bodyPr spcFirstLastPara="1" wrap="square" lIns="91425" tIns="91425" rIns="91425" bIns="91425" anchor="t" anchorCtr="0">
-            <a:noAutofit/>
-          </a:bodyPr>
-          <a:lstStyle/>
-          <a:p>
-            <a:pPr marL="0" lvl="0" indent="0" algn="l" rtl="0">
-              <a:spcBef>
-                <a:spcPts val="0"/>
-              </a:spcBef>
-              <a:spcAft>
-                <a:spcPts val="0"/>
-              </a:spcAft>
-              <a:buNone/>
-            </a:pPr>
-            <a:endParaRPr/>
-          </a:p>
-        </p:txBody>
-      </p:sp>
-    </p:spTree>
-  </p:cSld>
-  <p:clrMapOvr>
-    <a:masterClrMapping/>
-  </p:clrMapOvr>
-</p:notes>
-</file>
-
-<file path=ppt/notesSlides/notesSlide29.xml><?xml version="1.0" encoding="utf-8"?>
+<file path=ppt/notesSlides/notesSlide30.xml><?xml version="1.0" encoding="utf-8"?>
 <p:notes xmlns:a="http://schemas.openxmlformats.org/drawingml/2006/main" xmlns:r="http://schemas.openxmlformats.org/officeDocument/2006/relationships" xmlns:p="http://schemas.openxmlformats.org/presentationml/2006/main" showMasterSp="0" showMasterPhAnim="0">
   <p:cSld>
     <p:spTree>
@@ -3038,7 +3247,977 @@
 </p:notes>
 </file>
 
-<file path=ppt/notesSlides/notesSlide3.xml><?xml version="1.0" encoding="utf-8"?>
+<file path=ppt/notesSlides/notesSlide31.xml><?xml version="1.0" encoding="utf-8"?>
+<p:notes xmlns:a="http://schemas.openxmlformats.org/drawingml/2006/main" xmlns:r="http://schemas.openxmlformats.org/officeDocument/2006/relationships" xmlns:p="http://schemas.openxmlformats.org/presentationml/2006/main" showMasterSp="0" showMasterPhAnim="0">
+  <p:cSld>
+    <p:spTree>
+      <p:nvGrpSpPr>
+        <p:cNvPr id="1" name="Shape 284"/>
+        <p:cNvGrpSpPr/>
+        <p:nvPr/>
+      </p:nvGrpSpPr>
+      <p:grpSpPr>
+        <a:xfrm>
+          <a:off x="0" y="0"/>
+          <a:ext cx="0" cy="0"/>
+          <a:chOff x="0" y="0"/>
+          <a:chExt cx="0" cy="0"/>
+        </a:xfrm>
+      </p:grpSpPr>
+      <p:sp>
+        <p:nvSpPr>
+          <p:cNvPr id="285" name="Google Shape;285;g11468c29934_0_261:notes"/>
+          <p:cNvSpPr>
+            <a:spLocks noGrp="1" noRot="1" noChangeAspect="1"/>
+          </p:cNvSpPr>
+          <p:nvPr>
+            <p:ph type="sldImg" idx="2"/>
+          </p:nvPr>
+        </p:nvSpPr>
+        <p:spPr>
+          <a:xfrm>
+            <a:off x="381000" y="685800"/>
+            <a:ext cx="6096000" cy="3429000"/>
+          </a:xfrm>
+          <a:custGeom>
+            <a:avLst/>
+            <a:gdLst/>
+            <a:ahLst/>
+            <a:cxnLst/>
+            <a:rect l="l" t="t" r="r" b="b"/>
+            <a:pathLst>
+              <a:path w="120000" h="120000" extrusionOk="0">
+                <a:moveTo>
+                  <a:pt x="0" y="0"/>
+                </a:moveTo>
+                <a:lnTo>
+                  <a:pt x="120000" y="0"/>
+                </a:lnTo>
+                <a:lnTo>
+                  <a:pt x="120000" y="120000"/>
+                </a:lnTo>
+                <a:lnTo>
+                  <a:pt x="0" y="120000"/>
+                </a:lnTo>
+                <a:close/>
+              </a:path>
+            </a:pathLst>
+          </a:custGeom>
+        </p:spPr>
+      </p:sp>
+      <p:sp>
+        <p:nvSpPr>
+          <p:cNvPr id="286" name="Google Shape;286;g11468c29934_0_261:notes"/>
+          <p:cNvSpPr txBox="1">
+            <a:spLocks noGrp="1"/>
+          </p:cNvSpPr>
+          <p:nvPr>
+            <p:ph type="body" idx="1"/>
+          </p:nvPr>
+        </p:nvSpPr>
+        <p:spPr>
+          <a:xfrm>
+            <a:off x="685800" y="4343400"/>
+            <a:ext cx="5486400" cy="4114800"/>
+          </a:xfrm>
+          <a:prstGeom prst="rect">
+            <a:avLst/>
+          </a:prstGeom>
+        </p:spPr>
+        <p:txBody>
+          <a:bodyPr spcFirstLastPara="1" wrap="square" lIns="91425" tIns="91425" rIns="91425" bIns="91425" anchor="t" anchorCtr="0">
+            <a:noAutofit/>
+          </a:bodyPr>
+          <a:lstStyle/>
+          <a:p>
+            <a:pPr marL="0" lvl="0" indent="0" algn="l" rtl="0">
+              <a:spcBef>
+                <a:spcPts val="0"/>
+              </a:spcBef>
+              <a:spcAft>
+                <a:spcPts val="0"/>
+              </a:spcAft>
+              <a:buNone/>
+            </a:pPr>
+            <a:endParaRPr/>
+          </a:p>
+        </p:txBody>
+      </p:sp>
+    </p:spTree>
+  </p:cSld>
+  <p:clrMapOvr>
+    <a:masterClrMapping/>
+  </p:clrMapOvr>
+</p:notes>
+</file>
+
+<file path=ppt/notesSlides/notesSlide32.xml><?xml version="1.0" encoding="utf-8"?>
+<p:notes xmlns:a="http://schemas.openxmlformats.org/drawingml/2006/main" xmlns:r="http://schemas.openxmlformats.org/officeDocument/2006/relationships" xmlns:p="http://schemas.openxmlformats.org/presentationml/2006/main" showMasterSp="0" showMasterPhAnim="0">
+  <p:cSld>
+    <p:spTree>
+      <p:nvGrpSpPr>
+        <p:cNvPr id="1" name="Shape 294"/>
+        <p:cNvGrpSpPr/>
+        <p:nvPr/>
+      </p:nvGrpSpPr>
+      <p:grpSpPr>
+        <a:xfrm>
+          <a:off x="0" y="0"/>
+          <a:ext cx="0" cy="0"/>
+          <a:chOff x="0" y="0"/>
+          <a:chExt cx="0" cy="0"/>
+        </a:xfrm>
+      </p:grpSpPr>
+      <p:sp>
+        <p:nvSpPr>
+          <p:cNvPr id="295" name="Google Shape;295;g11468c29934_0_165:notes"/>
+          <p:cNvSpPr>
+            <a:spLocks noGrp="1" noRot="1" noChangeAspect="1"/>
+          </p:cNvSpPr>
+          <p:nvPr>
+            <p:ph type="sldImg" idx="2"/>
+          </p:nvPr>
+        </p:nvSpPr>
+        <p:spPr>
+          <a:xfrm>
+            <a:off x="381300" y="685800"/>
+            <a:ext cx="6096000" cy="3429000"/>
+          </a:xfrm>
+          <a:custGeom>
+            <a:avLst/>
+            <a:gdLst/>
+            <a:ahLst/>
+            <a:cxnLst/>
+            <a:rect l="l" t="t" r="r" b="b"/>
+            <a:pathLst>
+              <a:path w="120000" h="120000" extrusionOk="0">
+                <a:moveTo>
+                  <a:pt x="0" y="0"/>
+                </a:moveTo>
+                <a:lnTo>
+                  <a:pt x="120000" y="0"/>
+                </a:lnTo>
+                <a:lnTo>
+                  <a:pt x="120000" y="120000"/>
+                </a:lnTo>
+                <a:lnTo>
+                  <a:pt x="0" y="120000"/>
+                </a:lnTo>
+                <a:close/>
+              </a:path>
+            </a:pathLst>
+          </a:custGeom>
+        </p:spPr>
+      </p:sp>
+      <p:sp>
+        <p:nvSpPr>
+          <p:cNvPr id="296" name="Google Shape;296;g11468c29934_0_165:notes"/>
+          <p:cNvSpPr txBox="1">
+            <a:spLocks noGrp="1"/>
+          </p:cNvSpPr>
+          <p:nvPr>
+            <p:ph type="body" idx="1"/>
+          </p:nvPr>
+        </p:nvSpPr>
+        <p:spPr>
+          <a:xfrm>
+            <a:off x="685800" y="4343400"/>
+            <a:ext cx="5486400" cy="4114800"/>
+          </a:xfrm>
+          <a:prstGeom prst="rect">
+            <a:avLst/>
+          </a:prstGeom>
+        </p:spPr>
+        <p:txBody>
+          <a:bodyPr spcFirstLastPara="1" wrap="square" lIns="91425" tIns="91425" rIns="91425" bIns="91425" anchor="t" anchorCtr="0">
+            <a:noAutofit/>
+          </a:bodyPr>
+          <a:lstStyle/>
+          <a:p>
+            <a:pPr marL="0" lvl="0" indent="0" algn="l" rtl="0">
+              <a:spcBef>
+                <a:spcPts val="0"/>
+              </a:spcBef>
+              <a:spcAft>
+                <a:spcPts val="0"/>
+              </a:spcAft>
+              <a:buNone/>
+            </a:pPr>
+            <a:endParaRPr/>
+          </a:p>
+        </p:txBody>
+      </p:sp>
+    </p:spTree>
+  </p:cSld>
+  <p:clrMapOvr>
+    <a:masterClrMapping/>
+  </p:clrMapOvr>
+</p:notes>
+</file>
+
+<file path=ppt/notesSlides/notesSlide33.xml><?xml version="1.0" encoding="utf-8"?>
+<p:notes xmlns:a="http://schemas.openxmlformats.org/drawingml/2006/main" xmlns:r="http://schemas.openxmlformats.org/officeDocument/2006/relationships" xmlns:p="http://schemas.openxmlformats.org/presentationml/2006/main" showMasterSp="0" showMasterPhAnim="0">
+  <p:cSld>
+    <p:spTree>
+      <p:nvGrpSpPr>
+        <p:cNvPr id="1" name="Shape 301"/>
+        <p:cNvGrpSpPr/>
+        <p:nvPr/>
+      </p:nvGrpSpPr>
+      <p:grpSpPr>
+        <a:xfrm>
+          <a:off x="0" y="0"/>
+          <a:ext cx="0" cy="0"/>
+          <a:chOff x="0" y="0"/>
+          <a:chExt cx="0" cy="0"/>
+        </a:xfrm>
+      </p:grpSpPr>
+      <p:sp>
+        <p:nvSpPr>
+          <p:cNvPr id="302" name="Google Shape;302;g11468c29934_1_264:notes"/>
+          <p:cNvSpPr>
+            <a:spLocks noGrp="1" noRot="1" noChangeAspect="1"/>
+          </p:cNvSpPr>
+          <p:nvPr>
+            <p:ph type="sldImg" idx="2"/>
+          </p:nvPr>
+        </p:nvSpPr>
+        <p:spPr>
+          <a:xfrm>
+            <a:off x="381300" y="685800"/>
+            <a:ext cx="6096000" cy="3429000"/>
+          </a:xfrm>
+          <a:custGeom>
+            <a:avLst/>
+            <a:gdLst/>
+            <a:ahLst/>
+            <a:cxnLst/>
+            <a:rect l="l" t="t" r="r" b="b"/>
+            <a:pathLst>
+              <a:path w="120000" h="120000" extrusionOk="0">
+                <a:moveTo>
+                  <a:pt x="0" y="0"/>
+                </a:moveTo>
+                <a:lnTo>
+                  <a:pt x="120000" y="0"/>
+                </a:lnTo>
+                <a:lnTo>
+                  <a:pt x="120000" y="120000"/>
+                </a:lnTo>
+                <a:lnTo>
+                  <a:pt x="0" y="120000"/>
+                </a:lnTo>
+                <a:close/>
+              </a:path>
+            </a:pathLst>
+          </a:custGeom>
+        </p:spPr>
+      </p:sp>
+      <p:sp>
+        <p:nvSpPr>
+          <p:cNvPr id="303" name="Google Shape;303;g11468c29934_1_264:notes"/>
+          <p:cNvSpPr txBox="1">
+            <a:spLocks noGrp="1"/>
+          </p:cNvSpPr>
+          <p:nvPr>
+            <p:ph type="body" idx="1"/>
+          </p:nvPr>
+        </p:nvSpPr>
+        <p:spPr>
+          <a:xfrm>
+            <a:off x="685800" y="4343400"/>
+            <a:ext cx="5486400" cy="4114800"/>
+          </a:xfrm>
+          <a:prstGeom prst="rect">
+            <a:avLst/>
+          </a:prstGeom>
+        </p:spPr>
+        <p:txBody>
+          <a:bodyPr spcFirstLastPara="1" wrap="square" lIns="91425" tIns="91425" rIns="91425" bIns="91425" anchor="t" anchorCtr="0">
+            <a:noAutofit/>
+          </a:bodyPr>
+          <a:lstStyle/>
+          <a:p>
+            <a:pPr marL="0" lvl="0" indent="0" algn="l" rtl="0">
+              <a:spcBef>
+                <a:spcPts val="0"/>
+              </a:spcBef>
+              <a:spcAft>
+                <a:spcPts val="0"/>
+              </a:spcAft>
+              <a:buNone/>
+            </a:pPr>
+            <a:endParaRPr/>
+          </a:p>
+        </p:txBody>
+      </p:sp>
+    </p:spTree>
+  </p:cSld>
+  <p:clrMapOvr>
+    <a:masterClrMapping/>
+  </p:clrMapOvr>
+</p:notes>
+</file>
+
+<file path=ppt/notesSlides/notesSlide34.xml><?xml version="1.0" encoding="utf-8"?>
+<p:notes xmlns:a="http://schemas.openxmlformats.org/drawingml/2006/main" xmlns:r="http://schemas.openxmlformats.org/officeDocument/2006/relationships" xmlns:p="http://schemas.openxmlformats.org/presentationml/2006/main" showMasterSp="0" showMasterPhAnim="0">
+  <p:cSld>
+    <p:spTree>
+      <p:nvGrpSpPr>
+        <p:cNvPr id="1" name="Shape 308"/>
+        <p:cNvGrpSpPr/>
+        <p:nvPr/>
+      </p:nvGrpSpPr>
+      <p:grpSpPr>
+        <a:xfrm>
+          <a:off x="0" y="0"/>
+          <a:ext cx="0" cy="0"/>
+          <a:chOff x="0" y="0"/>
+          <a:chExt cx="0" cy="0"/>
+        </a:xfrm>
+      </p:grpSpPr>
+      <p:sp>
+        <p:nvSpPr>
+          <p:cNvPr id="309" name="Google Shape;309;g11468c29934_0_171:notes"/>
+          <p:cNvSpPr>
+            <a:spLocks noGrp="1" noRot="1" noChangeAspect="1"/>
+          </p:cNvSpPr>
+          <p:nvPr>
+            <p:ph type="sldImg" idx="2"/>
+          </p:nvPr>
+        </p:nvSpPr>
+        <p:spPr>
+          <a:xfrm>
+            <a:off x="381000" y="685800"/>
+            <a:ext cx="6096000" cy="3429000"/>
+          </a:xfrm>
+          <a:custGeom>
+            <a:avLst/>
+            <a:gdLst/>
+            <a:ahLst/>
+            <a:cxnLst/>
+            <a:rect l="l" t="t" r="r" b="b"/>
+            <a:pathLst>
+              <a:path w="120000" h="120000" extrusionOk="0">
+                <a:moveTo>
+                  <a:pt x="0" y="0"/>
+                </a:moveTo>
+                <a:lnTo>
+                  <a:pt x="120000" y="0"/>
+                </a:lnTo>
+                <a:lnTo>
+                  <a:pt x="120000" y="120000"/>
+                </a:lnTo>
+                <a:lnTo>
+                  <a:pt x="0" y="120000"/>
+                </a:lnTo>
+                <a:close/>
+              </a:path>
+            </a:pathLst>
+          </a:custGeom>
+        </p:spPr>
+      </p:sp>
+      <p:sp>
+        <p:nvSpPr>
+          <p:cNvPr id="310" name="Google Shape;310;g11468c29934_0_171:notes"/>
+          <p:cNvSpPr txBox="1">
+            <a:spLocks noGrp="1"/>
+          </p:cNvSpPr>
+          <p:nvPr>
+            <p:ph type="body" idx="1"/>
+          </p:nvPr>
+        </p:nvSpPr>
+        <p:spPr>
+          <a:xfrm>
+            <a:off x="685800" y="4343400"/>
+            <a:ext cx="5486400" cy="4114800"/>
+          </a:xfrm>
+          <a:prstGeom prst="rect">
+            <a:avLst/>
+          </a:prstGeom>
+        </p:spPr>
+        <p:txBody>
+          <a:bodyPr spcFirstLastPara="1" wrap="square" lIns="91425" tIns="91425" rIns="91425" bIns="91425" anchor="t" anchorCtr="0">
+            <a:noAutofit/>
+          </a:bodyPr>
+          <a:lstStyle/>
+          <a:p>
+            <a:pPr marL="0" lvl="0" indent="0" algn="l" rtl="0">
+              <a:spcBef>
+                <a:spcPts val="0"/>
+              </a:spcBef>
+              <a:spcAft>
+                <a:spcPts val="0"/>
+              </a:spcAft>
+              <a:buNone/>
+            </a:pPr>
+            <a:endParaRPr/>
+          </a:p>
+        </p:txBody>
+      </p:sp>
+    </p:spTree>
+  </p:cSld>
+  <p:clrMapOvr>
+    <a:masterClrMapping/>
+  </p:clrMapOvr>
+</p:notes>
+</file>
+
+<file path=ppt/notesSlides/notesSlide35.xml><?xml version="1.0" encoding="utf-8"?>
+<p:notes xmlns:a="http://schemas.openxmlformats.org/drawingml/2006/main" xmlns:r="http://schemas.openxmlformats.org/officeDocument/2006/relationships" xmlns:p="http://schemas.openxmlformats.org/presentationml/2006/main" showMasterSp="0" showMasterPhAnim="0">
+  <p:cSld>
+    <p:spTree>
+      <p:nvGrpSpPr>
+        <p:cNvPr id="1" name="Shape 316"/>
+        <p:cNvGrpSpPr/>
+        <p:nvPr/>
+      </p:nvGrpSpPr>
+      <p:grpSpPr>
+        <a:xfrm>
+          <a:off x="0" y="0"/>
+          <a:ext cx="0" cy="0"/>
+          <a:chOff x="0" y="0"/>
+          <a:chExt cx="0" cy="0"/>
+        </a:xfrm>
+      </p:grpSpPr>
+      <p:sp>
+        <p:nvSpPr>
+          <p:cNvPr id="317" name="Google Shape;317;g11468c29934_0_177:notes"/>
+          <p:cNvSpPr>
+            <a:spLocks noGrp="1" noRot="1" noChangeAspect="1"/>
+          </p:cNvSpPr>
+          <p:nvPr>
+            <p:ph type="sldImg" idx="2"/>
+          </p:nvPr>
+        </p:nvSpPr>
+        <p:spPr>
+          <a:xfrm>
+            <a:off x="381300" y="685800"/>
+            <a:ext cx="6096000" cy="3429000"/>
+          </a:xfrm>
+          <a:custGeom>
+            <a:avLst/>
+            <a:gdLst/>
+            <a:ahLst/>
+            <a:cxnLst/>
+            <a:rect l="l" t="t" r="r" b="b"/>
+            <a:pathLst>
+              <a:path w="120000" h="120000" extrusionOk="0">
+                <a:moveTo>
+                  <a:pt x="0" y="0"/>
+                </a:moveTo>
+                <a:lnTo>
+                  <a:pt x="120000" y="0"/>
+                </a:lnTo>
+                <a:lnTo>
+                  <a:pt x="120000" y="120000"/>
+                </a:lnTo>
+                <a:lnTo>
+                  <a:pt x="0" y="120000"/>
+                </a:lnTo>
+                <a:close/>
+              </a:path>
+            </a:pathLst>
+          </a:custGeom>
+        </p:spPr>
+      </p:sp>
+      <p:sp>
+        <p:nvSpPr>
+          <p:cNvPr id="318" name="Google Shape;318;g11468c29934_0_177:notes"/>
+          <p:cNvSpPr txBox="1">
+            <a:spLocks noGrp="1"/>
+          </p:cNvSpPr>
+          <p:nvPr>
+            <p:ph type="body" idx="1"/>
+          </p:nvPr>
+        </p:nvSpPr>
+        <p:spPr>
+          <a:xfrm>
+            <a:off x="685800" y="4343400"/>
+            <a:ext cx="5486400" cy="4114800"/>
+          </a:xfrm>
+          <a:prstGeom prst="rect">
+            <a:avLst/>
+          </a:prstGeom>
+        </p:spPr>
+        <p:txBody>
+          <a:bodyPr spcFirstLastPara="1" wrap="square" lIns="91425" tIns="91425" rIns="91425" bIns="91425" anchor="t" anchorCtr="0">
+            <a:noAutofit/>
+          </a:bodyPr>
+          <a:lstStyle/>
+          <a:p>
+            <a:pPr marL="0" lvl="0" indent="0" algn="l" rtl="0">
+              <a:spcBef>
+                <a:spcPts val="0"/>
+              </a:spcBef>
+              <a:spcAft>
+                <a:spcPts val="0"/>
+              </a:spcAft>
+              <a:buNone/>
+            </a:pPr>
+            <a:endParaRPr/>
+          </a:p>
+        </p:txBody>
+      </p:sp>
+    </p:spTree>
+  </p:cSld>
+  <p:clrMapOvr>
+    <a:masterClrMapping/>
+  </p:clrMapOvr>
+</p:notes>
+</file>
+
+<file path=ppt/notesSlides/notesSlide36.xml><?xml version="1.0" encoding="utf-8"?>
+<p:notes xmlns:a="http://schemas.openxmlformats.org/drawingml/2006/main" xmlns:r="http://schemas.openxmlformats.org/officeDocument/2006/relationships" xmlns:p="http://schemas.openxmlformats.org/presentationml/2006/main" showMasterSp="0" showMasterPhAnim="0">
+  <p:cSld>
+    <p:spTree>
+      <p:nvGrpSpPr>
+        <p:cNvPr id="1" name="Shape 323"/>
+        <p:cNvGrpSpPr/>
+        <p:nvPr/>
+      </p:nvGrpSpPr>
+      <p:grpSpPr>
+        <a:xfrm>
+          <a:off x="0" y="0"/>
+          <a:ext cx="0" cy="0"/>
+          <a:chOff x="0" y="0"/>
+          <a:chExt cx="0" cy="0"/>
+        </a:xfrm>
+      </p:grpSpPr>
+      <p:sp>
+        <p:nvSpPr>
+          <p:cNvPr id="324" name="Google Shape;324;g11468c29934_0_183:notes"/>
+          <p:cNvSpPr>
+            <a:spLocks noGrp="1" noRot="1" noChangeAspect="1"/>
+          </p:cNvSpPr>
+          <p:nvPr>
+            <p:ph type="sldImg" idx="2"/>
+          </p:nvPr>
+        </p:nvSpPr>
+        <p:spPr>
+          <a:xfrm>
+            <a:off x="381300" y="685800"/>
+            <a:ext cx="6096000" cy="3429000"/>
+          </a:xfrm>
+          <a:custGeom>
+            <a:avLst/>
+            <a:gdLst/>
+            <a:ahLst/>
+            <a:cxnLst/>
+            <a:rect l="l" t="t" r="r" b="b"/>
+            <a:pathLst>
+              <a:path w="120000" h="120000" extrusionOk="0">
+                <a:moveTo>
+                  <a:pt x="0" y="0"/>
+                </a:moveTo>
+                <a:lnTo>
+                  <a:pt x="120000" y="0"/>
+                </a:lnTo>
+                <a:lnTo>
+                  <a:pt x="120000" y="120000"/>
+                </a:lnTo>
+                <a:lnTo>
+                  <a:pt x="0" y="120000"/>
+                </a:lnTo>
+                <a:close/>
+              </a:path>
+            </a:pathLst>
+          </a:custGeom>
+        </p:spPr>
+      </p:sp>
+      <p:sp>
+        <p:nvSpPr>
+          <p:cNvPr id="325" name="Google Shape;325;g11468c29934_0_183:notes"/>
+          <p:cNvSpPr txBox="1">
+            <a:spLocks noGrp="1"/>
+          </p:cNvSpPr>
+          <p:nvPr>
+            <p:ph type="body" idx="1"/>
+          </p:nvPr>
+        </p:nvSpPr>
+        <p:spPr>
+          <a:xfrm>
+            <a:off x="685800" y="4343400"/>
+            <a:ext cx="5486400" cy="4114800"/>
+          </a:xfrm>
+          <a:prstGeom prst="rect">
+            <a:avLst/>
+          </a:prstGeom>
+        </p:spPr>
+        <p:txBody>
+          <a:bodyPr spcFirstLastPara="1" wrap="square" lIns="91425" tIns="91425" rIns="91425" bIns="91425" anchor="t" anchorCtr="0">
+            <a:noAutofit/>
+          </a:bodyPr>
+          <a:lstStyle/>
+          <a:p>
+            <a:pPr marL="0" lvl="0" indent="0" algn="l" rtl="0">
+              <a:spcBef>
+                <a:spcPts val="0"/>
+              </a:spcBef>
+              <a:spcAft>
+                <a:spcPts val="0"/>
+              </a:spcAft>
+              <a:buNone/>
+            </a:pPr>
+            <a:endParaRPr/>
+          </a:p>
+        </p:txBody>
+      </p:sp>
+    </p:spTree>
+  </p:cSld>
+  <p:clrMapOvr>
+    <a:masterClrMapping/>
+  </p:clrMapOvr>
+</p:notes>
+</file>
+
+<file path=ppt/notesSlides/notesSlide37.xml><?xml version="1.0" encoding="utf-8"?>
+<p:notes xmlns:a="http://schemas.openxmlformats.org/drawingml/2006/main" xmlns:r="http://schemas.openxmlformats.org/officeDocument/2006/relationships" xmlns:p="http://schemas.openxmlformats.org/presentationml/2006/main" showMasterSp="0" showMasterPhAnim="0">
+  <p:cSld>
+    <p:spTree>
+      <p:nvGrpSpPr>
+        <p:cNvPr id="1" name="Shape 330"/>
+        <p:cNvGrpSpPr/>
+        <p:nvPr/>
+      </p:nvGrpSpPr>
+      <p:grpSpPr>
+        <a:xfrm>
+          <a:off x="0" y="0"/>
+          <a:ext cx="0" cy="0"/>
+          <a:chOff x="0" y="0"/>
+          <a:chExt cx="0" cy="0"/>
+        </a:xfrm>
+      </p:grpSpPr>
+      <p:sp>
+        <p:nvSpPr>
+          <p:cNvPr id="331" name="Google Shape;331;g11468c29934_0_189:notes"/>
+          <p:cNvSpPr>
+            <a:spLocks noGrp="1" noRot="1" noChangeAspect="1"/>
+          </p:cNvSpPr>
+          <p:nvPr>
+            <p:ph type="sldImg" idx="2"/>
+          </p:nvPr>
+        </p:nvSpPr>
+        <p:spPr>
+          <a:xfrm>
+            <a:off x="381300" y="685800"/>
+            <a:ext cx="6096000" cy="3429000"/>
+          </a:xfrm>
+          <a:custGeom>
+            <a:avLst/>
+            <a:gdLst/>
+            <a:ahLst/>
+            <a:cxnLst/>
+            <a:rect l="l" t="t" r="r" b="b"/>
+            <a:pathLst>
+              <a:path w="120000" h="120000" extrusionOk="0">
+                <a:moveTo>
+                  <a:pt x="0" y="0"/>
+                </a:moveTo>
+                <a:lnTo>
+                  <a:pt x="120000" y="0"/>
+                </a:lnTo>
+                <a:lnTo>
+                  <a:pt x="120000" y="120000"/>
+                </a:lnTo>
+                <a:lnTo>
+                  <a:pt x="0" y="120000"/>
+                </a:lnTo>
+                <a:close/>
+              </a:path>
+            </a:pathLst>
+          </a:custGeom>
+        </p:spPr>
+      </p:sp>
+      <p:sp>
+        <p:nvSpPr>
+          <p:cNvPr id="332" name="Google Shape;332;g11468c29934_0_189:notes"/>
+          <p:cNvSpPr txBox="1">
+            <a:spLocks noGrp="1"/>
+          </p:cNvSpPr>
+          <p:nvPr>
+            <p:ph type="body" idx="1"/>
+          </p:nvPr>
+        </p:nvSpPr>
+        <p:spPr>
+          <a:xfrm>
+            <a:off x="685800" y="4343400"/>
+            <a:ext cx="5486400" cy="4114800"/>
+          </a:xfrm>
+          <a:prstGeom prst="rect">
+            <a:avLst/>
+          </a:prstGeom>
+        </p:spPr>
+        <p:txBody>
+          <a:bodyPr spcFirstLastPara="1" wrap="square" lIns="91425" tIns="91425" rIns="91425" bIns="91425" anchor="t" anchorCtr="0">
+            <a:noAutofit/>
+          </a:bodyPr>
+          <a:lstStyle/>
+          <a:p>
+            <a:pPr marL="0" lvl="0" indent="0" algn="l" rtl="0">
+              <a:spcBef>
+                <a:spcPts val="0"/>
+              </a:spcBef>
+              <a:spcAft>
+                <a:spcPts val="0"/>
+              </a:spcAft>
+              <a:buNone/>
+            </a:pPr>
+            <a:endParaRPr/>
+          </a:p>
+        </p:txBody>
+      </p:sp>
+    </p:spTree>
+  </p:cSld>
+  <p:clrMapOvr>
+    <a:masterClrMapping/>
+  </p:clrMapOvr>
+</p:notes>
+</file>
+
+<file path=ppt/notesSlides/notesSlide38.xml><?xml version="1.0" encoding="utf-8"?>
+<p:notes xmlns:a="http://schemas.openxmlformats.org/drawingml/2006/main" xmlns:r="http://schemas.openxmlformats.org/officeDocument/2006/relationships" xmlns:p="http://schemas.openxmlformats.org/presentationml/2006/main" showMasterSp="0" showMasterPhAnim="0">
+  <p:cSld>
+    <p:spTree>
+      <p:nvGrpSpPr>
+        <p:cNvPr id="1" name="Shape 337"/>
+        <p:cNvGrpSpPr/>
+        <p:nvPr/>
+      </p:nvGrpSpPr>
+      <p:grpSpPr>
+        <a:xfrm>
+          <a:off x="0" y="0"/>
+          <a:ext cx="0" cy="0"/>
+          <a:chOff x="0" y="0"/>
+          <a:chExt cx="0" cy="0"/>
+        </a:xfrm>
+      </p:grpSpPr>
+      <p:sp>
+        <p:nvSpPr>
+          <p:cNvPr id="338" name="Google Shape;338;g11468c29934_0_256:notes"/>
+          <p:cNvSpPr>
+            <a:spLocks noGrp="1" noRot="1" noChangeAspect="1"/>
+          </p:cNvSpPr>
+          <p:nvPr>
+            <p:ph type="sldImg" idx="2"/>
+          </p:nvPr>
+        </p:nvSpPr>
+        <p:spPr>
+          <a:xfrm>
+            <a:off x="381300" y="685800"/>
+            <a:ext cx="6096000" cy="3429000"/>
+          </a:xfrm>
+          <a:custGeom>
+            <a:avLst/>
+            <a:gdLst/>
+            <a:ahLst/>
+            <a:cxnLst/>
+            <a:rect l="l" t="t" r="r" b="b"/>
+            <a:pathLst>
+              <a:path w="120000" h="120000" extrusionOk="0">
+                <a:moveTo>
+                  <a:pt x="0" y="0"/>
+                </a:moveTo>
+                <a:lnTo>
+                  <a:pt x="120000" y="0"/>
+                </a:lnTo>
+                <a:lnTo>
+                  <a:pt x="120000" y="120000"/>
+                </a:lnTo>
+                <a:lnTo>
+                  <a:pt x="0" y="120000"/>
+                </a:lnTo>
+                <a:close/>
+              </a:path>
+            </a:pathLst>
+          </a:custGeom>
+        </p:spPr>
+      </p:sp>
+      <p:sp>
+        <p:nvSpPr>
+          <p:cNvPr id="339" name="Google Shape;339;g11468c29934_0_256:notes"/>
+          <p:cNvSpPr txBox="1">
+            <a:spLocks noGrp="1"/>
+          </p:cNvSpPr>
+          <p:nvPr>
+            <p:ph type="body" idx="1"/>
+          </p:nvPr>
+        </p:nvSpPr>
+        <p:spPr>
+          <a:xfrm>
+            <a:off x="685800" y="4343400"/>
+            <a:ext cx="5486400" cy="4114800"/>
+          </a:xfrm>
+          <a:prstGeom prst="rect">
+            <a:avLst/>
+          </a:prstGeom>
+        </p:spPr>
+        <p:txBody>
+          <a:bodyPr spcFirstLastPara="1" wrap="square" lIns="91425" tIns="91425" rIns="91425" bIns="91425" anchor="t" anchorCtr="0">
+            <a:noAutofit/>
+          </a:bodyPr>
+          <a:lstStyle/>
+          <a:p>
+            <a:pPr marL="0" lvl="0" indent="0" algn="l" rtl="0">
+              <a:spcBef>
+                <a:spcPts val="0"/>
+              </a:spcBef>
+              <a:spcAft>
+                <a:spcPts val="0"/>
+              </a:spcAft>
+              <a:buNone/>
+            </a:pPr>
+            <a:endParaRPr/>
+          </a:p>
+        </p:txBody>
+      </p:sp>
+    </p:spTree>
+  </p:cSld>
+  <p:clrMapOvr>
+    <a:masterClrMapping/>
+  </p:clrMapOvr>
+</p:notes>
+</file>
+
+<file path=ppt/notesSlides/notesSlide39.xml><?xml version="1.0" encoding="utf-8"?>
+<p:notes xmlns:a="http://schemas.openxmlformats.org/drawingml/2006/main" xmlns:r="http://schemas.openxmlformats.org/officeDocument/2006/relationships" xmlns:p="http://schemas.openxmlformats.org/presentationml/2006/main" showMasterSp="0" showMasterPhAnim="0">
+  <p:cSld>
+    <p:spTree>
+      <p:nvGrpSpPr>
+        <p:cNvPr id="1" name="Shape 343"/>
+        <p:cNvGrpSpPr/>
+        <p:nvPr/>
+      </p:nvGrpSpPr>
+      <p:grpSpPr>
+        <a:xfrm>
+          <a:off x="0" y="0"/>
+          <a:ext cx="0" cy="0"/>
+          <a:chOff x="0" y="0"/>
+          <a:chExt cx="0" cy="0"/>
+        </a:xfrm>
+      </p:grpSpPr>
+      <p:sp>
+        <p:nvSpPr>
+          <p:cNvPr id="344" name="Google Shape;344;g11468c29934_0_270:notes"/>
+          <p:cNvSpPr>
+            <a:spLocks noGrp="1" noRot="1" noChangeAspect="1"/>
+          </p:cNvSpPr>
+          <p:nvPr>
+            <p:ph type="sldImg" idx="2"/>
+          </p:nvPr>
+        </p:nvSpPr>
+        <p:spPr>
+          <a:xfrm>
+            <a:off x="381300" y="685800"/>
+            <a:ext cx="6096000" cy="3429000"/>
+          </a:xfrm>
+          <a:custGeom>
+            <a:avLst/>
+            <a:gdLst/>
+            <a:ahLst/>
+            <a:cxnLst/>
+            <a:rect l="l" t="t" r="r" b="b"/>
+            <a:pathLst>
+              <a:path w="120000" h="120000" extrusionOk="0">
+                <a:moveTo>
+                  <a:pt x="0" y="0"/>
+                </a:moveTo>
+                <a:lnTo>
+                  <a:pt x="120000" y="0"/>
+                </a:lnTo>
+                <a:lnTo>
+                  <a:pt x="120000" y="120000"/>
+                </a:lnTo>
+                <a:lnTo>
+                  <a:pt x="0" y="120000"/>
+                </a:lnTo>
+                <a:close/>
+              </a:path>
+            </a:pathLst>
+          </a:custGeom>
+        </p:spPr>
+      </p:sp>
+      <p:sp>
+        <p:nvSpPr>
+          <p:cNvPr id="345" name="Google Shape;345;g11468c29934_0_270:notes"/>
+          <p:cNvSpPr txBox="1">
+            <a:spLocks noGrp="1"/>
+          </p:cNvSpPr>
+          <p:nvPr>
+            <p:ph type="body" idx="1"/>
+          </p:nvPr>
+        </p:nvSpPr>
+        <p:spPr>
+          <a:xfrm>
+            <a:off x="685800" y="4343400"/>
+            <a:ext cx="5486400" cy="4114800"/>
+          </a:xfrm>
+          <a:prstGeom prst="rect">
+            <a:avLst/>
+          </a:prstGeom>
+        </p:spPr>
+        <p:txBody>
+          <a:bodyPr spcFirstLastPara="1" wrap="square" lIns="91425" tIns="91425" rIns="91425" bIns="91425" anchor="t" anchorCtr="0">
+            <a:noAutofit/>
+          </a:bodyPr>
+          <a:lstStyle/>
+          <a:p>
+            <a:pPr marL="0" lvl="0" indent="0" algn="l" rtl="0">
+              <a:spcBef>
+                <a:spcPts val="0"/>
+              </a:spcBef>
+              <a:spcAft>
+                <a:spcPts val="0"/>
+              </a:spcAft>
+              <a:buNone/>
+            </a:pPr>
+            <a:r>
+              <a:rPr lang="en" u="sng">
+                <a:solidFill>
+                  <a:schemeClr val="hlink"/>
+                </a:solidFill>
+                <a:hlinkClick r:id="rId3"/>
+              </a:rPr>
+              <a:t>https://rdist.root.org/2009/05/17/the-debian-pgp-disaster-that-almost-was/</a:t>
+            </a:r>
+            <a:endParaRPr/>
+          </a:p>
+          <a:p>
+            <a:pPr marL="0" lvl="0" indent="0" algn="l" rtl="0">
+              <a:spcBef>
+                <a:spcPts val="0"/>
+              </a:spcBef>
+              <a:spcAft>
+                <a:spcPts val="0"/>
+              </a:spcAft>
+              <a:buNone/>
+            </a:pPr>
+            <a:r>
+              <a:rPr lang="en" u="sng">
+                <a:solidFill>
+                  <a:schemeClr val="hlink"/>
+                </a:solidFill>
+                <a:hlinkClick r:id="rId4"/>
+              </a:rPr>
+              <a:t>https://rdist.root.org/2010/11/19/dsa-requirements-for-random-k-value/</a:t>
+            </a:r>
+            <a:r>
+              <a:rPr lang="en"/>
+              <a:t> </a:t>
+            </a:r>
+            <a:endParaRPr/>
+          </a:p>
+        </p:txBody>
+      </p:sp>
+    </p:spTree>
+  </p:cSld>
+  <p:clrMapOvr>
+    <a:masterClrMapping/>
+  </p:clrMapOvr>
+</p:notes>
+</file>
+
+<file path=ppt/notesSlides/notesSlide4.xml><?xml version="1.0" encoding="utf-8"?>
 <p:notes xmlns:a="http://schemas.openxmlformats.org/drawingml/2006/main" xmlns:r="http://schemas.openxmlformats.org/officeDocument/2006/relationships" xmlns:p="http://schemas.openxmlformats.org/presentationml/2006/main" showMasterSp="0" showMasterPhAnim="0">
   <p:cSld>
     <p:spTree>
@@ -3142,977 +4321,7 @@
 </p:notes>
 </file>
 
-<file path=ppt/notesSlides/notesSlide30.xml><?xml version="1.0" encoding="utf-8"?>
-<p:notes xmlns:a="http://schemas.openxmlformats.org/drawingml/2006/main" xmlns:r="http://schemas.openxmlformats.org/officeDocument/2006/relationships" xmlns:p="http://schemas.openxmlformats.org/presentationml/2006/main" showMasterSp="0" showMasterPhAnim="0">
-  <p:cSld>
-    <p:spTree>
-      <p:nvGrpSpPr>
-        <p:cNvPr id="1" name="Shape 284"/>
-        <p:cNvGrpSpPr/>
-        <p:nvPr/>
-      </p:nvGrpSpPr>
-      <p:grpSpPr>
-        <a:xfrm>
-          <a:off x="0" y="0"/>
-          <a:ext cx="0" cy="0"/>
-          <a:chOff x="0" y="0"/>
-          <a:chExt cx="0" cy="0"/>
-        </a:xfrm>
-      </p:grpSpPr>
-      <p:sp>
-        <p:nvSpPr>
-          <p:cNvPr id="285" name="Google Shape;285;g11468c29934_0_261:notes"/>
-          <p:cNvSpPr>
-            <a:spLocks noGrp="1" noRot="1" noChangeAspect="1"/>
-          </p:cNvSpPr>
-          <p:nvPr>
-            <p:ph type="sldImg" idx="2"/>
-          </p:nvPr>
-        </p:nvSpPr>
-        <p:spPr>
-          <a:xfrm>
-            <a:off x="381300" y="685800"/>
-            <a:ext cx="6096000" cy="3429000"/>
-          </a:xfrm>
-          <a:custGeom>
-            <a:avLst/>
-            <a:gdLst/>
-            <a:ahLst/>
-            <a:cxnLst/>
-            <a:rect l="l" t="t" r="r" b="b"/>
-            <a:pathLst>
-              <a:path w="120000" h="120000" extrusionOk="0">
-                <a:moveTo>
-                  <a:pt x="0" y="0"/>
-                </a:moveTo>
-                <a:lnTo>
-                  <a:pt x="120000" y="0"/>
-                </a:lnTo>
-                <a:lnTo>
-                  <a:pt x="120000" y="120000"/>
-                </a:lnTo>
-                <a:lnTo>
-                  <a:pt x="0" y="120000"/>
-                </a:lnTo>
-                <a:close/>
-              </a:path>
-            </a:pathLst>
-          </a:custGeom>
-        </p:spPr>
-      </p:sp>
-      <p:sp>
-        <p:nvSpPr>
-          <p:cNvPr id="286" name="Google Shape;286;g11468c29934_0_261:notes"/>
-          <p:cNvSpPr txBox="1">
-            <a:spLocks noGrp="1"/>
-          </p:cNvSpPr>
-          <p:nvPr>
-            <p:ph type="body" idx="1"/>
-          </p:nvPr>
-        </p:nvSpPr>
-        <p:spPr>
-          <a:xfrm>
-            <a:off x="685800" y="4343400"/>
-            <a:ext cx="5486400" cy="4114800"/>
-          </a:xfrm>
-          <a:prstGeom prst="rect">
-            <a:avLst/>
-          </a:prstGeom>
-        </p:spPr>
-        <p:txBody>
-          <a:bodyPr spcFirstLastPara="1" wrap="square" lIns="91425" tIns="91425" rIns="91425" bIns="91425" anchor="t" anchorCtr="0">
-            <a:noAutofit/>
-          </a:bodyPr>
-          <a:lstStyle/>
-          <a:p>
-            <a:pPr marL="0" lvl="0" indent="0" algn="l" rtl="0">
-              <a:spcBef>
-                <a:spcPts val="0"/>
-              </a:spcBef>
-              <a:spcAft>
-                <a:spcPts val="0"/>
-              </a:spcAft>
-              <a:buNone/>
-            </a:pPr>
-            <a:endParaRPr/>
-          </a:p>
-        </p:txBody>
-      </p:sp>
-    </p:spTree>
-  </p:cSld>
-  <p:clrMapOvr>
-    <a:masterClrMapping/>
-  </p:clrMapOvr>
-</p:notes>
-</file>
-
-<file path=ppt/notesSlides/notesSlide31.xml><?xml version="1.0" encoding="utf-8"?>
-<p:notes xmlns:a="http://schemas.openxmlformats.org/drawingml/2006/main" xmlns:r="http://schemas.openxmlformats.org/officeDocument/2006/relationships" xmlns:p="http://schemas.openxmlformats.org/presentationml/2006/main" showMasterSp="0" showMasterPhAnim="0">
-  <p:cSld>
-    <p:spTree>
-      <p:nvGrpSpPr>
-        <p:cNvPr id="1" name="Shape 294"/>
-        <p:cNvGrpSpPr/>
-        <p:nvPr/>
-      </p:nvGrpSpPr>
-      <p:grpSpPr>
-        <a:xfrm>
-          <a:off x="0" y="0"/>
-          <a:ext cx="0" cy="0"/>
-          <a:chOff x="0" y="0"/>
-          <a:chExt cx="0" cy="0"/>
-        </a:xfrm>
-      </p:grpSpPr>
-      <p:sp>
-        <p:nvSpPr>
-          <p:cNvPr id="295" name="Google Shape;295;g11468c29934_0_165:notes"/>
-          <p:cNvSpPr>
-            <a:spLocks noGrp="1" noRot="1" noChangeAspect="1"/>
-          </p:cNvSpPr>
-          <p:nvPr>
-            <p:ph type="sldImg" idx="2"/>
-          </p:nvPr>
-        </p:nvSpPr>
-        <p:spPr>
-          <a:xfrm>
-            <a:off x="381300" y="685800"/>
-            <a:ext cx="6096000" cy="3429000"/>
-          </a:xfrm>
-          <a:custGeom>
-            <a:avLst/>
-            <a:gdLst/>
-            <a:ahLst/>
-            <a:cxnLst/>
-            <a:rect l="l" t="t" r="r" b="b"/>
-            <a:pathLst>
-              <a:path w="120000" h="120000" extrusionOk="0">
-                <a:moveTo>
-                  <a:pt x="0" y="0"/>
-                </a:moveTo>
-                <a:lnTo>
-                  <a:pt x="120000" y="0"/>
-                </a:lnTo>
-                <a:lnTo>
-                  <a:pt x="120000" y="120000"/>
-                </a:lnTo>
-                <a:lnTo>
-                  <a:pt x="0" y="120000"/>
-                </a:lnTo>
-                <a:close/>
-              </a:path>
-            </a:pathLst>
-          </a:custGeom>
-        </p:spPr>
-      </p:sp>
-      <p:sp>
-        <p:nvSpPr>
-          <p:cNvPr id="296" name="Google Shape;296;g11468c29934_0_165:notes"/>
-          <p:cNvSpPr txBox="1">
-            <a:spLocks noGrp="1"/>
-          </p:cNvSpPr>
-          <p:nvPr>
-            <p:ph type="body" idx="1"/>
-          </p:nvPr>
-        </p:nvSpPr>
-        <p:spPr>
-          <a:xfrm>
-            <a:off x="685800" y="4343400"/>
-            <a:ext cx="5486400" cy="4114800"/>
-          </a:xfrm>
-          <a:prstGeom prst="rect">
-            <a:avLst/>
-          </a:prstGeom>
-        </p:spPr>
-        <p:txBody>
-          <a:bodyPr spcFirstLastPara="1" wrap="square" lIns="91425" tIns="91425" rIns="91425" bIns="91425" anchor="t" anchorCtr="0">
-            <a:noAutofit/>
-          </a:bodyPr>
-          <a:lstStyle/>
-          <a:p>
-            <a:pPr marL="0" lvl="0" indent="0" algn="l" rtl="0">
-              <a:spcBef>
-                <a:spcPts val="0"/>
-              </a:spcBef>
-              <a:spcAft>
-                <a:spcPts val="0"/>
-              </a:spcAft>
-              <a:buNone/>
-            </a:pPr>
-            <a:endParaRPr/>
-          </a:p>
-        </p:txBody>
-      </p:sp>
-    </p:spTree>
-  </p:cSld>
-  <p:clrMapOvr>
-    <a:masterClrMapping/>
-  </p:clrMapOvr>
-</p:notes>
-</file>
-
-<file path=ppt/notesSlides/notesSlide32.xml><?xml version="1.0" encoding="utf-8"?>
-<p:notes xmlns:a="http://schemas.openxmlformats.org/drawingml/2006/main" xmlns:r="http://schemas.openxmlformats.org/officeDocument/2006/relationships" xmlns:p="http://schemas.openxmlformats.org/presentationml/2006/main" showMasterSp="0" showMasterPhAnim="0">
-  <p:cSld>
-    <p:spTree>
-      <p:nvGrpSpPr>
-        <p:cNvPr id="1" name="Shape 301"/>
-        <p:cNvGrpSpPr/>
-        <p:nvPr/>
-      </p:nvGrpSpPr>
-      <p:grpSpPr>
-        <a:xfrm>
-          <a:off x="0" y="0"/>
-          <a:ext cx="0" cy="0"/>
-          <a:chOff x="0" y="0"/>
-          <a:chExt cx="0" cy="0"/>
-        </a:xfrm>
-      </p:grpSpPr>
-      <p:sp>
-        <p:nvSpPr>
-          <p:cNvPr id="302" name="Google Shape;302;g11468c29934_1_264:notes"/>
-          <p:cNvSpPr>
-            <a:spLocks noGrp="1" noRot="1" noChangeAspect="1"/>
-          </p:cNvSpPr>
-          <p:nvPr>
-            <p:ph type="sldImg" idx="2"/>
-          </p:nvPr>
-        </p:nvSpPr>
-        <p:spPr>
-          <a:xfrm>
-            <a:off x="381300" y="685800"/>
-            <a:ext cx="6096000" cy="3429000"/>
-          </a:xfrm>
-          <a:custGeom>
-            <a:avLst/>
-            <a:gdLst/>
-            <a:ahLst/>
-            <a:cxnLst/>
-            <a:rect l="l" t="t" r="r" b="b"/>
-            <a:pathLst>
-              <a:path w="120000" h="120000" extrusionOk="0">
-                <a:moveTo>
-                  <a:pt x="0" y="0"/>
-                </a:moveTo>
-                <a:lnTo>
-                  <a:pt x="120000" y="0"/>
-                </a:lnTo>
-                <a:lnTo>
-                  <a:pt x="120000" y="120000"/>
-                </a:lnTo>
-                <a:lnTo>
-                  <a:pt x="0" y="120000"/>
-                </a:lnTo>
-                <a:close/>
-              </a:path>
-            </a:pathLst>
-          </a:custGeom>
-        </p:spPr>
-      </p:sp>
-      <p:sp>
-        <p:nvSpPr>
-          <p:cNvPr id="303" name="Google Shape;303;g11468c29934_1_264:notes"/>
-          <p:cNvSpPr txBox="1">
-            <a:spLocks noGrp="1"/>
-          </p:cNvSpPr>
-          <p:nvPr>
-            <p:ph type="body" idx="1"/>
-          </p:nvPr>
-        </p:nvSpPr>
-        <p:spPr>
-          <a:xfrm>
-            <a:off x="685800" y="4343400"/>
-            <a:ext cx="5486400" cy="4114800"/>
-          </a:xfrm>
-          <a:prstGeom prst="rect">
-            <a:avLst/>
-          </a:prstGeom>
-        </p:spPr>
-        <p:txBody>
-          <a:bodyPr spcFirstLastPara="1" wrap="square" lIns="91425" tIns="91425" rIns="91425" bIns="91425" anchor="t" anchorCtr="0">
-            <a:noAutofit/>
-          </a:bodyPr>
-          <a:lstStyle/>
-          <a:p>
-            <a:pPr marL="0" lvl="0" indent="0" algn="l" rtl="0">
-              <a:spcBef>
-                <a:spcPts val="0"/>
-              </a:spcBef>
-              <a:spcAft>
-                <a:spcPts val="0"/>
-              </a:spcAft>
-              <a:buNone/>
-            </a:pPr>
-            <a:endParaRPr/>
-          </a:p>
-        </p:txBody>
-      </p:sp>
-    </p:spTree>
-  </p:cSld>
-  <p:clrMapOvr>
-    <a:masterClrMapping/>
-  </p:clrMapOvr>
-</p:notes>
-</file>
-
-<file path=ppt/notesSlides/notesSlide33.xml><?xml version="1.0" encoding="utf-8"?>
-<p:notes xmlns:a="http://schemas.openxmlformats.org/drawingml/2006/main" xmlns:r="http://schemas.openxmlformats.org/officeDocument/2006/relationships" xmlns:p="http://schemas.openxmlformats.org/presentationml/2006/main" showMasterSp="0" showMasterPhAnim="0">
-  <p:cSld>
-    <p:spTree>
-      <p:nvGrpSpPr>
-        <p:cNvPr id="1" name="Shape 308"/>
-        <p:cNvGrpSpPr/>
-        <p:nvPr/>
-      </p:nvGrpSpPr>
-      <p:grpSpPr>
-        <a:xfrm>
-          <a:off x="0" y="0"/>
-          <a:ext cx="0" cy="0"/>
-          <a:chOff x="0" y="0"/>
-          <a:chExt cx="0" cy="0"/>
-        </a:xfrm>
-      </p:grpSpPr>
-      <p:sp>
-        <p:nvSpPr>
-          <p:cNvPr id="309" name="Google Shape;309;g11468c29934_0_171:notes"/>
-          <p:cNvSpPr>
-            <a:spLocks noGrp="1" noRot="1" noChangeAspect="1"/>
-          </p:cNvSpPr>
-          <p:nvPr>
-            <p:ph type="sldImg" idx="2"/>
-          </p:nvPr>
-        </p:nvSpPr>
-        <p:spPr>
-          <a:xfrm>
-            <a:off x="381000" y="685800"/>
-            <a:ext cx="6096000" cy="3429000"/>
-          </a:xfrm>
-          <a:custGeom>
-            <a:avLst/>
-            <a:gdLst/>
-            <a:ahLst/>
-            <a:cxnLst/>
-            <a:rect l="l" t="t" r="r" b="b"/>
-            <a:pathLst>
-              <a:path w="120000" h="120000" extrusionOk="0">
-                <a:moveTo>
-                  <a:pt x="0" y="0"/>
-                </a:moveTo>
-                <a:lnTo>
-                  <a:pt x="120000" y="0"/>
-                </a:lnTo>
-                <a:lnTo>
-                  <a:pt x="120000" y="120000"/>
-                </a:lnTo>
-                <a:lnTo>
-                  <a:pt x="0" y="120000"/>
-                </a:lnTo>
-                <a:close/>
-              </a:path>
-            </a:pathLst>
-          </a:custGeom>
-        </p:spPr>
-      </p:sp>
-      <p:sp>
-        <p:nvSpPr>
-          <p:cNvPr id="310" name="Google Shape;310;g11468c29934_0_171:notes"/>
-          <p:cNvSpPr txBox="1">
-            <a:spLocks noGrp="1"/>
-          </p:cNvSpPr>
-          <p:nvPr>
-            <p:ph type="body" idx="1"/>
-          </p:nvPr>
-        </p:nvSpPr>
-        <p:spPr>
-          <a:xfrm>
-            <a:off x="685800" y="4343400"/>
-            <a:ext cx="5486400" cy="4114800"/>
-          </a:xfrm>
-          <a:prstGeom prst="rect">
-            <a:avLst/>
-          </a:prstGeom>
-        </p:spPr>
-        <p:txBody>
-          <a:bodyPr spcFirstLastPara="1" wrap="square" lIns="91425" tIns="91425" rIns="91425" bIns="91425" anchor="t" anchorCtr="0">
-            <a:noAutofit/>
-          </a:bodyPr>
-          <a:lstStyle/>
-          <a:p>
-            <a:pPr marL="0" lvl="0" indent="0" algn="l" rtl="0">
-              <a:spcBef>
-                <a:spcPts val="0"/>
-              </a:spcBef>
-              <a:spcAft>
-                <a:spcPts val="0"/>
-              </a:spcAft>
-              <a:buNone/>
-            </a:pPr>
-            <a:endParaRPr/>
-          </a:p>
-        </p:txBody>
-      </p:sp>
-    </p:spTree>
-  </p:cSld>
-  <p:clrMapOvr>
-    <a:masterClrMapping/>
-  </p:clrMapOvr>
-</p:notes>
-</file>
-
-<file path=ppt/notesSlides/notesSlide34.xml><?xml version="1.0" encoding="utf-8"?>
-<p:notes xmlns:a="http://schemas.openxmlformats.org/drawingml/2006/main" xmlns:r="http://schemas.openxmlformats.org/officeDocument/2006/relationships" xmlns:p="http://schemas.openxmlformats.org/presentationml/2006/main" showMasterSp="0" showMasterPhAnim="0">
-  <p:cSld>
-    <p:spTree>
-      <p:nvGrpSpPr>
-        <p:cNvPr id="1" name="Shape 316"/>
-        <p:cNvGrpSpPr/>
-        <p:nvPr/>
-      </p:nvGrpSpPr>
-      <p:grpSpPr>
-        <a:xfrm>
-          <a:off x="0" y="0"/>
-          <a:ext cx="0" cy="0"/>
-          <a:chOff x="0" y="0"/>
-          <a:chExt cx="0" cy="0"/>
-        </a:xfrm>
-      </p:grpSpPr>
-      <p:sp>
-        <p:nvSpPr>
-          <p:cNvPr id="317" name="Google Shape;317;g11468c29934_0_177:notes"/>
-          <p:cNvSpPr>
-            <a:spLocks noGrp="1" noRot="1" noChangeAspect="1"/>
-          </p:cNvSpPr>
-          <p:nvPr>
-            <p:ph type="sldImg" idx="2"/>
-          </p:nvPr>
-        </p:nvSpPr>
-        <p:spPr>
-          <a:xfrm>
-            <a:off x="381300" y="685800"/>
-            <a:ext cx="6096000" cy="3429000"/>
-          </a:xfrm>
-          <a:custGeom>
-            <a:avLst/>
-            <a:gdLst/>
-            <a:ahLst/>
-            <a:cxnLst/>
-            <a:rect l="l" t="t" r="r" b="b"/>
-            <a:pathLst>
-              <a:path w="120000" h="120000" extrusionOk="0">
-                <a:moveTo>
-                  <a:pt x="0" y="0"/>
-                </a:moveTo>
-                <a:lnTo>
-                  <a:pt x="120000" y="0"/>
-                </a:lnTo>
-                <a:lnTo>
-                  <a:pt x="120000" y="120000"/>
-                </a:lnTo>
-                <a:lnTo>
-                  <a:pt x="0" y="120000"/>
-                </a:lnTo>
-                <a:close/>
-              </a:path>
-            </a:pathLst>
-          </a:custGeom>
-        </p:spPr>
-      </p:sp>
-      <p:sp>
-        <p:nvSpPr>
-          <p:cNvPr id="318" name="Google Shape;318;g11468c29934_0_177:notes"/>
-          <p:cNvSpPr txBox="1">
-            <a:spLocks noGrp="1"/>
-          </p:cNvSpPr>
-          <p:nvPr>
-            <p:ph type="body" idx="1"/>
-          </p:nvPr>
-        </p:nvSpPr>
-        <p:spPr>
-          <a:xfrm>
-            <a:off x="685800" y="4343400"/>
-            <a:ext cx="5486400" cy="4114800"/>
-          </a:xfrm>
-          <a:prstGeom prst="rect">
-            <a:avLst/>
-          </a:prstGeom>
-        </p:spPr>
-        <p:txBody>
-          <a:bodyPr spcFirstLastPara="1" wrap="square" lIns="91425" tIns="91425" rIns="91425" bIns="91425" anchor="t" anchorCtr="0">
-            <a:noAutofit/>
-          </a:bodyPr>
-          <a:lstStyle/>
-          <a:p>
-            <a:pPr marL="0" lvl="0" indent="0" algn="l" rtl="0">
-              <a:spcBef>
-                <a:spcPts val="0"/>
-              </a:spcBef>
-              <a:spcAft>
-                <a:spcPts val="0"/>
-              </a:spcAft>
-              <a:buNone/>
-            </a:pPr>
-            <a:endParaRPr/>
-          </a:p>
-        </p:txBody>
-      </p:sp>
-    </p:spTree>
-  </p:cSld>
-  <p:clrMapOvr>
-    <a:masterClrMapping/>
-  </p:clrMapOvr>
-</p:notes>
-</file>
-
-<file path=ppt/notesSlides/notesSlide35.xml><?xml version="1.0" encoding="utf-8"?>
-<p:notes xmlns:a="http://schemas.openxmlformats.org/drawingml/2006/main" xmlns:r="http://schemas.openxmlformats.org/officeDocument/2006/relationships" xmlns:p="http://schemas.openxmlformats.org/presentationml/2006/main" showMasterSp="0" showMasterPhAnim="0">
-  <p:cSld>
-    <p:spTree>
-      <p:nvGrpSpPr>
-        <p:cNvPr id="1" name="Shape 323"/>
-        <p:cNvGrpSpPr/>
-        <p:nvPr/>
-      </p:nvGrpSpPr>
-      <p:grpSpPr>
-        <a:xfrm>
-          <a:off x="0" y="0"/>
-          <a:ext cx="0" cy="0"/>
-          <a:chOff x="0" y="0"/>
-          <a:chExt cx="0" cy="0"/>
-        </a:xfrm>
-      </p:grpSpPr>
-      <p:sp>
-        <p:nvSpPr>
-          <p:cNvPr id="324" name="Google Shape;324;g11468c29934_0_183:notes"/>
-          <p:cNvSpPr>
-            <a:spLocks noGrp="1" noRot="1" noChangeAspect="1"/>
-          </p:cNvSpPr>
-          <p:nvPr>
-            <p:ph type="sldImg" idx="2"/>
-          </p:nvPr>
-        </p:nvSpPr>
-        <p:spPr>
-          <a:xfrm>
-            <a:off x="381300" y="685800"/>
-            <a:ext cx="6096000" cy="3429000"/>
-          </a:xfrm>
-          <a:custGeom>
-            <a:avLst/>
-            <a:gdLst/>
-            <a:ahLst/>
-            <a:cxnLst/>
-            <a:rect l="l" t="t" r="r" b="b"/>
-            <a:pathLst>
-              <a:path w="120000" h="120000" extrusionOk="0">
-                <a:moveTo>
-                  <a:pt x="0" y="0"/>
-                </a:moveTo>
-                <a:lnTo>
-                  <a:pt x="120000" y="0"/>
-                </a:lnTo>
-                <a:lnTo>
-                  <a:pt x="120000" y="120000"/>
-                </a:lnTo>
-                <a:lnTo>
-                  <a:pt x="0" y="120000"/>
-                </a:lnTo>
-                <a:close/>
-              </a:path>
-            </a:pathLst>
-          </a:custGeom>
-        </p:spPr>
-      </p:sp>
-      <p:sp>
-        <p:nvSpPr>
-          <p:cNvPr id="325" name="Google Shape;325;g11468c29934_0_183:notes"/>
-          <p:cNvSpPr txBox="1">
-            <a:spLocks noGrp="1"/>
-          </p:cNvSpPr>
-          <p:nvPr>
-            <p:ph type="body" idx="1"/>
-          </p:nvPr>
-        </p:nvSpPr>
-        <p:spPr>
-          <a:xfrm>
-            <a:off x="685800" y="4343400"/>
-            <a:ext cx="5486400" cy="4114800"/>
-          </a:xfrm>
-          <a:prstGeom prst="rect">
-            <a:avLst/>
-          </a:prstGeom>
-        </p:spPr>
-        <p:txBody>
-          <a:bodyPr spcFirstLastPara="1" wrap="square" lIns="91425" tIns="91425" rIns="91425" bIns="91425" anchor="t" anchorCtr="0">
-            <a:noAutofit/>
-          </a:bodyPr>
-          <a:lstStyle/>
-          <a:p>
-            <a:pPr marL="0" lvl="0" indent="0" algn="l" rtl="0">
-              <a:spcBef>
-                <a:spcPts val="0"/>
-              </a:spcBef>
-              <a:spcAft>
-                <a:spcPts val="0"/>
-              </a:spcAft>
-              <a:buNone/>
-            </a:pPr>
-            <a:endParaRPr/>
-          </a:p>
-        </p:txBody>
-      </p:sp>
-    </p:spTree>
-  </p:cSld>
-  <p:clrMapOvr>
-    <a:masterClrMapping/>
-  </p:clrMapOvr>
-</p:notes>
-</file>
-
-<file path=ppt/notesSlides/notesSlide36.xml><?xml version="1.0" encoding="utf-8"?>
-<p:notes xmlns:a="http://schemas.openxmlformats.org/drawingml/2006/main" xmlns:r="http://schemas.openxmlformats.org/officeDocument/2006/relationships" xmlns:p="http://schemas.openxmlformats.org/presentationml/2006/main" showMasterSp="0" showMasterPhAnim="0">
-  <p:cSld>
-    <p:spTree>
-      <p:nvGrpSpPr>
-        <p:cNvPr id="1" name="Shape 330"/>
-        <p:cNvGrpSpPr/>
-        <p:nvPr/>
-      </p:nvGrpSpPr>
-      <p:grpSpPr>
-        <a:xfrm>
-          <a:off x="0" y="0"/>
-          <a:ext cx="0" cy="0"/>
-          <a:chOff x="0" y="0"/>
-          <a:chExt cx="0" cy="0"/>
-        </a:xfrm>
-      </p:grpSpPr>
-      <p:sp>
-        <p:nvSpPr>
-          <p:cNvPr id="331" name="Google Shape;331;g11468c29934_0_189:notes"/>
-          <p:cNvSpPr>
-            <a:spLocks noGrp="1" noRot="1" noChangeAspect="1"/>
-          </p:cNvSpPr>
-          <p:nvPr>
-            <p:ph type="sldImg" idx="2"/>
-          </p:nvPr>
-        </p:nvSpPr>
-        <p:spPr>
-          <a:xfrm>
-            <a:off x="381300" y="685800"/>
-            <a:ext cx="6096000" cy="3429000"/>
-          </a:xfrm>
-          <a:custGeom>
-            <a:avLst/>
-            <a:gdLst/>
-            <a:ahLst/>
-            <a:cxnLst/>
-            <a:rect l="l" t="t" r="r" b="b"/>
-            <a:pathLst>
-              <a:path w="120000" h="120000" extrusionOk="0">
-                <a:moveTo>
-                  <a:pt x="0" y="0"/>
-                </a:moveTo>
-                <a:lnTo>
-                  <a:pt x="120000" y="0"/>
-                </a:lnTo>
-                <a:lnTo>
-                  <a:pt x="120000" y="120000"/>
-                </a:lnTo>
-                <a:lnTo>
-                  <a:pt x="0" y="120000"/>
-                </a:lnTo>
-                <a:close/>
-              </a:path>
-            </a:pathLst>
-          </a:custGeom>
-        </p:spPr>
-      </p:sp>
-      <p:sp>
-        <p:nvSpPr>
-          <p:cNvPr id="332" name="Google Shape;332;g11468c29934_0_189:notes"/>
-          <p:cNvSpPr txBox="1">
-            <a:spLocks noGrp="1"/>
-          </p:cNvSpPr>
-          <p:nvPr>
-            <p:ph type="body" idx="1"/>
-          </p:nvPr>
-        </p:nvSpPr>
-        <p:spPr>
-          <a:xfrm>
-            <a:off x="685800" y="4343400"/>
-            <a:ext cx="5486400" cy="4114800"/>
-          </a:xfrm>
-          <a:prstGeom prst="rect">
-            <a:avLst/>
-          </a:prstGeom>
-        </p:spPr>
-        <p:txBody>
-          <a:bodyPr spcFirstLastPara="1" wrap="square" lIns="91425" tIns="91425" rIns="91425" bIns="91425" anchor="t" anchorCtr="0">
-            <a:noAutofit/>
-          </a:bodyPr>
-          <a:lstStyle/>
-          <a:p>
-            <a:pPr marL="0" lvl="0" indent="0" algn="l" rtl="0">
-              <a:spcBef>
-                <a:spcPts val="0"/>
-              </a:spcBef>
-              <a:spcAft>
-                <a:spcPts val="0"/>
-              </a:spcAft>
-              <a:buNone/>
-            </a:pPr>
-            <a:endParaRPr/>
-          </a:p>
-        </p:txBody>
-      </p:sp>
-    </p:spTree>
-  </p:cSld>
-  <p:clrMapOvr>
-    <a:masterClrMapping/>
-  </p:clrMapOvr>
-</p:notes>
-</file>
-
-<file path=ppt/notesSlides/notesSlide37.xml><?xml version="1.0" encoding="utf-8"?>
-<p:notes xmlns:a="http://schemas.openxmlformats.org/drawingml/2006/main" xmlns:r="http://schemas.openxmlformats.org/officeDocument/2006/relationships" xmlns:p="http://schemas.openxmlformats.org/presentationml/2006/main" showMasterSp="0" showMasterPhAnim="0">
-  <p:cSld>
-    <p:spTree>
-      <p:nvGrpSpPr>
-        <p:cNvPr id="1" name="Shape 337"/>
-        <p:cNvGrpSpPr/>
-        <p:nvPr/>
-      </p:nvGrpSpPr>
-      <p:grpSpPr>
-        <a:xfrm>
-          <a:off x="0" y="0"/>
-          <a:ext cx="0" cy="0"/>
-          <a:chOff x="0" y="0"/>
-          <a:chExt cx="0" cy="0"/>
-        </a:xfrm>
-      </p:grpSpPr>
-      <p:sp>
-        <p:nvSpPr>
-          <p:cNvPr id="338" name="Google Shape;338;g11468c29934_0_256:notes"/>
-          <p:cNvSpPr>
-            <a:spLocks noGrp="1" noRot="1" noChangeAspect="1"/>
-          </p:cNvSpPr>
-          <p:nvPr>
-            <p:ph type="sldImg" idx="2"/>
-          </p:nvPr>
-        </p:nvSpPr>
-        <p:spPr>
-          <a:xfrm>
-            <a:off x="381300" y="685800"/>
-            <a:ext cx="6096000" cy="3429000"/>
-          </a:xfrm>
-          <a:custGeom>
-            <a:avLst/>
-            <a:gdLst/>
-            <a:ahLst/>
-            <a:cxnLst/>
-            <a:rect l="l" t="t" r="r" b="b"/>
-            <a:pathLst>
-              <a:path w="120000" h="120000" extrusionOk="0">
-                <a:moveTo>
-                  <a:pt x="0" y="0"/>
-                </a:moveTo>
-                <a:lnTo>
-                  <a:pt x="120000" y="0"/>
-                </a:lnTo>
-                <a:lnTo>
-                  <a:pt x="120000" y="120000"/>
-                </a:lnTo>
-                <a:lnTo>
-                  <a:pt x="0" y="120000"/>
-                </a:lnTo>
-                <a:close/>
-              </a:path>
-            </a:pathLst>
-          </a:custGeom>
-        </p:spPr>
-      </p:sp>
-      <p:sp>
-        <p:nvSpPr>
-          <p:cNvPr id="339" name="Google Shape;339;g11468c29934_0_256:notes"/>
-          <p:cNvSpPr txBox="1">
-            <a:spLocks noGrp="1"/>
-          </p:cNvSpPr>
-          <p:nvPr>
-            <p:ph type="body" idx="1"/>
-          </p:nvPr>
-        </p:nvSpPr>
-        <p:spPr>
-          <a:xfrm>
-            <a:off x="685800" y="4343400"/>
-            <a:ext cx="5486400" cy="4114800"/>
-          </a:xfrm>
-          <a:prstGeom prst="rect">
-            <a:avLst/>
-          </a:prstGeom>
-        </p:spPr>
-        <p:txBody>
-          <a:bodyPr spcFirstLastPara="1" wrap="square" lIns="91425" tIns="91425" rIns="91425" bIns="91425" anchor="t" anchorCtr="0">
-            <a:noAutofit/>
-          </a:bodyPr>
-          <a:lstStyle/>
-          <a:p>
-            <a:pPr marL="0" lvl="0" indent="0" algn="l" rtl="0">
-              <a:spcBef>
-                <a:spcPts val="0"/>
-              </a:spcBef>
-              <a:spcAft>
-                <a:spcPts val="0"/>
-              </a:spcAft>
-              <a:buNone/>
-            </a:pPr>
-            <a:endParaRPr/>
-          </a:p>
-        </p:txBody>
-      </p:sp>
-    </p:spTree>
-  </p:cSld>
-  <p:clrMapOvr>
-    <a:masterClrMapping/>
-  </p:clrMapOvr>
-</p:notes>
-</file>
-
-<file path=ppt/notesSlides/notesSlide38.xml><?xml version="1.0" encoding="utf-8"?>
-<p:notes xmlns:a="http://schemas.openxmlformats.org/drawingml/2006/main" xmlns:r="http://schemas.openxmlformats.org/officeDocument/2006/relationships" xmlns:p="http://schemas.openxmlformats.org/presentationml/2006/main" showMasterSp="0" showMasterPhAnim="0">
-  <p:cSld>
-    <p:spTree>
-      <p:nvGrpSpPr>
-        <p:cNvPr id="1" name="Shape 343"/>
-        <p:cNvGrpSpPr/>
-        <p:nvPr/>
-      </p:nvGrpSpPr>
-      <p:grpSpPr>
-        <a:xfrm>
-          <a:off x="0" y="0"/>
-          <a:ext cx="0" cy="0"/>
-          <a:chOff x="0" y="0"/>
-          <a:chExt cx="0" cy="0"/>
-        </a:xfrm>
-      </p:grpSpPr>
-      <p:sp>
-        <p:nvSpPr>
-          <p:cNvPr id="344" name="Google Shape;344;g11468c29934_0_270:notes"/>
-          <p:cNvSpPr>
-            <a:spLocks noGrp="1" noRot="1" noChangeAspect="1"/>
-          </p:cNvSpPr>
-          <p:nvPr>
-            <p:ph type="sldImg" idx="2"/>
-          </p:nvPr>
-        </p:nvSpPr>
-        <p:spPr>
-          <a:xfrm>
-            <a:off x="381300" y="685800"/>
-            <a:ext cx="6096000" cy="3429000"/>
-          </a:xfrm>
-          <a:custGeom>
-            <a:avLst/>
-            <a:gdLst/>
-            <a:ahLst/>
-            <a:cxnLst/>
-            <a:rect l="l" t="t" r="r" b="b"/>
-            <a:pathLst>
-              <a:path w="120000" h="120000" extrusionOk="0">
-                <a:moveTo>
-                  <a:pt x="0" y="0"/>
-                </a:moveTo>
-                <a:lnTo>
-                  <a:pt x="120000" y="0"/>
-                </a:lnTo>
-                <a:lnTo>
-                  <a:pt x="120000" y="120000"/>
-                </a:lnTo>
-                <a:lnTo>
-                  <a:pt x="0" y="120000"/>
-                </a:lnTo>
-                <a:close/>
-              </a:path>
-            </a:pathLst>
-          </a:custGeom>
-        </p:spPr>
-      </p:sp>
-      <p:sp>
-        <p:nvSpPr>
-          <p:cNvPr id="345" name="Google Shape;345;g11468c29934_0_270:notes"/>
-          <p:cNvSpPr txBox="1">
-            <a:spLocks noGrp="1"/>
-          </p:cNvSpPr>
-          <p:nvPr>
-            <p:ph type="body" idx="1"/>
-          </p:nvPr>
-        </p:nvSpPr>
-        <p:spPr>
-          <a:xfrm>
-            <a:off x="685800" y="4343400"/>
-            <a:ext cx="5486400" cy="4114800"/>
-          </a:xfrm>
-          <a:prstGeom prst="rect">
-            <a:avLst/>
-          </a:prstGeom>
-        </p:spPr>
-        <p:txBody>
-          <a:bodyPr spcFirstLastPara="1" wrap="square" lIns="91425" tIns="91425" rIns="91425" bIns="91425" anchor="t" anchorCtr="0">
-            <a:noAutofit/>
-          </a:bodyPr>
-          <a:lstStyle/>
-          <a:p>
-            <a:pPr marL="0" lvl="0" indent="0" algn="l" rtl="0">
-              <a:spcBef>
-                <a:spcPts val="0"/>
-              </a:spcBef>
-              <a:spcAft>
-                <a:spcPts val="0"/>
-              </a:spcAft>
-              <a:buNone/>
-            </a:pPr>
-            <a:r>
-              <a:rPr lang="en" u="sng">
-                <a:solidFill>
-                  <a:schemeClr val="hlink"/>
-                </a:solidFill>
-                <a:hlinkClick r:id="rId3"/>
-              </a:rPr>
-              <a:t>https://rdist.root.org/2009/05/17/the-debian-pgp-disaster-that-almost-was/</a:t>
-            </a:r>
-            <a:endParaRPr/>
-          </a:p>
-          <a:p>
-            <a:pPr marL="0" lvl="0" indent="0" algn="l" rtl="0">
-              <a:spcBef>
-                <a:spcPts val="0"/>
-              </a:spcBef>
-              <a:spcAft>
-                <a:spcPts val="0"/>
-              </a:spcAft>
-              <a:buNone/>
-            </a:pPr>
-            <a:r>
-              <a:rPr lang="en" u="sng">
-                <a:solidFill>
-                  <a:schemeClr val="hlink"/>
-                </a:solidFill>
-                <a:hlinkClick r:id="rId4"/>
-              </a:rPr>
-              <a:t>https://rdist.root.org/2010/11/19/dsa-requirements-for-random-k-value/</a:t>
-            </a:r>
-            <a:r>
-              <a:rPr lang="en"/>
-              <a:t> </a:t>
-            </a:r>
-            <a:endParaRPr/>
-          </a:p>
-        </p:txBody>
-      </p:sp>
-    </p:spTree>
-  </p:cSld>
-  <p:clrMapOvr>
-    <a:masterClrMapping/>
-  </p:clrMapOvr>
-</p:notes>
-</file>
-
-<file path=ppt/notesSlides/notesSlide39.xml><?xml version="1.0" encoding="utf-8"?>
+<file path=ppt/notesSlides/notesSlide40.xml><?xml version="1.0" encoding="utf-8"?>
 <p:notes xmlns:a="http://schemas.openxmlformats.org/drawingml/2006/main" xmlns:r="http://schemas.openxmlformats.org/officeDocument/2006/relationships" xmlns:p="http://schemas.openxmlformats.org/presentationml/2006/main" showMasterSp="0" showMasterPhAnim="0">
   <p:cSld>
     <p:spTree>
@@ -4216,7 +4425,336 @@
 </p:notes>
 </file>
 
-<file path=ppt/notesSlides/notesSlide4.xml><?xml version="1.0" encoding="utf-8"?>
+<file path=ppt/notesSlides/notesSlide41.xml><?xml version="1.0" encoding="utf-8"?>
+<p:notes xmlns:a="http://schemas.openxmlformats.org/drawingml/2006/main" xmlns:r="http://schemas.openxmlformats.org/officeDocument/2006/relationships" xmlns:p="http://schemas.openxmlformats.org/presentationml/2006/main" showMasterSp="0" showMasterPhAnim="0">
+  <p:cSld>
+    <p:spTree>
+      <p:nvGrpSpPr>
+        <p:cNvPr id="1" name="Shape 357"/>
+        <p:cNvGrpSpPr/>
+        <p:nvPr/>
+      </p:nvGrpSpPr>
+      <p:grpSpPr>
+        <a:xfrm>
+          <a:off x="0" y="0"/>
+          <a:ext cx="0" cy="0"/>
+          <a:chOff x="0" y="0"/>
+          <a:chExt cx="0" cy="0"/>
+        </a:xfrm>
+      </p:grpSpPr>
+      <p:sp>
+        <p:nvSpPr>
+          <p:cNvPr id="358" name="Google Shape;358;g11468c29934_0_282:notes"/>
+          <p:cNvSpPr>
+            <a:spLocks noGrp="1" noRot="1" noChangeAspect="1"/>
+          </p:cNvSpPr>
+          <p:nvPr>
+            <p:ph type="sldImg" idx="2"/>
+          </p:nvPr>
+        </p:nvSpPr>
+        <p:spPr>
+          <a:xfrm>
+            <a:off x="381300" y="685800"/>
+            <a:ext cx="6096000" cy="3429000"/>
+          </a:xfrm>
+          <a:custGeom>
+            <a:avLst/>
+            <a:gdLst/>
+            <a:ahLst/>
+            <a:cxnLst/>
+            <a:rect l="l" t="t" r="r" b="b"/>
+            <a:pathLst>
+              <a:path w="120000" h="120000" extrusionOk="0">
+                <a:moveTo>
+                  <a:pt x="0" y="0"/>
+                </a:moveTo>
+                <a:lnTo>
+                  <a:pt x="120000" y="0"/>
+                </a:lnTo>
+                <a:lnTo>
+                  <a:pt x="120000" y="120000"/>
+                </a:lnTo>
+                <a:lnTo>
+                  <a:pt x="0" y="120000"/>
+                </a:lnTo>
+                <a:close/>
+              </a:path>
+            </a:pathLst>
+          </a:custGeom>
+        </p:spPr>
+      </p:sp>
+      <p:sp>
+        <p:nvSpPr>
+          <p:cNvPr id="359" name="Google Shape;359;g11468c29934_0_282:notes"/>
+          <p:cNvSpPr txBox="1">
+            <a:spLocks noGrp="1"/>
+          </p:cNvSpPr>
+          <p:nvPr>
+            <p:ph type="body" idx="1"/>
+          </p:nvPr>
+        </p:nvSpPr>
+        <p:spPr>
+          <a:xfrm>
+            <a:off x="685800" y="4343400"/>
+            <a:ext cx="5486400" cy="4114800"/>
+          </a:xfrm>
+          <a:prstGeom prst="rect">
+            <a:avLst/>
+          </a:prstGeom>
+        </p:spPr>
+        <p:txBody>
+          <a:bodyPr spcFirstLastPara="1" wrap="square" lIns="91425" tIns="91425" rIns="91425" bIns="91425" anchor="t" anchorCtr="0">
+            <a:noAutofit/>
+          </a:bodyPr>
+          <a:lstStyle/>
+          <a:p>
+            <a:pPr marL="0" lvl="0" indent="0" algn="l" rtl="0">
+              <a:spcBef>
+                <a:spcPts val="0"/>
+              </a:spcBef>
+              <a:spcAft>
+                <a:spcPts val="0"/>
+              </a:spcAft>
+              <a:buNone/>
+            </a:pPr>
+            <a:endParaRPr/>
+          </a:p>
+        </p:txBody>
+      </p:sp>
+    </p:spTree>
+  </p:cSld>
+  <p:clrMapOvr>
+    <a:masterClrMapping/>
+  </p:clrMapOvr>
+</p:notes>
+</file>
+
+<file path=ppt/notesSlides/notesSlide42.xml><?xml version="1.0" encoding="utf-8"?>
+<p:notes xmlns:a="http://schemas.openxmlformats.org/drawingml/2006/main" xmlns:r="http://schemas.openxmlformats.org/officeDocument/2006/relationships" xmlns:p="http://schemas.openxmlformats.org/presentationml/2006/main" showMasterSp="0" showMasterPhAnim="0">
+  <p:cSld>
+    <p:spTree>
+      <p:nvGrpSpPr>
+        <p:cNvPr id="1" name="Shape 364"/>
+        <p:cNvGrpSpPr/>
+        <p:nvPr/>
+      </p:nvGrpSpPr>
+      <p:grpSpPr>
+        <a:xfrm>
+          <a:off x="0" y="0"/>
+          <a:ext cx="0" cy="0"/>
+          <a:chOff x="0" y="0"/>
+          <a:chExt cx="0" cy="0"/>
+        </a:xfrm>
+      </p:grpSpPr>
+      <p:sp>
+        <p:nvSpPr>
+          <p:cNvPr id="365" name="Google Shape;365;g11468c29934_0_288:notes"/>
+          <p:cNvSpPr>
+            <a:spLocks noGrp="1" noRot="1" noChangeAspect="1"/>
+          </p:cNvSpPr>
+          <p:nvPr>
+            <p:ph type="sldImg" idx="2"/>
+          </p:nvPr>
+        </p:nvSpPr>
+        <p:spPr>
+          <a:xfrm>
+            <a:off x="381300" y="685800"/>
+            <a:ext cx="6096000" cy="3429000"/>
+          </a:xfrm>
+          <a:custGeom>
+            <a:avLst/>
+            <a:gdLst/>
+            <a:ahLst/>
+            <a:cxnLst/>
+            <a:rect l="l" t="t" r="r" b="b"/>
+            <a:pathLst>
+              <a:path w="120000" h="120000" extrusionOk="0">
+                <a:moveTo>
+                  <a:pt x="0" y="0"/>
+                </a:moveTo>
+                <a:lnTo>
+                  <a:pt x="120000" y="0"/>
+                </a:lnTo>
+                <a:lnTo>
+                  <a:pt x="120000" y="120000"/>
+                </a:lnTo>
+                <a:lnTo>
+                  <a:pt x="0" y="120000"/>
+                </a:lnTo>
+                <a:close/>
+              </a:path>
+            </a:pathLst>
+          </a:custGeom>
+        </p:spPr>
+      </p:sp>
+      <p:sp>
+        <p:nvSpPr>
+          <p:cNvPr id="366" name="Google Shape;366;g11468c29934_0_288:notes"/>
+          <p:cNvSpPr txBox="1">
+            <a:spLocks noGrp="1"/>
+          </p:cNvSpPr>
+          <p:nvPr>
+            <p:ph type="body" idx="1"/>
+          </p:nvPr>
+        </p:nvSpPr>
+        <p:spPr>
+          <a:xfrm>
+            <a:off x="685800" y="4343400"/>
+            <a:ext cx="5486400" cy="4114800"/>
+          </a:xfrm>
+          <a:prstGeom prst="rect">
+            <a:avLst/>
+          </a:prstGeom>
+        </p:spPr>
+        <p:txBody>
+          <a:bodyPr spcFirstLastPara="1" wrap="square" lIns="91425" tIns="91425" rIns="91425" bIns="91425" anchor="t" anchorCtr="0">
+            <a:noAutofit/>
+          </a:bodyPr>
+          <a:lstStyle/>
+          <a:p>
+            <a:pPr marL="0" lvl="0" indent="0" algn="l" rtl="0">
+              <a:spcBef>
+                <a:spcPts val="0"/>
+              </a:spcBef>
+              <a:spcAft>
+                <a:spcPts val="0"/>
+              </a:spcAft>
+              <a:buNone/>
+            </a:pPr>
+            <a:r>
+              <a:rPr lang="en"/>
+              <a:t> </a:t>
+            </a:r>
+            <a:r>
+              <a:rPr lang="en" u="sng">
+                <a:solidFill>
+                  <a:schemeClr val="hlink"/>
+                </a:solidFill>
+                <a:hlinkClick r:id="rId3"/>
+              </a:rPr>
+              <a:t>https://www.chromium.org/chromium-os/u2f-ecdsa-vulnerability</a:t>
+            </a:r>
+            <a:r>
+              <a:rPr lang="en"/>
+              <a:t> </a:t>
+            </a:r>
+            <a:endParaRPr/>
+          </a:p>
+        </p:txBody>
+      </p:sp>
+    </p:spTree>
+  </p:cSld>
+  <p:clrMapOvr>
+    <a:masterClrMapping/>
+  </p:clrMapOvr>
+</p:notes>
+</file>
+
+<file path=ppt/notesSlides/notesSlide43.xml><?xml version="1.0" encoding="utf-8"?>
+<p:notes xmlns:a="http://schemas.openxmlformats.org/drawingml/2006/main" xmlns:r="http://schemas.openxmlformats.org/officeDocument/2006/relationships" xmlns:p="http://schemas.openxmlformats.org/presentationml/2006/main" showMasterSp="0" showMasterPhAnim="0">
+  <p:cSld>
+    <p:spTree>
+      <p:nvGrpSpPr>
+        <p:cNvPr id="1" name="Shape 371"/>
+        <p:cNvGrpSpPr/>
+        <p:nvPr/>
+      </p:nvGrpSpPr>
+      <p:grpSpPr>
+        <a:xfrm>
+          <a:off x="0" y="0"/>
+          <a:ext cx="0" cy="0"/>
+          <a:chOff x="0" y="0"/>
+          <a:chExt cx="0" cy="0"/>
+        </a:xfrm>
+      </p:grpSpPr>
+      <p:sp>
+        <p:nvSpPr>
+          <p:cNvPr id="372" name="Google Shape;372;g11468c29934_0_195:notes"/>
+          <p:cNvSpPr>
+            <a:spLocks noGrp="1" noRot="1" noChangeAspect="1"/>
+          </p:cNvSpPr>
+          <p:nvPr>
+            <p:ph type="sldImg" idx="2"/>
+          </p:nvPr>
+        </p:nvSpPr>
+        <p:spPr>
+          <a:xfrm>
+            <a:off x="381300" y="685800"/>
+            <a:ext cx="6096000" cy="3429000"/>
+          </a:xfrm>
+          <a:custGeom>
+            <a:avLst/>
+            <a:gdLst/>
+            <a:ahLst/>
+            <a:cxnLst/>
+            <a:rect l="l" t="t" r="r" b="b"/>
+            <a:pathLst>
+              <a:path w="120000" h="120000" extrusionOk="0">
+                <a:moveTo>
+                  <a:pt x="0" y="0"/>
+                </a:moveTo>
+                <a:lnTo>
+                  <a:pt x="120000" y="0"/>
+                </a:lnTo>
+                <a:lnTo>
+                  <a:pt x="120000" y="120000"/>
+                </a:lnTo>
+                <a:lnTo>
+                  <a:pt x="0" y="120000"/>
+                </a:lnTo>
+                <a:close/>
+              </a:path>
+            </a:pathLst>
+          </a:custGeom>
+        </p:spPr>
+      </p:sp>
+      <p:sp>
+        <p:nvSpPr>
+          <p:cNvPr id="373" name="Google Shape;373;g11468c29934_0_195:notes"/>
+          <p:cNvSpPr txBox="1">
+            <a:spLocks noGrp="1"/>
+          </p:cNvSpPr>
+          <p:nvPr>
+            <p:ph type="body" idx="1"/>
+          </p:nvPr>
+        </p:nvSpPr>
+        <p:spPr>
+          <a:xfrm>
+            <a:off x="685800" y="4343400"/>
+            <a:ext cx="5486400" cy="4114800"/>
+          </a:xfrm>
+          <a:prstGeom prst="rect">
+            <a:avLst/>
+          </a:prstGeom>
+        </p:spPr>
+        <p:txBody>
+          <a:bodyPr spcFirstLastPara="1" wrap="square" lIns="91425" tIns="91425" rIns="91425" bIns="91425" anchor="t" anchorCtr="0">
+            <a:noAutofit/>
+          </a:bodyPr>
+          <a:lstStyle/>
+          <a:p>
+            <a:pPr marL="0" lvl="0" indent="0" algn="l" rtl="0">
+              <a:spcBef>
+                <a:spcPts val="0"/>
+              </a:spcBef>
+              <a:spcAft>
+                <a:spcPts val="0"/>
+              </a:spcAft>
+              <a:buNone/>
+            </a:pPr>
+            <a:endParaRPr/>
+          </a:p>
+        </p:txBody>
+      </p:sp>
+    </p:spTree>
+  </p:cSld>
+  <p:clrMapOvr>
+    <a:masterClrMapping/>
+  </p:clrMapOvr>
+</p:notes>
+</file>
+
+<file path=ppt/notesSlides/notesSlide5.xml><?xml version="1.0" encoding="utf-8"?>
 <p:notes xmlns:a="http://schemas.openxmlformats.org/drawingml/2006/main" xmlns:r="http://schemas.openxmlformats.org/officeDocument/2006/relationships" xmlns:p="http://schemas.openxmlformats.org/presentationml/2006/main" showMasterSp="0" showMasterPhAnim="0">
   <p:cSld>
     <p:spTree>
@@ -4320,336 +4858,7 @@
 </p:notes>
 </file>
 
-<file path=ppt/notesSlides/notesSlide40.xml><?xml version="1.0" encoding="utf-8"?>
-<p:notes xmlns:a="http://schemas.openxmlformats.org/drawingml/2006/main" xmlns:r="http://schemas.openxmlformats.org/officeDocument/2006/relationships" xmlns:p="http://schemas.openxmlformats.org/presentationml/2006/main" showMasterSp="0" showMasterPhAnim="0">
-  <p:cSld>
-    <p:spTree>
-      <p:nvGrpSpPr>
-        <p:cNvPr id="1" name="Shape 357"/>
-        <p:cNvGrpSpPr/>
-        <p:nvPr/>
-      </p:nvGrpSpPr>
-      <p:grpSpPr>
-        <a:xfrm>
-          <a:off x="0" y="0"/>
-          <a:ext cx="0" cy="0"/>
-          <a:chOff x="0" y="0"/>
-          <a:chExt cx="0" cy="0"/>
-        </a:xfrm>
-      </p:grpSpPr>
-      <p:sp>
-        <p:nvSpPr>
-          <p:cNvPr id="358" name="Google Shape;358;g11468c29934_0_282:notes"/>
-          <p:cNvSpPr>
-            <a:spLocks noGrp="1" noRot="1" noChangeAspect="1"/>
-          </p:cNvSpPr>
-          <p:nvPr>
-            <p:ph type="sldImg" idx="2"/>
-          </p:nvPr>
-        </p:nvSpPr>
-        <p:spPr>
-          <a:xfrm>
-            <a:off x="381300" y="685800"/>
-            <a:ext cx="6096000" cy="3429000"/>
-          </a:xfrm>
-          <a:custGeom>
-            <a:avLst/>
-            <a:gdLst/>
-            <a:ahLst/>
-            <a:cxnLst/>
-            <a:rect l="l" t="t" r="r" b="b"/>
-            <a:pathLst>
-              <a:path w="120000" h="120000" extrusionOk="0">
-                <a:moveTo>
-                  <a:pt x="0" y="0"/>
-                </a:moveTo>
-                <a:lnTo>
-                  <a:pt x="120000" y="0"/>
-                </a:lnTo>
-                <a:lnTo>
-                  <a:pt x="120000" y="120000"/>
-                </a:lnTo>
-                <a:lnTo>
-                  <a:pt x="0" y="120000"/>
-                </a:lnTo>
-                <a:close/>
-              </a:path>
-            </a:pathLst>
-          </a:custGeom>
-        </p:spPr>
-      </p:sp>
-      <p:sp>
-        <p:nvSpPr>
-          <p:cNvPr id="359" name="Google Shape;359;g11468c29934_0_282:notes"/>
-          <p:cNvSpPr txBox="1">
-            <a:spLocks noGrp="1"/>
-          </p:cNvSpPr>
-          <p:nvPr>
-            <p:ph type="body" idx="1"/>
-          </p:nvPr>
-        </p:nvSpPr>
-        <p:spPr>
-          <a:xfrm>
-            <a:off x="685800" y="4343400"/>
-            <a:ext cx="5486400" cy="4114800"/>
-          </a:xfrm>
-          <a:prstGeom prst="rect">
-            <a:avLst/>
-          </a:prstGeom>
-        </p:spPr>
-        <p:txBody>
-          <a:bodyPr spcFirstLastPara="1" wrap="square" lIns="91425" tIns="91425" rIns="91425" bIns="91425" anchor="t" anchorCtr="0">
-            <a:noAutofit/>
-          </a:bodyPr>
-          <a:lstStyle/>
-          <a:p>
-            <a:pPr marL="0" lvl="0" indent="0" algn="l" rtl="0">
-              <a:spcBef>
-                <a:spcPts val="0"/>
-              </a:spcBef>
-              <a:spcAft>
-                <a:spcPts val="0"/>
-              </a:spcAft>
-              <a:buNone/>
-            </a:pPr>
-            <a:endParaRPr/>
-          </a:p>
-        </p:txBody>
-      </p:sp>
-    </p:spTree>
-  </p:cSld>
-  <p:clrMapOvr>
-    <a:masterClrMapping/>
-  </p:clrMapOvr>
-</p:notes>
-</file>
-
-<file path=ppt/notesSlides/notesSlide41.xml><?xml version="1.0" encoding="utf-8"?>
-<p:notes xmlns:a="http://schemas.openxmlformats.org/drawingml/2006/main" xmlns:r="http://schemas.openxmlformats.org/officeDocument/2006/relationships" xmlns:p="http://schemas.openxmlformats.org/presentationml/2006/main" showMasterSp="0" showMasterPhAnim="0">
-  <p:cSld>
-    <p:spTree>
-      <p:nvGrpSpPr>
-        <p:cNvPr id="1" name="Shape 364"/>
-        <p:cNvGrpSpPr/>
-        <p:nvPr/>
-      </p:nvGrpSpPr>
-      <p:grpSpPr>
-        <a:xfrm>
-          <a:off x="0" y="0"/>
-          <a:ext cx="0" cy="0"/>
-          <a:chOff x="0" y="0"/>
-          <a:chExt cx="0" cy="0"/>
-        </a:xfrm>
-      </p:grpSpPr>
-      <p:sp>
-        <p:nvSpPr>
-          <p:cNvPr id="365" name="Google Shape;365;g11468c29934_0_288:notes"/>
-          <p:cNvSpPr>
-            <a:spLocks noGrp="1" noRot="1" noChangeAspect="1"/>
-          </p:cNvSpPr>
-          <p:nvPr>
-            <p:ph type="sldImg" idx="2"/>
-          </p:nvPr>
-        </p:nvSpPr>
-        <p:spPr>
-          <a:xfrm>
-            <a:off x="381300" y="685800"/>
-            <a:ext cx="6096000" cy="3429000"/>
-          </a:xfrm>
-          <a:custGeom>
-            <a:avLst/>
-            <a:gdLst/>
-            <a:ahLst/>
-            <a:cxnLst/>
-            <a:rect l="l" t="t" r="r" b="b"/>
-            <a:pathLst>
-              <a:path w="120000" h="120000" extrusionOk="0">
-                <a:moveTo>
-                  <a:pt x="0" y="0"/>
-                </a:moveTo>
-                <a:lnTo>
-                  <a:pt x="120000" y="0"/>
-                </a:lnTo>
-                <a:lnTo>
-                  <a:pt x="120000" y="120000"/>
-                </a:lnTo>
-                <a:lnTo>
-                  <a:pt x="0" y="120000"/>
-                </a:lnTo>
-                <a:close/>
-              </a:path>
-            </a:pathLst>
-          </a:custGeom>
-        </p:spPr>
-      </p:sp>
-      <p:sp>
-        <p:nvSpPr>
-          <p:cNvPr id="366" name="Google Shape;366;g11468c29934_0_288:notes"/>
-          <p:cNvSpPr txBox="1">
-            <a:spLocks noGrp="1"/>
-          </p:cNvSpPr>
-          <p:nvPr>
-            <p:ph type="body" idx="1"/>
-          </p:nvPr>
-        </p:nvSpPr>
-        <p:spPr>
-          <a:xfrm>
-            <a:off x="685800" y="4343400"/>
-            <a:ext cx="5486400" cy="4114800"/>
-          </a:xfrm>
-          <a:prstGeom prst="rect">
-            <a:avLst/>
-          </a:prstGeom>
-        </p:spPr>
-        <p:txBody>
-          <a:bodyPr spcFirstLastPara="1" wrap="square" lIns="91425" tIns="91425" rIns="91425" bIns="91425" anchor="t" anchorCtr="0">
-            <a:noAutofit/>
-          </a:bodyPr>
-          <a:lstStyle/>
-          <a:p>
-            <a:pPr marL="0" lvl="0" indent="0" algn="l" rtl="0">
-              <a:spcBef>
-                <a:spcPts val="0"/>
-              </a:spcBef>
-              <a:spcAft>
-                <a:spcPts val="0"/>
-              </a:spcAft>
-              <a:buNone/>
-            </a:pPr>
-            <a:r>
-              <a:rPr lang="en"/>
-              <a:t> </a:t>
-            </a:r>
-            <a:r>
-              <a:rPr lang="en" u="sng">
-                <a:solidFill>
-                  <a:schemeClr val="hlink"/>
-                </a:solidFill>
-                <a:hlinkClick r:id="rId3"/>
-              </a:rPr>
-              <a:t>https://www.chromium.org/chromium-os/u2f-ecdsa-vulnerability</a:t>
-            </a:r>
-            <a:r>
-              <a:rPr lang="en"/>
-              <a:t> </a:t>
-            </a:r>
-            <a:endParaRPr/>
-          </a:p>
-        </p:txBody>
-      </p:sp>
-    </p:spTree>
-  </p:cSld>
-  <p:clrMapOvr>
-    <a:masterClrMapping/>
-  </p:clrMapOvr>
-</p:notes>
-</file>
-
-<file path=ppt/notesSlides/notesSlide42.xml><?xml version="1.0" encoding="utf-8"?>
-<p:notes xmlns:a="http://schemas.openxmlformats.org/drawingml/2006/main" xmlns:r="http://schemas.openxmlformats.org/officeDocument/2006/relationships" xmlns:p="http://schemas.openxmlformats.org/presentationml/2006/main" showMasterSp="0" showMasterPhAnim="0">
-  <p:cSld>
-    <p:spTree>
-      <p:nvGrpSpPr>
-        <p:cNvPr id="1" name="Shape 371"/>
-        <p:cNvGrpSpPr/>
-        <p:nvPr/>
-      </p:nvGrpSpPr>
-      <p:grpSpPr>
-        <a:xfrm>
-          <a:off x="0" y="0"/>
-          <a:ext cx="0" cy="0"/>
-          <a:chOff x="0" y="0"/>
-          <a:chExt cx="0" cy="0"/>
-        </a:xfrm>
-      </p:grpSpPr>
-      <p:sp>
-        <p:nvSpPr>
-          <p:cNvPr id="372" name="Google Shape;372;g11468c29934_0_195:notes"/>
-          <p:cNvSpPr>
-            <a:spLocks noGrp="1" noRot="1" noChangeAspect="1"/>
-          </p:cNvSpPr>
-          <p:nvPr>
-            <p:ph type="sldImg" idx="2"/>
-          </p:nvPr>
-        </p:nvSpPr>
-        <p:spPr>
-          <a:xfrm>
-            <a:off x="381300" y="685800"/>
-            <a:ext cx="6096000" cy="3429000"/>
-          </a:xfrm>
-          <a:custGeom>
-            <a:avLst/>
-            <a:gdLst/>
-            <a:ahLst/>
-            <a:cxnLst/>
-            <a:rect l="l" t="t" r="r" b="b"/>
-            <a:pathLst>
-              <a:path w="120000" h="120000" extrusionOk="0">
-                <a:moveTo>
-                  <a:pt x="0" y="0"/>
-                </a:moveTo>
-                <a:lnTo>
-                  <a:pt x="120000" y="0"/>
-                </a:lnTo>
-                <a:lnTo>
-                  <a:pt x="120000" y="120000"/>
-                </a:lnTo>
-                <a:lnTo>
-                  <a:pt x="0" y="120000"/>
-                </a:lnTo>
-                <a:close/>
-              </a:path>
-            </a:pathLst>
-          </a:custGeom>
-        </p:spPr>
-      </p:sp>
-      <p:sp>
-        <p:nvSpPr>
-          <p:cNvPr id="373" name="Google Shape;373;g11468c29934_0_195:notes"/>
-          <p:cNvSpPr txBox="1">
-            <a:spLocks noGrp="1"/>
-          </p:cNvSpPr>
-          <p:nvPr>
-            <p:ph type="body" idx="1"/>
-          </p:nvPr>
-        </p:nvSpPr>
-        <p:spPr>
-          <a:xfrm>
-            <a:off x="685800" y="4343400"/>
-            <a:ext cx="5486400" cy="4114800"/>
-          </a:xfrm>
-          <a:prstGeom prst="rect">
-            <a:avLst/>
-          </a:prstGeom>
-        </p:spPr>
-        <p:txBody>
-          <a:bodyPr spcFirstLastPara="1" wrap="square" lIns="91425" tIns="91425" rIns="91425" bIns="91425" anchor="t" anchorCtr="0">
-            <a:noAutofit/>
-          </a:bodyPr>
-          <a:lstStyle/>
-          <a:p>
-            <a:pPr marL="0" lvl="0" indent="0" algn="l" rtl="0">
-              <a:spcBef>
-                <a:spcPts val="0"/>
-              </a:spcBef>
-              <a:spcAft>
-                <a:spcPts val="0"/>
-              </a:spcAft>
-              <a:buNone/>
-            </a:pPr>
-            <a:endParaRPr/>
-          </a:p>
-        </p:txBody>
-      </p:sp>
-    </p:spTree>
-  </p:cSld>
-  <p:clrMapOvr>
-    <a:masterClrMapping/>
-  </p:clrMapOvr>
-</p:notes>
-</file>
-
-<file path=ppt/notesSlides/notesSlide5.xml><?xml version="1.0" encoding="utf-8"?>
+<file path=ppt/notesSlides/notesSlide6.xml><?xml version="1.0" encoding="utf-8"?>
 <p:notes xmlns:a="http://schemas.openxmlformats.org/drawingml/2006/main" xmlns:r="http://schemas.openxmlformats.org/officeDocument/2006/relationships" xmlns:p="http://schemas.openxmlformats.org/presentationml/2006/main" showMasterSp="0" showMasterPhAnim="0">
   <p:cSld>
     <p:spTree>
@@ -4753,7 +4962,7 @@
 </p:notes>
 </file>
 
-<file path=ppt/notesSlides/notesSlide6.xml><?xml version="1.0" encoding="utf-8"?>
+<file path=ppt/notesSlides/notesSlide7.xml><?xml version="1.0" encoding="utf-8"?>
 <p:notes xmlns:a="http://schemas.openxmlformats.org/drawingml/2006/main" xmlns:r="http://schemas.openxmlformats.org/officeDocument/2006/relationships" xmlns:p="http://schemas.openxmlformats.org/presentationml/2006/main" showMasterSp="0" showMasterPhAnim="0">
   <p:cSld>
     <p:spTree>
@@ -4857,7 +5066,7 @@
 </p:notes>
 </file>
 
-<file path=ppt/notesSlides/notesSlide7.xml><?xml version="1.0" encoding="utf-8"?>
+<file path=ppt/notesSlides/notesSlide8.xml><?xml version="1.0" encoding="utf-8"?>
 <p:notes xmlns:a="http://schemas.openxmlformats.org/drawingml/2006/main" xmlns:r="http://schemas.openxmlformats.org/officeDocument/2006/relationships" xmlns:p="http://schemas.openxmlformats.org/presentationml/2006/main" showMasterSp="0" showMasterPhAnim="0">
   <p:cSld>
     <p:spTree>
@@ -4886,7 +5095,7 @@
         </p:nvSpPr>
         <p:spPr>
           <a:xfrm>
-            <a:off x="381300" y="685800"/>
+            <a:off x="381000" y="685800"/>
             <a:ext cx="6096000" cy="3429000"/>
           </a:xfrm>
           <a:custGeom>
@@ -4961,7 +5170,7 @@
 </p:notes>
 </file>
 
-<file path=ppt/notesSlides/notesSlide8.xml><?xml version="1.0" encoding="utf-8"?>
+<file path=ppt/notesSlides/notesSlide9.xml><?xml version="1.0" encoding="utf-8"?>
 <p:notes xmlns:a="http://schemas.openxmlformats.org/drawingml/2006/main" xmlns:r="http://schemas.openxmlformats.org/officeDocument/2006/relationships" xmlns:p="http://schemas.openxmlformats.org/presentationml/2006/main" showMasterSp="0" showMasterPhAnim="0">
   <p:cSld>
     <p:spTree>
@@ -4981,110 +5190,6 @@
       <p:sp>
         <p:nvSpPr>
           <p:cNvPr id="122" name="Google Shape;122;g11468c29934_0_27:notes"/>
-          <p:cNvSpPr>
-            <a:spLocks noGrp="1" noRot="1" noChangeAspect="1"/>
-          </p:cNvSpPr>
-          <p:nvPr>
-            <p:ph type="sldImg" idx="2"/>
-          </p:nvPr>
-        </p:nvSpPr>
-        <p:spPr>
-          <a:xfrm>
-            <a:off x="381300" y="685800"/>
-            <a:ext cx="6096000" cy="3429000"/>
-          </a:xfrm>
-          <a:custGeom>
-            <a:avLst/>
-            <a:gdLst/>
-            <a:ahLst/>
-            <a:cxnLst/>
-            <a:rect l="l" t="t" r="r" b="b"/>
-            <a:pathLst>
-              <a:path w="120000" h="120000" extrusionOk="0">
-                <a:moveTo>
-                  <a:pt x="0" y="0"/>
-                </a:moveTo>
-                <a:lnTo>
-                  <a:pt x="120000" y="0"/>
-                </a:lnTo>
-                <a:lnTo>
-                  <a:pt x="120000" y="120000"/>
-                </a:lnTo>
-                <a:lnTo>
-                  <a:pt x="0" y="120000"/>
-                </a:lnTo>
-                <a:close/>
-              </a:path>
-            </a:pathLst>
-          </a:custGeom>
-        </p:spPr>
-      </p:sp>
-      <p:sp>
-        <p:nvSpPr>
-          <p:cNvPr id="123" name="Google Shape;123;g11468c29934_0_27:notes"/>
-          <p:cNvSpPr txBox="1">
-            <a:spLocks noGrp="1"/>
-          </p:cNvSpPr>
-          <p:nvPr>
-            <p:ph type="body" idx="1"/>
-          </p:nvPr>
-        </p:nvSpPr>
-        <p:spPr>
-          <a:xfrm>
-            <a:off x="685800" y="4343400"/>
-            <a:ext cx="5486400" cy="4114800"/>
-          </a:xfrm>
-          <a:prstGeom prst="rect">
-            <a:avLst/>
-          </a:prstGeom>
-        </p:spPr>
-        <p:txBody>
-          <a:bodyPr spcFirstLastPara="1" wrap="square" lIns="91425" tIns="91425" rIns="91425" bIns="91425" anchor="t" anchorCtr="0">
-            <a:noAutofit/>
-          </a:bodyPr>
-          <a:lstStyle/>
-          <a:p>
-            <a:pPr marL="0" lvl="0" indent="0" algn="l" rtl="0">
-              <a:spcBef>
-                <a:spcPts val="0"/>
-              </a:spcBef>
-              <a:spcAft>
-                <a:spcPts val="0"/>
-              </a:spcAft>
-              <a:buNone/>
-            </a:pPr>
-            <a:endParaRPr/>
-          </a:p>
-        </p:txBody>
-      </p:sp>
-    </p:spTree>
-  </p:cSld>
-  <p:clrMapOvr>
-    <a:masterClrMapping/>
-  </p:clrMapOvr>
-</p:notes>
-</file>
-
-<file path=ppt/notesSlides/notesSlide9.xml><?xml version="1.0" encoding="utf-8"?>
-<p:notes xmlns:a="http://schemas.openxmlformats.org/drawingml/2006/main" xmlns:r="http://schemas.openxmlformats.org/officeDocument/2006/relationships" xmlns:p="http://schemas.openxmlformats.org/presentationml/2006/main" showMasterSp="0" showMasterPhAnim="0">
-  <p:cSld>
-    <p:spTree>
-      <p:nvGrpSpPr>
-        <p:cNvPr id="1" name="Shape 128"/>
-        <p:cNvGrpSpPr/>
-        <p:nvPr/>
-      </p:nvGrpSpPr>
-      <p:grpSpPr>
-        <a:xfrm>
-          <a:off x="0" y="0"/>
-          <a:ext cx="0" cy="0"/>
-          <a:chOff x="0" y="0"/>
-          <a:chExt cx="0" cy="0"/>
-        </a:xfrm>
-      </p:grpSpPr>
-      <p:sp>
-        <p:nvSpPr>
-          <p:cNvPr id="129" name="Google Shape;129;g11468c29934_0_33:notes"/>
           <p:cNvSpPr>
             <a:spLocks noGrp="1" noRot="1" noChangeAspect="1"/>
           </p:cNvSpPr>
@@ -5125,7 +5230,7 @@
       </p:sp>
       <p:sp>
         <p:nvSpPr>
-          <p:cNvPr id="130" name="Google Shape;130;g11468c29934_0_33:notes"/>
+          <p:cNvPr id="123" name="Google Shape;123;g11468c29934_0_27:notes"/>
           <p:cNvSpPr txBox="1">
             <a:spLocks noGrp="1"/>
           </p:cNvSpPr>
@@ -11946,27 +12051,52 @@
           </a:p>
         </p:txBody>
       </p:sp>
+    </p:spTree>
+  </p:cSld>
+  <p:clrMapOvr>
+    <a:masterClrMapping/>
+  </p:clrMapOvr>
+</p:sld>
+</file>
+
+<file path=ppt/slides/slide10.xml><?xml version="1.0" encoding="utf-8"?>
+<p:sld xmlns:a="http://schemas.openxmlformats.org/drawingml/2006/main" xmlns:r="http://schemas.openxmlformats.org/officeDocument/2006/relationships" xmlns:p="http://schemas.openxmlformats.org/presentationml/2006/main">
+  <p:cSld>
+    <p:spTree>
+      <p:nvGrpSpPr>
+        <p:cNvPr id="1" name="Shape 131"/>
+        <p:cNvGrpSpPr/>
+        <p:nvPr/>
+      </p:nvGrpSpPr>
+      <p:grpSpPr>
+        <a:xfrm>
+          <a:off x="0" y="0"/>
+          <a:ext cx="0" cy="0"/>
+          <a:chOff x="0" y="0"/>
+          <a:chExt cx="0" cy="0"/>
+        </a:xfrm>
+      </p:grpSpPr>
       <p:sp>
         <p:nvSpPr>
-          <p:cNvPr id="74" name="Google Shape;74;p17"/>
+          <p:cNvPr id="132" name="Google Shape;132;p25"/>
           <p:cNvSpPr txBox="1">
             <a:spLocks noGrp="1"/>
           </p:cNvSpPr>
           <p:nvPr>
-            <p:ph type="subTitle" idx="1"/>
+            <p:ph type="title"/>
           </p:nvPr>
         </p:nvSpPr>
         <p:spPr>
           <a:xfrm>
-            <a:off x="311700" y="2917900"/>
-            <a:ext cx="8520600" cy="792600"/>
+            <a:off x="311700" y="2150850"/>
+            <a:ext cx="8520600" cy="841800"/>
           </a:xfrm>
           <a:prstGeom prst="rect">
             <a:avLst/>
           </a:prstGeom>
         </p:spPr>
         <p:txBody>
-          <a:bodyPr spcFirstLastPara="1" wrap="square" lIns="91425" tIns="91425" rIns="91425" bIns="91425" anchor="t" anchorCtr="0">
+          <a:bodyPr spcFirstLastPara="1" wrap="square" lIns="91425" tIns="91425" rIns="91425" bIns="91425" anchor="ctr" anchorCtr="0">
             <a:normAutofit/>
           </a:bodyPr>
           <a:lstStyle/>
@@ -11982,8 +12112,50 @@
             </a:pPr>
             <a:r>
               <a:rPr lang="en"/>
-              <a:t>CS 161 Fall 2022 - Lecture 9</a:t>
-            </a:r>
+              <a:t>ElGamal Encryption</a:t>
+            </a:r>
+            <a:endParaRPr/>
+          </a:p>
+        </p:txBody>
+      </p:sp>
+      <p:sp>
+        <p:nvSpPr>
+          <p:cNvPr id="133" name="Google Shape;133;p25"/>
+          <p:cNvSpPr txBox="1">
+            <a:spLocks noGrp="1"/>
+          </p:cNvSpPr>
+          <p:nvPr>
+            <p:ph type="sldNum" idx="12"/>
+          </p:nvPr>
+        </p:nvSpPr>
+        <p:spPr>
+          <a:xfrm>
+            <a:off x="8472458" y="4663217"/>
+            <a:ext cx="548700" cy="393600"/>
+          </a:xfrm>
+          <a:prstGeom prst="rect">
+            <a:avLst/>
+          </a:prstGeom>
+        </p:spPr>
+        <p:txBody>
+          <a:bodyPr spcFirstLastPara="1" wrap="square" lIns="91425" tIns="91425" rIns="91425" bIns="91425" anchor="ctr" anchorCtr="0">
+            <a:normAutofit/>
+          </a:bodyPr>
+          <a:lstStyle/>
+          <a:p>
+            <a:pPr marL="0" lvl="0" indent="0" algn="r" rtl="0">
+              <a:spcBef>
+                <a:spcPts val="0"/>
+              </a:spcBef>
+              <a:spcAft>
+                <a:spcPts val="0"/>
+              </a:spcAft>
+              <a:buNone/>
+            </a:pPr>
+            <a:fld id="{00000000-1234-1234-1234-123412341234}" type="slidenum">
+              <a:rPr lang="en"/>
+              <a:t>10</a:t>
+            </a:fld>
             <a:endParaRPr/>
           </a:p>
         </p:txBody>
@@ -11996,7 +12168,7 @@
 </p:sld>
 </file>
 
-<file path=ppt/slides/slide10.xml><?xml version="1.0" encoding="utf-8"?>
+<file path=ppt/slides/slide11.xml><?xml version="1.0" encoding="utf-8"?>
 <p:sld xmlns:a="http://schemas.openxmlformats.org/drawingml/2006/main" xmlns:r="http://schemas.openxmlformats.org/officeDocument/2006/relationships" xmlns:p="http://schemas.openxmlformats.org/presentationml/2006/main">
   <p:cSld>
     <p:spTree>
@@ -12063,7 +12235,7 @@
         </p:nvGraphicFramePr>
         <p:xfrm>
           <a:off x="311700" y="1310650"/>
-          <a:ext cx="3000000" cy="3000000"/>
+          <a:ext cx="8520600" cy="2143685"/>
         </p:xfrm>
         <a:graphic>
           <a:graphicData uri="http://schemas.openxmlformats.org/drawingml/2006/table">
@@ -12646,7 +12818,7 @@
             </a:pPr>
             <a:fld id="{00000000-1234-1234-1234-123412341234}" type="slidenum">
               <a:rPr lang="en"/>
-              <a:t>10</a:t>
+              <a:t>11</a:t>
             </a:fld>
             <a:endParaRPr/>
           </a:p>
@@ -12660,7 +12832,7 @@
 </p:sld>
 </file>
 
-<file path=ppt/slides/slide11.xml><?xml version="1.0" encoding="utf-8"?>
+<file path=ppt/slides/slide12.xml><?xml version="1.0" encoding="utf-8"?>
 <p:sld xmlns:a="http://schemas.openxmlformats.org/drawingml/2006/main" xmlns:r="http://schemas.openxmlformats.org/officeDocument/2006/relationships" xmlns:p="http://schemas.openxmlformats.org/presentationml/2006/main">
   <p:cSld>
     <p:spTree>
@@ -12755,7 +12927,7 @@
             </a:pPr>
             <a:fld id="{00000000-1234-1234-1234-123412341234}" type="slidenum">
               <a:rPr lang="en"/>
-              <a:t>11</a:t>
+              <a:t>12</a:t>
             </a:fld>
             <a:endParaRPr/>
           </a:p>
@@ -13043,7 +13215,7 @@
 </p:sld>
 </file>
 
-<file path=ppt/slides/slide12.xml><?xml version="1.0" encoding="utf-8"?>
+<file path=ppt/slides/slide13.xml><?xml version="1.0" encoding="utf-8"?>
 <p:sld xmlns:a="http://schemas.openxmlformats.org/drawingml/2006/main" xmlns:r="http://schemas.openxmlformats.org/officeDocument/2006/relationships" xmlns:p="http://schemas.openxmlformats.org/presentationml/2006/main">
   <p:cSld>
     <p:spTree>
@@ -13788,7 +13960,7 @@
             </a:pPr>
             <a:fld id="{00000000-1234-1234-1234-123412341234}" type="slidenum">
               <a:rPr lang="en"/>
-              <a:t>12</a:t>
+              <a:t>13</a:t>
             </a:fld>
             <a:endParaRPr/>
           </a:p>
@@ -14420,7 +14592,7 @@
 </p:sld>
 </file>
 
-<file path=ppt/slides/slide13.xml><?xml version="1.0" encoding="utf-8"?>
+<file path=ppt/slides/slide14.xml><?xml version="1.0" encoding="utf-8"?>
 <p:sld xmlns:a="http://schemas.openxmlformats.org/drawingml/2006/main" xmlns:r="http://schemas.openxmlformats.org/officeDocument/2006/relationships" xmlns:p="http://schemas.openxmlformats.org/presentationml/2006/main">
   <p:cSld>
     <p:spTree>
@@ -14758,7 +14930,7 @@
             </a:pPr>
             <a:fld id="{00000000-1234-1234-1234-123412341234}" type="slidenum">
               <a:rPr lang="en"/>
-              <a:t>13</a:t>
+              <a:t>14</a:t>
             </a:fld>
             <a:endParaRPr/>
           </a:p>
@@ -15047,7 +15219,7 @@
 </p:sld>
 </file>
 
-<file path=ppt/slides/slide14.xml><?xml version="1.0" encoding="utf-8"?>
+<file path=ppt/slides/slide15.xml><?xml version="1.0" encoding="utf-8"?>
 <p:sld xmlns:a="http://schemas.openxmlformats.org/drawingml/2006/main" xmlns:r="http://schemas.openxmlformats.org/officeDocument/2006/relationships" xmlns:p="http://schemas.openxmlformats.org/presentationml/2006/main">
   <p:cSld>
     <p:spTree>
@@ -15142,10 +15314,18 @@
               <a:buChar char="●"/>
             </a:pPr>
             <a:r>
-              <a:rPr lang="en"/>
-              <a:t>Is ElGamal encryption IND-CPA secure?</a:t>
-            </a:r>
-            <a:endParaRPr/>
+              <a:rPr lang="en" dirty="0"/>
+              <a:t>Is </a:t>
+            </a:r>
+            <a:r>
+              <a:rPr lang="en" dirty="0" err="1"/>
+              <a:t>ElGamal</a:t>
+            </a:r>
+            <a:r>
+              <a:rPr lang="en" dirty="0"/>
+              <a:t> encryption IND-CPA secure?</a:t>
+            </a:r>
+            <a:endParaRPr dirty="0"/>
           </a:p>
           <a:p>
             <a:pPr marL="914400" lvl="1" indent="-317500" algn="l" rtl="0">
@@ -15159,34 +15339,34 @@
               <a:buChar char="○"/>
             </a:pPr>
             <a:r>
-              <a:rPr lang="en"/>
+              <a:rPr lang="en" dirty="0"/>
               <a:t>No. The adversary can send </a:t>
             </a:r>
             <a:r>
-              <a:rPr lang="en" i="1"/>
+              <a:rPr lang="en" i="1" dirty="0"/>
               <a:t>M</a:t>
             </a:r>
             <a:r>
-              <a:rPr lang="en" sz="900"/>
+              <a:rPr lang="en" sz="900" dirty="0"/>
               <a:t>0</a:t>
             </a:r>
             <a:r>
-              <a:rPr lang="en"/>
+              <a:rPr lang="en" dirty="0"/>
               <a:t> = 0, </a:t>
             </a:r>
             <a:r>
-              <a:rPr lang="en" i="1"/>
+              <a:rPr lang="en" i="1" dirty="0"/>
               <a:t>M</a:t>
             </a:r>
             <a:r>
-              <a:rPr lang="en" sz="900"/>
+              <a:rPr lang="en" sz="900" dirty="0"/>
               <a:t>1</a:t>
             </a:r>
             <a:r>
-              <a:rPr lang="en"/>
+              <a:rPr lang="en" dirty="0"/>
               <a:t> ≠ 0</a:t>
             </a:r>
-            <a:endParaRPr/>
+            <a:endParaRPr dirty="0"/>
           </a:p>
           <a:p>
             <a:pPr marL="914400" lvl="1" indent="-317500" algn="l" rtl="0">
@@ -15200,10 +15380,10 @@
               <a:buChar char="○"/>
             </a:pPr>
             <a:r>
-              <a:rPr lang="en"/>
+              <a:rPr lang="en" dirty="0"/>
               <a:t>Additional padding and other modifications are needed to make it semantically secure</a:t>
             </a:r>
-            <a:endParaRPr/>
+            <a:endParaRPr dirty="0"/>
           </a:p>
           <a:p>
             <a:pPr marL="457200" lvl="0" indent="-342900" algn="l" rtl="0">
@@ -15217,10 +15397,10 @@
               <a:buChar char="●"/>
             </a:pPr>
             <a:r>
-              <a:rPr lang="en"/>
-              <a:t>Malleability: The adversary can tamper with the message</a:t>
-            </a:r>
-            <a:endParaRPr/>
+              <a:rPr lang="en" dirty="0"/>
+              <a:t>The adversary can tamper with the message</a:t>
+            </a:r>
+            <a:endParaRPr dirty="0"/>
           </a:p>
           <a:p>
             <a:pPr marL="914400" lvl="1" indent="-317500" algn="l" rtl="0">
@@ -15234,71 +15414,75 @@
               <a:buChar char="○"/>
             </a:pPr>
             <a:r>
-              <a:rPr lang="en"/>
+              <a:rPr lang="en" dirty="0"/>
               <a:t>The adversary can manipulate </a:t>
             </a:r>
             <a:r>
-              <a:rPr lang="en" i="1"/>
+              <a:rPr lang="en" i="1" dirty="0"/>
               <a:t>C</a:t>
             </a:r>
             <a:r>
-              <a:rPr lang="en" sz="900"/>
+              <a:rPr lang="en" sz="900" dirty="0"/>
               <a:t>1</a:t>
             </a:r>
             <a:r>
-              <a:rPr lang="en" i="1"/>
+              <a:rPr lang="en" i="1" dirty="0"/>
               <a:t>’</a:t>
             </a:r>
             <a:r>
-              <a:rPr lang="en"/>
+              <a:rPr lang="en" dirty="0"/>
               <a:t> = </a:t>
             </a:r>
             <a:r>
-              <a:rPr lang="en" i="1"/>
+              <a:rPr lang="en" i="1" dirty="0"/>
               <a:t>C</a:t>
             </a:r>
             <a:r>
-              <a:rPr lang="en" sz="900"/>
+              <a:rPr lang="en" sz="900" dirty="0"/>
               <a:t>1</a:t>
             </a:r>
             <a:r>
-              <a:rPr lang="en"/>
+              <a:rPr lang="en" dirty="0"/>
               <a:t>, </a:t>
             </a:r>
             <a:r>
-              <a:rPr lang="en" i="1"/>
+              <a:rPr lang="en" i="1" dirty="0"/>
               <a:t>C</a:t>
             </a:r>
             <a:r>
-              <a:rPr lang="en" sz="900"/>
+              <a:rPr lang="en" sz="900" dirty="0"/>
               <a:t>2</a:t>
             </a:r>
             <a:r>
-              <a:rPr lang="en" i="1"/>
+              <a:rPr lang="en" i="1" dirty="0"/>
               <a:t>’</a:t>
             </a:r>
             <a:r>
-              <a:rPr lang="en"/>
+              <a:rPr lang="en" dirty="0"/>
               <a:t> = 2 × </a:t>
             </a:r>
             <a:r>
-              <a:rPr lang="en" i="1"/>
+              <a:rPr lang="en" i="1" dirty="0"/>
               <a:t>C</a:t>
             </a:r>
             <a:r>
-              <a:rPr lang="en" sz="900"/>
+              <a:rPr lang="en" sz="900" dirty="0"/>
               <a:t>2</a:t>
             </a:r>
             <a:r>
-              <a:rPr lang="en"/>
+              <a:rPr lang="en" dirty="0"/>
               <a:t> = 2 × </a:t>
             </a:r>
             <a:r>
-              <a:rPr lang="en" i="1"/>
-              <a:t>M × g</a:t>
-            </a:r>
-            <a:r>
-              <a:rPr lang="en" i="1" baseline="30000">
+              <a:rPr lang="en" i="1" dirty="0"/>
+              <a:t>M × </a:t>
+            </a:r>
+            <a:r>
+              <a:rPr lang="en" i="1" dirty="0" err="1"/>
+              <a:t>g</a:t>
+            </a:r>
+            <a:r>
+              <a:rPr lang="en" i="1" baseline="30000" dirty="0" err="1">
                 <a:solidFill>
                   <a:srgbClr val="9900FF"/>
                 </a:solidFill>
@@ -15306,7 +15490,7 @@
               <a:t>b</a:t>
             </a:r>
             <a:r>
-              <a:rPr lang="en" i="1" baseline="30000">
+              <a:rPr lang="en" i="1" baseline="30000" dirty="0" err="1">
                 <a:solidFill>
                   <a:srgbClr val="FF9900"/>
                 </a:solidFill>
@@ -15314,18 +15498,18 @@
               <a:t>r</a:t>
             </a:r>
             <a:r>
-              <a:rPr lang="en"/>
+              <a:rPr lang="en" dirty="0"/>
               <a:t> to make it look like 2 × </a:t>
             </a:r>
             <a:r>
-              <a:rPr lang="en" i="1"/>
+              <a:rPr lang="en" i="1" dirty="0"/>
               <a:t>M</a:t>
             </a:r>
             <a:r>
-              <a:rPr lang="en"/>
+              <a:rPr lang="en" dirty="0"/>
               <a:t> was encrypted</a:t>
             </a:r>
-            <a:endParaRPr/>
+            <a:endParaRPr dirty="0"/>
           </a:p>
         </p:txBody>
       </p:sp>
@@ -15365,7 +15549,7 @@
             </a:pPr>
             <a:fld id="{00000000-1234-1234-1234-123412341234}" type="slidenum">
               <a:rPr lang="en"/>
-              <a:t>14</a:t>
+              <a:t>15</a:t>
             </a:fld>
             <a:endParaRPr/>
           </a:p>
@@ -15654,7 +15838,7 @@
 </p:sld>
 </file>
 
-<file path=ppt/slides/slide15.xml><?xml version="1.0" encoding="utf-8"?>
+<file path=ppt/slides/slide16.xml><?xml version="1.0" encoding="utf-8"?>
 <p:sld xmlns:a="http://schemas.openxmlformats.org/drawingml/2006/main" xmlns:r="http://schemas.openxmlformats.org/officeDocument/2006/relationships" xmlns:p="http://schemas.openxmlformats.org/presentationml/2006/main">
   <p:cSld>
     <p:spTree>
@@ -15749,7 +15933,7 @@
             </a:pPr>
             <a:fld id="{00000000-1234-1234-1234-123412341234}" type="slidenum">
               <a:rPr lang="en"/>
-              <a:t>15</a:t>
+              <a:t>16</a:t>
             </a:fld>
             <a:endParaRPr/>
           </a:p>
@@ -15820,7 +16004,7 @@
 </p:sld>
 </file>
 
-<file path=ppt/slides/slide16.xml><?xml version="1.0" encoding="utf-8"?>
+<file path=ppt/slides/slide17.xml><?xml version="1.0" encoding="utf-8"?>
 <p:sld xmlns:a="http://schemas.openxmlformats.org/drawingml/2006/main" xmlns:r="http://schemas.openxmlformats.org/officeDocument/2006/relationships" xmlns:p="http://schemas.openxmlformats.org/presentationml/2006/main">
   <p:cSld>
     <p:spTree>
@@ -15887,7 +16071,7 @@
         </p:nvGraphicFramePr>
         <p:xfrm>
           <a:off x="311700" y="1310650"/>
-          <a:ext cx="3000000" cy="3000000"/>
+          <a:ext cx="8520600" cy="2143685"/>
         </p:xfrm>
         <a:graphic>
           <a:graphicData uri="http://schemas.openxmlformats.org/drawingml/2006/table">
@@ -16481,7 +16665,7 @@
             </a:pPr>
             <a:fld id="{00000000-1234-1234-1234-123412341234}" type="slidenum">
               <a:rPr lang="en"/>
-              <a:t>16</a:t>
+              <a:t>17</a:t>
             </a:fld>
             <a:endParaRPr/>
           </a:p>
@@ -16495,7 +16679,7 @@
 </p:sld>
 </file>
 
-<file path=ppt/slides/slide17.xml><?xml version="1.0" encoding="utf-8"?>
+<file path=ppt/slides/slide18.xml><?xml version="1.0" encoding="utf-8"?>
 <p:sld xmlns:a="http://schemas.openxmlformats.org/drawingml/2006/main" xmlns:r="http://schemas.openxmlformats.org/officeDocument/2006/relationships" xmlns:p="http://schemas.openxmlformats.org/presentationml/2006/main">
   <p:cSld>
     <p:spTree>
@@ -16590,7 +16774,7 @@
             </a:pPr>
             <a:fld id="{00000000-1234-1234-1234-123412341234}" type="slidenum">
               <a:rPr lang="en"/>
-              <a:t>17</a:t>
+              <a:t>18</a:t>
             </a:fld>
             <a:endParaRPr/>
           </a:p>
@@ -16632,10 +16816,14 @@
               <a:buChar char="●"/>
             </a:pPr>
             <a:r>
-              <a:rPr lang="en"/>
-              <a:t>KeyGen():</a:t>
-            </a:r>
-            <a:endParaRPr/>
+              <a:rPr lang="en" dirty="0" err="1"/>
+              <a:t>KeyGen</a:t>
+            </a:r>
+            <a:r>
+              <a:rPr lang="en" dirty="0"/>
+              <a:t>():</a:t>
+            </a:r>
+            <a:endParaRPr dirty="0"/>
           </a:p>
           <a:p>
             <a:pPr marL="914400" lvl="1" indent="-317500" algn="l" rtl="0">
@@ -16649,22 +16837,22 @@
               <a:buChar char="○"/>
             </a:pPr>
             <a:r>
-              <a:rPr lang="en"/>
+              <a:rPr lang="en" dirty="0"/>
               <a:t>Randomly pick two large primes, </a:t>
             </a:r>
             <a:r>
-              <a:rPr lang="en" i="1"/>
+              <a:rPr lang="en" i="1" dirty="0"/>
               <a:t>p</a:t>
             </a:r>
             <a:r>
-              <a:rPr lang="en"/>
+              <a:rPr lang="en" dirty="0"/>
               <a:t> and </a:t>
             </a:r>
             <a:r>
-              <a:rPr lang="en" i="1"/>
+              <a:rPr lang="en" i="1" dirty="0"/>
               <a:t>q</a:t>
             </a:r>
-            <a:endParaRPr/>
+            <a:endParaRPr dirty="0"/>
           </a:p>
           <a:p>
             <a:pPr marL="1371600" lvl="2" indent="-317500" algn="l" rtl="0">
@@ -16678,10 +16866,10 @@
               <a:buChar char="■"/>
             </a:pPr>
             <a:r>
-              <a:rPr lang="en"/>
+              <a:rPr lang="en" dirty="0"/>
               <a:t>Done by picking random numbers and then using a test to see if the number is (probably) prime</a:t>
             </a:r>
-            <a:endParaRPr/>
+            <a:endParaRPr dirty="0"/>
           </a:p>
           <a:p>
             <a:pPr marL="914400" lvl="1" indent="-317500" algn="l" rtl="0">
@@ -16695,22 +16883,22 @@
               <a:buChar char="○"/>
             </a:pPr>
             <a:r>
-              <a:rPr lang="en"/>
+              <a:rPr lang="en" dirty="0"/>
               <a:t>Compute </a:t>
             </a:r>
             <a:r>
-              <a:rPr lang="en" i="1"/>
+              <a:rPr lang="en" i="1" dirty="0"/>
               <a:t>N</a:t>
             </a:r>
             <a:r>
-              <a:rPr lang="en"/>
+              <a:rPr lang="en" dirty="0"/>
               <a:t> = </a:t>
             </a:r>
             <a:r>
-              <a:rPr lang="en" i="1"/>
+              <a:rPr lang="en" i="1" dirty="0" err="1"/>
               <a:t>pq</a:t>
             </a:r>
-            <a:endParaRPr/>
+            <a:endParaRPr dirty="0"/>
           </a:p>
           <a:p>
             <a:pPr marL="1371600" lvl="2" indent="-317500" algn="l" rtl="0">
@@ -16724,14 +16912,14 @@
               <a:buChar char="■"/>
             </a:pPr>
             <a:r>
-              <a:rPr lang="en" i="1"/>
+              <a:rPr lang="en" i="1" dirty="0"/>
               <a:t>N</a:t>
             </a:r>
             <a:r>
-              <a:rPr lang="en"/>
+              <a:rPr lang="en" dirty="0"/>
               <a:t> is usually between 2048 bits and 4096 bits long</a:t>
             </a:r>
-            <a:endParaRPr/>
+            <a:endParaRPr dirty="0"/>
           </a:p>
           <a:p>
             <a:pPr marL="914400" lvl="1" indent="-317500" algn="l" rtl="0">
@@ -16745,14 +16933,14 @@
               <a:buChar char="○"/>
             </a:pPr>
             <a:r>
-              <a:rPr lang="en"/>
+              <a:rPr lang="en" dirty="0"/>
               <a:t>Choose </a:t>
             </a:r>
             <a:r>
-              <a:rPr lang="en" i="1"/>
+              <a:rPr lang="en" i="1" dirty="0"/>
               <a:t>e</a:t>
             </a:r>
-            <a:endParaRPr/>
+            <a:endParaRPr dirty="0"/>
           </a:p>
           <a:p>
             <a:pPr marL="1371600" lvl="2" indent="-317500" algn="l" rtl="0">
@@ -16766,34 +16954,34 @@
               <a:buChar char="■"/>
             </a:pPr>
             <a:r>
-              <a:rPr lang="en"/>
+              <a:rPr lang="en" dirty="0"/>
               <a:t>Requirement: </a:t>
             </a:r>
             <a:r>
-              <a:rPr lang="en" i="1"/>
+              <a:rPr lang="en" i="1" dirty="0"/>
               <a:t>e</a:t>
             </a:r>
             <a:r>
-              <a:rPr lang="en"/>
+              <a:rPr lang="en" dirty="0"/>
               <a:t> is relatively prime to (</a:t>
             </a:r>
             <a:r>
-              <a:rPr lang="en" i="1"/>
+              <a:rPr lang="en" i="1" dirty="0"/>
               <a:t>p</a:t>
             </a:r>
             <a:r>
-              <a:rPr lang="en"/>
+              <a:rPr lang="en" dirty="0"/>
               <a:t> - 1)(</a:t>
             </a:r>
             <a:r>
-              <a:rPr lang="en" i="1"/>
+              <a:rPr lang="en" i="1" dirty="0"/>
               <a:t>q</a:t>
             </a:r>
             <a:r>
-              <a:rPr lang="en"/>
+              <a:rPr lang="en" dirty="0"/>
               <a:t> - 1)</a:t>
             </a:r>
-            <a:endParaRPr/>
+            <a:endParaRPr dirty="0"/>
           </a:p>
           <a:p>
             <a:pPr marL="1371600" lvl="2" indent="-317500" algn="l" rtl="0">
@@ -16807,34 +16995,34 @@
               <a:buChar char="■"/>
             </a:pPr>
             <a:r>
-              <a:rPr lang="en"/>
+              <a:rPr lang="en" dirty="0"/>
               <a:t>Requirement: 2 &lt; </a:t>
             </a:r>
             <a:r>
-              <a:rPr lang="en" i="1"/>
+              <a:rPr lang="en" i="1" dirty="0"/>
               <a:t>e</a:t>
             </a:r>
             <a:r>
-              <a:rPr lang="en"/>
+              <a:rPr lang="en" dirty="0"/>
               <a:t> &lt; (</a:t>
             </a:r>
             <a:r>
-              <a:rPr lang="en" i="1"/>
+              <a:rPr lang="en" i="1" dirty="0"/>
               <a:t>p</a:t>
             </a:r>
             <a:r>
-              <a:rPr lang="en"/>
+              <a:rPr lang="en" dirty="0"/>
               <a:t> - 1)(</a:t>
             </a:r>
             <a:r>
-              <a:rPr lang="en" i="1"/>
+              <a:rPr lang="en" i="1" dirty="0"/>
               <a:t>q</a:t>
             </a:r>
             <a:r>
-              <a:rPr lang="en"/>
+              <a:rPr lang="en" dirty="0"/>
               <a:t> - 1)</a:t>
             </a:r>
-            <a:endParaRPr/>
+            <a:endParaRPr dirty="0"/>
           </a:p>
           <a:p>
             <a:pPr marL="914400" lvl="1" indent="-317500" algn="l" rtl="0">
@@ -16848,46 +17036,46 @@
               <a:buChar char="○"/>
             </a:pPr>
             <a:r>
-              <a:rPr lang="en"/>
+              <a:rPr lang="en" dirty="0"/>
               <a:t>Compute </a:t>
             </a:r>
             <a:r>
-              <a:rPr lang="en" i="1"/>
+              <a:rPr lang="en" i="1" dirty="0"/>
               <a:t>d</a:t>
             </a:r>
             <a:r>
-              <a:rPr lang="en"/>
+              <a:rPr lang="en" dirty="0"/>
               <a:t> = </a:t>
             </a:r>
             <a:r>
-              <a:rPr lang="en" i="1"/>
+              <a:rPr lang="en" i="1" dirty="0"/>
               <a:t>e</a:t>
             </a:r>
             <a:r>
-              <a:rPr lang="en" baseline="30000"/>
+              <a:rPr lang="en" baseline="30000" dirty="0"/>
               <a:t>-1</a:t>
             </a:r>
             <a:r>
-              <a:rPr lang="en"/>
+              <a:rPr lang="en" dirty="0"/>
               <a:t> mod (</a:t>
             </a:r>
             <a:r>
-              <a:rPr lang="en" i="1"/>
+              <a:rPr lang="en" i="1" dirty="0"/>
               <a:t>p</a:t>
             </a:r>
             <a:r>
-              <a:rPr lang="en"/>
+              <a:rPr lang="en" dirty="0"/>
               <a:t> - 1)(</a:t>
             </a:r>
             <a:r>
-              <a:rPr lang="en" i="1"/>
+              <a:rPr lang="en" i="1" dirty="0"/>
               <a:t>q</a:t>
             </a:r>
             <a:r>
-              <a:rPr lang="en"/>
+              <a:rPr lang="en" dirty="0"/>
               <a:t> - 1)</a:t>
             </a:r>
-            <a:endParaRPr/>
+            <a:endParaRPr dirty="0"/>
           </a:p>
           <a:p>
             <a:pPr marL="1371600" lvl="2" indent="-317500" algn="l" rtl="0">
@@ -16901,10 +17089,10 @@
               <a:buChar char="■"/>
             </a:pPr>
             <a:r>
-              <a:rPr lang="en"/>
-              <a:t>Algorithm: Extended Euclid’s algorithm (CS 70, but out of scope)</a:t>
-            </a:r>
-            <a:endParaRPr/>
+              <a:rPr lang="en" dirty="0"/>
+              <a:t>Algorithm: Extended Euclid’s algorithm</a:t>
+            </a:r>
+            <a:endParaRPr dirty="0"/>
           </a:p>
           <a:p>
             <a:pPr marL="914400" lvl="1" indent="-317500" algn="l" rtl="0">
@@ -16918,26 +17106,26 @@
               <a:buChar char="○"/>
             </a:pPr>
             <a:r>
-              <a:rPr lang="en" b="1"/>
+              <a:rPr lang="en" b="1" dirty="0"/>
               <a:t>Public key</a:t>
             </a:r>
             <a:r>
-              <a:rPr lang="en"/>
+              <a:rPr lang="en" dirty="0"/>
               <a:t>: </a:t>
             </a:r>
             <a:r>
-              <a:rPr lang="en" i="1"/>
+              <a:rPr lang="en" i="1" dirty="0"/>
               <a:t>N</a:t>
             </a:r>
             <a:r>
-              <a:rPr lang="en"/>
+              <a:rPr lang="en" dirty="0"/>
               <a:t> and </a:t>
             </a:r>
             <a:r>
-              <a:rPr lang="en" i="1"/>
+              <a:rPr lang="en" i="1" dirty="0"/>
               <a:t>e</a:t>
             </a:r>
-            <a:endParaRPr/>
+            <a:endParaRPr dirty="0"/>
           </a:p>
           <a:p>
             <a:pPr marL="914400" lvl="1" indent="-317500" algn="l" rtl="0">
@@ -16951,18 +17139,18 @@
               <a:buChar char="○"/>
             </a:pPr>
             <a:r>
-              <a:rPr lang="en" b="1"/>
+              <a:rPr lang="en" b="1" dirty="0"/>
               <a:t>Private key:</a:t>
             </a:r>
             <a:r>
-              <a:rPr lang="en"/>
+              <a:rPr lang="en" dirty="0"/>
               <a:t> </a:t>
             </a:r>
             <a:r>
-              <a:rPr lang="en" i="1"/>
+              <a:rPr lang="en" i="1" dirty="0"/>
               <a:t>d</a:t>
             </a:r>
-            <a:endParaRPr/>
+            <a:endParaRPr dirty="0"/>
           </a:p>
         </p:txBody>
       </p:sp>
@@ -17592,7 +17780,7 @@
 </p:sld>
 </file>
 
-<file path=ppt/slides/slide18.xml><?xml version="1.0" encoding="utf-8"?>
+<file path=ppt/slides/slide19.xml><?xml version="1.0" encoding="utf-8"?>
 <p:sld xmlns:a="http://schemas.openxmlformats.org/drawingml/2006/main" xmlns:r="http://schemas.openxmlformats.org/officeDocument/2006/relationships" xmlns:p="http://schemas.openxmlformats.org/presentationml/2006/main">
   <p:cSld>
     <p:spTree>
@@ -17687,7 +17875,7 @@
             </a:pPr>
             <a:fld id="{00000000-1234-1234-1234-123412341234}" type="slidenum">
               <a:rPr lang="en"/>
-              <a:t>18</a:t>
+              <a:t>19</a:t>
             </a:fld>
             <a:endParaRPr/>
           </a:p>
@@ -18113,7 +18301,253 @@
 </p:sld>
 </file>
 
-<file path=ppt/slides/slide19.xml><?xml version="1.0" encoding="utf-8"?>
+<file path=ppt/slides/slide2.xml><?xml version="1.0" encoding="utf-8"?>
+<p:sld xmlns:a="http://schemas.openxmlformats.org/drawingml/2006/main" xmlns:r="http://schemas.openxmlformats.org/officeDocument/2006/relationships" xmlns:p="http://schemas.openxmlformats.org/presentationml/2006/main">
+  <p:cSld>
+    <p:spTree>
+      <p:nvGrpSpPr>
+        <p:cNvPr id="1" name="Shape 78"/>
+        <p:cNvGrpSpPr/>
+        <p:nvPr/>
+      </p:nvGrpSpPr>
+      <p:grpSpPr>
+        <a:xfrm>
+          <a:off x="0" y="0"/>
+          <a:ext cx="0" cy="0"/>
+          <a:chOff x="0" y="0"/>
+          <a:chExt cx="0" cy="0"/>
+        </a:xfrm>
+      </p:grpSpPr>
+      <p:sp>
+        <p:nvSpPr>
+          <p:cNvPr id="79" name="Google Shape;79;p18"/>
+          <p:cNvSpPr txBox="1">
+            <a:spLocks noGrp="1"/>
+          </p:cNvSpPr>
+          <p:nvPr>
+            <p:ph type="title"/>
+          </p:nvPr>
+        </p:nvSpPr>
+        <p:spPr>
+          <a:xfrm>
+            <a:off x="102700" y="270875"/>
+            <a:ext cx="8520600" cy="572700"/>
+          </a:xfrm>
+          <a:prstGeom prst="rect">
+            <a:avLst/>
+          </a:prstGeom>
+        </p:spPr>
+        <p:txBody>
+          <a:bodyPr spcFirstLastPara="1" wrap="square" lIns="91425" tIns="91425" rIns="91425" bIns="91425" anchor="t" anchorCtr="0">
+            <a:normAutofit fontScale="90000"/>
+          </a:bodyPr>
+          <a:lstStyle/>
+          <a:p>
+            <a:pPr marL="0" lvl="0" indent="0" algn="l" rtl="0">
+              <a:spcBef>
+                <a:spcPts val="0"/>
+              </a:spcBef>
+              <a:spcAft>
+                <a:spcPts val="0"/>
+              </a:spcAft>
+              <a:buNone/>
+            </a:pPr>
+            <a:r>
+              <a:rPr lang="en"/>
+              <a:t>Announcements</a:t>
+            </a:r>
+            <a:endParaRPr/>
+          </a:p>
+        </p:txBody>
+      </p:sp>
+      <p:sp>
+        <p:nvSpPr>
+          <p:cNvPr id="80" name="Google Shape;80;p18"/>
+          <p:cNvSpPr txBox="1">
+            <a:spLocks noGrp="1"/>
+          </p:cNvSpPr>
+          <p:nvPr>
+            <p:ph type="body" idx="1"/>
+          </p:nvPr>
+        </p:nvSpPr>
+        <p:spPr>
+          <a:xfrm>
+            <a:off x="198499" y="1246825"/>
+            <a:ext cx="6802593" cy="3765600"/>
+          </a:xfrm>
+          <a:prstGeom prst="rect">
+            <a:avLst/>
+          </a:prstGeom>
+        </p:spPr>
+        <p:txBody>
+          <a:bodyPr spcFirstLastPara="1" wrap="square" lIns="91425" tIns="91425" rIns="91425" bIns="91425" anchor="t" anchorCtr="0">
+            <a:normAutofit/>
+          </a:bodyPr>
+          <a:lstStyle/>
+          <a:p>
+            <a:pPr indent="-334327">
+              <a:buSzPct val="100000"/>
+            </a:pPr>
+            <a:r>
+              <a:rPr lang="en-US" dirty="0"/>
+              <a:t>Assignment 1 due today</a:t>
+            </a:r>
+          </a:p>
+          <a:p>
+            <a:pPr marL="457200" lvl="0" indent="-334327" algn="l" rtl="0">
+              <a:spcBef>
+                <a:spcPts val="0"/>
+              </a:spcBef>
+              <a:spcAft>
+                <a:spcPts val="0"/>
+              </a:spcAft>
+              <a:buSzPct val="100000"/>
+              <a:buChar char="●"/>
+            </a:pPr>
+            <a:endParaRPr lang="en-US" dirty="0"/>
+          </a:p>
+          <a:p>
+            <a:pPr marL="457200" lvl="0" indent="-334327" algn="l" rtl="0">
+              <a:spcBef>
+                <a:spcPts val="0"/>
+              </a:spcBef>
+              <a:spcAft>
+                <a:spcPts val="0"/>
+              </a:spcAft>
+              <a:buSzPct val="100000"/>
+              <a:buChar char="●"/>
+            </a:pPr>
+            <a:r>
+              <a:rPr lang="en-US" dirty="0"/>
+              <a:t>Assignment 2 release later today</a:t>
+            </a:r>
+            <a:endParaRPr dirty="0"/>
+          </a:p>
+          <a:p>
+            <a:pPr marL="914400" lvl="1" indent="-310832" algn="l" rtl="0">
+              <a:spcBef>
+                <a:spcPts val="0"/>
+              </a:spcBef>
+              <a:spcAft>
+                <a:spcPts val="0"/>
+              </a:spcAft>
+              <a:buSzPct val="100000"/>
+              <a:buChar char="○"/>
+            </a:pPr>
+            <a:r>
+              <a:rPr lang="en" dirty="0"/>
+              <a:t>Due Sep.26th 11:59 PM EST</a:t>
+            </a:r>
+          </a:p>
+          <a:p>
+            <a:pPr lvl="2" indent="-334327">
+              <a:buSzPct val="100000"/>
+              <a:buFont typeface="Arial"/>
+              <a:buChar char="●"/>
+            </a:pPr>
+            <a:endParaRPr lang="en-US" dirty="0"/>
+          </a:p>
+          <a:p>
+            <a:pPr indent="-334327">
+              <a:buSzPct val="100000"/>
+            </a:pPr>
+            <a:r>
+              <a:rPr lang="en-US" dirty="0"/>
+              <a:t>Midterm</a:t>
+            </a:r>
+          </a:p>
+          <a:p>
+            <a:pPr lvl="1" indent="-334327">
+              <a:buSzPct val="100000"/>
+            </a:pPr>
+            <a:r>
+              <a:rPr lang="en-US" dirty="0"/>
+              <a:t>Open book with internet access</a:t>
+            </a:r>
+          </a:p>
+          <a:p>
+            <a:pPr lvl="1" indent="-334327">
+              <a:buSzPct val="100000"/>
+            </a:pPr>
+            <a:r>
+              <a:rPr lang="en-US" dirty="0"/>
+              <a:t>Sep.28</a:t>
+            </a:r>
+            <a:r>
+              <a:rPr lang="en-US" baseline="30000" dirty="0"/>
+              <a:t>th</a:t>
+            </a:r>
+            <a:endParaRPr lang="en-US" dirty="0"/>
+          </a:p>
+          <a:p>
+            <a:pPr lvl="1" indent="-334327">
+              <a:buSzPct val="100000"/>
+            </a:pPr>
+            <a:r>
+              <a:rPr lang="en-US" dirty="0"/>
+              <a:t>Cover all lectures before Midterm</a:t>
+            </a:r>
+          </a:p>
+          <a:p>
+            <a:pPr marL="580073" lvl="1" indent="0">
+              <a:buSzPct val="100000"/>
+              <a:buNone/>
+            </a:pPr>
+            <a:endParaRPr dirty="0"/>
+          </a:p>
+        </p:txBody>
+      </p:sp>
+      <p:sp>
+        <p:nvSpPr>
+          <p:cNvPr id="81" name="Google Shape;81;p18"/>
+          <p:cNvSpPr txBox="1">
+            <a:spLocks noGrp="1"/>
+          </p:cNvSpPr>
+          <p:nvPr>
+            <p:ph type="sldNum" idx="12"/>
+          </p:nvPr>
+        </p:nvSpPr>
+        <p:spPr>
+          <a:xfrm>
+            <a:off x="8472458" y="4663217"/>
+            <a:ext cx="548700" cy="393600"/>
+          </a:xfrm>
+          <a:prstGeom prst="rect">
+            <a:avLst/>
+          </a:prstGeom>
+        </p:spPr>
+        <p:txBody>
+          <a:bodyPr spcFirstLastPara="1" wrap="square" lIns="91425" tIns="91425" rIns="91425" bIns="91425" anchor="ctr" anchorCtr="0">
+            <a:normAutofit/>
+          </a:bodyPr>
+          <a:lstStyle/>
+          <a:p>
+            <a:pPr marL="0" lvl="0" indent="0" algn="r" rtl="0">
+              <a:spcBef>
+                <a:spcPts val="0"/>
+              </a:spcBef>
+              <a:spcAft>
+                <a:spcPts val="0"/>
+              </a:spcAft>
+              <a:buNone/>
+            </a:pPr>
+            <a:fld id="{00000000-1234-1234-1234-123412341234}" type="slidenum">
+              <a:rPr lang="en"/>
+              <a:t>2</a:t>
+            </a:fld>
+            <a:endParaRPr/>
+          </a:p>
+        </p:txBody>
+      </p:sp>
+    </p:spTree>
+  </p:cSld>
+  <p:clrMapOvr>
+    <a:masterClrMapping/>
+  </p:clrMapOvr>
+</p:sld>
+</file>
+
+<file path=ppt/slides/slide20.xml><?xml version="1.0" encoding="utf-8"?>
 <p:sld xmlns:a="http://schemas.openxmlformats.org/drawingml/2006/main" xmlns:r="http://schemas.openxmlformats.org/officeDocument/2006/relationships" xmlns:p="http://schemas.openxmlformats.org/presentationml/2006/main">
   <p:cSld>
     <p:spTree>
@@ -18790,7 +19224,7 @@
             </a:pPr>
             <a:fld id="{00000000-1234-1234-1234-123412341234}" type="slidenum">
               <a:rPr lang="en"/>
-              <a:t>19</a:t>
+              <a:t>20</a:t>
             </a:fld>
             <a:endParaRPr/>
           </a:p>
@@ -19422,312 +19856,7 @@
 </p:sld>
 </file>
 
-<file path=ppt/slides/slide2.xml><?xml version="1.0" encoding="utf-8"?>
-<p:sld xmlns:a="http://schemas.openxmlformats.org/drawingml/2006/main" xmlns:r="http://schemas.openxmlformats.org/officeDocument/2006/relationships" xmlns:p="http://schemas.openxmlformats.org/presentationml/2006/main">
-  <p:cSld>
-    <p:spTree>
-      <p:nvGrpSpPr>
-        <p:cNvPr id="1" name="Shape 78"/>
-        <p:cNvGrpSpPr/>
-        <p:nvPr/>
-      </p:nvGrpSpPr>
-      <p:grpSpPr>
-        <a:xfrm>
-          <a:off x="0" y="0"/>
-          <a:ext cx="0" cy="0"/>
-          <a:chOff x="0" y="0"/>
-          <a:chExt cx="0" cy="0"/>
-        </a:xfrm>
-      </p:grpSpPr>
-      <p:sp>
-        <p:nvSpPr>
-          <p:cNvPr id="79" name="Google Shape;79;p18"/>
-          <p:cNvSpPr txBox="1">
-            <a:spLocks noGrp="1"/>
-          </p:cNvSpPr>
-          <p:nvPr>
-            <p:ph type="title"/>
-          </p:nvPr>
-        </p:nvSpPr>
-        <p:spPr>
-          <a:xfrm>
-            <a:off x="102700" y="270875"/>
-            <a:ext cx="8520600" cy="572700"/>
-          </a:xfrm>
-          <a:prstGeom prst="rect">
-            <a:avLst/>
-          </a:prstGeom>
-        </p:spPr>
-        <p:txBody>
-          <a:bodyPr spcFirstLastPara="1" wrap="square" lIns="91425" tIns="91425" rIns="91425" bIns="91425" anchor="t" anchorCtr="0">
-            <a:normAutofit fontScale="90000"/>
-          </a:bodyPr>
-          <a:lstStyle/>
-          <a:p>
-            <a:pPr marL="0" lvl="0" indent="0" algn="l" rtl="0">
-              <a:spcBef>
-                <a:spcPts val="0"/>
-              </a:spcBef>
-              <a:spcAft>
-                <a:spcPts val="0"/>
-              </a:spcAft>
-              <a:buNone/>
-            </a:pPr>
-            <a:r>
-              <a:rPr lang="en"/>
-              <a:t>PRNGs: Summary</a:t>
-            </a:r>
-            <a:endParaRPr/>
-          </a:p>
-        </p:txBody>
-      </p:sp>
-      <p:sp>
-        <p:nvSpPr>
-          <p:cNvPr id="80" name="Google Shape;80;p18"/>
-          <p:cNvSpPr txBox="1">
-            <a:spLocks noGrp="1"/>
-          </p:cNvSpPr>
-          <p:nvPr>
-            <p:ph type="body" idx="1"/>
-          </p:nvPr>
-        </p:nvSpPr>
-        <p:spPr>
-          <a:xfrm>
-            <a:off x="198500" y="1246825"/>
-            <a:ext cx="8520600" cy="3765600"/>
-          </a:xfrm>
-          <a:prstGeom prst="rect">
-            <a:avLst/>
-          </a:prstGeom>
-        </p:spPr>
-        <p:txBody>
-          <a:bodyPr spcFirstLastPara="1" wrap="square" lIns="91425" tIns="91425" rIns="91425" bIns="91425" anchor="t" anchorCtr="0">
-            <a:normAutofit/>
-          </a:bodyPr>
-          <a:lstStyle/>
-          <a:p>
-            <a:pPr marL="457200" lvl="0" indent="-342900" algn="l" rtl="0">
-              <a:spcBef>
-                <a:spcPts val="0"/>
-              </a:spcBef>
-              <a:spcAft>
-                <a:spcPts val="0"/>
-              </a:spcAft>
-              <a:buSzPts val="1800"/>
-              <a:buChar char="●"/>
-            </a:pPr>
-            <a:r>
-              <a:rPr lang="en"/>
-              <a:t>True randomness requires sampling a physical process</a:t>
-            </a:r>
-            <a:endParaRPr/>
-          </a:p>
-          <a:p>
-            <a:pPr marL="914400" lvl="1" indent="-317500" algn="l" rtl="0">
-              <a:spcBef>
-                <a:spcPts val="0"/>
-              </a:spcBef>
-              <a:spcAft>
-                <a:spcPts val="0"/>
-              </a:spcAft>
-              <a:buSzPts val="1400"/>
-              <a:buChar char="○"/>
-            </a:pPr>
-            <a:r>
-              <a:rPr lang="en"/>
-              <a:t>Slow, expensive, and biased (low entropy)</a:t>
-            </a:r>
-            <a:endParaRPr/>
-          </a:p>
-          <a:p>
-            <a:pPr marL="457200" lvl="0" indent="-342900" algn="l" rtl="0">
-              <a:spcBef>
-                <a:spcPts val="0"/>
-              </a:spcBef>
-              <a:spcAft>
-                <a:spcPts val="0"/>
-              </a:spcAft>
-              <a:buSzPts val="1800"/>
-              <a:buChar char="●"/>
-            </a:pPr>
-            <a:r>
-              <a:rPr lang="en"/>
-              <a:t>PRNG: An algorithm that uses a little bit of true randomness to generate a lot of random-looking output</a:t>
-            </a:r>
-            <a:endParaRPr/>
-          </a:p>
-          <a:p>
-            <a:pPr marL="914400" lvl="1" indent="-317500" algn="l" rtl="0">
-              <a:spcBef>
-                <a:spcPts val="0"/>
-              </a:spcBef>
-              <a:spcAft>
-                <a:spcPts val="0"/>
-              </a:spcAft>
-              <a:buSzPts val="1400"/>
-              <a:buChar char="○"/>
-            </a:pPr>
-            <a:r>
-              <a:rPr lang="en"/>
-              <a:t>Seed(entropy): Initialize internal state</a:t>
-            </a:r>
-            <a:endParaRPr/>
-          </a:p>
-          <a:p>
-            <a:pPr marL="914400" lvl="1" indent="-317500" algn="l" rtl="0">
-              <a:spcBef>
-                <a:spcPts val="0"/>
-              </a:spcBef>
-              <a:spcAft>
-                <a:spcPts val="0"/>
-              </a:spcAft>
-              <a:buSzPts val="1400"/>
-              <a:buChar char="○"/>
-            </a:pPr>
-            <a:r>
-              <a:rPr lang="en"/>
-              <a:t>Reseed(entropy): Add additional entropy to the internal state</a:t>
-            </a:r>
-            <a:endParaRPr/>
-          </a:p>
-          <a:p>
-            <a:pPr marL="914400" lvl="1" indent="-317500" algn="l" rtl="0">
-              <a:spcBef>
-                <a:spcPts val="0"/>
-              </a:spcBef>
-              <a:spcAft>
-                <a:spcPts val="0"/>
-              </a:spcAft>
-              <a:buSzPts val="1400"/>
-              <a:buChar char="○"/>
-            </a:pPr>
-            <a:r>
-              <a:rPr lang="en"/>
-              <a:t>Generate(n): Generate n bits of pseudorandom output</a:t>
-            </a:r>
-            <a:endParaRPr/>
-          </a:p>
-          <a:p>
-            <a:pPr marL="914400" lvl="1" indent="-317500" algn="l" rtl="0">
-              <a:spcBef>
-                <a:spcPts val="0"/>
-              </a:spcBef>
-              <a:spcAft>
-                <a:spcPts val="0"/>
-              </a:spcAft>
-              <a:buSzPts val="1400"/>
-              <a:buChar char="○"/>
-            </a:pPr>
-            <a:r>
-              <a:rPr lang="en"/>
-              <a:t>Security: Computationally indistinguishable from truly random bits</a:t>
-            </a:r>
-            <a:endParaRPr/>
-          </a:p>
-          <a:p>
-            <a:pPr marL="457200" lvl="0" indent="-342900" algn="l" rtl="0">
-              <a:spcBef>
-                <a:spcPts val="0"/>
-              </a:spcBef>
-              <a:spcAft>
-                <a:spcPts val="0"/>
-              </a:spcAft>
-              <a:buSzPts val="1800"/>
-              <a:buChar char="●"/>
-            </a:pPr>
-            <a:r>
-              <a:rPr lang="en"/>
-              <a:t>CTR-DRBG: Use a block cipher in CTR mode to generate pseudorandom bits</a:t>
-            </a:r>
-            <a:endParaRPr/>
-          </a:p>
-          <a:p>
-            <a:pPr marL="457200" lvl="0" indent="-342900" algn="l" rtl="0">
-              <a:spcBef>
-                <a:spcPts val="0"/>
-              </a:spcBef>
-              <a:spcAft>
-                <a:spcPts val="0"/>
-              </a:spcAft>
-              <a:buSzPts val="1800"/>
-              <a:buChar char="●"/>
-            </a:pPr>
-            <a:r>
-              <a:rPr lang="en"/>
-              <a:t>HMAC-DRBG: Use repeated applications of HMAC to generate pseudorandom bits</a:t>
-            </a:r>
-            <a:endParaRPr/>
-          </a:p>
-          <a:p>
-            <a:pPr marL="457200" lvl="0" indent="-342900" algn="l" rtl="0">
-              <a:spcBef>
-                <a:spcPts val="0"/>
-              </a:spcBef>
-              <a:spcAft>
-                <a:spcPts val="0"/>
-              </a:spcAft>
-              <a:buSzPts val="1800"/>
-              <a:buChar char="●"/>
-            </a:pPr>
-            <a:r>
-              <a:rPr lang="en"/>
-              <a:t>Application: UUIDs</a:t>
-            </a:r>
-            <a:endParaRPr/>
-          </a:p>
-        </p:txBody>
-      </p:sp>
-      <p:sp>
-        <p:nvSpPr>
-          <p:cNvPr id="81" name="Google Shape;81;p18"/>
-          <p:cNvSpPr txBox="1">
-            <a:spLocks noGrp="1"/>
-          </p:cNvSpPr>
-          <p:nvPr>
-            <p:ph type="sldNum" idx="12"/>
-          </p:nvPr>
-        </p:nvSpPr>
-        <p:spPr>
-          <a:xfrm>
-            <a:off x="8472458" y="4663217"/>
-            <a:ext cx="548700" cy="393600"/>
-          </a:xfrm>
-          <a:prstGeom prst="rect">
-            <a:avLst/>
-          </a:prstGeom>
-        </p:spPr>
-        <p:txBody>
-          <a:bodyPr spcFirstLastPara="1" wrap="square" lIns="91425" tIns="91425" rIns="91425" bIns="91425" anchor="ctr" anchorCtr="0">
-            <a:normAutofit/>
-          </a:bodyPr>
-          <a:lstStyle/>
-          <a:p>
-            <a:pPr marL="0" lvl="0" indent="0" algn="r" rtl="0">
-              <a:spcBef>
-                <a:spcPts val="0"/>
-              </a:spcBef>
-              <a:spcAft>
-                <a:spcPts val="0"/>
-              </a:spcAft>
-              <a:buNone/>
-            </a:pPr>
-            <a:fld id="{00000000-1234-1234-1234-123412341234}" type="slidenum">
-              <a:rPr lang="en"/>
-              <a:t>2</a:t>
-            </a:fld>
-            <a:endParaRPr/>
-          </a:p>
-        </p:txBody>
-      </p:sp>
-    </p:spTree>
-  </p:cSld>
-  <p:clrMapOvr>
-    <a:masterClrMapping/>
-  </p:clrMapOvr>
-</p:sld>
-</file>
-
-<file path=ppt/slides/slide20.xml><?xml version="1.0" encoding="utf-8"?>
+<file path=ppt/slides/slide21.xml><?xml version="1.0" encoding="utf-8"?>
 <p:sld xmlns:a="http://schemas.openxmlformats.org/drawingml/2006/main" xmlns:r="http://schemas.openxmlformats.org/officeDocument/2006/relationships" xmlns:p="http://schemas.openxmlformats.org/presentationml/2006/main">
   <p:cSld>
     <p:spTree>
@@ -20001,7 +20130,7 @@
             </a:pPr>
             <a:fld id="{00000000-1234-1234-1234-123412341234}" type="slidenum">
               <a:rPr lang="en"/>
-              <a:t>20</a:t>
+              <a:t>21</a:t>
             </a:fld>
             <a:endParaRPr/>
           </a:p>
@@ -20290,7 +20419,7 @@
 </p:sld>
 </file>
 
-<file path=ppt/slides/slide21.xml><?xml version="1.0" encoding="utf-8"?>
+<file path=ppt/slides/slide22.xml><?xml version="1.0" encoding="utf-8"?>
 <p:sld xmlns:a="http://schemas.openxmlformats.org/drawingml/2006/main" xmlns:r="http://schemas.openxmlformats.org/officeDocument/2006/relationships" xmlns:p="http://schemas.openxmlformats.org/presentationml/2006/main">
   <p:cSld>
     <p:spTree>
@@ -20677,7 +20806,7 @@
             </a:pPr>
             <a:fld id="{00000000-1234-1234-1234-123412341234}" type="slidenum">
               <a:rPr lang="en"/>
-              <a:t>21</a:t>
+              <a:t>22</a:t>
             </a:fld>
             <a:endParaRPr/>
           </a:p>
@@ -21211,7 +21340,7 @@
 </p:sld>
 </file>
 
-<file path=ppt/slides/slide22.xml><?xml version="1.0" encoding="utf-8"?>
+<file path=ppt/slides/slide23.xml><?xml version="1.0" encoding="utf-8"?>
 <p:sld xmlns:a="http://schemas.openxmlformats.org/drawingml/2006/main" xmlns:r="http://schemas.openxmlformats.org/officeDocument/2006/relationships" xmlns:p="http://schemas.openxmlformats.org/presentationml/2006/main">
   <p:cSld>
     <p:spTree>
@@ -21395,7 +21524,7 @@
             </a:pPr>
             <a:fld id="{00000000-1234-1234-1234-123412341234}" type="slidenum">
               <a:rPr lang="en"/>
-              <a:t>22</a:t>
+              <a:t>23</a:t>
             </a:fld>
             <a:endParaRPr/>
           </a:p>
@@ -21586,7 +21715,7 @@
 </p:sld>
 </file>
 
-<file path=ppt/slides/slide23.xml><?xml version="1.0" encoding="utf-8"?>
+<file path=ppt/slides/slide24.xml><?xml version="1.0" encoding="utf-8"?>
 <p:sld xmlns:a="http://schemas.openxmlformats.org/drawingml/2006/main" xmlns:r="http://schemas.openxmlformats.org/officeDocument/2006/relationships" xmlns:p="http://schemas.openxmlformats.org/presentationml/2006/main">
   <p:cSld>
     <p:spTree>
@@ -22088,7 +22217,7 @@
             </a:pPr>
             <a:fld id="{00000000-1234-1234-1234-123412341234}" type="slidenum">
               <a:rPr lang="en"/>
-              <a:t>23</a:t>
+              <a:t>24</a:t>
             </a:fld>
             <a:endParaRPr/>
           </a:p>
@@ -22601,7 +22730,7 @@
 </p:sld>
 </file>
 
-<file path=ppt/slides/slide24.xml><?xml version="1.0" encoding="utf-8"?>
+<file path=ppt/slides/slide25.xml><?xml version="1.0" encoding="utf-8"?>
 <p:sld xmlns:a="http://schemas.openxmlformats.org/drawingml/2006/main" xmlns:r="http://schemas.openxmlformats.org/officeDocument/2006/relationships" xmlns:p="http://schemas.openxmlformats.org/presentationml/2006/main">
   <p:cSld>
     <p:spTree>
@@ -22874,7 +23003,7 @@
             </a:pPr>
             <a:fld id="{00000000-1234-1234-1234-123412341234}" type="slidenum">
               <a:rPr lang="en"/>
-              <a:t>24</a:t>
+              <a:t>25</a:t>
             </a:fld>
             <a:endParaRPr/>
           </a:p>
@@ -23142,7 +23271,7 @@
 </p:sld>
 </file>
 
-<file path=ppt/slides/slide25.xml><?xml version="1.0" encoding="utf-8"?>
+<file path=ppt/slides/slide26.xml><?xml version="1.0" encoding="utf-8"?>
 <p:sld xmlns:a="http://schemas.openxmlformats.org/drawingml/2006/main" xmlns:r="http://schemas.openxmlformats.org/officeDocument/2006/relationships" xmlns:p="http://schemas.openxmlformats.org/presentationml/2006/main">
   <p:cSld>
     <p:spTree>
@@ -23388,7 +23517,7 @@
             </a:pPr>
             <a:fld id="{00000000-1234-1234-1234-123412341234}" type="slidenum">
               <a:rPr lang="en"/>
-              <a:t>25</a:t>
+              <a:t>26</a:t>
             </a:fld>
             <a:endParaRPr/>
           </a:p>
@@ -23705,7 +23834,7 @@
 </p:sld>
 </file>
 
-<file path=ppt/slides/slide26.xml><?xml version="1.0" encoding="utf-8"?>
+<file path=ppt/slides/slide27.xml><?xml version="1.0" encoding="utf-8"?>
 <p:sld xmlns:a="http://schemas.openxmlformats.org/drawingml/2006/main" xmlns:r="http://schemas.openxmlformats.org/officeDocument/2006/relationships" xmlns:p="http://schemas.openxmlformats.org/presentationml/2006/main">
   <p:cSld>
     <p:spTree>
@@ -23965,7 +24094,7 @@
             </a:pPr>
             <a:fld id="{00000000-1234-1234-1234-123412341234}" type="slidenum">
               <a:rPr lang="en"/>
-              <a:t>26</a:t>
+              <a:t>27</a:t>
             </a:fld>
             <a:endParaRPr/>
           </a:p>
@@ -24352,7 +24481,7 @@
 </p:sld>
 </file>
 
-<file path=ppt/slides/slide27.xml><?xml version="1.0" encoding="utf-8"?>
+<file path=ppt/slides/slide28.xml><?xml version="1.0" encoding="utf-8"?>
 <p:sld xmlns:a="http://schemas.openxmlformats.org/drawingml/2006/main" xmlns:r="http://schemas.openxmlformats.org/officeDocument/2006/relationships" xmlns:p="http://schemas.openxmlformats.org/presentationml/2006/main">
   <p:cSld>
     <p:spTree>
@@ -24447,7 +24576,7 @@
             </a:pPr>
             <a:fld id="{00000000-1234-1234-1234-123412341234}" type="slidenum">
               <a:rPr lang="en"/>
-              <a:t>27</a:t>
+              <a:t>28</a:t>
             </a:fld>
             <a:endParaRPr/>
           </a:p>
@@ -24518,7 +24647,7 @@
 </p:sld>
 </file>
 
-<file path=ppt/slides/slide28.xml><?xml version="1.0" encoding="utf-8"?>
+<file path=ppt/slides/slide29.xml><?xml version="1.0" encoding="utf-8"?>
 <p:sld xmlns:a="http://schemas.openxmlformats.org/drawingml/2006/main" xmlns:r="http://schemas.openxmlformats.org/officeDocument/2006/relationships" xmlns:p="http://schemas.openxmlformats.org/presentationml/2006/main">
   <p:cSld>
     <p:spTree>
@@ -24585,7 +24714,7 @@
         </p:nvGraphicFramePr>
         <p:xfrm>
           <a:off x="311700" y="1310650"/>
-          <a:ext cx="3000000" cy="3000000"/>
+          <a:ext cx="8520600" cy="2143685"/>
         </p:xfrm>
         <a:graphic>
           <a:graphicData uri="http://schemas.openxmlformats.org/drawingml/2006/table">
@@ -25190,7 +25319,7 @@
             </a:pPr>
             <a:fld id="{00000000-1234-1234-1234-123412341234}" type="slidenum">
               <a:rPr lang="en"/>
-              <a:t>28</a:t>
+              <a:t>29</a:t>
             </a:fld>
             <a:endParaRPr/>
           </a:p>
@@ -25204,7 +25333,295 @@
 </p:sld>
 </file>
 
-<file path=ppt/slides/slide29.xml><?xml version="1.0" encoding="utf-8"?>
+<file path=ppt/slides/slide3.xml><?xml version="1.0" encoding="utf-8"?>
+<p:sld xmlns:a="http://schemas.openxmlformats.org/drawingml/2006/main" xmlns:r="http://schemas.openxmlformats.org/officeDocument/2006/relationships" xmlns:p="http://schemas.openxmlformats.org/presentationml/2006/main">
+  <p:cSld>
+    <p:spTree>
+      <p:nvGrpSpPr>
+        <p:cNvPr id="1" name="Shape 78"/>
+        <p:cNvGrpSpPr/>
+        <p:nvPr/>
+      </p:nvGrpSpPr>
+      <p:grpSpPr>
+        <a:xfrm>
+          <a:off x="0" y="0"/>
+          <a:ext cx="0" cy="0"/>
+          <a:chOff x="0" y="0"/>
+          <a:chExt cx="0" cy="0"/>
+        </a:xfrm>
+      </p:grpSpPr>
+      <p:sp>
+        <p:nvSpPr>
+          <p:cNvPr id="79" name="Google Shape;79;p18"/>
+          <p:cNvSpPr txBox="1">
+            <a:spLocks noGrp="1"/>
+          </p:cNvSpPr>
+          <p:nvPr>
+            <p:ph type="title"/>
+          </p:nvPr>
+        </p:nvSpPr>
+        <p:spPr>
+          <a:xfrm>
+            <a:off x="102700" y="270875"/>
+            <a:ext cx="8520600" cy="572700"/>
+          </a:xfrm>
+          <a:prstGeom prst="rect">
+            <a:avLst/>
+          </a:prstGeom>
+        </p:spPr>
+        <p:txBody>
+          <a:bodyPr spcFirstLastPara="1" wrap="square" lIns="91425" tIns="91425" rIns="91425" bIns="91425" anchor="t" anchorCtr="0">
+            <a:normAutofit fontScale="90000"/>
+          </a:bodyPr>
+          <a:lstStyle/>
+          <a:p>
+            <a:pPr marL="0" lvl="0" indent="0" algn="l" rtl="0">
+              <a:spcBef>
+                <a:spcPts val="0"/>
+              </a:spcBef>
+              <a:spcAft>
+                <a:spcPts val="0"/>
+              </a:spcAft>
+              <a:buNone/>
+            </a:pPr>
+            <a:r>
+              <a:rPr lang="en"/>
+              <a:t>PRNGs: Summary</a:t>
+            </a:r>
+            <a:endParaRPr/>
+          </a:p>
+        </p:txBody>
+      </p:sp>
+      <p:sp>
+        <p:nvSpPr>
+          <p:cNvPr id="80" name="Google Shape;80;p18"/>
+          <p:cNvSpPr txBox="1">
+            <a:spLocks noGrp="1"/>
+          </p:cNvSpPr>
+          <p:nvPr>
+            <p:ph type="body" idx="1"/>
+          </p:nvPr>
+        </p:nvSpPr>
+        <p:spPr>
+          <a:xfrm>
+            <a:off x="198500" y="1246825"/>
+            <a:ext cx="8520600" cy="3765600"/>
+          </a:xfrm>
+          <a:prstGeom prst="rect">
+            <a:avLst/>
+          </a:prstGeom>
+        </p:spPr>
+        <p:txBody>
+          <a:bodyPr spcFirstLastPara="1" wrap="square" lIns="91425" tIns="91425" rIns="91425" bIns="91425" anchor="t" anchorCtr="0">
+            <a:normAutofit/>
+          </a:bodyPr>
+          <a:lstStyle/>
+          <a:p>
+            <a:pPr marL="457200" lvl="0" indent="-342900" algn="l" rtl="0">
+              <a:spcBef>
+                <a:spcPts val="0"/>
+              </a:spcBef>
+              <a:spcAft>
+                <a:spcPts val="0"/>
+              </a:spcAft>
+              <a:buSzPts val="1800"/>
+              <a:buChar char="●"/>
+            </a:pPr>
+            <a:r>
+              <a:rPr lang="en" dirty="0"/>
+              <a:t>True randomness requires sampling a physical process</a:t>
+            </a:r>
+            <a:endParaRPr dirty="0"/>
+          </a:p>
+          <a:p>
+            <a:pPr marL="914400" lvl="1" indent="-317500" algn="l" rtl="0">
+              <a:spcBef>
+                <a:spcPts val="0"/>
+              </a:spcBef>
+              <a:spcAft>
+                <a:spcPts val="0"/>
+              </a:spcAft>
+              <a:buSzPts val="1400"/>
+              <a:buChar char="○"/>
+            </a:pPr>
+            <a:r>
+              <a:rPr lang="en" dirty="0"/>
+              <a:t>Slow, expensive, and biased (low entropy)</a:t>
+            </a:r>
+            <a:endParaRPr dirty="0"/>
+          </a:p>
+          <a:p>
+            <a:pPr marL="457200" lvl="0" indent="-342900" algn="l" rtl="0">
+              <a:spcBef>
+                <a:spcPts val="0"/>
+              </a:spcBef>
+              <a:spcAft>
+                <a:spcPts val="0"/>
+              </a:spcAft>
+              <a:buSzPts val="1800"/>
+              <a:buChar char="●"/>
+            </a:pPr>
+            <a:r>
+              <a:rPr lang="en" dirty="0"/>
+              <a:t>PRNG: An algorithm that uses a little bit of true randomness to generate a lot of random-looking output</a:t>
+            </a:r>
+            <a:endParaRPr dirty="0"/>
+          </a:p>
+          <a:p>
+            <a:pPr marL="914400" lvl="1" indent="-317500" algn="l" rtl="0">
+              <a:spcBef>
+                <a:spcPts val="0"/>
+              </a:spcBef>
+              <a:spcAft>
+                <a:spcPts val="0"/>
+              </a:spcAft>
+              <a:buSzPts val="1400"/>
+              <a:buChar char="○"/>
+            </a:pPr>
+            <a:r>
+              <a:rPr lang="en" dirty="0"/>
+              <a:t>Seed(entropy): Initialize internal state</a:t>
+            </a:r>
+            <a:endParaRPr dirty="0"/>
+          </a:p>
+          <a:p>
+            <a:pPr marL="914400" lvl="1" indent="-317500" algn="l" rtl="0">
+              <a:spcBef>
+                <a:spcPts val="0"/>
+              </a:spcBef>
+              <a:spcAft>
+                <a:spcPts val="0"/>
+              </a:spcAft>
+              <a:buSzPts val="1400"/>
+              <a:buChar char="○"/>
+            </a:pPr>
+            <a:r>
+              <a:rPr lang="en" dirty="0"/>
+              <a:t>Reseed(entropy): Add additional entropy to the internal state</a:t>
+            </a:r>
+            <a:endParaRPr dirty="0"/>
+          </a:p>
+          <a:p>
+            <a:pPr marL="914400" lvl="1" indent="-317500" algn="l" rtl="0">
+              <a:spcBef>
+                <a:spcPts val="0"/>
+              </a:spcBef>
+              <a:spcAft>
+                <a:spcPts val="0"/>
+              </a:spcAft>
+              <a:buSzPts val="1400"/>
+              <a:buChar char="○"/>
+            </a:pPr>
+            <a:r>
+              <a:rPr lang="en" dirty="0"/>
+              <a:t>Generate(n): Generate n bits of pseudorandom output</a:t>
+            </a:r>
+            <a:endParaRPr dirty="0"/>
+          </a:p>
+          <a:p>
+            <a:pPr marL="914400" lvl="1" indent="-317500" algn="l" rtl="0">
+              <a:spcBef>
+                <a:spcPts val="0"/>
+              </a:spcBef>
+              <a:spcAft>
+                <a:spcPts val="0"/>
+              </a:spcAft>
+              <a:buSzPts val="1400"/>
+              <a:buChar char="○"/>
+            </a:pPr>
+            <a:r>
+              <a:rPr lang="en" dirty="0"/>
+              <a:t>Security: Computationally indistinguishable from truly random bits</a:t>
+            </a:r>
+            <a:endParaRPr dirty="0"/>
+          </a:p>
+          <a:p>
+            <a:pPr marL="457200" lvl="0" indent="-342900" algn="l" rtl="0">
+              <a:spcBef>
+                <a:spcPts val="0"/>
+              </a:spcBef>
+              <a:spcAft>
+                <a:spcPts val="0"/>
+              </a:spcAft>
+              <a:buSzPts val="1800"/>
+              <a:buChar char="●"/>
+            </a:pPr>
+            <a:r>
+              <a:rPr lang="en" dirty="0"/>
+              <a:t>HMAC-DRBG: Use repeated applications of HMAC to generate pseudorandom bits</a:t>
+            </a:r>
+            <a:endParaRPr dirty="0"/>
+          </a:p>
+          <a:p>
+            <a:pPr marL="457200" lvl="0" indent="-342900" algn="l" rtl="0">
+              <a:spcBef>
+                <a:spcPts val="0"/>
+              </a:spcBef>
+              <a:spcAft>
+                <a:spcPts val="0"/>
+              </a:spcAft>
+              <a:buSzPts val="1800"/>
+              <a:buChar char="●"/>
+            </a:pPr>
+            <a:r>
+              <a:rPr lang="en" dirty="0"/>
+              <a:t>Application: UUIDs</a:t>
+            </a:r>
+            <a:endParaRPr dirty="0"/>
+          </a:p>
+        </p:txBody>
+      </p:sp>
+      <p:sp>
+        <p:nvSpPr>
+          <p:cNvPr id="81" name="Google Shape;81;p18"/>
+          <p:cNvSpPr txBox="1">
+            <a:spLocks noGrp="1"/>
+          </p:cNvSpPr>
+          <p:nvPr>
+            <p:ph type="sldNum" idx="12"/>
+          </p:nvPr>
+        </p:nvSpPr>
+        <p:spPr>
+          <a:xfrm>
+            <a:off x="8472458" y="4663217"/>
+            <a:ext cx="548700" cy="393600"/>
+          </a:xfrm>
+          <a:prstGeom prst="rect">
+            <a:avLst/>
+          </a:prstGeom>
+        </p:spPr>
+        <p:txBody>
+          <a:bodyPr spcFirstLastPara="1" wrap="square" lIns="91425" tIns="91425" rIns="91425" bIns="91425" anchor="ctr" anchorCtr="0">
+            <a:normAutofit/>
+          </a:bodyPr>
+          <a:lstStyle/>
+          <a:p>
+            <a:pPr marL="0" lvl="0" indent="0" algn="r" rtl="0">
+              <a:spcBef>
+                <a:spcPts val="0"/>
+              </a:spcBef>
+              <a:spcAft>
+                <a:spcPts val="0"/>
+              </a:spcAft>
+              <a:buNone/>
+            </a:pPr>
+            <a:fld id="{00000000-1234-1234-1234-123412341234}" type="slidenum">
+              <a:rPr lang="en"/>
+              <a:t>3</a:t>
+            </a:fld>
+            <a:endParaRPr/>
+          </a:p>
+        </p:txBody>
+      </p:sp>
+    </p:spTree>
+  </p:cSld>
+  <p:clrMapOvr>
+    <a:masterClrMapping/>
+  </p:clrMapOvr>
+</p:sld>
+</file>
+
+<file path=ppt/slides/slide30.xml><?xml version="1.0" encoding="utf-8"?>
 <p:sld xmlns:a="http://schemas.openxmlformats.org/drawingml/2006/main" xmlns:r="http://schemas.openxmlformats.org/officeDocument/2006/relationships" xmlns:p="http://schemas.openxmlformats.org/presentationml/2006/main">
   <p:cSld>
     <p:spTree>
@@ -25393,7 +25810,7 @@
             </a:pPr>
             <a:fld id="{00000000-1234-1234-1234-123412341234}" type="slidenum">
               <a:rPr lang="en"/>
-              <a:t>29</a:t>
+              <a:t>30</a:t>
             </a:fld>
             <a:endParaRPr/>
           </a:p>
@@ -25633,472 +26050,7 @@
 </p:sld>
 </file>
 
-<file path=ppt/slides/slide3.xml><?xml version="1.0" encoding="utf-8"?>
-<p:sld xmlns:a="http://schemas.openxmlformats.org/drawingml/2006/main" xmlns:r="http://schemas.openxmlformats.org/officeDocument/2006/relationships" xmlns:p="http://schemas.openxmlformats.org/presentationml/2006/main">
-  <p:cSld>
-    <p:spTree>
-      <p:nvGrpSpPr>
-        <p:cNvPr id="1" name="Shape 85"/>
-        <p:cNvGrpSpPr/>
-        <p:nvPr/>
-      </p:nvGrpSpPr>
-      <p:grpSpPr>
-        <a:xfrm>
-          <a:off x="0" y="0"/>
-          <a:ext cx="0" cy="0"/>
-          <a:chOff x="0" y="0"/>
-          <a:chExt cx="0" cy="0"/>
-        </a:xfrm>
-      </p:grpSpPr>
-      <p:sp>
-        <p:nvSpPr>
-          <p:cNvPr id="86" name="Google Shape;86;p19"/>
-          <p:cNvSpPr txBox="1">
-            <a:spLocks noGrp="1"/>
-          </p:cNvSpPr>
-          <p:nvPr>
-            <p:ph type="title"/>
-          </p:nvPr>
-        </p:nvSpPr>
-        <p:spPr>
-          <a:xfrm>
-            <a:off x="102700" y="270875"/>
-            <a:ext cx="8520600" cy="572700"/>
-          </a:xfrm>
-          <a:prstGeom prst="rect">
-            <a:avLst/>
-          </a:prstGeom>
-        </p:spPr>
-        <p:txBody>
-          <a:bodyPr spcFirstLastPara="1" wrap="square" lIns="91425" tIns="91425" rIns="91425" bIns="91425" anchor="t" anchorCtr="0">
-            <a:normAutofit fontScale="90000"/>
-          </a:bodyPr>
-          <a:lstStyle/>
-          <a:p>
-            <a:pPr marL="0" lvl="0" indent="0" algn="l" rtl="0">
-              <a:spcBef>
-                <a:spcPts val="0"/>
-              </a:spcBef>
-              <a:spcAft>
-                <a:spcPts val="0"/>
-              </a:spcAft>
-              <a:buNone/>
-            </a:pPr>
-            <a:r>
-              <a:rPr lang="en"/>
-              <a:t>Summary: Diffie-Hellman Key Exchange</a:t>
-            </a:r>
-            <a:endParaRPr/>
-          </a:p>
-        </p:txBody>
-      </p:sp>
-      <p:sp>
-        <p:nvSpPr>
-          <p:cNvPr id="87" name="Google Shape;87;p19"/>
-          <p:cNvSpPr txBox="1">
-            <a:spLocks noGrp="1"/>
-          </p:cNvSpPr>
-          <p:nvPr>
-            <p:ph type="body" idx="1"/>
-          </p:nvPr>
-        </p:nvSpPr>
-        <p:spPr>
-          <a:xfrm>
-            <a:off x="198500" y="1246825"/>
-            <a:ext cx="8520600" cy="3765600"/>
-          </a:xfrm>
-          <a:prstGeom prst="rect">
-            <a:avLst/>
-          </a:prstGeom>
-        </p:spPr>
-        <p:txBody>
-          <a:bodyPr spcFirstLastPara="1" wrap="square" lIns="91425" tIns="91425" rIns="91425" bIns="91425" anchor="t" anchorCtr="0">
-            <a:normAutofit/>
-          </a:bodyPr>
-          <a:lstStyle/>
-          <a:p>
-            <a:pPr marL="457200" lvl="0" indent="-342900" algn="l" rtl="0">
-              <a:spcBef>
-                <a:spcPts val="0"/>
-              </a:spcBef>
-              <a:spcAft>
-                <a:spcPts val="0"/>
-              </a:spcAft>
-              <a:buSzPts val="1800"/>
-              <a:buChar char="●"/>
-            </a:pPr>
-            <a:r>
-              <a:rPr lang="en"/>
-              <a:t>Algorithm:</a:t>
-            </a:r>
-            <a:endParaRPr/>
-          </a:p>
-          <a:p>
-            <a:pPr marL="914400" lvl="1" indent="-317500" algn="l" rtl="0">
-              <a:spcBef>
-                <a:spcPts val="0"/>
-              </a:spcBef>
-              <a:spcAft>
-                <a:spcPts val="0"/>
-              </a:spcAft>
-              <a:buSzPts val="1400"/>
-              <a:buChar char="○"/>
-            </a:pPr>
-            <a:r>
-              <a:rPr lang="en"/>
-              <a:t>Alice chooses </a:t>
-            </a:r>
-            <a:r>
-              <a:rPr lang="en" i="1">
-                <a:solidFill>
-                  <a:srgbClr val="E69138"/>
-                </a:solidFill>
-              </a:rPr>
-              <a:t>a</a:t>
-            </a:r>
-            <a:r>
-              <a:rPr lang="en"/>
-              <a:t> and sends </a:t>
-            </a:r>
-            <a:r>
-              <a:rPr lang="en" i="1"/>
-              <a:t>g</a:t>
-            </a:r>
-            <a:r>
-              <a:rPr lang="en" i="1" baseline="30000">
-                <a:solidFill>
-                  <a:srgbClr val="E69138"/>
-                </a:solidFill>
-              </a:rPr>
-              <a:t>a</a:t>
-            </a:r>
-            <a:r>
-              <a:rPr lang="en"/>
-              <a:t> mod </a:t>
-            </a:r>
-            <a:r>
-              <a:rPr lang="en" i="1"/>
-              <a:t>p</a:t>
-            </a:r>
-            <a:r>
-              <a:rPr lang="en"/>
-              <a:t> to Bob</a:t>
-            </a:r>
-            <a:endParaRPr/>
-          </a:p>
-          <a:p>
-            <a:pPr marL="914400" lvl="1" indent="-317500" algn="l" rtl="0">
-              <a:spcBef>
-                <a:spcPts val="0"/>
-              </a:spcBef>
-              <a:spcAft>
-                <a:spcPts val="0"/>
-              </a:spcAft>
-              <a:buSzPts val="1400"/>
-              <a:buChar char="○"/>
-            </a:pPr>
-            <a:r>
-              <a:rPr lang="en"/>
-              <a:t>Bob chooses </a:t>
-            </a:r>
-            <a:r>
-              <a:rPr lang="en" i="1">
-                <a:solidFill>
-                  <a:srgbClr val="1155CC"/>
-                </a:solidFill>
-              </a:rPr>
-              <a:t>b</a:t>
-            </a:r>
-            <a:r>
-              <a:rPr lang="en"/>
-              <a:t> and sends </a:t>
-            </a:r>
-            <a:r>
-              <a:rPr lang="en" i="1"/>
-              <a:t>g</a:t>
-            </a:r>
-            <a:r>
-              <a:rPr lang="en" i="1" baseline="30000">
-                <a:solidFill>
-                  <a:srgbClr val="1155CC"/>
-                </a:solidFill>
-              </a:rPr>
-              <a:t>b</a:t>
-            </a:r>
-            <a:r>
-              <a:rPr lang="en"/>
-              <a:t> mod </a:t>
-            </a:r>
-            <a:r>
-              <a:rPr lang="en" i="1"/>
-              <a:t>p</a:t>
-            </a:r>
-            <a:r>
-              <a:rPr lang="en"/>
-              <a:t> to Alice</a:t>
-            </a:r>
-            <a:endParaRPr/>
-          </a:p>
-          <a:p>
-            <a:pPr marL="914400" lvl="1" indent="-317500" algn="l" rtl="0">
-              <a:spcBef>
-                <a:spcPts val="0"/>
-              </a:spcBef>
-              <a:spcAft>
-                <a:spcPts val="0"/>
-              </a:spcAft>
-              <a:buSzPts val="1400"/>
-              <a:buChar char="○"/>
-            </a:pPr>
-            <a:r>
-              <a:rPr lang="en"/>
-              <a:t>Their shared secret is (</a:t>
-            </a:r>
-            <a:r>
-              <a:rPr lang="en" i="1"/>
-              <a:t>g</a:t>
-            </a:r>
-            <a:r>
-              <a:rPr lang="en" i="1" baseline="30000">
-                <a:solidFill>
-                  <a:srgbClr val="E69138"/>
-                </a:solidFill>
-              </a:rPr>
-              <a:t>a</a:t>
-            </a:r>
-            <a:r>
-              <a:rPr lang="en"/>
-              <a:t>)</a:t>
-            </a:r>
-            <a:r>
-              <a:rPr lang="en" i="1" baseline="30000">
-                <a:solidFill>
-                  <a:srgbClr val="1155CC"/>
-                </a:solidFill>
-              </a:rPr>
-              <a:t>b</a:t>
-            </a:r>
-            <a:r>
-              <a:rPr lang="en"/>
-              <a:t> = (</a:t>
-            </a:r>
-            <a:r>
-              <a:rPr lang="en" i="1"/>
-              <a:t>g</a:t>
-            </a:r>
-            <a:r>
-              <a:rPr lang="en" i="1" baseline="30000">
-                <a:solidFill>
-                  <a:srgbClr val="1155CC"/>
-                </a:solidFill>
-              </a:rPr>
-              <a:t>b</a:t>
-            </a:r>
-            <a:r>
-              <a:rPr lang="en"/>
-              <a:t>)</a:t>
-            </a:r>
-            <a:r>
-              <a:rPr lang="en" i="1" baseline="30000">
-                <a:solidFill>
-                  <a:srgbClr val="E69138"/>
-                </a:solidFill>
-              </a:rPr>
-              <a:t>a</a:t>
-            </a:r>
-            <a:r>
-              <a:rPr lang="en"/>
-              <a:t> = </a:t>
-            </a:r>
-            <a:r>
-              <a:rPr lang="en" i="1"/>
-              <a:t>g</a:t>
-            </a:r>
-            <a:r>
-              <a:rPr lang="en" i="1" baseline="30000">
-                <a:solidFill>
-                  <a:srgbClr val="E69138"/>
-                </a:solidFill>
-              </a:rPr>
-              <a:t>a</a:t>
-            </a:r>
-            <a:r>
-              <a:rPr lang="en" i="1" baseline="30000">
-                <a:solidFill>
-                  <a:srgbClr val="1155CC"/>
-                </a:solidFill>
-              </a:rPr>
-              <a:t>b</a:t>
-            </a:r>
-            <a:r>
-              <a:rPr lang="en"/>
-              <a:t> mod </a:t>
-            </a:r>
-            <a:r>
-              <a:rPr lang="en" i="1"/>
-              <a:t>p</a:t>
-            </a:r>
-            <a:endParaRPr/>
-          </a:p>
-          <a:p>
-            <a:pPr marL="457200" lvl="0" indent="-342900" algn="l" rtl="0">
-              <a:spcBef>
-                <a:spcPts val="0"/>
-              </a:spcBef>
-              <a:spcAft>
-                <a:spcPts val="0"/>
-              </a:spcAft>
-              <a:buSzPts val="1800"/>
-              <a:buChar char="●"/>
-            </a:pPr>
-            <a:r>
-              <a:rPr lang="en"/>
-              <a:t>Diffie-Hellman provides forwards secrecy: Nothing is saved or can be recorded that can ever recover the key</a:t>
-            </a:r>
-            <a:endParaRPr/>
-          </a:p>
-          <a:p>
-            <a:pPr marL="457200" lvl="0" indent="-342900" algn="l" rtl="0">
-              <a:spcBef>
-                <a:spcPts val="0"/>
-              </a:spcBef>
-              <a:spcAft>
-                <a:spcPts val="0"/>
-              </a:spcAft>
-              <a:buSzPts val="1800"/>
-              <a:buChar char="●"/>
-            </a:pPr>
-            <a:r>
-              <a:rPr lang="en"/>
-              <a:t>Diffie-Hellman can be performed over other mathematical groups, such as elliptic-curve Diffie-Hellman (ECDH)</a:t>
-            </a:r>
-            <a:endParaRPr/>
-          </a:p>
-          <a:p>
-            <a:pPr marL="457200" lvl="0" indent="-342900" algn="l" rtl="0">
-              <a:spcBef>
-                <a:spcPts val="0"/>
-              </a:spcBef>
-              <a:spcAft>
-                <a:spcPts val="0"/>
-              </a:spcAft>
-              <a:buSzPts val="1800"/>
-              <a:buChar char="●"/>
-            </a:pPr>
-            <a:r>
-              <a:rPr lang="en"/>
-              <a:t>Issues</a:t>
-            </a:r>
-            <a:endParaRPr/>
-          </a:p>
-          <a:p>
-            <a:pPr marL="914400" lvl="1" indent="-317500" algn="l" rtl="0">
-              <a:spcBef>
-                <a:spcPts val="0"/>
-              </a:spcBef>
-              <a:spcAft>
-                <a:spcPts val="0"/>
-              </a:spcAft>
-              <a:buSzPts val="1400"/>
-              <a:buChar char="○"/>
-            </a:pPr>
-            <a:r>
-              <a:rPr lang="en" i="1"/>
-              <a:t>Not</a:t>
-            </a:r>
-            <a:r>
-              <a:rPr lang="en"/>
-              <a:t> secure against MITM</a:t>
-            </a:r>
-            <a:endParaRPr/>
-          </a:p>
-          <a:p>
-            <a:pPr marL="914400" lvl="1" indent="-317500" algn="l" rtl="0">
-              <a:spcBef>
-                <a:spcPts val="0"/>
-              </a:spcBef>
-              <a:spcAft>
-                <a:spcPts val="0"/>
-              </a:spcAft>
-              <a:buSzPts val="1400"/>
-              <a:buChar char="○"/>
-            </a:pPr>
-            <a:r>
-              <a:rPr lang="en"/>
-              <a:t>Both parties must be online</a:t>
-            </a:r>
-            <a:endParaRPr/>
-          </a:p>
-          <a:p>
-            <a:pPr marL="914400" lvl="1" indent="-317500" algn="l" rtl="0">
-              <a:spcBef>
-                <a:spcPts val="0"/>
-              </a:spcBef>
-              <a:spcAft>
-                <a:spcPts val="0"/>
-              </a:spcAft>
-              <a:buSzPts val="1400"/>
-              <a:buChar char="○"/>
-            </a:pPr>
-            <a:r>
-              <a:rPr lang="en"/>
-              <a:t>Does not provide authenticity</a:t>
-            </a:r>
-            <a:endParaRPr/>
-          </a:p>
-        </p:txBody>
-      </p:sp>
-      <p:sp>
-        <p:nvSpPr>
-          <p:cNvPr id="88" name="Google Shape;88;p19"/>
-          <p:cNvSpPr txBox="1">
-            <a:spLocks noGrp="1"/>
-          </p:cNvSpPr>
-          <p:nvPr>
-            <p:ph type="sldNum" idx="12"/>
-          </p:nvPr>
-        </p:nvSpPr>
-        <p:spPr>
-          <a:xfrm>
-            <a:off x="8472458" y="4663217"/>
-            <a:ext cx="548700" cy="393600"/>
-          </a:xfrm>
-          <a:prstGeom prst="rect">
-            <a:avLst/>
-          </a:prstGeom>
-        </p:spPr>
-        <p:txBody>
-          <a:bodyPr spcFirstLastPara="1" wrap="square" lIns="91425" tIns="91425" rIns="91425" bIns="91425" anchor="ctr" anchorCtr="0">
-            <a:normAutofit/>
-          </a:bodyPr>
-          <a:lstStyle/>
-          <a:p>
-            <a:pPr marL="0" lvl="0" indent="0" algn="r" rtl="0">
-              <a:spcBef>
-                <a:spcPts val="0"/>
-              </a:spcBef>
-              <a:spcAft>
-                <a:spcPts val="0"/>
-              </a:spcAft>
-              <a:buNone/>
-            </a:pPr>
-            <a:fld id="{00000000-1234-1234-1234-123412341234}" type="slidenum">
-              <a:rPr lang="en"/>
-              <a:t>3</a:t>
-            </a:fld>
-            <a:endParaRPr/>
-          </a:p>
-        </p:txBody>
-      </p:sp>
-    </p:spTree>
-  </p:cSld>
-  <p:clrMapOvr>
-    <a:masterClrMapping/>
-  </p:clrMapOvr>
-</p:sld>
-</file>
-
-<file path=ppt/slides/slide30.xml><?xml version="1.0" encoding="utf-8"?>
+<file path=ppt/slides/slide31.xml><?xml version="1.0" encoding="utf-8"?>
 <p:sld xmlns:a="http://schemas.openxmlformats.org/drawingml/2006/main" xmlns:r="http://schemas.openxmlformats.org/officeDocument/2006/relationships" xmlns:p="http://schemas.openxmlformats.org/presentationml/2006/main">
   <p:cSld>
     <p:spTree>
@@ -26193,10 +26145,10 @@
               <a:buChar char="●"/>
             </a:pPr>
             <a:r>
-              <a:rPr lang="en"/>
+              <a:rPr lang="en" dirty="0"/>
               <a:t>Only the owner of the private key can sign messages with the private key</a:t>
             </a:r>
-            <a:endParaRPr/>
+            <a:endParaRPr dirty="0"/>
           </a:p>
           <a:p>
             <a:pPr marL="457200" lvl="0" indent="-342900" algn="l" rtl="0">
@@ -26209,11 +26161,24 @@
               <a:buSzPts val="1800"/>
               <a:buChar char="●"/>
             </a:pPr>
-            <a:r>
-              <a:rPr lang="en"/>
+            <a:endParaRPr lang="en" dirty="0"/>
+          </a:p>
+          <a:p>
+            <a:pPr marL="457200" lvl="0" indent="-342900" algn="l" rtl="0">
+              <a:spcBef>
+                <a:spcPts val="0"/>
+              </a:spcBef>
+              <a:spcAft>
+                <a:spcPts val="0"/>
+              </a:spcAft>
+              <a:buSzPts val="1800"/>
+              <a:buChar char="●"/>
+            </a:pPr>
+            <a:r>
+              <a:rPr lang="en" dirty="0"/>
               <a:t>Everybody can verify the signature with the public key</a:t>
             </a:r>
-            <a:endParaRPr/>
+            <a:endParaRPr dirty="0"/>
           </a:p>
         </p:txBody>
       </p:sp>
@@ -26253,96 +26218,12 @@
             </a:pPr>
             <a:fld id="{00000000-1234-1234-1234-123412341234}" type="slidenum">
               <a:rPr lang="en"/>
-              <a:t>30</a:t>
+              <a:t>31</a:t>
             </a:fld>
             <a:endParaRPr/>
           </a:p>
         </p:txBody>
       </p:sp>
-      <p:pic>
-        <p:nvPicPr>
-          <p:cNvPr id="291" name="Google Shape;291;p46"/>
-          <p:cNvPicPr preferRelativeResize="0"/>
-          <p:nvPr/>
-        </p:nvPicPr>
-        <p:blipFill>
-          <a:blip r:embed="rId3">
-            <a:alphaModFix/>
-          </a:blip>
-          <a:stretch>
-            <a:fillRect/>
-          </a:stretch>
-        </p:blipFill>
-        <p:spPr>
-          <a:xfrm>
-            <a:off x="6332325" y="2571750"/>
-            <a:ext cx="1613150" cy="1640500"/>
-          </a:xfrm>
-          <a:prstGeom prst="rect">
-            <a:avLst/>
-          </a:prstGeom>
-          <a:noFill/>
-          <a:ln>
-            <a:noFill/>
-          </a:ln>
-        </p:spPr>
-      </p:pic>
-      <p:pic>
-        <p:nvPicPr>
-          <p:cNvPr id="292" name="Google Shape;292;p46"/>
-          <p:cNvPicPr preferRelativeResize="0"/>
-          <p:nvPr/>
-        </p:nvPicPr>
-        <p:blipFill>
-          <a:blip r:embed="rId4">
-            <a:alphaModFix/>
-          </a:blip>
-          <a:stretch>
-            <a:fillRect/>
-          </a:stretch>
-        </p:blipFill>
-        <p:spPr>
-          <a:xfrm>
-            <a:off x="3190650" y="2479438"/>
-            <a:ext cx="2164300" cy="1825125"/>
-          </a:xfrm>
-          <a:prstGeom prst="rect">
-            <a:avLst/>
-          </a:prstGeom>
-          <a:noFill/>
-          <a:ln>
-            <a:noFill/>
-          </a:ln>
-        </p:spPr>
-      </p:pic>
-      <p:pic>
-        <p:nvPicPr>
-          <p:cNvPr id="293" name="Google Shape;293;p46"/>
-          <p:cNvPicPr preferRelativeResize="0"/>
-          <p:nvPr/>
-        </p:nvPicPr>
-        <p:blipFill>
-          <a:blip r:embed="rId5">
-            <a:alphaModFix/>
-          </a:blip>
-          <a:stretch>
-            <a:fillRect/>
-          </a:stretch>
-        </p:blipFill>
-        <p:spPr>
-          <a:xfrm>
-            <a:off x="518200" y="2479450"/>
-            <a:ext cx="1798800" cy="1969100"/>
-          </a:xfrm>
-          <a:prstGeom prst="rect">
-            <a:avLst/>
-          </a:prstGeom>
-          <a:noFill/>
-          <a:ln>
-            <a:noFill/>
-          </a:ln>
-        </p:spPr>
-      </p:pic>
     </p:spTree>
   </p:cSld>
   <p:clrMapOvr>
@@ -26351,7 +26232,7 @@
 </p:sld>
 </file>
 
-<file path=ppt/slides/slide31.xml><?xml version="1.0" encoding="utf-8"?>
+<file path=ppt/slides/slide32.xml><?xml version="1.0" encoding="utf-8"?>
 <p:sld xmlns:a="http://schemas.openxmlformats.org/drawingml/2006/main" xmlns:r="http://schemas.openxmlformats.org/officeDocument/2006/relationships" xmlns:p="http://schemas.openxmlformats.org/presentationml/2006/main">
   <p:cSld>
     <p:spTree>
@@ -26813,7 +26694,7 @@
             </a:pPr>
             <a:fld id="{00000000-1234-1234-1234-123412341234}" type="slidenum">
               <a:rPr lang="en"/>
-              <a:t>31</a:t>
+              <a:t>32</a:t>
             </a:fld>
             <a:endParaRPr/>
           </a:p>
@@ -27298,7 +27179,7 @@
 </p:sld>
 </file>
 
-<file path=ppt/slides/slide32.xml><?xml version="1.0" encoding="utf-8"?>
+<file path=ppt/slides/slide33.xml><?xml version="1.0" encoding="utf-8"?>
 <p:sld xmlns:a="http://schemas.openxmlformats.org/drawingml/2006/main" xmlns:r="http://schemas.openxmlformats.org/officeDocument/2006/relationships" xmlns:p="http://schemas.openxmlformats.org/presentationml/2006/main">
   <p:cSld>
     <p:spTree>
@@ -27586,7 +27467,7 @@
             </a:pPr>
             <a:fld id="{00000000-1234-1234-1234-123412341234}" type="slidenum">
               <a:rPr lang="en"/>
-              <a:t>32</a:t>
+              <a:t>33</a:t>
             </a:fld>
             <a:endParaRPr/>
           </a:p>
@@ -27600,7 +27481,7 @@
 </p:sld>
 </file>
 
-<file path=ppt/slides/slide33.xml><?xml version="1.0" encoding="utf-8"?>
+<file path=ppt/slides/slide34.xml><?xml version="1.0" encoding="utf-8"?>
 <p:sld xmlns:a="http://schemas.openxmlformats.org/drawingml/2006/main" xmlns:r="http://schemas.openxmlformats.org/officeDocument/2006/relationships" xmlns:p="http://schemas.openxmlformats.org/presentationml/2006/main">
   <p:cSld>
     <p:spTree>
@@ -27617,33 +27498,6 @@
           <a:chExt cx="0" cy="0"/>
         </a:xfrm>
       </p:grpSpPr>
-      <p:pic>
-        <p:nvPicPr>
-          <p:cNvPr id="312" name="Google Shape;312;p49"/>
-          <p:cNvPicPr preferRelativeResize="0"/>
-          <p:nvPr/>
-        </p:nvPicPr>
-        <p:blipFill rotWithShape="1">
-          <a:blip r:embed="rId3">
-            <a:alphaModFix/>
-          </a:blip>
-          <a:srcRect b="10233"/>
-          <a:stretch/>
-        </p:blipFill>
-        <p:spPr>
-          <a:xfrm rot="-125366">
-            <a:off x="1412265" y="2960707"/>
-            <a:ext cx="5100267" cy="2166736"/>
-          </a:xfrm>
-          <a:prstGeom prst="rect">
-            <a:avLst/>
-          </a:prstGeom>
-          <a:noFill/>
-          <a:ln>
-            <a:noFill/>
-          </a:ln>
-        </p:spPr>
-      </p:pic>
       <p:sp>
         <p:nvSpPr>
           <p:cNvPr id="313" name="Google Shape;313;p49"/>
@@ -27722,66 +27576,9 @@
             </a:pPr>
             <a:fld id="{00000000-1234-1234-1234-123412341234}" type="slidenum">
               <a:rPr lang="en"/>
-              <a:t>33</a:t>
+              <a:t>34</a:t>
             </a:fld>
             <a:endParaRPr/>
-          </a:p>
-        </p:txBody>
-      </p:sp>
-      <p:sp>
-        <p:nvSpPr>
-          <p:cNvPr id="315" name="Google Shape;315;p49"/>
-          <p:cNvSpPr txBox="1"/>
-          <p:nvPr/>
-        </p:nvSpPr>
-        <p:spPr>
-          <a:xfrm>
-            <a:off x="512100" y="4520775"/>
-            <a:ext cx="8119800" cy="572700"/>
-          </a:xfrm>
-          <a:prstGeom prst="rect">
-            <a:avLst/>
-          </a:prstGeom>
-          <a:noFill/>
-          <a:ln>
-            <a:noFill/>
-          </a:ln>
-        </p:spPr>
-        <p:txBody>
-          <a:bodyPr spcFirstLastPara="1" wrap="square" lIns="91425" tIns="91425" rIns="91425" bIns="91425" anchor="t" anchorCtr="0">
-            <a:normAutofit lnSpcReduction="10000"/>
-          </a:bodyPr>
-          <a:lstStyle/>
-          <a:p>
-            <a:pPr marL="0" lvl="0" indent="0" algn="ctr" rtl="0">
-              <a:lnSpc>
-                <a:spcPct val="115000"/>
-              </a:lnSpc>
-              <a:spcBef>
-                <a:spcPts val="0"/>
-              </a:spcBef>
-              <a:spcAft>
-                <a:spcPts val="1200"/>
-              </a:spcAft>
-              <a:buNone/>
-            </a:pPr>
-            <a:r>
-              <a:rPr lang="en">
-                <a:solidFill>
-                  <a:srgbClr val="000000"/>
-                </a:solidFill>
-              </a:rPr>
-              <a:t>Textbook Chapter</a:t>
-            </a:r>
-            <a:r>
-              <a:rPr lang="en"/>
-              <a:t> 12</a:t>
-            </a:r>
-            <a:endParaRPr>
-              <a:solidFill>
-                <a:srgbClr val="000000"/>
-              </a:solidFill>
-            </a:endParaRPr>
           </a:p>
         </p:txBody>
       </p:sp>
@@ -27793,7 +27590,7 @@
 </p:sld>
 </file>
 
-<file path=ppt/slides/slide34.xml><?xml version="1.0" encoding="utf-8"?>
+<file path=ppt/slides/slide35.xml><?xml version="1.0" encoding="utf-8"?>
 <p:sld xmlns:a="http://schemas.openxmlformats.org/drawingml/2006/main" xmlns:r="http://schemas.openxmlformats.org/officeDocument/2006/relationships" xmlns:p="http://schemas.openxmlformats.org/presentationml/2006/main">
   <p:cSld>
     <p:spTree>
@@ -28078,7 +27875,7 @@
             </a:pPr>
             <a:fld id="{00000000-1234-1234-1234-123412341234}" type="slidenum">
               <a:rPr lang="en"/>
-              <a:t>34</a:t>
+              <a:t>35</a:t>
             </a:fld>
             <a:endParaRPr/>
           </a:p>
@@ -28318,7 +28115,7 @@
 </p:sld>
 </file>
 
-<file path=ppt/slides/slide35.xml><?xml version="1.0" encoding="utf-8"?>
+<file path=ppt/slides/slide36.xml><?xml version="1.0" encoding="utf-8"?>
 <p:sld xmlns:a="http://schemas.openxmlformats.org/drawingml/2006/main" xmlns:r="http://schemas.openxmlformats.org/officeDocument/2006/relationships" xmlns:p="http://schemas.openxmlformats.org/presentationml/2006/main">
   <p:cSld>
     <p:spTree>
@@ -28707,7 +28504,7 @@
             </a:pPr>
             <a:fld id="{00000000-1234-1234-1234-123412341234}" type="slidenum">
               <a:rPr lang="en"/>
-              <a:t>35</a:t>
+              <a:t>36</a:t>
             </a:fld>
             <a:endParaRPr/>
           </a:p>
@@ -29143,7 +28940,7 @@
 </p:sld>
 </file>
 
-<file path=ppt/slides/slide36.xml><?xml version="1.0" encoding="utf-8"?>
+<file path=ppt/slides/slide37.xml><?xml version="1.0" encoding="utf-8"?>
 <p:sld xmlns:a="http://schemas.openxmlformats.org/drawingml/2006/main" xmlns:r="http://schemas.openxmlformats.org/officeDocument/2006/relationships" xmlns:p="http://schemas.openxmlformats.org/presentationml/2006/main">
   <p:cSld>
     <p:spTree>
@@ -29428,7 +29225,7 @@
             </a:pPr>
             <a:fld id="{00000000-1234-1234-1234-123412341234}" type="slidenum">
               <a:rPr lang="en"/>
-              <a:t>36</a:t>
+              <a:t>37</a:t>
             </a:fld>
             <a:endParaRPr/>
           </a:p>
@@ -29668,7 +29465,7 @@
 </p:sld>
 </file>
 
-<file path=ppt/slides/slide37.xml><?xml version="1.0" encoding="utf-8"?>
+<file path=ppt/slides/slide38.xml><?xml version="1.0" encoding="utf-8"?>
 <p:sld xmlns:a="http://schemas.openxmlformats.org/drawingml/2006/main" xmlns:r="http://schemas.openxmlformats.org/officeDocument/2006/relationships" xmlns:p="http://schemas.openxmlformats.org/presentationml/2006/main">
   <p:cSld>
     <p:spTree>
@@ -29763,7 +29560,7 @@
             </a:pPr>
             <a:fld id="{00000000-1234-1234-1234-123412341234}" type="slidenum">
               <a:rPr lang="en"/>
-              <a:t>37</a:t>
+              <a:t>38</a:t>
             </a:fld>
             <a:endParaRPr/>
           </a:p>
@@ -29777,7 +29574,7 @@
 </p:sld>
 </file>
 
-<file path=ppt/slides/slide38.xml><?xml version="1.0" encoding="utf-8"?>
+<file path=ppt/slides/slide39.xml><?xml version="1.0" encoding="utf-8"?>
 <p:sld xmlns:a="http://schemas.openxmlformats.org/drawingml/2006/main" xmlns:r="http://schemas.openxmlformats.org/officeDocument/2006/relationships" xmlns:p="http://schemas.openxmlformats.org/presentationml/2006/main">
   <p:cSld>
     <p:spTree>
@@ -30161,7 +29958,7 @@
             </a:pPr>
             <a:fld id="{00000000-1234-1234-1234-123412341234}" type="slidenum">
               <a:rPr lang="en"/>
-              <a:t>38</a:t>
+              <a:t>39</a:t>
             </a:fld>
             <a:endParaRPr/>
           </a:p>
@@ -30876,7 +30673,472 @@
 </p:sld>
 </file>
 
-<file path=ppt/slides/slide39.xml><?xml version="1.0" encoding="utf-8"?>
+<file path=ppt/slides/slide4.xml><?xml version="1.0" encoding="utf-8"?>
+<p:sld xmlns:a="http://schemas.openxmlformats.org/drawingml/2006/main" xmlns:r="http://schemas.openxmlformats.org/officeDocument/2006/relationships" xmlns:p="http://schemas.openxmlformats.org/presentationml/2006/main">
+  <p:cSld>
+    <p:spTree>
+      <p:nvGrpSpPr>
+        <p:cNvPr id="1" name="Shape 85"/>
+        <p:cNvGrpSpPr/>
+        <p:nvPr/>
+      </p:nvGrpSpPr>
+      <p:grpSpPr>
+        <a:xfrm>
+          <a:off x="0" y="0"/>
+          <a:ext cx="0" cy="0"/>
+          <a:chOff x="0" y="0"/>
+          <a:chExt cx="0" cy="0"/>
+        </a:xfrm>
+      </p:grpSpPr>
+      <p:sp>
+        <p:nvSpPr>
+          <p:cNvPr id="86" name="Google Shape;86;p19"/>
+          <p:cNvSpPr txBox="1">
+            <a:spLocks noGrp="1"/>
+          </p:cNvSpPr>
+          <p:nvPr>
+            <p:ph type="title"/>
+          </p:nvPr>
+        </p:nvSpPr>
+        <p:spPr>
+          <a:xfrm>
+            <a:off x="102700" y="270875"/>
+            <a:ext cx="8520600" cy="572700"/>
+          </a:xfrm>
+          <a:prstGeom prst="rect">
+            <a:avLst/>
+          </a:prstGeom>
+        </p:spPr>
+        <p:txBody>
+          <a:bodyPr spcFirstLastPara="1" wrap="square" lIns="91425" tIns="91425" rIns="91425" bIns="91425" anchor="t" anchorCtr="0">
+            <a:normAutofit fontScale="90000"/>
+          </a:bodyPr>
+          <a:lstStyle/>
+          <a:p>
+            <a:pPr marL="0" lvl="0" indent="0" algn="l" rtl="0">
+              <a:spcBef>
+                <a:spcPts val="0"/>
+              </a:spcBef>
+              <a:spcAft>
+                <a:spcPts val="0"/>
+              </a:spcAft>
+              <a:buNone/>
+            </a:pPr>
+            <a:r>
+              <a:rPr lang="en"/>
+              <a:t>Summary: Diffie-Hellman Key Exchange</a:t>
+            </a:r>
+            <a:endParaRPr/>
+          </a:p>
+        </p:txBody>
+      </p:sp>
+      <p:sp>
+        <p:nvSpPr>
+          <p:cNvPr id="87" name="Google Shape;87;p19"/>
+          <p:cNvSpPr txBox="1">
+            <a:spLocks noGrp="1"/>
+          </p:cNvSpPr>
+          <p:nvPr>
+            <p:ph type="body" idx="1"/>
+          </p:nvPr>
+        </p:nvSpPr>
+        <p:spPr>
+          <a:xfrm>
+            <a:off x="198500" y="1246825"/>
+            <a:ext cx="8520600" cy="3765600"/>
+          </a:xfrm>
+          <a:prstGeom prst="rect">
+            <a:avLst/>
+          </a:prstGeom>
+        </p:spPr>
+        <p:txBody>
+          <a:bodyPr spcFirstLastPara="1" wrap="square" lIns="91425" tIns="91425" rIns="91425" bIns="91425" anchor="t" anchorCtr="0">
+            <a:normAutofit/>
+          </a:bodyPr>
+          <a:lstStyle/>
+          <a:p>
+            <a:pPr marL="457200" lvl="0" indent="-342900" algn="l" rtl="0">
+              <a:spcBef>
+                <a:spcPts val="0"/>
+              </a:spcBef>
+              <a:spcAft>
+                <a:spcPts val="0"/>
+              </a:spcAft>
+              <a:buSzPts val="1800"/>
+              <a:buChar char="●"/>
+            </a:pPr>
+            <a:r>
+              <a:rPr lang="en"/>
+              <a:t>Algorithm:</a:t>
+            </a:r>
+            <a:endParaRPr/>
+          </a:p>
+          <a:p>
+            <a:pPr marL="914400" lvl="1" indent="-317500" algn="l" rtl="0">
+              <a:spcBef>
+                <a:spcPts val="0"/>
+              </a:spcBef>
+              <a:spcAft>
+                <a:spcPts val="0"/>
+              </a:spcAft>
+              <a:buSzPts val="1400"/>
+              <a:buChar char="○"/>
+            </a:pPr>
+            <a:r>
+              <a:rPr lang="en"/>
+              <a:t>Alice chooses </a:t>
+            </a:r>
+            <a:r>
+              <a:rPr lang="en" i="1">
+                <a:solidFill>
+                  <a:srgbClr val="E69138"/>
+                </a:solidFill>
+              </a:rPr>
+              <a:t>a</a:t>
+            </a:r>
+            <a:r>
+              <a:rPr lang="en"/>
+              <a:t> and sends </a:t>
+            </a:r>
+            <a:r>
+              <a:rPr lang="en" i="1"/>
+              <a:t>g</a:t>
+            </a:r>
+            <a:r>
+              <a:rPr lang="en" i="1" baseline="30000">
+                <a:solidFill>
+                  <a:srgbClr val="E69138"/>
+                </a:solidFill>
+              </a:rPr>
+              <a:t>a</a:t>
+            </a:r>
+            <a:r>
+              <a:rPr lang="en"/>
+              <a:t> mod </a:t>
+            </a:r>
+            <a:r>
+              <a:rPr lang="en" i="1"/>
+              <a:t>p</a:t>
+            </a:r>
+            <a:r>
+              <a:rPr lang="en"/>
+              <a:t> to Bob</a:t>
+            </a:r>
+            <a:endParaRPr/>
+          </a:p>
+          <a:p>
+            <a:pPr marL="914400" lvl="1" indent="-317500" algn="l" rtl="0">
+              <a:spcBef>
+                <a:spcPts val="0"/>
+              </a:spcBef>
+              <a:spcAft>
+                <a:spcPts val="0"/>
+              </a:spcAft>
+              <a:buSzPts val="1400"/>
+              <a:buChar char="○"/>
+            </a:pPr>
+            <a:r>
+              <a:rPr lang="en"/>
+              <a:t>Bob chooses </a:t>
+            </a:r>
+            <a:r>
+              <a:rPr lang="en" i="1">
+                <a:solidFill>
+                  <a:srgbClr val="1155CC"/>
+                </a:solidFill>
+              </a:rPr>
+              <a:t>b</a:t>
+            </a:r>
+            <a:r>
+              <a:rPr lang="en"/>
+              <a:t> and sends </a:t>
+            </a:r>
+            <a:r>
+              <a:rPr lang="en" i="1"/>
+              <a:t>g</a:t>
+            </a:r>
+            <a:r>
+              <a:rPr lang="en" i="1" baseline="30000">
+                <a:solidFill>
+                  <a:srgbClr val="1155CC"/>
+                </a:solidFill>
+              </a:rPr>
+              <a:t>b</a:t>
+            </a:r>
+            <a:r>
+              <a:rPr lang="en"/>
+              <a:t> mod </a:t>
+            </a:r>
+            <a:r>
+              <a:rPr lang="en" i="1"/>
+              <a:t>p</a:t>
+            </a:r>
+            <a:r>
+              <a:rPr lang="en"/>
+              <a:t> to Alice</a:t>
+            </a:r>
+            <a:endParaRPr/>
+          </a:p>
+          <a:p>
+            <a:pPr marL="914400" lvl="1" indent="-317500" algn="l" rtl="0">
+              <a:spcBef>
+                <a:spcPts val="0"/>
+              </a:spcBef>
+              <a:spcAft>
+                <a:spcPts val="0"/>
+              </a:spcAft>
+              <a:buSzPts val="1400"/>
+              <a:buChar char="○"/>
+            </a:pPr>
+            <a:r>
+              <a:rPr lang="en"/>
+              <a:t>Their shared secret is (</a:t>
+            </a:r>
+            <a:r>
+              <a:rPr lang="en" i="1"/>
+              <a:t>g</a:t>
+            </a:r>
+            <a:r>
+              <a:rPr lang="en" i="1" baseline="30000">
+                <a:solidFill>
+                  <a:srgbClr val="E69138"/>
+                </a:solidFill>
+              </a:rPr>
+              <a:t>a</a:t>
+            </a:r>
+            <a:r>
+              <a:rPr lang="en"/>
+              <a:t>)</a:t>
+            </a:r>
+            <a:r>
+              <a:rPr lang="en" i="1" baseline="30000">
+                <a:solidFill>
+                  <a:srgbClr val="1155CC"/>
+                </a:solidFill>
+              </a:rPr>
+              <a:t>b</a:t>
+            </a:r>
+            <a:r>
+              <a:rPr lang="en"/>
+              <a:t> = (</a:t>
+            </a:r>
+            <a:r>
+              <a:rPr lang="en" i="1"/>
+              <a:t>g</a:t>
+            </a:r>
+            <a:r>
+              <a:rPr lang="en" i="1" baseline="30000">
+                <a:solidFill>
+                  <a:srgbClr val="1155CC"/>
+                </a:solidFill>
+              </a:rPr>
+              <a:t>b</a:t>
+            </a:r>
+            <a:r>
+              <a:rPr lang="en"/>
+              <a:t>)</a:t>
+            </a:r>
+            <a:r>
+              <a:rPr lang="en" i="1" baseline="30000">
+                <a:solidFill>
+                  <a:srgbClr val="E69138"/>
+                </a:solidFill>
+              </a:rPr>
+              <a:t>a</a:t>
+            </a:r>
+            <a:r>
+              <a:rPr lang="en"/>
+              <a:t> = </a:t>
+            </a:r>
+            <a:r>
+              <a:rPr lang="en" i="1"/>
+              <a:t>g</a:t>
+            </a:r>
+            <a:r>
+              <a:rPr lang="en" i="1" baseline="30000">
+                <a:solidFill>
+                  <a:srgbClr val="E69138"/>
+                </a:solidFill>
+              </a:rPr>
+              <a:t>a</a:t>
+            </a:r>
+            <a:r>
+              <a:rPr lang="en" i="1" baseline="30000">
+                <a:solidFill>
+                  <a:srgbClr val="1155CC"/>
+                </a:solidFill>
+              </a:rPr>
+              <a:t>b</a:t>
+            </a:r>
+            <a:r>
+              <a:rPr lang="en"/>
+              <a:t> mod </a:t>
+            </a:r>
+            <a:r>
+              <a:rPr lang="en" i="1"/>
+              <a:t>p</a:t>
+            </a:r>
+            <a:endParaRPr/>
+          </a:p>
+          <a:p>
+            <a:pPr marL="457200" lvl="0" indent="-342900" algn="l" rtl="0">
+              <a:spcBef>
+                <a:spcPts val="0"/>
+              </a:spcBef>
+              <a:spcAft>
+                <a:spcPts val="0"/>
+              </a:spcAft>
+              <a:buSzPts val="1800"/>
+              <a:buChar char="●"/>
+            </a:pPr>
+            <a:r>
+              <a:rPr lang="en"/>
+              <a:t>Diffie-Hellman provides forwards secrecy: Nothing is saved or can be recorded that can ever recover the key</a:t>
+            </a:r>
+            <a:endParaRPr/>
+          </a:p>
+          <a:p>
+            <a:pPr marL="457200" lvl="0" indent="-342900" algn="l" rtl="0">
+              <a:spcBef>
+                <a:spcPts val="0"/>
+              </a:spcBef>
+              <a:spcAft>
+                <a:spcPts val="0"/>
+              </a:spcAft>
+              <a:buSzPts val="1800"/>
+              <a:buChar char="●"/>
+            </a:pPr>
+            <a:r>
+              <a:rPr lang="en"/>
+              <a:t>Diffie-Hellman can be performed over other mathematical groups, such as elliptic-curve Diffie-Hellman (ECDH)</a:t>
+            </a:r>
+            <a:endParaRPr/>
+          </a:p>
+          <a:p>
+            <a:pPr marL="457200" lvl="0" indent="-342900" algn="l" rtl="0">
+              <a:spcBef>
+                <a:spcPts val="0"/>
+              </a:spcBef>
+              <a:spcAft>
+                <a:spcPts val="0"/>
+              </a:spcAft>
+              <a:buSzPts val="1800"/>
+              <a:buChar char="●"/>
+            </a:pPr>
+            <a:r>
+              <a:rPr lang="en"/>
+              <a:t>Issues</a:t>
+            </a:r>
+            <a:endParaRPr/>
+          </a:p>
+          <a:p>
+            <a:pPr marL="914400" lvl="1" indent="-317500" algn="l" rtl="0">
+              <a:spcBef>
+                <a:spcPts val="0"/>
+              </a:spcBef>
+              <a:spcAft>
+                <a:spcPts val="0"/>
+              </a:spcAft>
+              <a:buSzPts val="1400"/>
+              <a:buChar char="○"/>
+            </a:pPr>
+            <a:r>
+              <a:rPr lang="en" i="1"/>
+              <a:t>Not</a:t>
+            </a:r>
+            <a:r>
+              <a:rPr lang="en"/>
+              <a:t> secure against MITM</a:t>
+            </a:r>
+            <a:endParaRPr/>
+          </a:p>
+          <a:p>
+            <a:pPr marL="914400" lvl="1" indent="-317500" algn="l" rtl="0">
+              <a:spcBef>
+                <a:spcPts val="0"/>
+              </a:spcBef>
+              <a:spcAft>
+                <a:spcPts val="0"/>
+              </a:spcAft>
+              <a:buSzPts val="1400"/>
+              <a:buChar char="○"/>
+            </a:pPr>
+            <a:r>
+              <a:rPr lang="en"/>
+              <a:t>Both parties must be online</a:t>
+            </a:r>
+            <a:endParaRPr/>
+          </a:p>
+          <a:p>
+            <a:pPr marL="914400" lvl="1" indent="-317500" algn="l" rtl="0">
+              <a:spcBef>
+                <a:spcPts val="0"/>
+              </a:spcBef>
+              <a:spcAft>
+                <a:spcPts val="0"/>
+              </a:spcAft>
+              <a:buSzPts val="1400"/>
+              <a:buChar char="○"/>
+            </a:pPr>
+            <a:r>
+              <a:rPr lang="en"/>
+              <a:t>Does not provide authenticity</a:t>
+            </a:r>
+            <a:endParaRPr/>
+          </a:p>
+        </p:txBody>
+      </p:sp>
+      <p:sp>
+        <p:nvSpPr>
+          <p:cNvPr id="88" name="Google Shape;88;p19"/>
+          <p:cNvSpPr txBox="1">
+            <a:spLocks noGrp="1"/>
+          </p:cNvSpPr>
+          <p:nvPr>
+            <p:ph type="sldNum" idx="12"/>
+          </p:nvPr>
+        </p:nvSpPr>
+        <p:spPr>
+          <a:xfrm>
+            <a:off x="8472458" y="4663217"/>
+            <a:ext cx="548700" cy="393600"/>
+          </a:xfrm>
+          <a:prstGeom prst="rect">
+            <a:avLst/>
+          </a:prstGeom>
+        </p:spPr>
+        <p:txBody>
+          <a:bodyPr spcFirstLastPara="1" wrap="square" lIns="91425" tIns="91425" rIns="91425" bIns="91425" anchor="ctr" anchorCtr="0">
+            <a:normAutofit/>
+          </a:bodyPr>
+          <a:lstStyle/>
+          <a:p>
+            <a:pPr marL="0" lvl="0" indent="0" algn="r" rtl="0">
+              <a:spcBef>
+                <a:spcPts val="0"/>
+              </a:spcBef>
+              <a:spcAft>
+                <a:spcPts val="0"/>
+              </a:spcAft>
+              <a:buNone/>
+            </a:pPr>
+            <a:fld id="{00000000-1234-1234-1234-123412341234}" type="slidenum">
+              <a:rPr lang="en"/>
+              <a:t>4</a:t>
+            </a:fld>
+            <a:endParaRPr/>
+          </a:p>
+        </p:txBody>
+      </p:sp>
+    </p:spTree>
+  </p:cSld>
+  <p:clrMapOvr>
+    <a:masterClrMapping/>
+  </p:clrMapOvr>
+</p:sld>
+</file>
+
+<file path=ppt/slides/slide40.xml><?xml version="1.0" encoding="utf-8"?>
 <p:sld xmlns:a="http://schemas.openxmlformats.org/drawingml/2006/main" xmlns:r="http://schemas.openxmlformats.org/officeDocument/2006/relationships" xmlns:p="http://schemas.openxmlformats.org/presentationml/2006/main">
   <p:cSld>
     <p:spTree>
@@ -31166,7 +31428,7 @@
             </a:pPr>
             <a:fld id="{00000000-1234-1234-1234-123412341234}" type="slidenum">
               <a:rPr lang="en"/>
-              <a:t>39</a:t>
+              <a:t>40</a:t>
             </a:fld>
             <a:endParaRPr/>
           </a:p>
@@ -31651,144 +31913,7 @@
 </p:sld>
 </file>
 
-<file path=ppt/slides/slide4.xml><?xml version="1.0" encoding="utf-8"?>
-<p:sld xmlns:a="http://schemas.openxmlformats.org/drawingml/2006/main" xmlns:r="http://schemas.openxmlformats.org/officeDocument/2006/relationships" xmlns:p="http://schemas.openxmlformats.org/presentationml/2006/main">
-  <p:cSld>
-    <p:spTree>
-      <p:nvGrpSpPr>
-        <p:cNvPr id="1" name="Shape 92"/>
-        <p:cNvGrpSpPr/>
-        <p:nvPr/>
-      </p:nvGrpSpPr>
-      <p:grpSpPr>
-        <a:xfrm>
-          <a:off x="0" y="0"/>
-          <a:ext cx="0" cy="0"/>
-          <a:chOff x="0" y="0"/>
-          <a:chExt cx="0" cy="0"/>
-        </a:xfrm>
-      </p:grpSpPr>
-      <p:sp>
-        <p:nvSpPr>
-          <p:cNvPr id="93" name="Google Shape;93;p20"/>
-          <p:cNvSpPr txBox="1">
-            <a:spLocks noGrp="1"/>
-          </p:cNvSpPr>
-          <p:nvPr>
-            <p:ph type="title"/>
-          </p:nvPr>
-        </p:nvSpPr>
-        <p:spPr>
-          <a:xfrm>
-            <a:off x="311700" y="2150850"/>
-            <a:ext cx="8520600" cy="841800"/>
-          </a:xfrm>
-          <a:prstGeom prst="rect">
-            <a:avLst/>
-          </a:prstGeom>
-        </p:spPr>
-        <p:txBody>
-          <a:bodyPr spcFirstLastPara="1" wrap="square" lIns="91425" tIns="91425" rIns="91425" bIns="91425" anchor="ctr" anchorCtr="0">
-            <a:normAutofit/>
-          </a:bodyPr>
-          <a:lstStyle/>
-          <a:p>
-            <a:pPr marL="0" lvl="0" indent="0" algn="ctr" rtl="0">
-              <a:spcBef>
-                <a:spcPts val="0"/>
-              </a:spcBef>
-              <a:spcAft>
-                <a:spcPts val="0"/>
-              </a:spcAft>
-              <a:buNone/>
-            </a:pPr>
-            <a:r>
-              <a:rPr lang="en"/>
-              <a:t>Public-Key Cryptography</a:t>
-            </a:r>
-            <a:endParaRPr/>
-          </a:p>
-        </p:txBody>
-      </p:sp>
-      <p:sp>
-        <p:nvSpPr>
-          <p:cNvPr id="94" name="Google Shape;94;p20"/>
-          <p:cNvSpPr txBox="1">
-            <a:spLocks noGrp="1"/>
-          </p:cNvSpPr>
-          <p:nvPr>
-            <p:ph type="sldNum" idx="12"/>
-          </p:nvPr>
-        </p:nvSpPr>
-        <p:spPr>
-          <a:xfrm>
-            <a:off x="8472458" y="4663217"/>
-            <a:ext cx="548700" cy="393600"/>
-          </a:xfrm>
-          <a:prstGeom prst="rect">
-            <a:avLst/>
-          </a:prstGeom>
-        </p:spPr>
-        <p:txBody>
-          <a:bodyPr spcFirstLastPara="1" wrap="square" lIns="91425" tIns="91425" rIns="91425" bIns="91425" anchor="ctr" anchorCtr="0">
-            <a:normAutofit/>
-          </a:bodyPr>
-          <a:lstStyle/>
-          <a:p>
-            <a:pPr marL="0" lvl="0" indent="0" algn="r" rtl="0">
-              <a:spcBef>
-                <a:spcPts val="0"/>
-              </a:spcBef>
-              <a:spcAft>
-                <a:spcPts val="0"/>
-              </a:spcAft>
-              <a:buNone/>
-            </a:pPr>
-            <a:fld id="{00000000-1234-1234-1234-123412341234}" type="slidenum">
-              <a:rPr lang="en"/>
-              <a:t>4</a:t>
-            </a:fld>
-            <a:endParaRPr/>
-          </a:p>
-        </p:txBody>
-      </p:sp>
-      <p:pic>
-        <p:nvPicPr>
-          <p:cNvPr id="95" name="Google Shape;95;p20"/>
-          <p:cNvPicPr preferRelativeResize="0"/>
-          <p:nvPr/>
-        </p:nvPicPr>
-        <p:blipFill>
-          <a:blip r:embed="rId3">
-            <a:alphaModFix/>
-          </a:blip>
-          <a:stretch>
-            <a:fillRect/>
-          </a:stretch>
-        </p:blipFill>
-        <p:spPr>
-          <a:xfrm rot="-141351">
-            <a:off x="3459462" y="3210775"/>
-            <a:ext cx="2225087" cy="1846050"/>
-          </a:xfrm>
-          <a:prstGeom prst="rect">
-            <a:avLst/>
-          </a:prstGeom>
-          <a:noFill/>
-          <a:ln>
-            <a:noFill/>
-          </a:ln>
-        </p:spPr>
-      </p:pic>
-    </p:spTree>
-  </p:cSld>
-  <p:clrMapOvr>
-    <a:masterClrMapping/>
-  </p:clrMapOvr>
-</p:sld>
-</file>
-
-<file path=ppt/slides/slide40.xml><?xml version="1.0" encoding="utf-8"?>
+<file path=ppt/slides/slide41.xml><?xml version="1.0" encoding="utf-8"?>
 <p:sld xmlns:a="http://schemas.openxmlformats.org/drawingml/2006/main" xmlns:r="http://schemas.openxmlformats.org/officeDocument/2006/relationships" xmlns:p="http://schemas.openxmlformats.org/presentationml/2006/main">
   <p:cSld>
     <p:spTree>
@@ -31883,7 +32008,7 @@
             </a:pPr>
             <a:fld id="{00000000-1234-1234-1234-123412341234}" type="slidenum">
               <a:rPr lang="en"/>
-              <a:t>40</a:t>
+              <a:t>41</a:t>
             </a:fld>
             <a:endParaRPr/>
           </a:p>
@@ -32567,7 +32692,7 @@
 </p:sld>
 </file>
 
-<file path=ppt/slides/slide41.xml><?xml version="1.0" encoding="utf-8"?>
+<file path=ppt/slides/slide42.xml><?xml version="1.0" encoding="utf-8"?>
 <p:sld xmlns:a="http://schemas.openxmlformats.org/drawingml/2006/main" xmlns:r="http://schemas.openxmlformats.org/officeDocument/2006/relationships" xmlns:p="http://schemas.openxmlformats.org/presentationml/2006/main">
   <p:cSld>
     <p:spTree>
@@ -32662,7 +32787,7 @@
             </a:pPr>
             <a:fld id="{00000000-1234-1234-1234-123412341234}" type="slidenum">
               <a:rPr lang="en"/>
-              <a:t>41</a:t>
+              <a:t>42</a:t>
             </a:fld>
             <a:endParaRPr/>
           </a:p>
@@ -33416,7 +33541,7 @@
 </p:sld>
 </file>
 
-<file path=ppt/slides/slide42.xml><?xml version="1.0" encoding="utf-8"?>
+<file path=ppt/slides/slide43.xml><?xml version="1.0" encoding="utf-8"?>
 <p:sld xmlns:a="http://schemas.openxmlformats.org/drawingml/2006/main" xmlns:r="http://schemas.openxmlformats.org/officeDocument/2006/relationships" xmlns:p="http://schemas.openxmlformats.org/presentationml/2006/main">
   <p:cSld>
     <p:spTree>
@@ -33808,7 +33933,7 @@
             </a:pPr>
             <a:fld id="{00000000-1234-1234-1234-123412341234}" type="slidenum">
               <a:rPr lang="en"/>
-              <a:t>42</a:t>
+              <a:t>43</a:t>
             </a:fld>
             <a:endParaRPr/>
           </a:p>
@@ -33823,6 +33948,143 @@
 </file>
 
 <file path=ppt/slides/slide5.xml><?xml version="1.0" encoding="utf-8"?>
+<p:sld xmlns:a="http://schemas.openxmlformats.org/drawingml/2006/main" xmlns:r="http://schemas.openxmlformats.org/officeDocument/2006/relationships" xmlns:p="http://schemas.openxmlformats.org/presentationml/2006/main">
+  <p:cSld>
+    <p:spTree>
+      <p:nvGrpSpPr>
+        <p:cNvPr id="1" name="Shape 92"/>
+        <p:cNvGrpSpPr/>
+        <p:nvPr/>
+      </p:nvGrpSpPr>
+      <p:grpSpPr>
+        <a:xfrm>
+          <a:off x="0" y="0"/>
+          <a:ext cx="0" cy="0"/>
+          <a:chOff x="0" y="0"/>
+          <a:chExt cx="0" cy="0"/>
+        </a:xfrm>
+      </p:grpSpPr>
+      <p:sp>
+        <p:nvSpPr>
+          <p:cNvPr id="93" name="Google Shape;93;p20"/>
+          <p:cNvSpPr txBox="1">
+            <a:spLocks noGrp="1"/>
+          </p:cNvSpPr>
+          <p:nvPr>
+            <p:ph type="title"/>
+          </p:nvPr>
+        </p:nvSpPr>
+        <p:spPr>
+          <a:xfrm>
+            <a:off x="311700" y="2150850"/>
+            <a:ext cx="8520600" cy="841800"/>
+          </a:xfrm>
+          <a:prstGeom prst="rect">
+            <a:avLst/>
+          </a:prstGeom>
+        </p:spPr>
+        <p:txBody>
+          <a:bodyPr spcFirstLastPara="1" wrap="square" lIns="91425" tIns="91425" rIns="91425" bIns="91425" anchor="ctr" anchorCtr="0">
+            <a:normAutofit/>
+          </a:bodyPr>
+          <a:lstStyle/>
+          <a:p>
+            <a:pPr marL="0" lvl="0" indent="0" algn="ctr" rtl="0">
+              <a:spcBef>
+                <a:spcPts val="0"/>
+              </a:spcBef>
+              <a:spcAft>
+                <a:spcPts val="0"/>
+              </a:spcAft>
+              <a:buNone/>
+            </a:pPr>
+            <a:r>
+              <a:rPr lang="en"/>
+              <a:t>Public-Key Cryptography</a:t>
+            </a:r>
+            <a:endParaRPr/>
+          </a:p>
+        </p:txBody>
+      </p:sp>
+      <p:sp>
+        <p:nvSpPr>
+          <p:cNvPr id="94" name="Google Shape;94;p20"/>
+          <p:cNvSpPr txBox="1">
+            <a:spLocks noGrp="1"/>
+          </p:cNvSpPr>
+          <p:nvPr>
+            <p:ph type="sldNum" idx="12"/>
+          </p:nvPr>
+        </p:nvSpPr>
+        <p:spPr>
+          <a:xfrm>
+            <a:off x="8472458" y="4663217"/>
+            <a:ext cx="548700" cy="393600"/>
+          </a:xfrm>
+          <a:prstGeom prst="rect">
+            <a:avLst/>
+          </a:prstGeom>
+        </p:spPr>
+        <p:txBody>
+          <a:bodyPr spcFirstLastPara="1" wrap="square" lIns="91425" tIns="91425" rIns="91425" bIns="91425" anchor="ctr" anchorCtr="0">
+            <a:normAutofit/>
+          </a:bodyPr>
+          <a:lstStyle/>
+          <a:p>
+            <a:pPr marL="0" lvl="0" indent="0" algn="r" rtl="0">
+              <a:spcBef>
+                <a:spcPts val="0"/>
+              </a:spcBef>
+              <a:spcAft>
+                <a:spcPts val="0"/>
+              </a:spcAft>
+              <a:buNone/>
+            </a:pPr>
+            <a:fld id="{00000000-1234-1234-1234-123412341234}" type="slidenum">
+              <a:rPr lang="en"/>
+              <a:t>5</a:t>
+            </a:fld>
+            <a:endParaRPr/>
+          </a:p>
+        </p:txBody>
+      </p:sp>
+      <p:pic>
+        <p:nvPicPr>
+          <p:cNvPr id="95" name="Google Shape;95;p20"/>
+          <p:cNvPicPr preferRelativeResize="0"/>
+          <p:nvPr/>
+        </p:nvPicPr>
+        <p:blipFill>
+          <a:blip r:embed="rId3">
+            <a:alphaModFix/>
+          </a:blip>
+          <a:stretch>
+            <a:fillRect/>
+          </a:stretch>
+        </p:blipFill>
+        <p:spPr>
+          <a:xfrm rot="-141351">
+            <a:off x="3459462" y="3210775"/>
+            <a:ext cx="2225087" cy="1846050"/>
+          </a:xfrm>
+          <a:prstGeom prst="rect">
+            <a:avLst/>
+          </a:prstGeom>
+          <a:noFill/>
+          <a:ln>
+            <a:noFill/>
+          </a:ln>
+        </p:spPr>
+      </p:pic>
+    </p:spTree>
+  </p:cSld>
+  <p:clrMapOvr>
+    <a:masterClrMapping/>
+  </p:clrMapOvr>
+</p:sld>
+</file>
+
+<file path=ppt/slides/slide6.xml><?xml version="1.0" encoding="utf-8"?>
 <p:sld xmlns:a="http://schemas.openxmlformats.org/drawingml/2006/main" xmlns:r="http://schemas.openxmlformats.org/officeDocument/2006/relationships" xmlns:p="http://schemas.openxmlformats.org/presentationml/2006/main">
   <p:cSld>
     <p:spTree>
@@ -33917,7 +34179,7 @@
             </a:pPr>
             <a:fld id="{00000000-1234-1234-1234-123412341234}" type="slidenum">
               <a:rPr lang="en"/>
-              <a:t>5</a:t>
+              <a:t>6</a:t>
             </a:fld>
             <a:endParaRPr/>
           </a:p>
@@ -34931,7 +35193,7 @@
 </p:sld>
 </file>
 
-<file path=ppt/slides/slide6.xml><?xml version="1.0" encoding="utf-8"?>
+<file path=ppt/slides/slide7.xml><?xml version="1.0" encoding="utf-8"?>
 <p:sld xmlns:a="http://schemas.openxmlformats.org/drawingml/2006/main" xmlns:r="http://schemas.openxmlformats.org/officeDocument/2006/relationships" xmlns:p="http://schemas.openxmlformats.org/presentationml/2006/main">
   <p:cSld>
     <p:spTree>
@@ -35026,66 +35288,9 @@
             </a:pPr>
             <a:fld id="{00000000-1234-1234-1234-123412341234}" type="slidenum">
               <a:rPr lang="en"/>
-              <a:t>6</a:t>
+              <a:t>7</a:t>
             </a:fld>
             <a:endParaRPr/>
-          </a:p>
-        </p:txBody>
-      </p:sp>
-      <p:sp>
-        <p:nvSpPr>
-          <p:cNvPr id="109" name="Google Shape;109;p22"/>
-          <p:cNvSpPr txBox="1"/>
-          <p:nvPr/>
-        </p:nvSpPr>
-        <p:spPr>
-          <a:xfrm>
-            <a:off x="512100" y="4520775"/>
-            <a:ext cx="8119800" cy="572700"/>
-          </a:xfrm>
-          <a:prstGeom prst="rect">
-            <a:avLst/>
-          </a:prstGeom>
-          <a:noFill/>
-          <a:ln>
-            <a:noFill/>
-          </a:ln>
-        </p:spPr>
-        <p:txBody>
-          <a:bodyPr spcFirstLastPara="1" wrap="square" lIns="91425" tIns="91425" rIns="91425" bIns="91425" anchor="t" anchorCtr="0">
-            <a:normAutofit lnSpcReduction="10000"/>
-          </a:bodyPr>
-          <a:lstStyle/>
-          <a:p>
-            <a:pPr marL="0" lvl="0" indent="0" algn="ctr" rtl="0">
-              <a:lnSpc>
-                <a:spcPct val="115000"/>
-              </a:lnSpc>
-              <a:spcBef>
-                <a:spcPts val="0"/>
-              </a:spcBef>
-              <a:spcAft>
-                <a:spcPts val="1200"/>
-              </a:spcAft>
-              <a:buNone/>
-            </a:pPr>
-            <a:r>
-              <a:rPr lang="en">
-                <a:solidFill>
-                  <a:srgbClr val="000000"/>
-                </a:solidFill>
-              </a:rPr>
-              <a:t>Textbook Chapter</a:t>
-            </a:r>
-            <a:r>
-              <a:rPr lang="en"/>
-              <a:t> 11</a:t>
-            </a:r>
-            <a:endParaRPr>
-              <a:solidFill>
-                <a:srgbClr val="000000"/>
-              </a:solidFill>
-            </a:endParaRPr>
           </a:p>
         </p:txBody>
       </p:sp>
@@ -35097,7 +35302,7 @@
 </p:sld>
 </file>
 
-<file path=ppt/slides/slide7.xml><?xml version="1.0" encoding="utf-8"?>
+<file path=ppt/slides/slide8.xml><?xml version="1.0" encoding="utf-8"?>
 <p:sld xmlns:a="http://schemas.openxmlformats.org/drawingml/2006/main" xmlns:r="http://schemas.openxmlformats.org/officeDocument/2006/relationships" xmlns:p="http://schemas.openxmlformats.org/presentationml/2006/main">
   <p:cSld>
     <p:spTree>
@@ -35252,7 +35457,7 @@
             </a:pPr>
             <a:fld id="{00000000-1234-1234-1234-123412341234}" type="slidenum">
               <a:rPr lang="en"/>
-              <a:t>7</a:t>
+              <a:t>8</a:t>
             </a:fld>
             <a:endParaRPr/>
           </a:p>
@@ -35519,7 +35724,7 @@
 </p:sld>
 </file>
 
-<file path=ppt/slides/slide8.xml><?xml version="1.0" encoding="utf-8"?>
+<file path=ppt/slides/slide9.xml><?xml version="1.0" encoding="utf-8"?>
 <p:sld xmlns:a="http://schemas.openxmlformats.org/drawingml/2006/main" xmlns:r="http://schemas.openxmlformats.org/officeDocument/2006/relationships" xmlns:p="http://schemas.openxmlformats.org/presentationml/2006/main">
   <p:cSld>
     <p:spTree>
@@ -36006,7 +36211,7 @@
             </a:pPr>
             <a:fld id="{00000000-1234-1234-1234-123412341234}" type="slidenum">
               <a:rPr lang="en"/>
-              <a:t>8</a:t>
+              <a:t>9</a:t>
             </a:fld>
             <a:endParaRPr/>
           </a:p>
@@ -36537,172 +36742,6 @@
       </p:par>
     </p:tnLst>
   </p:timing>
-</p:sld>
-</file>
-
-<file path=ppt/slides/slide9.xml><?xml version="1.0" encoding="utf-8"?>
-<p:sld xmlns:a="http://schemas.openxmlformats.org/drawingml/2006/main" xmlns:r="http://schemas.openxmlformats.org/officeDocument/2006/relationships" xmlns:p="http://schemas.openxmlformats.org/presentationml/2006/main">
-  <p:cSld>
-    <p:spTree>
-      <p:nvGrpSpPr>
-        <p:cNvPr id="1" name="Shape 131"/>
-        <p:cNvGrpSpPr/>
-        <p:nvPr/>
-      </p:nvGrpSpPr>
-      <p:grpSpPr>
-        <a:xfrm>
-          <a:off x="0" y="0"/>
-          <a:ext cx="0" cy="0"/>
-          <a:chOff x="0" y="0"/>
-          <a:chExt cx="0" cy="0"/>
-        </a:xfrm>
-      </p:grpSpPr>
-      <p:sp>
-        <p:nvSpPr>
-          <p:cNvPr id="132" name="Google Shape;132;p25"/>
-          <p:cNvSpPr txBox="1">
-            <a:spLocks noGrp="1"/>
-          </p:cNvSpPr>
-          <p:nvPr>
-            <p:ph type="title"/>
-          </p:nvPr>
-        </p:nvSpPr>
-        <p:spPr>
-          <a:xfrm>
-            <a:off x="311700" y="2150850"/>
-            <a:ext cx="8520600" cy="841800"/>
-          </a:xfrm>
-          <a:prstGeom prst="rect">
-            <a:avLst/>
-          </a:prstGeom>
-        </p:spPr>
-        <p:txBody>
-          <a:bodyPr spcFirstLastPara="1" wrap="square" lIns="91425" tIns="91425" rIns="91425" bIns="91425" anchor="ctr" anchorCtr="0">
-            <a:normAutofit/>
-          </a:bodyPr>
-          <a:lstStyle/>
-          <a:p>
-            <a:pPr marL="0" lvl="0" indent="0" algn="ctr" rtl="0">
-              <a:spcBef>
-                <a:spcPts val="0"/>
-              </a:spcBef>
-              <a:spcAft>
-                <a:spcPts val="0"/>
-              </a:spcAft>
-              <a:buNone/>
-            </a:pPr>
-            <a:r>
-              <a:rPr lang="en"/>
-              <a:t>ElGamal Encryption</a:t>
-            </a:r>
-            <a:endParaRPr/>
-          </a:p>
-        </p:txBody>
-      </p:sp>
-      <p:sp>
-        <p:nvSpPr>
-          <p:cNvPr id="133" name="Google Shape;133;p25"/>
-          <p:cNvSpPr txBox="1">
-            <a:spLocks noGrp="1"/>
-          </p:cNvSpPr>
-          <p:nvPr>
-            <p:ph type="sldNum" idx="12"/>
-          </p:nvPr>
-        </p:nvSpPr>
-        <p:spPr>
-          <a:xfrm>
-            <a:off x="8472458" y="4663217"/>
-            <a:ext cx="548700" cy="393600"/>
-          </a:xfrm>
-          <a:prstGeom prst="rect">
-            <a:avLst/>
-          </a:prstGeom>
-        </p:spPr>
-        <p:txBody>
-          <a:bodyPr spcFirstLastPara="1" wrap="square" lIns="91425" tIns="91425" rIns="91425" bIns="91425" anchor="ctr" anchorCtr="0">
-            <a:normAutofit/>
-          </a:bodyPr>
-          <a:lstStyle/>
-          <a:p>
-            <a:pPr marL="0" lvl="0" indent="0" algn="r" rtl="0">
-              <a:spcBef>
-                <a:spcPts val="0"/>
-              </a:spcBef>
-              <a:spcAft>
-                <a:spcPts val="0"/>
-              </a:spcAft>
-              <a:buNone/>
-            </a:pPr>
-            <a:fld id="{00000000-1234-1234-1234-123412341234}" type="slidenum">
-              <a:rPr lang="en"/>
-              <a:t>9</a:t>
-            </a:fld>
-            <a:endParaRPr/>
-          </a:p>
-        </p:txBody>
-      </p:sp>
-      <p:sp>
-        <p:nvSpPr>
-          <p:cNvPr id="134" name="Google Shape;134;p25"/>
-          <p:cNvSpPr txBox="1"/>
-          <p:nvPr/>
-        </p:nvSpPr>
-        <p:spPr>
-          <a:xfrm>
-            <a:off x="512100" y="4520775"/>
-            <a:ext cx="8119800" cy="572700"/>
-          </a:xfrm>
-          <a:prstGeom prst="rect">
-            <a:avLst/>
-          </a:prstGeom>
-          <a:noFill/>
-          <a:ln>
-            <a:noFill/>
-          </a:ln>
-        </p:spPr>
-        <p:txBody>
-          <a:bodyPr spcFirstLastPara="1" wrap="square" lIns="91425" tIns="91425" rIns="91425" bIns="91425" anchor="t" anchorCtr="0">
-            <a:normAutofit lnSpcReduction="10000"/>
-          </a:bodyPr>
-          <a:lstStyle/>
-          <a:p>
-            <a:pPr marL="0" lvl="0" indent="0" algn="ctr" rtl="0">
-              <a:lnSpc>
-                <a:spcPct val="115000"/>
-              </a:lnSpc>
-              <a:spcBef>
-                <a:spcPts val="0"/>
-              </a:spcBef>
-              <a:spcAft>
-                <a:spcPts val="1200"/>
-              </a:spcAft>
-              <a:buNone/>
-            </a:pPr>
-            <a:r>
-              <a:rPr lang="en">
-                <a:solidFill>
-                  <a:srgbClr val="000000"/>
-                </a:solidFill>
-              </a:rPr>
-              <a:t>Textbook Chapter</a:t>
-            </a:r>
-            <a:r>
-              <a:rPr lang="en"/>
-              <a:t> 11.4</a:t>
-            </a:r>
-            <a:endParaRPr>
-              <a:solidFill>
-                <a:srgbClr val="000000"/>
-              </a:solidFill>
-            </a:endParaRPr>
-          </a:p>
-        </p:txBody>
-      </p:sp>
-    </p:spTree>
-  </p:cSld>
-  <p:clrMapOvr>
-    <a:masterClrMapping/>
-  </p:clrMapOvr>
 </p:sld>
 </file>
 

--- a/teaching/ITIS6200/2023fa/lectures/lec06.pptx
+++ b/teaching/ITIS6200/2023fa/lectures/lec06.pptx
@@ -4846,6 +4846,10 @@
               </a:spcAft>
               <a:buNone/>
             </a:pPr>
+            <a:r>
+              <a:rPr lang="en-US"/>
+              <a:t>DEMO here</a:t>
+            </a:r>
             <a:endParaRPr/>
           </a:p>
         </p:txBody>
@@ -30768,10 +30772,10 @@
               <a:buChar char="●"/>
             </a:pPr>
             <a:r>
-              <a:rPr lang="en"/>
+              <a:rPr lang="en" dirty="0"/>
               <a:t>Algorithm:</a:t>
             </a:r>
-            <a:endParaRPr/>
+            <a:endParaRPr dirty="0"/>
           </a:p>
           <a:p>
             <a:pPr marL="914400" lvl="1" indent="-317500" algn="l" rtl="0">
@@ -30785,11 +30789,11 @@
               <a:buChar char="○"/>
             </a:pPr>
             <a:r>
-              <a:rPr lang="en"/>
+              <a:rPr lang="en" dirty="0"/>
               <a:t>Alice chooses </a:t>
             </a:r>
             <a:r>
-              <a:rPr lang="en" i="1">
+              <a:rPr lang="en" i="1" dirty="0">
                 <a:solidFill>
                   <a:srgbClr val="E69138"/>
                 </a:solidFill>
@@ -30797,15 +30801,15 @@
               <a:t>a</a:t>
             </a:r>
             <a:r>
-              <a:rPr lang="en"/>
+              <a:rPr lang="en" dirty="0"/>
               <a:t> and sends </a:t>
             </a:r>
             <a:r>
-              <a:rPr lang="en" i="1"/>
+              <a:rPr lang="en" i="1" dirty="0"/>
               <a:t>g</a:t>
             </a:r>
             <a:r>
-              <a:rPr lang="en" i="1" baseline="30000">
+              <a:rPr lang="en" i="1" baseline="30000" dirty="0">
                 <a:solidFill>
                   <a:srgbClr val="E69138"/>
                 </a:solidFill>
@@ -30813,18 +30817,18 @@
               <a:t>a</a:t>
             </a:r>
             <a:r>
-              <a:rPr lang="en"/>
+              <a:rPr lang="en" dirty="0"/>
               <a:t> mod </a:t>
             </a:r>
             <a:r>
-              <a:rPr lang="en" i="1"/>
+              <a:rPr lang="en" i="1" dirty="0"/>
               <a:t>p</a:t>
             </a:r>
             <a:r>
-              <a:rPr lang="en"/>
+              <a:rPr lang="en" dirty="0"/>
               <a:t> to Bob</a:t>
             </a:r>
-            <a:endParaRPr/>
+            <a:endParaRPr dirty="0"/>
           </a:p>
           <a:p>
             <a:pPr marL="914400" lvl="1" indent="-317500" algn="l" rtl="0">
@@ -30838,11 +30842,11 @@
               <a:buChar char="○"/>
             </a:pPr>
             <a:r>
-              <a:rPr lang="en"/>
+              <a:rPr lang="en" dirty="0"/>
               <a:t>Bob chooses </a:t>
             </a:r>
             <a:r>
-              <a:rPr lang="en" i="1">
+              <a:rPr lang="en" i="1" dirty="0">
                 <a:solidFill>
                   <a:srgbClr val="1155CC"/>
                 </a:solidFill>
@@ -30850,15 +30854,15 @@
               <a:t>b</a:t>
             </a:r>
             <a:r>
-              <a:rPr lang="en"/>
+              <a:rPr lang="en" dirty="0"/>
               <a:t> and sends </a:t>
             </a:r>
             <a:r>
-              <a:rPr lang="en" i="1"/>
+              <a:rPr lang="en" i="1" dirty="0" err="1"/>
               <a:t>g</a:t>
             </a:r>
             <a:r>
-              <a:rPr lang="en" i="1" baseline="30000">
+              <a:rPr lang="en" i="1" baseline="30000" dirty="0" err="1">
                 <a:solidFill>
                   <a:srgbClr val="1155CC"/>
                 </a:solidFill>
@@ -30866,18 +30870,18 @@
               <a:t>b</a:t>
             </a:r>
             <a:r>
-              <a:rPr lang="en"/>
+              <a:rPr lang="en" dirty="0"/>
               <a:t> mod </a:t>
             </a:r>
             <a:r>
-              <a:rPr lang="en" i="1"/>
+              <a:rPr lang="en" i="1" dirty="0"/>
               <a:t>p</a:t>
             </a:r>
             <a:r>
-              <a:rPr lang="en"/>
+              <a:rPr lang="en" dirty="0"/>
               <a:t> to Alice</a:t>
             </a:r>
-            <a:endParaRPr/>
+            <a:endParaRPr dirty="0"/>
           </a:p>
           <a:p>
             <a:pPr marL="914400" lvl="1" indent="-317500" algn="l" rtl="0">
@@ -30891,15 +30895,15 @@
               <a:buChar char="○"/>
             </a:pPr>
             <a:r>
-              <a:rPr lang="en"/>
+              <a:rPr lang="en" dirty="0"/>
               <a:t>Their shared secret is (</a:t>
             </a:r>
             <a:r>
-              <a:rPr lang="en" i="1"/>
+              <a:rPr lang="en" i="1" dirty="0"/>
               <a:t>g</a:t>
             </a:r>
             <a:r>
-              <a:rPr lang="en" i="1" baseline="30000">
+              <a:rPr lang="en" i="1" baseline="30000" dirty="0">
                 <a:solidFill>
                   <a:srgbClr val="E69138"/>
                 </a:solidFill>
@@ -30907,11 +30911,11 @@
               <a:t>a</a:t>
             </a:r>
             <a:r>
-              <a:rPr lang="en"/>
+              <a:rPr lang="en" dirty="0"/>
               <a:t>)</a:t>
             </a:r>
             <a:r>
-              <a:rPr lang="en" i="1" baseline="30000">
+              <a:rPr lang="en" i="1" baseline="30000" dirty="0">
                 <a:solidFill>
                   <a:srgbClr val="1155CC"/>
                 </a:solidFill>
@@ -30919,15 +30923,15 @@
               <a:t>b</a:t>
             </a:r>
             <a:r>
-              <a:rPr lang="en"/>
+              <a:rPr lang="en" dirty="0"/>
               <a:t> = (</a:t>
             </a:r>
             <a:r>
-              <a:rPr lang="en" i="1"/>
+              <a:rPr lang="en" i="1" dirty="0" err="1"/>
               <a:t>g</a:t>
             </a:r>
             <a:r>
-              <a:rPr lang="en" i="1" baseline="30000">
+              <a:rPr lang="en" i="1" baseline="30000" dirty="0" err="1">
                 <a:solidFill>
                   <a:srgbClr val="1155CC"/>
                 </a:solidFill>
@@ -30935,11 +30939,11 @@
               <a:t>b</a:t>
             </a:r>
             <a:r>
-              <a:rPr lang="en"/>
+              <a:rPr lang="en" dirty="0"/>
               <a:t>)</a:t>
             </a:r>
             <a:r>
-              <a:rPr lang="en" i="1" baseline="30000">
+              <a:rPr lang="en" i="1" baseline="30000" dirty="0">
                 <a:solidFill>
                   <a:srgbClr val="E69138"/>
                 </a:solidFill>
@@ -30947,15 +30951,15 @@
               <a:t>a</a:t>
             </a:r>
             <a:r>
-              <a:rPr lang="en"/>
+              <a:rPr lang="en" dirty="0"/>
               <a:t> = </a:t>
             </a:r>
             <a:r>
-              <a:rPr lang="en" i="1"/>
+              <a:rPr lang="en" i="1" dirty="0"/>
               <a:t>g</a:t>
             </a:r>
             <a:r>
-              <a:rPr lang="en" i="1" baseline="30000">
+              <a:rPr lang="en" i="1" baseline="30000" dirty="0">
                 <a:solidFill>
                   <a:srgbClr val="E69138"/>
                 </a:solidFill>
@@ -30963,7 +30967,7 @@
               <a:t>a</a:t>
             </a:r>
             <a:r>
-              <a:rPr lang="en" i="1" baseline="30000">
+              <a:rPr lang="en" i="1" baseline="30000" dirty="0">
                 <a:solidFill>
                   <a:srgbClr val="1155CC"/>
                 </a:solidFill>
@@ -30971,14 +30975,14 @@
               <a:t>b</a:t>
             </a:r>
             <a:r>
-              <a:rPr lang="en"/>
+              <a:rPr lang="en" dirty="0"/>
               <a:t> mod </a:t>
             </a:r>
             <a:r>
-              <a:rPr lang="en" i="1"/>
+              <a:rPr lang="en" i="1" dirty="0"/>
               <a:t>p</a:t>
             </a:r>
-            <a:endParaRPr/>
+            <a:endParaRPr dirty="0"/>
           </a:p>
           <a:p>
             <a:pPr marL="457200" lvl="0" indent="-342900" algn="l" rtl="0">
@@ -30991,11 +30995,7 @@
               <a:buSzPts val="1800"/>
               <a:buChar char="●"/>
             </a:pPr>
-            <a:r>
-              <a:rPr lang="en"/>
-              <a:t>Diffie-Hellman provides forwards secrecy: Nothing is saved or can be recorded that can ever recover the key</a:t>
-            </a:r>
-            <a:endParaRPr/>
+            <a:endParaRPr lang="en" dirty="0"/>
           </a:p>
           <a:p>
             <a:pPr marL="457200" lvl="0" indent="-342900" algn="l" rtl="0">
@@ -31009,10 +31009,10 @@
               <a:buChar char="●"/>
             </a:pPr>
             <a:r>
-              <a:rPr lang="en"/>
-              <a:t>Diffie-Hellman can be performed over other mathematical groups, such as elliptic-curve Diffie-Hellman (ECDH)</a:t>
-            </a:r>
-            <a:endParaRPr/>
+              <a:rPr lang="en" dirty="0"/>
+              <a:t>Diffie-Hellman provides forwards secrecy: Nothing is saved or can be recorded that can ever recover the key</a:t>
+            </a:r>
+            <a:endParaRPr dirty="0"/>
           </a:p>
           <a:p>
             <a:pPr marL="457200" lvl="0" indent="-342900" algn="l" rtl="0">
@@ -31025,11 +31025,24 @@
               <a:buSzPts val="1800"/>
               <a:buChar char="●"/>
             </a:pPr>
-            <a:r>
-              <a:rPr lang="en"/>
+            <a:endParaRPr lang="en" dirty="0"/>
+          </a:p>
+          <a:p>
+            <a:pPr marL="457200" lvl="0" indent="-342900" algn="l" rtl="0">
+              <a:spcBef>
+                <a:spcPts val="0"/>
+              </a:spcBef>
+              <a:spcAft>
+                <a:spcPts val="0"/>
+              </a:spcAft>
+              <a:buSzPts val="1800"/>
+              <a:buChar char="●"/>
+            </a:pPr>
+            <a:r>
+              <a:rPr lang="en" dirty="0"/>
               <a:t>Issues</a:t>
             </a:r>
-            <a:endParaRPr/>
+            <a:endParaRPr dirty="0"/>
           </a:p>
           <a:p>
             <a:pPr marL="914400" lvl="1" indent="-317500" algn="l" rtl="0">
@@ -31043,14 +31056,14 @@
               <a:buChar char="○"/>
             </a:pPr>
             <a:r>
-              <a:rPr lang="en" i="1"/>
+              <a:rPr lang="en" i="1" dirty="0"/>
               <a:t>Not</a:t>
             </a:r>
             <a:r>
-              <a:rPr lang="en"/>
+              <a:rPr lang="en" dirty="0"/>
               <a:t> secure against MITM</a:t>
             </a:r>
-            <a:endParaRPr/>
+            <a:endParaRPr dirty="0"/>
           </a:p>
           <a:p>
             <a:pPr marL="914400" lvl="1" indent="-317500" algn="l" rtl="0">
@@ -31064,10 +31077,10 @@
               <a:buChar char="○"/>
             </a:pPr>
             <a:r>
-              <a:rPr lang="en"/>
+              <a:rPr lang="en" dirty="0"/>
               <a:t>Both parties must be online</a:t>
             </a:r>
-            <a:endParaRPr/>
+            <a:endParaRPr dirty="0"/>
           </a:p>
           <a:p>
             <a:pPr marL="914400" lvl="1" indent="-317500" algn="l" rtl="0">
@@ -31081,10 +31094,10 @@
               <a:buChar char="○"/>
             </a:pPr>
             <a:r>
-              <a:rPr lang="en"/>
+              <a:rPr lang="en" dirty="0"/>
               <a:t>Does not provide authenticity</a:t>
             </a:r>
-            <a:endParaRPr/>
+            <a:endParaRPr dirty="0"/>
           </a:p>
         </p:txBody>
       </p:sp>
@@ -34048,34 +34061,6 @@
           </a:p>
         </p:txBody>
       </p:sp>
-      <p:pic>
-        <p:nvPicPr>
-          <p:cNvPr id="95" name="Google Shape;95;p20"/>
-          <p:cNvPicPr preferRelativeResize="0"/>
-          <p:nvPr/>
-        </p:nvPicPr>
-        <p:blipFill>
-          <a:blip r:embed="rId3">
-            <a:alphaModFix/>
-          </a:blip>
-          <a:stretch>
-            <a:fillRect/>
-          </a:stretch>
-        </p:blipFill>
-        <p:spPr>
-          <a:xfrm rot="-141351">
-            <a:off x="3459462" y="3210775"/>
-            <a:ext cx="2225087" cy="1846050"/>
-          </a:xfrm>
-          <a:prstGeom prst="rect">
-            <a:avLst/>
-          </a:prstGeom>
-          <a:noFill/>
-          <a:ln>
-            <a:noFill/>
-          </a:ln>
-        </p:spPr>
-      </p:pic>
     </p:spTree>
   </p:cSld>
   <p:clrMapOvr>

--- a/teaching/ITIS6200/2023fa/lectures/lec06.pptx
+++ b/teaching/ITIS6200/2023fa/lectures/lec06.pptx
@@ -2020,7 +2020,7 @@
         </p:nvSpPr>
         <p:spPr>
           <a:xfrm>
-            <a:off x="381300" y="685800"/>
+            <a:off x="381000" y="685800"/>
             <a:ext cx="6096000" cy="3429000"/>
           </a:xfrm>
           <a:custGeom>
@@ -4679,7 +4679,7 @@
         </p:nvSpPr>
         <p:spPr>
           <a:xfrm>
-            <a:off x="381300" y="685800"/>
+            <a:off x="381000" y="685800"/>
             <a:ext cx="6096000" cy="3429000"/>
           </a:xfrm>
           <a:custGeom>
@@ -4954,7 +4954,112 @@
               </a:spcAft>
               <a:buNone/>
             </a:pPr>
-            <a:endParaRPr/>
+            <a:r>
+              <a:rPr lang="en-US" dirty="0"/>
+              <a:t>https://</a:t>
+            </a:r>
+            <a:r>
+              <a:rPr lang="en-US" dirty="0" err="1"/>
+              <a:t>www.devglan.com</a:t>
+            </a:r>
+            <a:r>
+              <a:rPr lang="en-US" dirty="0"/>
+              <a:t>/online-tools/</a:t>
+            </a:r>
+            <a:r>
+              <a:rPr lang="en-US" dirty="0" err="1"/>
+              <a:t>rsa</a:t>
+            </a:r>
+            <a:r>
+              <a:rPr lang="en-US" dirty="0"/>
+              <a:t>-encryption-decryption</a:t>
+            </a:r>
+          </a:p>
+          <a:p>
+            <a:pPr marL="0" lvl="0" indent="0" algn="l" rtl="0">
+              <a:spcBef>
+                <a:spcPts val="0"/>
+              </a:spcBef>
+              <a:spcAft>
+                <a:spcPts val="0"/>
+              </a:spcAft>
+              <a:buNone/>
+            </a:pPr>
+            <a:endParaRPr lang="en-US" dirty="0"/>
+          </a:p>
+          <a:p>
+            <a:pPr marL="0" lvl="0" indent="0" algn="l" rtl="0">
+              <a:spcBef>
+                <a:spcPts val="0"/>
+              </a:spcBef>
+              <a:spcAft>
+                <a:spcPts val="0"/>
+              </a:spcAft>
+              <a:buNone/>
+            </a:pPr>
+            <a:r>
+              <a:rPr lang="en-US" dirty="0"/>
+              <a:t>Base64 decoder and encoder: https://</a:t>
+            </a:r>
+            <a:r>
+              <a:rPr lang="en-US" dirty="0" err="1"/>
+              <a:t>www.rapidtables.com</a:t>
+            </a:r>
+            <a:r>
+              <a:rPr lang="en-US" dirty="0"/>
+              <a:t>/web/tools/base64-decode.html</a:t>
+            </a:r>
+          </a:p>
+          <a:p>
+            <a:pPr marL="0" lvl="0" indent="0" algn="l" rtl="0">
+              <a:spcBef>
+                <a:spcPts val="0"/>
+              </a:spcBef>
+              <a:spcAft>
+                <a:spcPts val="0"/>
+              </a:spcAft>
+              <a:buNone/>
+            </a:pPr>
+            <a:r>
+              <a:rPr lang="en-US" dirty="0"/>
+              <a:t>https://base64.guru/converter/decode/hex</a:t>
+            </a:r>
+          </a:p>
+          <a:p>
+            <a:pPr marL="0" lvl="0" indent="0" algn="l" rtl="0">
+              <a:spcBef>
+                <a:spcPts val="0"/>
+              </a:spcBef>
+              <a:spcAft>
+                <a:spcPts val="0"/>
+              </a:spcAft>
+              <a:buNone/>
+            </a:pPr>
+            <a:endParaRPr lang="en-US" dirty="0"/>
+          </a:p>
+          <a:p>
+            <a:pPr marL="0" lvl="0" indent="0" algn="l" rtl="0">
+              <a:spcBef>
+                <a:spcPts val="0"/>
+              </a:spcBef>
+              <a:spcAft>
+                <a:spcPts val="0"/>
+              </a:spcAft>
+              <a:buNone/>
+            </a:pPr>
+            <a:r>
+              <a:rPr lang="en-US" dirty="0"/>
+              <a:t>https://</a:t>
+            </a:r>
+            <a:r>
+              <a:rPr lang="en-US" dirty="0" err="1"/>
+              <a:t>www.binaryhexconverter.com</a:t>
+            </a:r>
+            <a:r>
+              <a:rPr lang="en-US" dirty="0"/>
+              <a:t>/hex-to-decimal-converter</a:t>
+            </a:r>
+            <a:endParaRPr dirty="0"/>
           </a:p>
         </p:txBody>
       </p:sp>
@@ -12064,7 +12169,7 @@
 </file>
 
 <file path=ppt/slides/slide10.xml><?xml version="1.0" encoding="utf-8"?>
-<p:sld xmlns:a="http://schemas.openxmlformats.org/drawingml/2006/main" xmlns:r="http://schemas.openxmlformats.org/officeDocument/2006/relationships" xmlns:p="http://schemas.openxmlformats.org/presentationml/2006/main">
+<p:sld xmlns:a="http://schemas.openxmlformats.org/drawingml/2006/main" xmlns:r="http://schemas.openxmlformats.org/officeDocument/2006/relationships" xmlns:p="http://schemas.openxmlformats.org/presentationml/2006/main" show="0">
   <p:cSld>
     <p:spTree>
       <p:nvGrpSpPr>
@@ -12173,7 +12278,7 @@
 </file>
 
 <file path=ppt/slides/slide11.xml><?xml version="1.0" encoding="utf-8"?>
-<p:sld xmlns:a="http://schemas.openxmlformats.org/drawingml/2006/main" xmlns:r="http://schemas.openxmlformats.org/officeDocument/2006/relationships" xmlns:p="http://schemas.openxmlformats.org/presentationml/2006/main">
+<p:sld xmlns:a="http://schemas.openxmlformats.org/drawingml/2006/main" xmlns:r="http://schemas.openxmlformats.org/officeDocument/2006/relationships" xmlns:p="http://schemas.openxmlformats.org/presentationml/2006/main" show="0">
   <p:cSld>
     <p:spTree>
       <p:nvGrpSpPr>
@@ -12235,7 +12340,13 @@
         <p:nvGraphicFramePr>
           <p:cNvPr id="140" name="Google Shape;140;p26"/>
           <p:cNvGraphicFramePr/>
-          <p:nvPr/>
+          <p:nvPr>
+            <p:extLst>
+              <p:ext uri="{D42A27DB-BD31-4B8C-83A1-F6EECF244321}">
+                <p14:modId xmlns:p14="http://schemas.microsoft.com/office/powerpoint/2010/main" val="485178519"/>
+              </p:ext>
+            </p:extLst>
+          </p:nvPr>
         </p:nvGraphicFramePr>
         <p:xfrm>
           <a:off x="311700" y="1310650"/>
@@ -12446,34 +12557,14 @@
                         <a:buChar char="●"/>
                       </a:pPr>
                       <a:r>
-                        <a:rPr lang="en" sz="1600"/>
-                        <a:t>RSA encryption</a:t>
-                      </a:r>
-                      <a:endParaRPr sz="1600"/>
-                    </a:p>
-                    <a:p>
-                      <a:pPr marL="457200" lvl="0" indent="-330200" algn="l" rtl="0">
-                        <a:spcBef>
-                          <a:spcPts val="0"/>
-                        </a:spcBef>
-                        <a:spcAft>
-                          <a:spcPts val="0"/>
-                        </a:spcAft>
-                        <a:buClr>
-                          <a:srgbClr val="FF0000"/>
-                        </a:buClr>
-                        <a:buSzPts val="1600"/>
-                        <a:buChar char="●"/>
-                      </a:pPr>
-                      <a:r>
-                        <a:rPr lang="en" sz="1600">
+                        <a:rPr lang="en" sz="1600" dirty="0">
                           <a:solidFill>
                             <a:srgbClr val="FF0000"/>
                           </a:solidFill>
                         </a:rPr>
-                        <a:t>ElGamal encryption</a:t>
+                        <a:t>RSA encryption</a:t>
                       </a:r>
-                      <a:endParaRPr sz="1600">
+                      <a:endParaRPr sz="1600" dirty="0">
                         <a:solidFill>
                           <a:srgbClr val="FF0000"/>
                         </a:solidFill>
@@ -12570,10 +12661,10 @@
                         <a:buChar char="●"/>
                       </a:pPr>
                       <a:r>
-                        <a:rPr lang="en" sz="1600"/>
+                        <a:rPr lang="en" sz="1600" dirty="0"/>
                         <a:t>Digital signatures (e.g. RSA signatures)</a:t>
                       </a:r>
-                      <a:endParaRPr sz="1600"/>
+                      <a:endParaRPr sz="1600" dirty="0"/>
                     </a:p>
                   </a:txBody>
                   <a:tcPr marL="91425" marR="91425" marT="91425" marB="91425"/>
@@ -12837,7 +12928,7 @@
 </file>
 
 <file path=ppt/slides/slide12.xml><?xml version="1.0" encoding="utf-8"?>
-<p:sld xmlns:a="http://schemas.openxmlformats.org/drawingml/2006/main" xmlns:r="http://schemas.openxmlformats.org/officeDocument/2006/relationships" xmlns:p="http://schemas.openxmlformats.org/presentationml/2006/main">
+<p:sld xmlns:a="http://schemas.openxmlformats.org/drawingml/2006/main" xmlns:r="http://schemas.openxmlformats.org/officeDocument/2006/relationships" xmlns:p="http://schemas.openxmlformats.org/presentationml/2006/main" show="0">
   <p:cSld>
     <p:spTree>
       <p:nvGrpSpPr>
@@ -13220,7 +13311,7 @@
 </file>
 
 <file path=ppt/slides/slide13.xml><?xml version="1.0" encoding="utf-8"?>
-<p:sld xmlns:a="http://schemas.openxmlformats.org/drawingml/2006/main" xmlns:r="http://schemas.openxmlformats.org/officeDocument/2006/relationships" xmlns:p="http://schemas.openxmlformats.org/presentationml/2006/main">
+<p:sld xmlns:a="http://schemas.openxmlformats.org/drawingml/2006/main" xmlns:r="http://schemas.openxmlformats.org/officeDocument/2006/relationships" xmlns:p="http://schemas.openxmlformats.org/presentationml/2006/main" show="0">
   <p:cSld>
     <p:spTree>
       <p:nvGrpSpPr>
@@ -14597,7 +14688,7 @@
 </file>
 
 <file path=ppt/slides/slide14.xml><?xml version="1.0" encoding="utf-8"?>
-<p:sld xmlns:a="http://schemas.openxmlformats.org/drawingml/2006/main" xmlns:r="http://schemas.openxmlformats.org/officeDocument/2006/relationships" xmlns:p="http://schemas.openxmlformats.org/presentationml/2006/main">
+<p:sld xmlns:a="http://schemas.openxmlformats.org/drawingml/2006/main" xmlns:r="http://schemas.openxmlformats.org/officeDocument/2006/relationships" xmlns:p="http://schemas.openxmlformats.org/presentationml/2006/main" show="0">
   <p:cSld>
     <p:spTree>
       <p:nvGrpSpPr>
@@ -15224,7 +15315,7 @@
 </file>
 
 <file path=ppt/slides/slide15.xml><?xml version="1.0" encoding="utf-8"?>
-<p:sld xmlns:a="http://schemas.openxmlformats.org/drawingml/2006/main" xmlns:r="http://schemas.openxmlformats.org/officeDocument/2006/relationships" xmlns:p="http://schemas.openxmlformats.org/presentationml/2006/main">
+<p:sld xmlns:a="http://schemas.openxmlformats.org/drawingml/2006/main" xmlns:r="http://schemas.openxmlformats.org/officeDocument/2006/relationships" xmlns:p="http://schemas.openxmlformats.org/presentationml/2006/main" show="0">
   <p:cSld>
     <p:spTree>
       <p:nvGrpSpPr>
@@ -15943,63 +16034,6 @@
           </a:p>
         </p:txBody>
       </p:sp>
-      <p:sp>
-        <p:nvSpPr>
-          <p:cNvPr id="178" name="Google Shape;178;p31"/>
-          <p:cNvSpPr txBox="1"/>
-          <p:nvPr/>
-        </p:nvSpPr>
-        <p:spPr>
-          <a:xfrm>
-            <a:off x="512100" y="4520775"/>
-            <a:ext cx="8119800" cy="572700"/>
-          </a:xfrm>
-          <a:prstGeom prst="rect">
-            <a:avLst/>
-          </a:prstGeom>
-          <a:noFill/>
-          <a:ln>
-            <a:noFill/>
-          </a:ln>
-        </p:spPr>
-        <p:txBody>
-          <a:bodyPr spcFirstLastPara="1" wrap="square" lIns="91425" tIns="91425" rIns="91425" bIns="91425" anchor="t" anchorCtr="0">
-            <a:normAutofit lnSpcReduction="10000"/>
-          </a:bodyPr>
-          <a:lstStyle/>
-          <a:p>
-            <a:pPr marL="0" lvl="0" indent="0" algn="ctr" rtl="0">
-              <a:lnSpc>
-                <a:spcPct val="115000"/>
-              </a:lnSpc>
-              <a:spcBef>
-                <a:spcPts val="0"/>
-              </a:spcBef>
-              <a:spcAft>
-                <a:spcPts val="1200"/>
-              </a:spcAft>
-              <a:buNone/>
-            </a:pPr>
-            <a:r>
-              <a:rPr lang="en">
-                <a:solidFill>
-                  <a:srgbClr val="000000"/>
-                </a:solidFill>
-              </a:rPr>
-              <a:t>Textbook Chapter</a:t>
-            </a:r>
-            <a:r>
-              <a:rPr lang="en"/>
-              <a:t> 11.3</a:t>
-            </a:r>
-            <a:endParaRPr>
-              <a:solidFill>
-                <a:srgbClr val="000000"/>
-              </a:solidFill>
-            </a:endParaRPr>
-          </a:p>
-        </p:txBody>
-      </p:sp>
     </p:spTree>
   </p:cSld>
   <p:clrMapOvr>
@@ -16071,7 +16105,13 @@
         <p:nvGraphicFramePr>
           <p:cNvPr id="184" name="Google Shape;184;p32"/>
           <p:cNvGraphicFramePr/>
-          <p:nvPr/>
+          <p:nvPr>
+            <p:extLst>
+              <p:ext uri="{D42A27DB-BD31-4B8C-83A1-F6EECF244321}">
+                <p14:modId xmlns:p14="http://schemas.microsoft.com/office/powerpoint/2010/main" val="1688927315"/>
+              </p:ext>
+            </p:extLst>
+          </p:nvPr>
         </p:nvGraphicFramePr>
         <p:xfrm>
           <a:off x="311700" y="1310650"/>
@@ -16285,44 +16325,16 @@
                         <a:buChar char="●"/>
                       </a:pPr>
                       <a:r>
-                        <a:rPr lang="en" sz="1600">
+                        <a:rPr lang="en" sz="1600" dirty="0">
                           <a:solidFill>
                             <a:srgbClr val="FF0000"/>
                           </a:solidFill>
                         </a:rPr>
                         <a:t>RSA encryption</a:t>
                       </a:r>
-                      <a:endParaRPr sz="1600">
+                      <a:endParaRPr sz="1600" dirty="0">
                         <a:solidFill>
                           <a:srgbClr val="FF0000"/>
-                        </a:solidFill>
-                      </a:endParaRPr>
-                    </a:p>
-                    <a:p>
-                      <a:pPr marL="457200" lvl="0" indent="-330200" algn="l" rtl="0">
-                        <a:spcBef>
-                          <a:spcPts val="0"/>
-                        </a:spcBef>
-                        <a:spcAft>
-                          <a:spcPts val="0"/>
-                        </a:spcAft>
-                        <a:buClr>
-                          <a:srgbClr val="B7B7B7"/>
-                        </a:buClr>
-                        <a:buSzPts val="1600"/>
-                        <a:buChar char="●"/>
-                      </a:pPr>
-                      <a:r>
-                        <a:rPr lang="en" sz="1600">
-                          <a:solidFill>
-                            <a:srgbClr val="B7B7B7"/>
-                          </a:solidFill>
-                        </a:rPr>
-                        <a:t>ElGamal encryption</a:t>
-                      </a:r>
-                      <a:endParaRPr sz="1600">
-                        <a:solidFill>
-                          <a:srgbClr val="B7B7B7"/>
                         </a:solidFill>
                       </a:endParaRPr>
                     </a:p>
@@ -16417,10 +16429,10 @@
                         <a:buChar char="●"/>
                       </a:pPr>
                       <a:r>
-                        <a:rPr lang="en" sz="1600"/>
+                        <a:rPr lang="en" sz="1600" dirty="0"/>
                         <a:t>Digital signatures (e.g. RSA signatures)</a:t>
                       </a:r>
-                      <a:endParaRPr sz="1600"/>
+                      <a:endParaRPr sz="1600" dirty="0"/>
                     </a:p>
                   </a:txBody>
                   <a:tcPr marL="91425" marR="91425" marT="91425" marB="91425"/>
@@ -18579,10 +18591,6 @@
           </p:nvPr>
         </p:nvSpPr>
         <p:spPr>
-          <a:xfrm>
-            <a:off x="102700" y="270875"/>
-            <a:ext cx="8520600" cy="572700"/>
-          </a:xfrm>
           <a:prstGeom prst="rect">
             <a:avLst/>
           </a:prstGeom>
@@ -18606,6 +18614,44 @@
               <a:rPr lang="en"/>
               <a:t>RSA Encryption: Correctness</a:t>
             </a:r>
+            <a:endParaRPr/>
+          </a:p>
+        </p:txBody>
+      </p:sp>
+      <p:sp>
+        <p:nvSpPr>
+          <p:cNvPr id="208" name="Google Shape;208;p35"/>
+          <p:cNvSpPr txBox="1">
+            <a:spLocks noGrp="1"/>
+          </p:cNvSpPr>
+          <p:nvPr>
+            <p:ph type="sldNum" idx="12"/>
+          </p:nvPr>
+        </p:nvSpPr>
+        <p:spPr>
+          <a:prstGeom prst="rect">
+            <a:avLst/>
+          </a:prstGeom>
+        </p:spPr>
+        <p:txBody>
+          <a:bodyPr spcFirstLastPara="1" wrap="square" lIns="91425" tIns="91425" rIns="91425" bIns="91425" anchor="ctr" anchorCtr="0">
+            <a:normAutofit/>
+          </a:bodyPr>
+          <a:lstStyle/>
+          <a:p>
+            <a:pPr marL="0" lvl="0" indent="0" algn="r" rtl="0">
+              <a:spcBef>
+                <a:spcPts val="0"/>
+              </a:spcBef>
+              <a:spcAft>
+                <a:spcPts val="0"/>
+              </a:spcAft>
+              <a:buNone/>
+            </a:pPr>
+            <a:fld id="{00000000-1234-1234-1234-123412341234}" type="slidenum">
+              <a:rPr lang="en"/>
+              <a:t>20</a:t>
+            </a:fld>
             <a:endParaRPr/>
           </a:p>
         </p:txBody>
@@ -18621,10 +18667,6 @@
           </p:nvPr>
         </p:nvSpPr>
         <p:spPr>
-          <a:xfrm>
-            <a:off x="198500" y="1246825"/>
-            <a:ext cx="8520600" cy="3765600"/>
-          </a:xfrm>
           <a:prstGeom prst="rect">
             <a:avLst/>
           </a:prstGeom>
@@ -18646,34 +18688,34 @@
               <a:buAutoNum type="arabicPeriod"/>
             </a:pPr>
             <a:r>
-              <a:rPr lang="en"/>
+              <a:rPr lang="en" b="1" dirty="0"/>
               <a:t>Theorem: </a:t>
             </a:r>
             <a:r>
-              <a:rPr lang="en" i="1"/>
+              <a:rPr lang="en" b="1" i="1" dirty="0"/>
               <a:t>M</a:t>
             </a:r>
             <a:r>
-              <a:rPr lang="en" i="1" baseline="30000"/>
+              <a:rPr lang="en" b="1" i="1" baseline="30000" dirty="0"/>
               <a:t>ed</a:t>
             </a:r>
             <a:r>
-              <a:rPr lang="en"/>
+              <a:rPr lang="en" b="1" dirty="0"/>
               <a:t> ≡ </a:t>
             </a:r>
             <a:r>
-              <a:rPr lang="en" i="1"/>
+              <a:rPr lang="en" b="1" i="1" dirty="0"/>
               <a:t>M</a:t>
             </a:r>
             <a:r>
-              <a:rPr lang="en"/>
+              <a:rPr lang="en" b="1" dirty="0"/>
               <a:t> mod </a:t>
             </a:r>
             <a:r>
-              <a:rPr lang="en" i="1"/>
+              <a:rPr lang="en" b="1" i="1" dirty="0"/>
               <a:t>N</a:t>
             </a:r>
-            <a:endParaRPr/>
+            <a:endParaRPr b="1" dirty="0"/>
           </a:p>
           <a:p>
             <a:pPr marL="457200" lvl="0" indent="-342900" algn="l" rtl="0">
@@ -18687,38 +18729,38 @@
               <a:buAutoNum type="arabicPeriod"/>
             </a:pPr>
             <a:r>
-              <a:rPr lang="en"/>
+              <a:rPr lang="en" dirty="0"/>
               <a:t>Euler’s theorem: </a:t>
             </a:r>
             <a:r>
-              <a:rPr lang="en" i="1"/>
+              <a:rPr lang="en" i="1" dirty="0" err="1"/>
               <a:t>a</a:t>
             </a:r>
             <a:r>
-              <a:rPr lang="en" i="1" baseline="30000"/>
+              <a:rPr lang="en" i="1" baseline="30000" dirty="0" err="1"/>
               <a:t>φ</a:t>
             </a:r>
             <a:r>
-              <a:rPr lang="en" baseline="30000"/>
+              <a:rPr lang="en" baseline="30000" dirty="0"/>
               <a:t>(</a:t>
             </a:r>
             <a:r>
-              <a:rPr lang="en" i="1" baseline="30000"/>
+              <a:rPr lang="en" i="1" baseline="30000" dirty="0"/>
               <a:t>N</a:t>
             </a:r>
             <a:r>
-              <a:rPr lang="en" baseline="30000"/>
+              <a:rPr lang="en" baseline="30000" dirty="0"/>
               <a:t>)</a:t>
             </a:r>
             <a:r>
-              <a:rPr lang="en"/>
+              <a:rPr lang="en" dirty="0"/>
               <a:t> ≡ 1 mod </a:t>
             </a:r>
             <a:r>
-              <a:rPr lang="en" i="1"/>
+              <a:rPr lang="en" i="1" dirty="0"/>
               <a:t>N</a:t>
             </a:r>
-            <a:endParaRPr/>
+            <a:endParaRPr dirty="0"/>
           </a:p>
           <a:p>
             <a:pPr marL="914400" lvl="1" indent="-317500" algn="l" rtl="0">
@@ -18732,26 +18774,26 @@
               <a:buChar char="○"/>
             </a:pPr>
             <a:r>
-              <a:rPr lang="en" i="1"/>
+              <a:rPr lang="en" i="1" dirty="0" err="1"/>
               <a:t>φ</a:t>
             </a:r>
             <a:r>
-              <a:rPr lang="en"/>
+              <a:rPr lang="en" dirty="0"/>
               <a:t>(</a:t>
             </a:r>
             <a:r>
-              <a:rPr lang="en" i="1"/>
+              <a:rPr lang="en" i="1" dirty="0"/>
               <a:t>N</a:t>
             </a:r>
             <a:r>
-              <a:rPr lang="en"/>
+              <a:rPr lang="en" dirty="0"/>
               <a:t>) is the totient function of </a:t>
             </a:r>
             <a:r>
-              <a:rPr lang="en" i="1"/>
+              <a:rPr lang="en" i="1" dirty="0"/>
               <a:t>N</a:t>
             </a:r>
-            <a:endParaRPr/>
+            <a:endParaRPr dirty="0"/>
           </a:p>
           <a:p>
             <a:pPr marL="914400" lvl="1" indent="-317500" algn="l" rtl="0">
@@ -18765,42 +18807,42 @@
               <a:buChar char="○"/>
             </a:pPr>
             <a:r>
-              <a:rPr lang="en"/>
+              <a:rPr lang="en" dirty="0"/>
               <a:t>If </a:t>
             </a:r>
             <a:r>
-              <a:rPr lang="en" i="1"/>
+              <a:rPr lang="en" i="1" dirty="0"/>
               <a:t>N</a:t>
             </a:r>
             <a:r>
-              <a:rPr lang="en"/>
+              <a:rPr lang="en" dirty="0"/>
               <a:t> is prime, </a:t>
             </a:r>
             <a:r>
-              <a:rPr lang="en" i="1"/>
+              <a:rPr lang="en" i="1" dirty="0" err="1"/>
               <a:t>φ</a:t>
             </a:r>
             <a:r>
-              <a:rPr lang="en"/>
+              <a:rPr lang="en" dirty="0"/>
               <a:t>(</a:t>
             </a:r>
             <a:r>
-              <a:rPr lang="en" i="1"/>
+              <a:rPr lang="en" i="1" dirty="0"/>
               <a:t>N</a:t>
             </a:r>
             <a:r>
-              <a:rPr lang="en"/>
+              <a:rPr lang="en" dirty="0"/>
               <a:t>) = </a:t>
             </a:r>
             <a:r>
-              <a:rPr lang="en" i="1"/>
+              <a:rPr lang="en" i="1" dirty="0"/>
               <a:t>N</a:t>
             </a:r>
             <a:r>
-              <a:rPr lang="en"/>
+              <a:rPr lang="en" dirty="0"/>
               <a:t> - 1 (Fermat’s little theorem)</a:t>
             </a:r>
-            <a:endParaRPr/>
+            <a:endParaRPr dirty="0"/>
           </a:p>
           <a:p>
             <a:pPr marL="914400" lvl="1" indent="-317500" algn="l" rtl="0">
@@ -18814,66 +18856,66 @@
               <a:buChar char="○"/>
             </a:pPr>
             <a:r>
-              <a:rPr lang="en"/>
+              <a:rPr lang="en" dirty="0"/>
               <a:t>For a semi-prime </a:t>
             </a:r>
             <a:r>
-              <a:rPr lang="en" i="1"/>
+              <a:rPr lang="en" i="1" dirty="0" err="1"/>
               <a:t>pq</a:t>
             </a:r>
             <a:r>
-              <a:rPr lang="en"/>
+              <a:rPr lang="en" dirty="0"/>
               <a:t>, where </a:t>
             </a:r>
             <a:r>
-              <a:rPr lang="en" i="1"/>
+              <a:rPr lang="en" i="1" dirty="0"/>
               <a:t>p</a:t>
             </a:r>
             <a:r>
-              <a:rPr lang="en"/>
+              <a:rPr lang="en" dirty="0"/>
               <a:t> and </a:t>
             </a:r>
             <a:r>
-              <a:rPr lang="en" i="1"/>
+              <a:rPr lang="en" i="1" dirty="0"/>
               <a:t>q</a:t>
             </a:r>
             <a:r>
-              <a:rPr lang="en"/>
+              <a:rPr lang="en" dirty="0"/>
               <a:t> are prime, </a:t>
             </a:r>
             <a:r>
-              <a:rPr lang="en" i="1"/>
+              <a:rPr lang="en" i="1" dirty="0" err="1"/>
               <a:t>φ</a:t>
             </a:r>
             <a:r>
-              <a:rPr lang="en"/>
+              <a:rPr lang="en" dirty="0"/>
               <a:t>(</a:t>
             </a:r>
             <a:r>
-              <a:rPr lang="en" i="1"/>
+              <a:rPr lang="en" i="1" dirty="0" err="1"/>
               <a:t>pq</a:t>
             </a:r>
             <a:r>
-              <a:rPr lang="en"/>
+              <a:rPr lang="en" dirty="0"/>
               <a:t>) = (</a:t>
             </a:r>
             <a:r>
-              <a:rPr lang="en" i="1"/>
+              <a:rPr lang="en" i="1" dirty="0"/>
               <a:t>p</a:t>
             </a:r>
             <a:r>
-              <a:rPr lang="en"/>
+              <a:rPr lang="en" dirty="0"/>
               <a:t> - 1)(</a:t>
             </a:r>
             <a:r>
-              <a:rPr lang="en" i="1"/>
+              <a:rPr lang="en" i="1" dirty="0"/>
               <a:t>q</a:t>
             </a:r>
             <a:r>
-              <a:rPr lang="en"/>
+              <a:rPr lang="en" dirty="0"/>
               <a:t> - 1)</a:t>
             </a:r>
-            <a:endParaRPr/>
+            <a:endParaRPr dirty="0"/>
           </a:p>
           <a:p>
             <a:pPr marL="914400" lvl="1" indent="-317500" algn="l" rtl="0">
@@ -18887,10 +18929,10 @@
               <a:buChar char="○"/>
             </a:pPr>
             <a:r>
-              <a:rPr lang="en"/>
+              <a:rPr lang="en" dirty="0"/>
               <a:t>This is all out-of-scope CS 70 knowledge</a:t>
             </a:r>
-            <a:endParaRPr/>
+            <a:endParaRPr dirty="0"/>
           </a:p>
           <a:p>
             <a:pPr marL="457200" lvl="0" indent="-342900" algn="l" rtl="0">
@@ -18904,58 +18946,58 @@
               <a:buAutoNum type="arabicPeriod"/>
             </a:pPr>
             <a:r>
-              <a:rPr lang="en"/>
+              <a:rPr lang="en" dirty="0"/>
               <a:t>Notice: </a:t>
             </a:r>
             <a:r>
-              <a:rPr lang="en" i="1"/>
+              <a:rPr lang="en" i="1" dirty="0"/>
               <a:t>ed</a:t>
             </a:r>
             <a:r>
-              <a:rPr lang="en"/>
+              <a:rPr lang="en" dirty="0"/>
               <a:t> ≡ 1 mod (</a:t>
             </a:r>
             <a:r>
-              <a:rPr lang="en" i="1"/>
+              <a:rPr lang="en" i="1" dirty="0"/>
               <a:t>p</a:t>
             </a:r>
             <a:r>
-              <a:rPr lang="en"/>
+              <a:rPr lang="en" dirty="0"/>
               <a:t> - 1)(</a:t>
             </a:r>
             <a:r>
-              <a:rPr lang="en" i="1"/>
+              <a:rPr lang="en" i="1" dirty="0"/>
               <a:t>q</a:t>
             </a:r>
             <a:r>
-              <a:rPr lang="en"/>
+              <a:rPr lang="en" dirty="0"/>
               <a:t> - 1) so </a:t>
             </a:r>
             <a:r>
-              <a:rPr lang="en" i="1"/>
+              <a:rPr lang="en" i="1" dirty="0"/>
               <a:t>ed</a:t>
             </a:r>
             <a:r>
-              <a:rPr lang="en"/>
+              <a:rPr lang="en" dirty="0"/>
               <a:t> ≡ 1 mod </a:t>
             </a:r>
             <a:r>
-              <a:rPr lang="en" i="1"/>
+              <a:rPr lang="en" i="1" dirty="0" err="1"/>
               <a:t>φ</a:t>
             </a:r>
             <a:r>
-              <a:rPr lang="en"/>
+              <a:rPr lang="en" dirty="0"/>
               <a:t>(</a:t>
             </a:r>
             <a:r>
-              <a:rPr lang="en" i="1"/>
+              <a:rPr lang="en" i="1" dirty="0"/>
               <a:t>N</a:t>
             </a:r>
             <a:r>
-              <a:rPr lang="en"/>
+              <a:rPr lang="en" dirty="0"/>
               <a:t>)</a:t>
             </a:r>
-            <a:endParaRPr/>
+            <a:endParaRPr dirty="0"/>
           </a:p>
           <a:p>
             <a:pPr marL="914400" lvl="1" indent="-317500" algn="l" rtl="0">
@@ -18969,38 +19011,38 @@
               <a:buChar char="○"/>
             </a:pPr>
             <a:r>
-              <a:rPr lang="en"/>
+              <a:rPr lang="en" dirty="0"/>
               <a:t>This means that </a:t>
             </a:r>
             <a:r>
-              <a:rPr lang="en" i="1"/>
+              <a:rPr lang="en" i="1" dirty="0"/>
               <a:t>ed</a:t>
             </a:r>
             <a:r>
-              <a:rPr lang="en"/>
+              <a:rPr lang="en" dirty="0"/>
               <a:t> = </a:t>
             </a:r>
             <a:r>
-              <a:rPr lang="en" i="1"/>
+              <a:rPr lang="en" i="1" dirty="0" err="1"/>
               <a:t>kφ</a:t>
             </a:r>
             <a:r>
-              <a:rPr lang="en"/>
+              <a:rPr lang="en" dirty="0"/>
               <a:t>(</a:t>
             </a:r>
             <a:r>
-              <a:rPr lang="en" i="1"/>
+              <a:rPr lang="en" i="1" dirty="0"/>
               <a:t>n</a:t>
             </a:r>
             <a:r>
-              <a:rPr lang="en"/>
+              <a:rPr lang="en" dirty="0"/>
               <a:t>) + 1 for some integer </a:t>
             </a:r>
             <a:r>
-              <a:rPr lang="en" i="1"/>
+              <a:rPr lang="en" i="1" dirty="0"/>
               <a:t>k</a:t>
             </a:r>
-            <a:endParaRPr/>
+            <a:endParaRPr dirty="0"/>
           </a:p>
           <a:p>
             <a:pPr marL="457200" lvl="0" indent="-342900" algn="l" rtl="0">
@@ -19014,46 +19056,46 @@
               <a:buAutoNum type="arabicPeriod"/>
             </a:pPr>
             <a:r>
-              <a:rPr lang="en"/>
+              <a:rPr lang="en" dirty="0"/>
               <a:t>(1) can be written as </a:t>
             </a:r>
             <a:r>
-              <a:rPr lang="en" i="1"/>
+              <a:rPr lang="en" i="1" dirty="0" err="1"/>
               <a:t>M</a:t>
             </a:r>
             <a:r>
-              <a:rPr lang="en" i="1" baseline="30000"/>
+              <a:rPr lang="en" i="1" baseline="30000" dirty="0" err="1"/>
               <a:t>kφ</a:t>
             </a:r>
             <a:r>
-              <a:rPr lang="en" baseline="30000"/>
+              <a:rPr lang="en" baseline="30000" dirty="0"/>
               <a:t>(</a:t>
             </a:r>
             <a:r>
-              <a:rPr lang="en" i="1" baseline="30000"/>
+              <a:rPr lang="en" i="1" baseline="30000" dirty="0"/>
               <a:t>N</a:t>
             </a:r>
             <a:r>
-              <a:rPr lang="en" baseline="30000"/>
+              <a:rPr lang="en" baseline="30000" dirty="0"/>
               <a:t>) + 1</a:t>
             </a:r>
             <a:r>
-              <a:rPr lang="en"/>
+              <a:rPr lang="en" dirty="0"/>
               <a:t> ≡ </a:t>
             </a:r>
             <a:r>
-              <a:rPr lang="en" i="1"/>
+              <a:rPr lang="en" i="1" dirty="0"/>
               <a:t>M</a:t>
             </a:r>
             <a:r>
-              <a:rPr lang="en"/>
+              <a:rPr lang="en" dirty="0"/>
               <a:t> mod </a:t>
             </a:r>
             <a:r>
-              <a:rPr lang="en" i="1"/>
+              <a:rPr lang="en" i="1" dirty="0"/>
               <a:t>N</a:t>
             </a:r>
-            <a:endParaRPr/>
+            <a:endParaRPr dirty="0"/>
           </a:p>
           <a:p>
             <a:pPr marL="457200" lvl="0" indent="-342900" algn="l" rtl="0">
@@ -19067,50 +19109,50 @@
               <a:buAutoNum type="arabicPeriod"/>
             </a:pPr>
             <a:r>
-              <a:rPr lang="en" i="1"/>
+              <a:rPr lang="en" i="1" dirty="0" err="1"/>
               <a:t>M</a:t>
             </a:r>
             <a:r>
-              <a:rPr lang="en" i="1" baseline="30000"/>
+              <a:rPr lang="en" i="1" baseline="30000" dirty="0" err="1"/>
               <a:t>kφ</a:t>
             </a:r>
             <a:r>
-              <a:rPr lang="en" baseline="30000"/>
+              <a:rPr lang="en" baseline="30000" dirty="0"/>
               <a:t>(</a:t>
             </a:r>
             <a:r>
-              <a:rPr lang="en" i="1" baseline="30000"/>
+              <a:rPr lang="en" i="1" baseline="30000" dirty="0"/>
               <a:t>N</a:t>
             </a:r>
             <a:r>
-              <a:rPr lang="en" baseline="30000"/>
+              <a:rPr lang="en" baseline="30000" dirty="0"/>
               <a:t>)</a:t>
             </a:r>
             <a:r>
-              <a:rPr lang="en" i="1"/>
+              <a:rPr lang="en" i="1" dirty="0"/>
               <a:t>M</a:t>
             </a:r>
             <a:r>
-              <a:rPr lang="en" baseline="30000"/>
+              <a:rPr lang="en" baseline="30000" dirty="0"/>
               <a:t>1</a:t>
             </a:r>
             <a:r>
-              <a:rPr lang="en"/>
+              <a:rPr lang="en" dirty="0"/>
               <a:t> ≡ </a:t>
             </a:r>
             <a:r>
-              <a:rPr lang="en" i="1"/>
+              <a:rPr lang="en" i="1" dirty="0"/>
               <a:t>M</a:t>
             </a:r>
             <a:r>
-              <a:rPr lang="en"/>
+              <a:rPr lang="en" dirty="0"/>
               <a:t> mod </a:t>
             </a:r>
             <a:r>
-              <a:rPr lang="en" i="1"/>
+              <a:rPr lang="en" i="1" dirty="0"/>
               <a:t>N</a:t>
             </a:r>
-            <a:endParaRPr/>
+            <a:endParaRPr dirty="0"/>
           </a:p>
           <a:p>
             <a:pPr marL="457200" lvl="0" indent="-342900" algn="l" rtl="0">
@@ -19124,38 +19166,38 @@
               <a:buAutoNum type="arabicPeriod"/>
             </a:pPr>
             <a:r>
-              <a:rPr lang="en"/>
+              <a:rPr lang="en" dirty="0"/>
               <a:t>1</a:t>
             </a:r>
             <a:r>
-              <a:rPr lang="en" i="1"/>
+              <a:rPr lang="en" i="1" dirty="0"/>
               <a:t>M</a:t>
             </a:r>
             <a:r>
-              <a:rPr lang="en" baseline="30000"/>
+              <a:rPr lang="en" baseline="30000" dirty="0"/>
               <a:t>1</a:t>
             </a:r>
             <a:r>
-              <a:rPr lang="en"/>
+              <a:rPr lang="en" dirty="0"/>
               <a:t> ≡ </a:t>
             </a:r>
             <a:r>
-              <a:rPr lang="en" i="1"/>
+              <a:rPr lang="en" i="1" dirty="0"/>
               <a:t>M</a:t>
             </a:r>
             <a:r>
-              <a:rPr lang="en"/>
+              <a:rPr lang="en" dirty="0"/>
               <a:t> mod </a:t>
             </a:r>
             <a:r>
-              <a:rPr lang="en" i="1"/>
+              <a:rPr lang="en" i="1" dirty="0"/>
               <a:t>N</a:t>
             </a:r>
             <a:r>
-              <a:rPr lang="en"/>
+              <a:rPr lang="en" dirty="0"/>
               <a:t> by Euler’s theorem</a:t>
             </a:r>
-            <a:endParaRPr/>
+            <a:endParaRPr dirty="0"/>
           </a:p>
           <a:p>
             <a:pPr marL="457200" lvl="0" indent="-342900" algn="l" rtl="0">
@@ -19169,68 +19211,26 @@
               <a:buAutoNum type="arabicPeriod"/>
             </a:pPr>
             <a:r>
-              <a:rPr lang="en" i="1"/>
+              <a:rPr lang="en" i="1" dirty="0"/>
               <a:t>M</a:t>
             </a:r>
             <a:r>
-              <a:rPr lang="en"/>
+              <a:rPr lang="en" dirty="0"/>
               <a:t> ≡ </a:t>
             </a:r>
             <a:r>
-              <a:rPr lang="en" i="1"/>
+              <a:rPr lang="en" i="1" dirty="0"/>
               <a:t>M</a:t>
             </a:r>
             <a:r>
-              <a:rPr lang="en"/>
+              <a:rPr lang="en" dirty="0"/>
               <a:t> mod </a:t>
             </a:r>
             <a:r>
-              <a:rPr lang="en" i="1"/>
+              <a:rPr lang="en" i="1" dirty="0"/>
               <a:t>N</a:t>
             </a:r>
-            <a:endParaRPr/>
-          </a:p>
-        </p:txBody>
-      </p:sp>
-      <p:sp>
-        <p:nvSpPr>
-          <p:cNvPr id="208" name="Google Shape;208;p35"/>
-          <p:cNvSpPr txBox="1">
-            <a:spLocks noGrp="1"/>
-          </p:cNvSpPr>
-          <p:nvPr>
-            <p:ph type="sldNum" idx="12"/>
-          </p:nvPr>
-        </p:nvSpPr>
-        <p:spPr>
-          <a:xfrm>
-            <a:off x="8472458" y="4663217"/>
-            <a:ext cx="548700" cy="393600"/>
-          </a:xfrm>
-          <a:prstGeom prst="rect">
-            <a:avLst/>
-          </a:prstGeom>
-        </p:spPr>
-        <p:txBody>
-          <a:bodyPr spcFirstLastPara="1" wrap="square" lIns="91425" tIns="91425" rIns="91425" bIns="91425" anchor="ctr" anchorCtr="0">
-            <a:normAutofit/>
-          </a:bodyPr>
-          <a:lstStyle/>
-          <a:p>
-            <a:pPr marL="0" lvl="0" indent="0" algn="r" rtl="0">
-              <a:spcBef>
-                <a:spcPts val="0"/>
-              </a:spcBef>
-              <a:spcAft>
-                <a:spcPts val="0"/>
-              </a:spcAft>
-              <a:buNone/>
-            </a:pPr>
-            <a:fld id="{00000000-1234-1234-1234-123412341234}" type="slidenum">
-              <a:rPr lang="en"/>
-              <a:t>20</a:t>
-            </a:fld>
-            <a:endParaRPr/>
+            <a:endParaRPr dirty="0"/>
           </a:p>
         </p:txBody>
       </p:sp>
@@ -24583,63 +24583,6 @@
               <a:t>28</a:t>
             </a:fld>
             <a:endParaRPr/>
-          </a:p>
-        </p:txBody>
-      </p:sp>
-      <p:sp>
-        <p:nvSpPr>
-          <p:cNvPr id="267" name="Google Shape;267;p43"/>
-          <p:cNvSpPr txBox="1"/>
-          <p:nvPr/>
-        </p:nvSpPr>
-        <p:spPr>
-          <a:xfrm>
-            <a:off x="512100" y="4520775"/>
-            <a:ext cx="8119800" cy="572700"/>
-          </a:xfrm>
-          <a:prstGeom prst="rect">
-            <a:avLst/>
-          </a:prstGeom>
-          <a:noFill/>
-          <a:ln>
-            <a:noFill/>
-          </a:ln>
-        </p:spPr>
-        <p:txBody>
-          <a:bodyPr spcFirstLastPara="1" wrap="square" lIns="91425" tIns="91425" rIns="91425" bIns="91425" anchor="t" anchorCtr="0">
-            <a:normAutofit lnSpcReduction="10000"/>
-          </a:bodyPr>
-          <a:lstStyle/>
-          <a:p>
-            <a:pPr marL="0" lvl="0" indent="0" algn="ctr" rtl="0">
-              <a:lnSpc>
-                <a:spcPct val="115000"/>
-              </a:lnSpc>
-              <a:spcBef>
-                <a:spcPts val="0"/>
-              </a:spcBef>
-              <a:spcAft>
-                <a:spcPts val="1200"/>
-              </a:spcAft>
-              <a:buNone/>
-            </a:pPr>
-            <a:r>
-              <a:rPr lang="en">
-                <a:solidFill>
-                  <a:srgbClr val="000000"/>
-                </a:solidFill>
-              </a:rPr>
-              <a:t>Textbook Chapter</a:t>
-            </a:r>
-            <a:r>
-              <a:rPr lang="en"/>
-              <a:t> 12</a:t>
-            </a:r>
-            <a:endParaRPr>
-              <a:solidFill>
-                <a:srgbClr val="000000"/>
-              </a:solidFill>
-            </a:endParaRPr>
           </a:p>
         </p:txBody>
       </p:sp>
@@ -33649,10 +33592,10 @@
               <a:buChar char="●"/>
             </a:pPr>
             <a:r>
-              <a:rPr lang="en"/>
+              <a:rPr lang="en" dirty="0"/>
               <a:t>Public-key cryptography: Two keys; one undoes the other</a:t>
             </a:r>
-            <a:endParaRPr/>
+            <a:endParaRPr dirty="0"/>
           </a:p>
           <a:p>
             <a:pPr marL="457200" lvl="0" indent="-342900" algn="l" rtl="0">
@@ -33666,10 +33609,10 @@
               <a:buChar char="●"/>
             </a:pPr>
             <a:r>
-              <a:rPr lang="en"/>
+              <a:rPr lang="en" dirty="0"/>
               <a:t>Public-key encryption: One key encrypts, the other decrypts</a:t>
             </a:r>
-            <a:endParaRPr/>
+            <a:endParaRPr dirty="0"/>
           </a:p>
           <a:p>
             <a:pPr marL="914400" lvl="1" indent="-317500" algn="l" rtl="0">
@@ -33683,10 +33626,10 @@
               <a:buChar char="○"/>
             </a:pPr>
             <a:r>
-              <a:rPr lang="en"/>
+              <a:rPr lang="en" dirty="0"/>
               <a:t>Security properties similar to symmetric encryption</a:t>
             </a:r>
-            <a:endParaRPr/>
+            <a:endParaRPr dirty="0"/>
           </a:p>
           <a:p>
             <a:pPr marL="914400" lvl="1" indent="-317500" algn="l" rtl="0">
@@ -33700,10 +33643,50 @@
               <a:buChar char="○"/>
             </a:pPr>
             <a:r>
-              <a:rPr lang="en"/>
-              <a:t>ElGamal: Based on Diffie-Hellman</a:t>
-            </a:r>
-            <a:endParaRPr/>
+              <a:rPr lang="en" dirty="0"/>
+              <a:t>RSA: Produce a pair </a:t>
+            </a:r>
+            <a:r>
+              <a:rPr lang="en" i="1" dirty="0"/>
+              <a:t>e</a:t>
+            </a:r>
+            <a:r>
+              <a:rPr lang="en" dirty="0"/>
+              <a:t> and </a:t>
+            </a:r>
+            <a:r>
+              <a:rPr lang="en" i="1" dirty="0"/>
+              <a:t>d</a:t>
+            </a:r>
+            <a:r>
+              <a:rPr lang="en" dirty="0"/>
+              <a:t> such that </a:t>
+            </a:r>
+            <a:r>
+              <a:rPr lang="en" i="1" dirty="0"/>
+              <a:t>M</a:t>
+            </a:r>
+            <a:r>
+              <a:rPr lang="en" i="1" baseline="30000" dirty="0"/>
+              <a:t>ed</a:t>
+            </a:r>
+            <a:r>
+              <a:rPr lang="en" dirty="0"/>
+              <a:t> = </a:t>
+            </a:r>
+            <a:r>
+              <a:rPr lang="en" i="1" dirty="0"/>
+              <a:t>M</a:t>
+            </a:r>
+            <a:r>
+              <a:rPr lang="en" dirty="0"/>
+              <a:t> mod </a:t>
+            </a:r>
+            <a:r>
+              <a:rPr lang="en" i="1" dirty="0"/>
+              <a:t>N</a:t>
+            </a:r>
+            <a:endParaRPr dirty="0"/>
           </a:p>
           <a:p>
             <a:pPr marL="1371600" lvl="2" indent="-317500" algn="l" rtl="0">
@@ -33717,63 +33700,44 @@
               <a:buChar char="■"/>
             </a:pPr>
             <a:r>
-              <a:rPr lang="en"/>
-              <a:t>The public key is </a:t>
-            </a:r>
-            <a:r>
-              <a:rPr lang="en" i="1"/>
-              <a:t>g</a:t>
-            </a:r>
-            <a:r>
-              <a:rPr lang="en" i="1" baseline="30000"/>
-              <a:t>b</a:t>
-            </a:r>
-            <a:r>
-              <a:rPr lang="en"/>
-              <a:t>, and </a:t>
-            </a:r>
-            <a:r>
-              <a:rPr lang="en" i="1"/>
-              <a:t>C</a:t>
-            </a:r>
-            <a:r>
-              <a:rPr lang="en" sz="900"/>
-              <a:t>1</a:t>
-            </a:r>
-            <a:r>
-              <a:rPr lang="en"/>
-              <a:t> is </a:t>
-            </a:r>
-            <a:r>
-              <a:rPr lang="en" i="1"/>
-              <a:t>g</a:t>
-            </a:r>
-            <a:r>
-              <a:rPr lang="en" i="1" baseline="30000"/>
-              <a:t>r</a:t>
-            </a:r>
-            <a:r>
-              <a:rPr lang="en"/>
-              <a:t>.</a:t>
-            </a:r>
-            <a:endParaRPr/>
-          </a:p>
-          <a:p>
-            <a:pPr marL="1371600" lvl="2" indent="-317500" algn="l" rtl="0">
-              <a:spcBef>
-                <a:spcPts val="0"/>
-              </a:spcBef>
-              <a:spcAft>
-                <a:spcPts val="0"/>
-              </a:spcAft>
-              <a:buSzPts val="1400"/>
-              <a:buChar char="■"/>
-            </a:pPr>
-            <a:r>
-              <a:rPr lang="en"/>
+              <a:rPr lang="en" dirty="0"/>
               <a:t>Not IND-CPA secure on its own</a:t>
             </a:r>
-            <a:endParaRPr/>
+            <a:endParaRPr dirty="0"/>
+          </a:p>
+          <a:p>
+            <a:pPr marL="457200" lvl="0" indent="-342900" algn="l" rtl="0">
+              <a:spcBef>
+                <a:spcPts val="0"/>
+              </a:spcBef>
+              <a:spcAft>
+                <a:spcPts val="0"/>
+              </a:spcAft>
+              <a:buSzPts val="1800"/>
+              <a:buChar char="●"/>
+            </a:pPr>
+            <a:r>
+              <a:rPr lang="en" dirty="0"/>
+              <a:t>Hybrid encryption: Encrypt a symmetric key, and use the symmetric key to encrypt the message</a:t>
+            </a:r>
+            <a:endParaRPr dirty="0"/>
+          </a:p>
+          <a:p>
+            <a:pPr marL="457200" lvl="0" indent="-342900" algn="l" rtl="0">
+              <a:spcBef>
+                <a:spcPts val="0"/>
+              </a:spcBef>
+              <a:spcAft>
+                <a:spcPts val="0"/>
+              </a:spcAft>
+              <a:buSzPts val="1800"/>
+              <a:buChar char="●"/>
+            </a:pPr>
+            <a:r>
+              <a:rPr lang="en" dirty="0"/>
+              <a:t>Digital signatures: Integrity and authenticity for asymmetric schemes</a:t>
+            </a:r>
+            <a:endParaRPr dirty="0"/>
           </a:p>
           <a:p>
             <a:pPr marL="914400" lvl="1" indent="-317500" algn="l" rtl="0">
@@ -33787,126 +33751,18 @@
               <a:buChar char="○"/>
             </a:pPr>
             <a:r>
-              <a:rPr lang="en"/>
-              <a:t>RSA: Produce a pair </a:t>
-            </a:r>
-            <a:r>
-              <a:rPr lang="en" i="1"/>
-              <a:t>e</a:t>
-            </a:r>
-            <a:r>
-              <a:rPr lang="en"/>
-              <a:t> and </a:t>
-            </a:r>
-            <a:r>
-              <a:rPr lang="en" i="1"/>
-              <a:t>d</a:t>
-            </a:r>
-            <a:r>
-              <a:rPr lang="en"/>
-              <a:t> such that </a:t>
-            </a:r>
-            <a:r>
-              <a:rPr lang="en" i="1"/>
-              <a:t>M</a:t>
-            </a:r>
-            <a:r>
-              <a:rPr lang="en" i="1" baseline="30000"/>
-              <a:t>ed</a:t>
-            </a:r>
-            <a:r>
-              <a:rPr lang="en"/>
-              <a:t> = </a:t>
-            </a:r>
-            <a:r>
-              <a:rPr lang="en" i="1"/>
-              <a:t>M</a:t>
-            </a:r>
-            <a:r>
-              <a:rPr lang="en"/>
-              <a:t> mod </a:t>
-            </a:r>
-            <a:r>
-              <a:rPr lang="en" i="1"/>
-              <a:t>N</a:t>
-            </a:r>
-            <a:endParaRPr/>
-          </a:p>
-          <a:p>
-            <a:pPr marL="1371600" lvl="2" indent="-317500" algn="l" rtl="0">
-              <a:spcBef>
-                <a:spcPts val="0"/>
-              </a:spcBef>
-              <a:spcAft>
-                <a:spcPts val="0"/>
-              </a:spcAft>
-              <a:buSzPts val="1400"/>
-              <a:buChar char="■"/>
-            </a:pPr>
-            <a:r>
-              <a:rPr lang="en"/>
-              <a:t>Not IND-CPA secure on its own</a:t>
-            </a:r>
-            <a:endParaRPr/>
-          </a:p>
-          <a:p>
-            <a:pPr marL="457200" lvl="0" indent="-342900" algn="l" rtl="0">
-              <a:spcBef>
-                <a:spcPts val="0"/>
-              </a:spcBef>
-              <a:spcAft>
-                <a:spcPts val="0"/>
-              </a:spcAft>
-              <a:buSzPts val="1800"/>
-              <a:buChar char="●"/>
-            </a:pPr>
-            <a:r>
-              <a:rPr lang="en"/>
-              <a:t>Hybrid encryption: Encrypt a symmetric key, and use the symmetric key to encrypt the message</a:t>
-            </a:r>
-            <a:endParaRPr/>
-          </a:p>
-          <a:p>
-            <a:pPr marL="457200" lvl="0" indent="-342900" algn="l" rtl="0">
-              <a:spcBef>
-                <a:spcPts val="0"/>
-              </a:spcBef>
-              <a:spcAft>
-                <a:spcPts val="0"/>
-              </a:spcAft>
-              <a:buSzPts val="1800"/>
-              <a:buChar char="●"/>
-            </a:pPr>
-            <a:r>
-              <a:rPr lang="en"/>
-              <a:t>Digital signatures: Integrity and authenticity for asymmetric schemes</a:t>
-            </a:r>
-            <a:endParaRPr/>
-          </a:p>
-          <a:p>
-            <a:pPr marL="914400" lvl="1" indent="-317500" algn="l" rtl="0">
-              <a:spcBef>
-                <a:spcPts val="0"/>
-              </a:spcBef>
-              <a:spcAft>
-                <a:spcPts val="0"/>
-              </a:spcAft>
-              <a:buSzPts val="1400"/>
-              <a:buChar char="○"/>
-            </a:pPr>
-            <a:r>
-              <a:rPr lang="en"/>
+              <a:rPr lang="en" dirty="0"/>
               <a:t>RSA: Same as RSA encryption, but encrypt the hash with the </a:t>
             </a:r>
             <a:r>
-              <a:rPr lang="en" i="1"/>
+              <a:rPr lang="en" i="1" dirty="0"/>
               <a:t>private</a:t>
             </a:r>
             <a:r>
-              <a:rPr lang="en"/>
+              <a:rPr lang="en" dirty="0"/>
               <a:t> key</a:t>
             </a:r>
-            <a:endParaRPr/>
+            <a:endParaRPr dirty="0"/>
           </a:p>
         </p:txBody>
       </p:sp>
@@ -34206,10 +34062,10 @@
               <a:buChar char="●"/>
             </a:pPr>
             <a:r>
-              <a:rPr lang="en"/>
+              <a:rPr lang="en" dirty="0"/>
               <a:t>In public-key schemes, each person has two keys</a:t>
             </a:r>
-            <a:endParaRPr/>
+            <a:endParaRPr dirty="0"/>
           </a:p>
           <a:p>
             <a:pPr marL="914400" lvl="1" indent="-317500" algn="l" rtl="0">
@@ -34223,14 +34079,14 @@
               <a:buChar char="○"/>
             </a:pPr>
             <a:r>
-              <a:rPr lang="en" b="1"/>
+              <a:rPr lang="en" b="1" dirty="0"/>
               <a:t>Public key</a:t>
             </a:r>
             <a:r>
-              <a:rPr lang="en"/>
+              <a:rPr lang="en" dirty="0"/>
               <a:t>: Known to everybody</a:t>
             </a:r>
-            <a:endParaRPr/>
+            <a:endParaRPr dirty="0"/>
           </a:p>
           <a:p>
             <a:pPr marL="914400" lvl="1" indent="-317500" algn="l" rtl="0">
@@ -34244,14 +34100,14 @@
               <a:buChar char="○"/>
             </a:pPr>
             <a:r>
-              <a:rPr lang="en" b="1"/>
+              <a:rPr lang="en" b="1" dirty="0"/>
               <a:t>Private key</a:t>
             </a:r>
             <a:r>
-              <a:rPr lang="en"/>
+              <a:rPr lang="en" dirty="0"/>
               <a:t>: Only known by that person</a:t>
             </a:r>
-            <a:endParaRPr/>
+            <a:endParaRPr dirty="0"/>
           </a:p>
           <a:p>
             <a:pPr marL="914400" lvl="1" indent="-317500" algn="l" rtl="0">
@@ -34265,10 +34121,10 @@
               <a:buChar char="○"/>
             </a:pPr>
             <a:r>
-              <a:rPr lang="en"/>
+              <a:rPr lang="en" dirty="0"/>
               <a:t>Keys come in pairs: every public key corresponds to one private key</a:t>
             </a:r>
-            <a:endParaRPr/>
+            <a:endParaRPr dirty="0"/>
           </a:p>
           <a:p>
             <a:pPr marL="457200" lvl="0" indent="-342900" algn="l" rtl="0">
@@ -34282,10 +34138,10 @@
               <a:buChar char="●"/>
             </a:pPr>
             <a:r>
-              <a:rPr lang="en"/>
+              <a:rPr lang="en" dirty="0"/>
               <a:t>Uses number theory</a:t>
             </a:r>
-            <a:endParaRPr/>
+            <a:endParaRPr dirty="0"/>
           </a:p>
           <a:p>
             <a:pPr marL="914400" lvl="1" indent="-317500" algn="l" rtl="0">
@@ -34299,10 +34155,10 @@
               <a:buChar char="○"/>
             </a:pPr>
             <a:r>
-              <a:rPr lang="en"/>
+              <a:rPr lang="en" dirty="0"/>
               <a:t>Examples: Modular arithmetic, factoring, discrete logarithm problem</a:t>
             </a:r>
-            <a:endParaRPr/>
+            <a:endParaRPr dirty="0"/>
           </a:p>
           <a:p>
             <a:pPr marL="914400" lvl="1" indent="-317500" algn="l" rtl="0">
@@ -34316,10 +34172,10 @@
               <a:buChar char="○"/>
             </a:pPr>
             <a:r>
-              <a:rPr lang="en"/>
+              <a:rPr lang="en" dirty="0"/>
               <a:t>Contrast with symmetric-key cryptography (uses XORs and bit-shifts)</a:t>
             </a:r>
-            <a:endParaRPr/>
+            <a:endParaRPr dirty="0"/>
           </a:p>
           <a:p>
             <a:pPr marL="457200" lvl="0" indent="-342900" algn="l" rtl="0">
@@ -34333,10 +34189,10 @@
               <a:buChar char="●"/>
             </a:pPr>
             <a:r>
-              <a:rPr lang="en"/>
+              <a:rPr lang="en" dirty="0"/>
               <a:t>Messages are numbers</a:t>
             </a:r>
-            <a:endParaRPr/>
+            <a:endParaRPr dirty="0"/>
           </a:p>
           <a:p>
             <a:pPr marL="914400" lvl="1" indent="-317500" algn="l" rtl="0">
@@ -34350,10 +34206,10 @@
               <a:buChar char="○"/>
             </a:pPr>
             <a:r>
-              <a:rPr lang="en"/>
+              <a:rPr lang="en" dirty="0"/>
               <a:t>Contrast with symmetric-key cryptography (messages are bit strings)</a:t>
             </a:r>
-            <a:endParaRPr/>
+            <a:endParaRPr dirty="0"/>
           </a:p>
           <a:p>
             <a:pPr marL="457200" lvl="0" indent="-342900" algn="l" rtl="0">
@@ -34367,10 +34223,10 @@
               <a:buChar char="●"/>
             </a:pPr>
             <a:r>
-              <a:rPr lang="en"/>
+              <a:rPr lang="en" dirty="0"/>
               <a:t>Benefit: No longer need to assume that Alice and Bob already share a secret</a:t>
             </a:r>
-            <a:endParaRPr/>
+            <a:endParaRPr dirty="0"/>
           </a:p>
           <a:p>
             <a:pPr marL="457200" lvl="0" indent="-342900" algn="l" rtl="0">
@@ -34384,10 +34240,10 @@
               <a:buChar char="●"/>
             </a:pPr>
             <a:r>
-              <a:rPr lang="en"/>
+              <a:rPr lang="en" dirty="0"/>
               <a:t>Drawback: Much slower than symmetric-key cryptography</a:t>
             </a:r>
-            <a:endParaRPr/>
+            <a:endParaRPr dirty="0"/>
           </a:p>
           <a:p>
             <a:pPr marL="914400" lvl="1" indent="-317500" algn="l" rtl="0">
@@ -34401,10 +34257,10 @@
               <a:buChar char="○"/>
             </a:pPr>
             <a:r>
-              <a:rPr lang="en"/>
+              <a:rPr lang="en" dirty="0"/>
               <a:t>Number theory calculations are much slower than XORs and bit-shifts</a:t>
             </a:r>
-            <a:endParaRPr/>
+            <a:endParaRPr dirty="0"/>
           </a:p>
         </p:txBody>
       </p:sp>

--- a/teaching/ITIS6200/2023fa/lectures/lec06.pptx
+++ b/teaching/ITIS6200/2023fa/lectures/lec06.pptx
@@ -35225,7 +35225,7 @@
 </file>
 
 <file path=ppt/slides/slide41.xml><?xml version="1.0" encoding="utf-8"?>
-<p:sld xmlns:a="http://schemas.openxmlformats.org/drawingml/2006/main" xmlns:r="http://schemas.openxmlformats.org/officeDocument/2006/relationships" xmlns:p="http://schemas.openxmlformats.org/presentationml/2006/main">
+<p:sld xmlns:a="http://schemas.openxmlformats.org/drawingml/2006/main" xmlns:r="http://schemas.openxmlformats.org/officeDocument/2006/relationships" xmlns:p="http://schemas.openxmlformats.org/presentationml/2006/main" show="0">
   <p:cSld>
     <p:spTree>
       <p:nvGrpSpPr>
@@ -35334,7 +35334,7 @@
 </file>
 
 <file path=ppt/slides/slide42.xml><?xml version="1.0" encoding="utf-8"?>
-<p:sld xmlns:a="http://schemas.openxmlformats.org/drawingml/2006/main" xmlns:r="http://schemas.openxmlformats.org/officeDocument/2006/relationships" xmlns:p="http://schemas.openxmlformats.org/presentationml/2006/main">
+<p:sld xmlns:a="http://schemas.openxmlformats.org/drawingml/2006/main" xmlns:r="http://schemas.openxmlformats.org/officeDocument/2006/relationships" xmlns:p="http://schemas.openxmlformats.org/presentationml/2006/main" show="0">
   <p:cSld>
     <p:spTree>
       <p:nvGrpSpPr>
@@ -36433,7 +36433,7 @@
 </file>
 
 <file path=ppt/slides/slide43.xml><?xml version="1.0" encoding="utf-8"?>
-<p:sld xmlns:a="http://schemas.openxmlformats.org/drawingml/2006/main" xmlns:r="http://schemas.openxmlformats.org/officeDocument/2006/relationships" xmlns:p="http://schemas.openxmlformats.org/presentationml/2006/main">
+<p:sld xmlns:a="http://schemas.openxmlformats.org/drawingml/2006/main" xmlns:r="http://schemas.openxmlformats.org/officeDocument/2006/relationships" xmlns:p="http://schemas.openxmlformats.org/presentationml/2006/main" show="0">
   <p:cSld>
     <p:spTree>
       <p:nvGrpSpPr>
@@ -37200,7 +37200,7 @@
 </file>
 
 <file path=ppt/slides/slide44.xml><?xml version="1.0" encoding="utf-8"?>
-<p:sld xmlns:a="http://schemas.openxmlformats.org/drawingml/2006/main" xmlns:r="http://schemas.openxmlformats.org/officeDocument/2006/relationships" xmlns:p="http://schemas.openxmlformats.org/presentationml/2006/main">
+<p:sld xmlns:a="http://schemas.openxmlformats.org/drawingml/2006/main" xmlns:r="http://schemas.openxmlformats.org/officeDocument/2006/relationships" xmlns:p="http://schemas.openxmlformats.org/presentationml/2006/main" show="0">
   <p:cSld>
     <p:spTree>
       <p:nvGrpSpPr>
@@ -37979,7 +37979,7 @@
 </file>
 
 <file path=ppt/slides/slide45.xml><?xml version="1.0" encoding="utf-8"?>
-<p:sld xmlns:a="http://schemas.openxmlformats.org/drawingml/2006/main" xmlns:r="http://schemas.openxmlformats.org/officeDocument/2006/relationships" xmlns:p="http://schemas.openxmlformats.org/presentationml/2006/main">
+<p:sld xmlns:a="http://schemas.openxmlformats.org/drawingml/2006/main" xmlns:r="http://schemas.openxmlformats.org/officeDocument/2006/relationships" xmlns:p="http://schemas.openxmlformats.org/presentationml/2006/main" show="0">
   <p:cSld>
     <p:spTree>
       <p:nvGrpSpPr>
@@ -43336,7 +43336,7 @@
             </a:pPr>
             <a:r>
               <a:rPr lang="en-US" dirty="0"/>
-              <a:t>Alice uses Alice’s public key to encrypt the message</a:t>
+              <a:t>Alice uses Bob’s public key to encrypt the message</a:t>
             </a:r>
           </a:p>
           <a:p>

--- a/teaching/ITIS6200/2023fa/lectures/lec06.pptx
+++ b/teaching/ITIS6200/2023fa/lectures/lec06.pptx
@@ -5,7 +5,7 @@
     <p:sldMasterId id="2147483663" r:id="rId1"/>
   </p:sldMasterIdLst>
   <p:notesMasterIdLst>
-    <p:notesMasterId r:id="rId48"/>
+    <p:notesMasterId r:id="rId49"/>
   </p:notesMasterIdLst>
   <p:sldIdLst>
     <p:sldId id="256" r:id="rId2"/>
@@ -39,21 +39,22 @@
     <p:sldId id="279" r:id="rId30"/>
     <p:sldId id="280" r:id="rId31"/>
     <p:sldId id="281" r:id="rId32"/>
-    <p:sldId id="282" r:id="rId33"/>
-    <p:sldId id="283" r:id="rId34"/>
-    <p:sldId id="284" r:id="rId35"/>
-    <p:sldId id="285" r:id="rId36"/>
-    <p:sldId id="286" r:id="rId37"/>
-    <p:sldId id="287" r:id="rId38"/>
-    <p:sldId id="288" r:id="rId39"/>
-    <p:sldId id="289" r:id="rId40"/>
-    <p:sldId id="290" r:id="rId41"/>
-    <p:sldId id="292" r:id="rId42"/>
-    <p:sldId id="293" r:id="rId43"/>
-    <p:sldId id="294" r:id="rId44"/>
-    <p:sldId id="295" r:id="rId45"/>
-    <p:sldId id="296" r:id="rId46"/>
-    <p:sldId id="297" r:id="rId47"/>
+    <p:sldId id="309" r:id="rId33"/>
+    <p:sldId id="282" r:id="rId34"/>
+    <p:sldId id="283" r:id="rId35"/>
+    <p:sldId id="284" r:id="rId36"/>
+    <p:sldId id="285" r:id="rId37"/>
+    <p:sldId id="286" r:id="rId38"/>
+    <p:sldId id="287" r:id="rId39"/>
+    <p:sldId id="288" r:id="rId40"/>
+    <p:sldId id="289" r:id="rId41"/>
+    <p:sldId id="290" r:id="rId42"/>
+    <p:sldId id="292" r:id="rId43"/>
+    <p:sldId id="293" r:id="rId44"/>
+    <p:sldId id="294" r:id="rId45"/>
+    <p:sldId id="295" r:id="rId46"/>
+    <p:sldId id="296" r:id="rId47"/>
+    <p:sldId id="297" r:id="rId48"/>
   </p:sldIdLst>
   <p:sldSz cx="9144000" cy="5143500" type="screen16x9"/>
   <p:notesSz cx="6858000" cy="9144000"/>
@@ -3977,6 +3978,119 @@
   <p:cSld>
     <p:spTree>
       <p:nvGrpSpPr>
+        <p:cNvPr id="1" name="Shape 254"/>
+        <p:cNvGrpSpPr/>
+        <p:nvPr/>
+      </p:nvGrpSpPr>
+      <p:grpSpPr>
+        <a:xfrm>
+          <a:off x="0" y="0"/>
+          <a:ext cx="0" cy="0"/>
+          <a:chOff x="0" y="0"/>
+          <a:chExt cx="0" cy="0"/>
+        </a:xfrm>
+      </p:grpSpPr>
+      <p:sp>
+        <p:nvSpPr>
+          <p:cNvPr id="255" name="Google Shape;255;g11468c29934_0_140:notes"/>
+          <p:cNvSpPr>
+            <a:spLocks noGrp="1" noRot="1" noChangeAspect="1"/>
+          </p:cNvSpPr>
+          <p:nvPr>
+            <p:ph type="sldImg" idx="2"/>
+          </p:nvPr>
+        </p:nvSpPr>
+        <p:spPr>
+          <a:xfrm>
+            <a:off x="381000" y="685800"/>
+            <a:ext cx="6096000" cy="3429000"/>
+          </a:xfrm>
+          <a:custGeom>
+            <a:avLst/>
+            <a:gdLst/>
+            <a:ahLst/>
+            <a:cxnLst/>
+            <a:rect l="l" t="t" r="r" b="b"/>
+            <a:pathLst>
+              <a:path w="120000" h="120000" extrusionOk="0">
+                <a:moveTo>
+                  <a:pt x="0" y="0"/>
+                </a:moveTo>
+                <a:lnTo>
+                  <a:pt x="120000" y="0"/>
+                </a:lnTo>
+                <a:lnTo>
+                  <a:pt x="120000" y="120000"/>
+                </a:lnTo>
+                <a:lnTo>
+                  <a:pt x="0" y="120000"/>
+                </a:lnTo>
+                <a:close/>
+              </a:path>
+            </a:pathLst>
+          </a:custGeom>
+        </p:spPr>
+      </p:sp>
+      <p:sp>
+        <p:nvSpPr>
+          <p:cNvPr id="256" name="Google Shape;256;g11468c29934_0_140:notes"/>
+          <p:cNvSpPr txBox="1">
+            <a:spLocks noGrp="1"/>
+          </p:cNvSpPr>
+          <p:nvPr>
+            <p:ph type="body" idx="1"/>
+          </p:nvPr>
+        </p:nvSpPr>
+        <p:spPr>
+          <a:xfrm>
+            <a:off x="685800" y="4343400"/>
+            <a:ext cx="5486400" cy="4114800"/>
+          </a:xfrm>
+          <a:prstGeom prst="rect">
+            <a:avLst/>
+          </a:prstGeom>
+        </p:spPr>
+        <p:txBody>
+          <a:bodyPr spcFirstLastPara="1" wrap="square" lIns="91425" tIns="91425" rIns="91425" bIns="91425" anchor="t" anchorCtr="0">
+            <a:noAutofit/>
+          </a:bodyPr>
+          <a:lstStyle/>
+          <a:p>
+            <a:pPr marL="0" lvl="0" indent="0" algn="l" rtl="0">
+              <a:spcBef>
+                <a:spcPts val="0"/>
+              </a:spcBef>
+              <a:spcAft>
+                <a:spcPts val="0"/>
+              </a:spcAft>
+              <a:buNone/>
+            </a:pPr>
+            <a:r>
+              <a:rPr lang="en"/>
+              <a:t>Ask after presenting issues: Ideas for how to encrypt large messages efficiently?</a:t>
+            </a:r>
+            <a:endParaRPr/>
+          </a:p>
+        </p:txBody>
+      </p:sp>
+    </p:spTree>
+    <p:extLst>
+      <p:ext uri="{BB962C8B-B14F-4D97-AF65-F5344CB8AC3E}">
+        <p14:creationId xmlns:p14="http://schemas.microsoft.com/office/powerpoint/2010/main" val="1499535121"/>
+      </p:ext>
+    </p:extLst>
+  </p:cSld>
+  <p:clrMapOvr>
+    <a:masterClrMapping/>
+  </p:clrMapOvr>
+</p:notes>
+</file>
+
+<file path=ppt/notesSlides/notesSlide33.xml><?xml version="1.0" encoding="utf-8"?>
+<p:notes xmlns:a="http://schemas.openxmlformats.org/drawingml/2006/main" xmlns:r="http://schemas.openxmlformats.org/officeDocument/2006/relationships" xmlns:p="http://schemas.openxmlformats.org/presentationml/2006/main" showMasterSp="0" showMasterPhAnim="0">
+  <p:cSld>
+    <p:spTree>
+      <p:nvGrpSpPr>
         <p:cNvPr id="1" name="Shape 261"/>
         <p:cNvGrpSpPr/>
         <p:nvPr/>
@@ -4076,7 +4190,7 @@
 </p:notes>
 </file>
 
-<file path=ppt/notesSlides/notesSlide33.xml><?xml version="1.0" encoding="utf-8"?>
+<file path=ppt/notesSlides/notesSlide34.xml><?xml version="1.0" encoding="utf-8"?>
 <p:notes xmlns:a="http://schemas.openxmlformats.org/drawingml/2006/main" xmlns:r="http://schemas.openxmlformats.org/officeDocument/2006/relationships" xmlns:p="http://schemas.openxmlformats.org/presentationml/2006/main" showMasterSp="0" showMasterPhAnim="0">
   <p:cSld>
     <p:spTree>
@@ -4180,7 +4294,7 @@
 </p:notes>
 </file>
 
-<file path=ppt/notesSlides/notesSlide34.xml><?xml version="1.0" encoding="utf-8"?>
+<file path=ppt/notesSlides/notesSlide35.xml><?xml version="1.0" encoding="utf-8"?>
 <p:notes xmlns:a="http://schemas.openxmlformats.org/drawingml/2006/main" xmlns:r="http://schemas.openxmlformats.org/officeDocument/2006/relationships" xmlns:p="http://schemas.openxmlformats.org/presentationml/2006/main" showMasterSp="0" showMasterPhAnim="0">
   <p:cSld>
     <p:spTree>
@@ -4284,7 +4398,7 @@
 </p:notes>
 </file>
 
-<file path=ppt/notesSlides/notesSlide35.xml><?xml version="1.0" encoding="utf-8"?>
+<file path=ppt/notesSlides/notesSlide36.xml><?xml version="1.0" encoding="utf-8"?>
 <p:notes xmlns:a="http://schemas.openxmlformats.org/drawingml/2006/main" xmlns:r="http://schemas.openxmlformats.org/officeDocument/2006/relationships" xmlns:p="http://schemas.openxmlformats.org/presentationml/2006/main" showMasterSp="0" showMasterPhAnim="0">
   <p:cSld>
     <p:spTree>
@@ -4388,7 +4502,7 @@
 </p:notes>
 </file>
 
-<file path=ppt/notesSlides/notesSlide36.xml><?xml version="1.0" encoding="utf-8"?>
+<file path=ppt/notesSlides/notesSlide37.xml><?xml version="1.0" encoding="utf-8"?>
 <p:notes xmlns:a="http://schemas.openxmlformats.org/drawingml/2006/main" xmlns:r="http://schemas.openxmlformats.org/officeDocument/2006/relationships" xmlns:p="http://schemas.openxmlformats.org/presentationml/2006/main" showMasterSp="0" showMasterPhAnim="0">
   <p:cSld>
     <p:spTree>
@@ -4492,7 +4606,7 @@
 </p:notes>
 </file>
 
-<file path=ppt/notesSlides/notesSlide37.xml><?xml version="1.0" encoding="utf-8"?>
+<file path=ppt/notesSlides/notesSlide38.xml><?xml version="1.0" encoding="utf-8"?>
 <p:notes xmlns:a="http://schemas.openxmlformats.org/drawingml/2006/main" xmlns:r="http://schemas.openxmlformats.org/officeDocument/2006/relationships" xmlns:p="http://schemas.openxmlformats.org/presentationml/2006/main" showMasterSp="0" showMasterPhAnim="0">
   <p:cSld>
     <p:spTree>
@@ -4596,7 +4710,7 @@
 </p:notes>
 </file>
 
-<file path=ppt/notesSlides/notesSlide38.xml><?xml version="1.0" encoding="utf-8"?>
+<file path=ppt/notesSlides/notesSlide39.xml><?xml version="1.0" encoding="utf-8"?>
 <p:notes xmlns:a="http://schemas.openxmlformats.org/drawingml/2006/main" xmlns:r="http://schemas.openxmlformats.org/officeDocument/2006/relationships" xmlns:p="http://schemas.openxmlformats.org/presentationml/2006/main" showMasterSp="0" showMasterPhAnim="0">
   <p:cSld>
     <p:spTree>
@@ -4657,110 +4771,6 @@
       <p:sp>
         <p:nvSpPr>
           <p:cNvPr id="310" name="Google Shape;310;g11468c29934_0_171:notes"/>
-          <p:cNvSpPr txBox="1">
-            <a:spLocks noGrp="1"/>
-          </p:cNvSpPr>
-          <p:nvPr>
-            <p:ph type="body" idx="1"/>
-          </p:nvPr>
-        </p:nvSpPr>
-        <p:spPr>
-          <a:xfrm>
-            <a:off x="685800" y="4343400"/>
-            <a:ext cx="5486400" cy="4114800"/>
-          </a:xfrm>
-          <a:prstGeom prst="rect">
-            <a:avLst/>
-          </a:prstGeom>
-        </p:spPr>
-        <p:txBody>
-          <a:bodyPr spcFirstLastPara="1" wrap="square" lIns="91425" tIns="91425" rIns="91425" bIns="91425" anchor="t" anchorCtr="0">
-            <a:noAutofit/>
-          </a:bodyPr>
-          <a:lstStyle/>
-          <a:p>
-            <a:pPr marL="0" lvl="0" indent="0" algn="l" rtl="0">
-              <a:spcBef>
-                <a:spcPts val="0"/>
-              </a:spcBef>
-              <a:spcAft>
-                <a:spcPts val="0"/>
-              </a:spcAft>
-              <a:buNone/>
-            </a:pPr>
-            <a:endParaRPr/>
-          </a:p>
-        </p:txBody>
-      </p:sp>
-    </p:spTree>
-  </p:cSld>
-  <p:clrMapOvr>
-    <a:masterClrMapping/>
-  </p:clrMapOvr>
-</p:notes>
-</file>
-
-<file path=ppt/notesSlides/notesSlide39.xml><?xml version="1.0" encoding="utf-8"?>
-<p:notes xmlns:a="http://schemas.openxmlformats.org/drawingml/2006/main" xmlns:r="http://schemas.openxmlformats.org/officeDocument/2006/relationships" xmlns:p="http://schemas.openxmlformats.org/presentationml/2006/main" showMasterSp="0" showMasterPhAnim="0">
-  <p:cSld>
-    <p:spTree>
-      <p:nvGrpSpPr>
-        <p:cNvPr id="1" name="Shape 316"/>
-        <p:cNvGrpSpPr/>
-        <p:nvPr/>
-      </p:nvGrpSpPr>
-      <p:grpSpPr>
-        <a:xfrm>
-          <a:off x="0" y="0"/>
-          <a:ext cx="0" cy="0"/>
-          <a:chOff x="0" y="0"/>
-          <a:chExt cx="0" cy="0"/>
-        </a:xfrm>
-      </p:grpSpPr>
-      <p:sp>
-        <p:nvSpPr>
-          <p:cNvPr id="317" name="Google Shape;317;g11468c29934_0_177:notes"/>
-          <p:cNvSpPr>
-            <a:spLocks noGrp="1" noRot="1" noChangeAspect="1"/>
-          </p:cNvSpPr>
-          <p:nvPr>
-            <p:ph type="sldImg" idx="2"/>
-          </p:nvPr>
-        </p:nvSpPr>
-        <p:spPr>
-          <a:xfrm>
-            <a:off x="381000" y="685800"/>
-            <a:ext cx="6096000" cy="3429000"/>
-          </a:xfrm>
-          <a:custGeom>
-            <a:avLst/>
-            <a:gdLst/>
-            <a:ahLst/>
-            <a:cxnLst/>
-            <a:rect l="l" t="t" r="r" b="b"/>
-            <a:pathLst>
-              <a:path w="120000" h="120000" extrusionOk="0">
-                <a:moveTo>
-                  <a:pt x="0" y="0"/>
-                </a:moveTo>
-                <a:lnTo>
-                  <a:pt x="120000" y="0"/>
-                </a:lnTo>
-                <a:lnTo>
-                  <a:pt x="120000" y="120000"/>
-                </a:lnTo>
-                <a:lnTo>
-                  <a:pt x="0" y="120000"/>
-                </a:lnTo>
-                <a:close/>
-              </a:path>
-            </a:pathLst>
-          </a:custGeom>
-        </p:spPr>
-      </p:sp>
-      <p:sp>
-        <p:nvSpPr>
-          <p:cNvPr id="318" name="Google Shape;318;g11468c29934_0_177:notes"/>
           <p:cNvSpPr txBox="1">
             <a:spLocks noGrp="1"/>
           </p:cNvSpPr>
@@ -4917,6 +4927,110 @@
   <p:cSld>
     <p:spTree>
       <p:nvGrpSpPr>
+        <p:cNvPr id="1" name="Shape 316"/>
+        <p:cNvGrpSpPr/>
+        <p:nvPr/>
+      </p:nvGrpSpPr>
+      <p:grpSpPr>
+        <a:xfrm>
+          <a:off x="0" y="0"/>
+          <a:ext cx="0" cy="0"/>
+          <a:chOff x="0" y="0"/>
+          <a:chExt cx="0" cy="0"/>
+        </a:xfrm>
+      </p:grpSpPr>
+      <p:sp>
+        <p:nvSpPr>
+          <p:cNvPr id="317" name="Google Shape;317;g11468c29934_0_177:notes"/>
+          <p:cNvSpPr>
+            <a:spLocks noGrp="1" noRot="1" noChangeAspect="1"/>
+          </p:cNvSpPr>
+          <p:nvPr>
+            <p:ph type="sldImg" idx="2"/>
+          </p:nvPr>
+        </p:nvSpPr>
+        <p:spPr>
+          <a:xfrm>
+            <a:off x="381000" y="685800"/>
+            <a:ext cx="6096000" cy="3429000"/>
+          </a:xfrm>
+          <a:custGeom>
+            <a:avLst/>
+            <a:gdLst/>
+            <a:ahLst/>
+            <a:cxnLst/>
+            <a:rect l="l" t="t" r="r" b="b"/>
+            <a:pathLst>
+              <a:path w="120000" h="120000" extrusionOk="0">
+                <a:moveTo>
+                  <a:pt x="0" y="0"/>
+                </a:moveTo>
+                <a:lnTo>
+                  <a:pt x="120000" y="0"/>
+                </a:lnTo>
+                <a:lnTo>
+                  <a:pt x="120000" y="120000"/>
+                </a:lnTo>
+                <a:lnTo>
+                  <a:pt x="0" y="120000"/>
+                </a:lnTo>
+                <a:close/>
+              </a:path>
+            </a:pathLst>
+          </a:custGeom>
+        </p:spPr>
+      </p:sp>
+      <p:sp>
+        <p:nvSpPr>
+          <p:cNvPr id="318" name="Google Shape;318;g11468c29934_0_177:notes"/>
+          <p:cNvSpPr txBox="1">
+            <a:spLocks noGrp="1"/>
+          </p:cNvSpPr>
+          <p:nvPr>
+            <p:ph type="body" idx="1"/>
+          </p:nvPr>
+        </p:nvSpPr>
+        <p:spPr>
+          <a:xfrm>
+            <a:off x="685800" y="4343400"/>
+            <a:ext cx="5486400" cy="4114800"/>
+          </a:xfrm>
+          <a:prstGeom prst="rect">
+            <a:avLst/>
+          </a:prstGeom>
+        </p:spPr>
+        <p:txBody>
+          <a:bodyPr spcFirstLastPara="1" wrap="square" lIns="91425" tIns="91425" rIns="91425" bIns="91425" anchor="t" anchorCtr="0">
+            <a:noAutofit/>
+          </a:bodyPr>
+          <a:lstStyle/>
+          <a:p>
+            <a:pPr marL="0" lvl="0" indent="0" algn="l" rtl="0">
+              <a:spcBef>
+                <a:spcPts val="0"/>
+              </a:spcBef>
+              <a:spcAft>
+                <a:spcPts val="0"/>
+              </a:spcAft>
+              <a:buNone/>
+            </a:pPr>
+            <a:endParaRPr/>
+          </a:p>
+        </p:txBody>
+      </p:sp>
+    </p:spTree>
+  </p:cSld>
+  <p:clrMapOvr>
+    <a:masterClrMapping/>
+  </p:clrMapOvr>
+</p:notes>
+</file>
+
+<file path=ppt/notesSlides/notesSlide41.xml><?xml version="1.0" encoding="utf-8"?>
+<p:notes xmlns:a="http://schemas.openxmlformats.org/drawingml/2006/main" xmlns:r="http://schemas.openxmlformats.org/officeDocument/2006/relationships" xmlns:p="http://schemas.openxmlformats.org/presentationml/2006/main" showMasterSp="0" showMasterPhAnim="0">
+  <p:cSld>
+    <p:spTree>
+      <p:nvGrpSpPr>
         <p:cNvPr id="1" name="Shape 323"/>
         <p:cNvGrpSpPr/>
         <p:nvPr/>
@@ -5016,7 +5130,7 @@
 </p:notes>
 </file>
 
-<file path=ppt/notesSlides/notesSlide41.xml><?xml version="1.0" encoding="utf-8"?>
+<file path=ppt/notesSlides/notesSlide42.xml><?xml version="1.0" encoding="utf-8"?>
 <p:notes xmlns:a="http://schemas.openxmlformats.org/drawingml/2006/main" xmlns:r="http://schemas.openxmlformats.org/officeDocument/2006/relationships" xmlns:p="http://schemas.openxmlformats.org/presentationml/2006/main" showMasterSp="0" showMasterPhAnim="0">
   <p:cSld>
     <p:spTree>
@@ -5120,7 +5234,7 @@
 </p:notes>
 </file>
 
-<file path=ppt/notesSlides/notesSlide42.xml><?xml version="1.0" encoding="utf-8"?>
+<file path=ppt/notesSlides/notesSlide43.xml><?xml version="1.0" encoding="utf-8"?>
 <p:notes xmlns:a="http://schemas.openxmlformats.org/drawingml/2006/main" xmlns:r="http://schemas.openxmlformats.org/officeDocument/2006/relationships" xmlns:p="http://schemas.openxmlformats.org/presentationml/2006/main" showMasterSp="0" showMasterPhAnim="0">
   <p:cSld>
     <p:spTree>
@@ -5258,7 +5372,7 @@
 </p:notes>
 </file>
 
-<file path=ppt/notesSlides/notesSlide43.xml><?xml version="1.0" encoding="utf-8"?>
+<file path=ppt/notesSlides/notesSlide44.xml><?xml version="1.0" encoding="utf-8"?>
 <p:notes xmlns:a="http://schemas.openxmlformats.org/drawingml/2006/main" xmlns:r="http://schemas.openxmlformats.org/officeDocument/2006/relationships" xmlns:p="http://schemas.openxmlformats.org/presentationml/2006/main" showMasterSp="0" showMasterPhAnim="0">
   <p:cSld>
     <p:spTree>
@@ -5362,7 +5476,7 @@
 </p:notes>
 </file>
 
-<file path=ppt/notesSlides/notesSlide44.xml><?xml version="1.0" encoding="utf-8"?>
+<file path=ppt/notesSlides/notesSlide45.xml><?xml version="1.0" encoding="utf-8"?>
 <p:notes xmlns:a="http://schemas.openxmlformats.org/drawingml/2006/main" xmlns:r="http://schemas.openxmlformats.org/officeDocument/2006/relationships" xmlns:p="http://schemas.openxmlformats.org/presentationml/2006/main" showMasterSp="0" showMasterPhAnim="0">
   <p:cSld>
     <p:spTree>
@@ -5466,7 +5580,7 @@
 </p:notes>
 </file>
 
-<file path=ppt/notesSlides/notesSlide45.xml><?xml version="1.0" encoding="utf-8"?>
+<file path=ppt/notesSlides/notesSlide46.xml><?xml version="1.0" encoding="utf-8"?>
 <p:notes xmlns:a="http://schemas.openxmlformats.org/drawingml/2006/main" xmlns:r="http://schemas.openxmlformats.org/officeDocument/2006/relationships" xmlns:p="http://schemas.openxmlformats.org/presentationml/2006/main" showMasterSp="0" showMasterPhAnim="0">
   <p:cSld>
     <p:spTree>
@@ -5587,7 +5701,7 @@
 </p:notes>
 </file>
 
-<file path=ppt/notesSlides/notesSlide46.xml><?xml version="1.0" encoding="utf-8"?>
+<file path=ppt/notesSlides/notesSlide47.xml><?xml version="1.0" encoding="utf-8"?>
 <p:notes xmlns:a="http://schemas.openxmlformats.org/drawingml/2006/main" xmlns:r="http://schemas.openxmlformats.org/officeDocument/2006/relationships" xmlns:p="http://schemas.openxmlformats.org/presentationml/2006/main" showMasterSp="0" showMasterPhAnim="0">
   <p:cSld>
     <p:spTree>
@@ -19302,7 +19416,7 @@
             </a:pPr>
             <a:r>
               <a:rPr lang="en-US" dirty="0"/>
-              <a:t>Bit size of the prime numbers used to create public and private keys</a:t>
+              <a:t>Bit size of the modulus used to create public and private keys</a:t>
             </a:r>
           </a:p>
           <a:p>
@@ -28596,10 +28710,10 @@
               <a:buNone/>
             </a:pPr>
             <a:r>
-              <a:rPr lang="en"/>
-              <a:t>Hybrid Encryption</a:t>
-            </a:r>
-            <a:endParaRPr/>
+              <a:rPr lang="en" dirty="0"/>
+              <a:t>Clarification: Key Size	</a:t>
+            </a:r>
+            <a:endParaRPr dirty="0"/>
           </a:p>
         </p:txBody>
       </p:sp>
@@ -28615,8 +28729,8 @@
         </p:nvSpPr>
         <p:spPr>
           <a:xfrm>
-            <a:off x="122842" y="1117039"/>
-            <a:ext cx="8562042" cy="4127487"/>
+            <a:off x="122842" y="1424817"/>
+            <a:ext cx="8520600" cy="3171038"/>
           </a:xfrm>
           <a:prstGeom prst="rect">
             <a:avLst/>
@@ -28624,7 +28738,7 @@
         </p:spPr>
         <p:txBody>
           <a:bodyPr spcFirstLastPara="1" wrap="square" lIns="91425" tIns="91425" rIns="91425" bIns="91425" anchor="t" anchorCtr="0">
-            <a:normAutofit fontScale="92500" lnSpcReduction="10000"/>
+            <a:normAutofit/>
           </a:bodyPr>
           <a:lstStyle/>
           <a:p>
@@ -28639,231 +28753,47 @@
               <a:buChar char="●"/>
             </a:pPr>
             <a:r>
-              <a:rPr lang="en" dirty="0"/>
-              <a:t>Issues with public-key encryption</a:t>
-            </a:r>
-            <a:endParaRPr dirty="0"/>
-          </a:p>
-          <a:p>
-            <a:pPr marL="914400" lvl="1" indent="-317500" algn="l" rtl="0">
-              <a:spcBef>
-                <a:spcPts val="0"/>
-              </a:spcBef>
-              <a:spcAft>
-                <a:spcPts val="0"/>
-              </a:spcAft>
-              <a:buSzPts val="1400"/>
-              <a:buChar char="○"/>
-            </a:pPr>
-            <a:r>
-              <a:rPr lang="en" dirty="0"/>
-              <a:t>Notice: We can only encrypt small messages because of the modulo operator</a:t>
-            </a:r>
-            <a:endParaRPr dirty="0"/>
-          </a:p>
-          <a:p>
-            <a:pPr marL="914400" lvl="1" indent="-317500" algn="l" rtl="0">
-              <a:spcBef>
-                <a:spcPts val="0"/>
-              </a:spcBef>
-              <a:spcAft>
-                <a:spcPts val="0"/>
-              </a:spcAft>
-              <a:buSzPts val="1400"/>
-              <a:buChar char="○"/>
-            </a:pPr>
-            <a:r>
-              <a:rPr lang="en" dirty="0"/>
-              <a:t>Notice: There is a lot of math, and computers are slow at math</a:t>
-            </a:r>
-            <a:endParaRPr dirty="0"/>
-          </a:p>
-          <a:p>
-            <a:pPr marL="914400" lvl="1" indent="-317500" algn="l" rtl="0">
-              <a:spcBef>
-                <a:spcPts val="0"/>
-              </a:spcBef>
-              <a:spcAft>
-                <a:spcPts val="0"/>
-              </a:spcAft>
-              <a:buSzPts val="1400"/>
-              <a:buChar char="○"/>
-            </a:pPr>
-            <a:r>
-              <a:rPr lang="en" dirty="0"/>
-              <a:t>Result: Asymmetric doesn’t work for large messages</a:t>
-            </a:r>
-            <a:endParaRPr dirty="0"/>
-          </a:p>
-          <a:p>
-            <a:pPr marL="457200" lvl="0" indent="-342900" algn="l" rtl="0">
-              <a:spcBef>
-                <a:spcPts val="0"/>
-              </a:spcBef>
-              <a:spcAft>
-                <a:spcPts val="0"/>
-              </a:spcAft>
-              <a:buSzPts val="1800"/>
-              <a:buChar char="●"/>
-            </a:pPr>
-            <a:r>
-              <a:rPr lang="en" b="1" dirty="0"/>
-              <a:t>Hybrid encryption</a:t>
-            </a:r>
-            <a:r>
-              <a:rPr lang="en" dirty="0"/>
-              <a:t>: Encrypt data under a randomly generated key </a:t>
-            </a:r>
-            <a:r>
-              <a:rPr lang="en" i="1" dirty="0"/>
-              <a:t>K</a:t>
-            </a:r>
-            <a:r>
-              <a:rPr lang="en" dirty="0"/>
-              <a:t> using symmetric encryption, and encrypt </a:t>
-            </a:r>
-            <a:r>
-              <a:rPr lang="en" i="1" dirty="0"/>
-              <a:t>K</a:t>
-            </a:r>
-            <a:r>
-              <a:rPr lang="en" dirty="0"/>
-              <a:t> using asymmetric encryption</a:t>
-            </a:r>
-            <a:endParaRPr dirty="0"/>
-          </a:p>
-          <a:p>
-            <a:pPr marL="914400" lvl="1" indent="-317500" algn="l" rtl="0">
-              <a:spcBef>
-                <a:spcPts val="0"/>
-              </a:spcBef>
-              <a:spcAft>
-                <a:spcPts val="0"/>
-              </a:spcAft>
-              <a:buSzPts val="1400"/>
-              <a:buChar char="○"/>
-            </a:pPr>
-            <a:r>
-              <a:rPr lang="en" dirty="0"/>
-              <a:t>Benefit: Now we can encrypt large amounts of data quickly using symmetric encryption, and we still have the security of asymmetric encryption</a:t>
-            </a:r>
-            <a:endParaRPr dirty="0"/>
-          </a:p>
-          <a:p>
-            <a:pPr marL="457200" lvl="0" indent="-342900" algn="l" rtl="0">
-              <a:spcBef>
-                <a:spcPts val="0"/>
-              </a:spcBef>
-              <a:spcAft>
-                <a:spcPts val="0"/>
-              </a:spcAft>
-              <a:buSzPts val="1800"/>
-              <a:buChar char="●"/>
-            </a:pPr>
-            <a:r>
-              <a:rPr lang="en" dirty="0"/>
-              <a:t>Almost all cryptographic systems use hybrid encryption</a:t>
-            </a:r>
+              <a:rPr lang="en-US" dirty="0"/>
+              <a:t>Key size in RSA encryption</a:t>
+            </a:r>
+          </a:p>
+          <a:p>
+            <a:pPr lvl="0"/>
+            <a:endParaRPr lang="en-US" dirty="0"/>
+          </a:p>
+          <a:p>
+            <a:pPr lvl="0"/>
+            <a:r>
+              <a:rPr lang="en-US" dirty="0"/>
+              <a:t>Typical RSA key sizes are 1,024 or 2,048 or 4,096 bits. That number is the number of bits in the </a:t>
+            </a:r>
+            <a:r>
+              <a:rPr lang="en-US" b="1" dirty="0"/>
+              <a:t>modulus</a:t>
+            </a:r>
+            <a:r>
+              <a:rPr lang="en-US" dirty="0"/>
+              <a:t>, i.e., </a:t>
+            </a:r>
+            <a:r>
+              <a:rPr lang="en-US" b="1" dirty="0"/>
+              <a:t>N = p*q</a:t>
+            </a:r>
+            <a:r>
+              <a:rPr lang="en-US" dirty="0"/>
+              <a:t>.  For each there will be a pair of primes of roughly 512 bits or 1,024 bits or 2,048 bits depending on the key size picked. Those primes are chosen by some random process. </a:t>
+            </a:r>
+          </a:p>
+          <a:p>
+            <a:pPr lvl="0"/>
+            <a:endParaRPr lang="en-US" dirty="0"/>
           </a:p>
           <a:p>
             <a:pPr lvl="1" indent="-342900">
               <a:buSzPts val="1800"/>
               <a:buChar char="●"/>
             </a:pPr>
-            <a:r>
-              <a:rPr lang="en" dirty="0"/>
-              <a:t>Scenario:</a:t>
-            </a:r>
-          </a:p>
-          <a:p>
-            <a:pPr lvl="2" indent="-342900">
-              <a:buSzPts val="1800"/>
-              <a:buChar char="●"/>
-            </a:pPr>
-            <a:r>
-              <a:rPr lang="en" dirty="0"/>
-              <a:t>Alice wants to send a message to Bob</a:t>
-            </a:r>
-          </a:p>
-          <a:p>
-            <a:pPr lvl="2" indent="-342900">
-              <a:buSzPts val="1800"/>
-              <a:buChar char="●"/>
-            </a:pPr>
-            <a:r>
-              <a:rPr lang="en" dirty="0"/>
-              <a:t>Alice chooses / generates a random symmetric key K</a:t>
-            </a:r>
-          </a:p>
-          <a:p>
-            <a:pPr lvl="2" indent="-342900">
-              <a:buSzPts val="1800"/>
-              <a:buChar char="●"/>
-            </a:pPr>
-            <a:r>
-              <a:rPr lang="en" dirty="0"/>
-              <a:t>Alice computes C1 = Enc(K, M) and sends it to Bob (Symmetric encryption)</a:t>
-            </a:r>
-          </a:p>
-          <a:p>
-            <a:pPr lvl="2" indent="-342900">
-              <a:buSzPts val="1800"/>
-              <a:buFont typeface="Arial"/>
-              <a:buChar char="●"/>
-            </a:pPr>
-            <a:r>
-              <a:rPr lang="en" dirty="0"/>
-              <a:t>Alice computes C2 = Enc(</a:t>
-            </a:r>
-            <a:r>
-              <a:rPr lang="en" dirty="0" err="1"/>
-              <a:t>pub_bob</a:t>
-            </a:r>
-            <a:r>
-              <a:rPr lang="en" dirty="0"/>
-              <a:t>, K) and sends it to Bob (Asymmetric encryption)</a:t>
-            </a:r>
-          </a:p>
-          <a:p>
-            <a:pPr lvl="2" indent="-342900">
-              <a:buSzPts val="1800"/>
-              <a:buFont typeface="Arial"/>
-              <a:buChar char="●"/>
-            </a:pPr>
-            <a:r>
-              <a:rPr lang="en" dirty="0"/>
-              <a:t>Bob </a:t>
-            </a:r>
-            <a:r>
-              <a:rPr lang="en" dirty="0" err="1"/>
-              <a:t>recei</a:t>
-            </a:r>
-            <a:r>
-              <a:rPr lang="en-US" dirty="0" err="1"/>
-              <a:t>ve</a:t>
-            </a:r>
-            <a:r>
-              <a:rPr lang="en" dirty="0"/>
-              <a:t>s both messages</a:t>
-            </a:r>
-          </a:p>
-          <a:p>
-            <a:pPr lvl="3" indent="-342900">
-              <a:buSzPts val="1800"/>
-            </a:pPr>
-            <a:r>
-              <a:rPr lang="en" dirty="0"/>
-              <a:t>uses his private key to decrypt C2 and get K, and then</a:t>
-            </a:r>
-          </a:p>
-          <a:p>
-            <a:pPr lvl="3" indent="-342900">
-              <a:buSzPts val="1800"/>
-            </a:pPr>
-            <a:r>
-              <a:rPr lang="en" dirty="0"/>
-              <a:t>use K to decrypt C1 and get M</a:t>
-            </a:r>
+            <a:endParaRPr lang="en" dirty="0"/>
           </a:p>
         </p:txBody>
       </p:sp>
@@ -28942,6 +28872,416 @@
         </p:txBody>
       </p:sp>
     </p:spTree>
+  </p:cSld>
+  <p:clrMapOvr>
+    <a:masterClrMapping/>
+  </p:clrMapOvr>
+</p:sld>
+</file>
+
+<file path=ppt/slides/slide32.xml><?xml version="1.0" encoding="utf-8"?>
+<p:sld xmlns:a="http://schemas.openxmlformats.org/drawingml/2006/main" xmlns:r="http://schemas.openxmlformats.org/officeDocument/2006/relationships" xmlns:p="http://schemas.openxmlformats.org/presentationml/2006/main">
+  <p:cSld>
+    <p:spTree>
+      <p:nvGrpSpPr>
+        <p:cNvPr id="1" name="Shape 257"/>
+        <p:cNvGrpSpPr/>
+        <p:nvPr/>
+      </p:nvGrpSpPr>
+      <p:grpSpPr>
+        <a:xfrm>
+          <a:off x="0" y="0"/>
+          <a:ext cx="0" cy="0"/>
+          <a:chOff x="0" y="0"/>
+          <a:chExt cx="0" cy="0"/>
+        </a:xfrm>
+      </p:grpSpPr>
+      <p:sp>
+        <p:nvSpPr>
+          <p:cNvPr id="258" name="Google Shape;258;p42"/>
+          <p:cNvSpPr txBox="1">
+            <a:spLocks noGrp="1"/>
+          </p:cNvSpPr>
+          <p:nvPr>
+            <p:ph type="title"/>
+          </p:nvPr>
+        </p:nvSpPr>
+        <p:spPr>
+          <a:xfrm>
+            <a:off x="102700" y="270875"/>
+            <a:ext cx="8520600" cy="572700"/>
+          </a:xfrm>
+          <a:prstGeom prst="rect">
+            <a:avLst/>
+          </a:prstGeom>
+        </p:spPr>
+        <p:txBody>
+          <a:bodyPr spcFirstLastPara="1" wrap="square" lIns="91425" tIns="91425" rIns="91425" bIns="91425" anchor="t" anchorCtr="0">
+            <a:normAutofit fontScale="90000"/>
+          </a:bodyPr>
+          <a:lstStyle/>
+          <a:p>
+            <a:pPr marL="0" lvl="0" indent="0" algn="l" rtl="0">
+              <a:spcBef>
+                <a:spcPts val="0"/>
+              </a:spcBef>
+              <a:spcAft>
+                <a:spcPts val="0"/>
+              </a:spcAft>
+              <a:buNone/>
+            </a:pPr>
+            <a:r>
+              <a:rPr lang="en"/>
+              <a:t>Hybrid Encryption</a:t>
+            </a:r>
+            <a:endParaRPr/>
+          </a:p>
+        </p:txBody>
+      </p:sp>
+      <p:sp>
+        <p:nvSpPr>
+          <p:cNvPr id="259" name="Google Shape;259;p42"/>
+          <p:cNvSpPr txBox="1">
+            <a:spLocks noGrp="1"/>
+          </p:cNvSpPr>
+          <p:nvPr>
+            <p:ph type="body" idx="1"/>
+          </p:nvPr>
+        </p:nvSpPr>
+        <p:spPr>
+          <a:xfrm>
+            <a:off x="122842" y="1117039"/>
+            <a:ext cx="8562042" cy="4127487"/>
+          </a:xfrm>
+          <a:prstGeom prst="rect">
+            <a:avLst/>
+          </a:prstGeom>
+        </p:spPr>
+        <p:txBody>
+          <a:bodyPr spcFirstLastPara="1" wrap="square" lIns="91425" tIns="91425" rIns="91425" bIns="91425" anchor="t" anchorCtr="0">
+            <a:normAutofit fontScale="92500" lnSpcReduction="10000"/>
+          </a:bodyPr>
+          <a:lstStyle/>
+          <a:p>
+            <a:pPr marL="457200" lvl="0" indent="-342900" algn="l" rtl="0">
+              <a:spcBef>
+                <a:spcPts val="0"/>
+              </a:spcBef>
+              <a:spcAft>
+                <a:spcPts val="0"/>
+              </a:spcAft>
+              <a:buSzPts val="1800"/>
+              <a:buChar char="●"/>
+            </a:pPr>
+            <a:r>
+              <a:rPr lang="en" dirty="0"/>
+              <a:t>Issues with public-key encryption</a:t>
+            </a:r>
+            <a:endParaRPr dirty="0"/>
+          </a:p>
+          <a:p>
+            <a:pPr marL="914400" lvl="1" indent="-317500" algn="l" rtl="0">
+              <a:spcBef>
+                <a:spcPts val="0"/>
+              </a:spcBef>
+              <a:spcAft>
+                <a:spcPts val="0"/>
+              </a:spcAft>
+              <a:buSzPts val="1400"/>
+              <a:buChar char="○"/>
+            </a:pPr>
+            <a:r>
+              <a:rPr lang="en" dirty="0"/>
+              <a:t>Notice: We can only encrypt small messages because of the modulo operator</a:t>
+            </a:r>
+            <a:endParaRPr dirty="0"/>
+          </a:p>
+          <a:p>
+            <a:pPr marL="914400" lvl="1" indent="-317500" algn="l" rtl="0">
+              <a:spcBef>
+                <a:spcPts val="0"/>
+              </a:spcBef>
+              <a:spcAft>
+                <a:spcPts val="0"/>
+              </a:spcAft>
+              <a:buSzPts val="1400"/>
+              <a:buChar char="○"/>
+            </a:pPr>
+            <a:r>
+              <a:rPr lang="en" dirty="0"/>
+              <a:t>Notice: There is a lot of math, and computers are slow at math</a:t>
+            </a:r>
+            <a:endParaRPr dirty="0"/>
+          </a:p>
+          <a:p>
+            <a:pPr marL="914400" lvl="1" indent="-317500" algn="l" rtl="0">
+              <a:spcBef>
+                <a:spcPts val="0"/>
+              </a:spcBef>
+              <a:spcAft>
+                <a:spcPts val="0"/>
+              </a:spcAft>
+              <a:buSzPts val="1400"/>
+              <a:buChar char="○"/>
+            </a:pPr>
+            <a:r>
+              <a:rPr lang="en" dirty="0"/>
+              <a:t>Result: Asymmetric doesn’t work for large messages</a:t>
+            </a:r>
+            <a:endParaRPr dirty="0"/>
+          </a:p>
+          <a:p>
+            <a:pPr marL="457200" lvl="0" indent="-342900" algn="l" rtl="0">
+              <a:spcBef>
+                <a:spcPts val="0"/>
+              </a:spcBef>
+              <a:spcAft>
+                <a:spcPts val="0"/>
+              </a:spcAft>
+              <a:buSzPts val="1800"/>
+              <a:buChar char="●"/>
+            </a:pPr>
+            <a:r>
+              <a:rPr lang="en" b="1" dirty="0"/>
+              <a:t>Hybrid encryption</a:t>
+            </a:r>
+            <a:r>
+              <a:rPr lang="en" dirty="0"/>
+              <a:t>: Encrypt data under a randomly generated key </a:t>
+            </a:r>
+            <a:r>
+              <a:rPr lang="en" i="1" dirty="0"/>
+              <a:t>K</a:t>
+            </a:r>
+            <a:r>
+              <a:rPr lang="en" dirty="0"/>
+              <a:t> using symmetric encryption, and encrypt </a:t>
+            </a:r>
+            <a:r>
+              <a:rPr lang="en" i="1" dirty="0"/>
+              <a:t>K</a:t>
+            </a:r>
+            <a:r>
+              <a:rPr lang="en" dirty="0"/>
+              <a:t> using asymmetric encryption</a:t>
+            </a:r>
+            <a:endParaRPr dirty="0"/>
+          </a:p>
+          <a:p>
+            <a:pPr marL="914400" lvl="1" indent="-317500" algn="l" rtl="0">
+              <a:spcBef>
+                <a:spcPts val="0"/>
+              </a:spcBef>
+              <a:spcAft>
+                <a:spcPts val="0"/>
+              </a:spcAft>
+              <a:buSzPts val="1400"/>
+              <a:buChar char="○"/>
+            </a:pPr>
+            <a:r>
+              <a:rPr lang="en" dirty="0"/>
+              <a:t>Benefit: Now we can encrypt large amounts of data quickly using symmetric encryption, and we still have the security of asymmetric encryption</a:t>
+            </a:r>
+            <a:endParaRPr dirty="0"/>
+          </a:p>
+          <a:p>
+            <a:pPr marL="457200" lvl="0" indent="-342900" algn="l" rtl="0">
+              <a:spcBef>
+                <a:spcPts val="0"/>
+              </a:spcBef>
+              <a:spcAft>
+                <a:spcPts val="0"/>
+              </a:spcAft>
+              <a:buSzPts val="1800"/>
+              <a:buChar char="●"/>
+            </a:pPr>
+            <a:r>
+              <a:rPr lang="en" dirty="0"/>
+              <a:t>Almost all cryptographic systems use hybrid encryption</a:t>
+            </a:r>
+          </a:p>
+          <a:p>
+            <a:pPr lvl="1" indent="-342900">
+              <a:buSzPts val="1800"/>
+              <a:buChar char="●"/>
+            </a:pPr>
+            <a:r>
+              <a:rPr lang="en" dirty="0"/>
+              <a:t>Scenario:</a:t>
+            </a:r>
+          </a:p>
+          <a:p>
+            <a:pPr lvl="2" indent="-342900">
+              <a:buSzPts val="1800"/>
+              <a:buChar char="●"/>
+            </a:pPr>
+            <a:r>
+              <a:rPr lang="en" dirty="0"/>
+              <a:t>Alice wants to send a message to Bob</a:t>
+            </a:r>
+          </a:p>
+          <a:p>
+            <a:pPr lvl="2" indent="-342900">
+              <a:buSzPts val="1800"/>
+              <a:buChar char="●"/>
+            </a:pPr>
+            <a:r>
+              <a:rPr lang="en" dirty="0"/>
+              <a:t>Alice chooses / generates a random symmetric key K</a:t>
+            </a:r>
+          </a:p>
+          <a:p>
+            <a:pPr lvl="2" indent="-342900">
+              <a:buSzPts val="1800"/>
+              <a:buChar char="●"/>
+            </a:pPr>
+            <a:r>
+              <a:rPr lang="en" dirty="0"/>
+              <a:t>Alice computes C1 = Enc(K, M) and sends it to Bob (Symmetric encryption)</a:t>
+            </a:r>
+          </a:p>
+          <a:p>
+            <a:pPr lvl="2" indent="-342900">
+              <a:buSzPts val="1800"/>
+              <a:buFont typeface="Arial"/>
+              <a:buChar char="●"/>
+            </a:pPr>
+            <a:r>
+              <a:rPr lang="en" dirty="0"/>
+              <a:t>Alice computes C2 = Enc(</a:t>
+            </a:r>
+            <a:r>
+              <a:rPr lang="en" dirty="0" err="1"/>
+              <a:t>pub_bob</a:t>
+            </a:r>
+            <a:r>
+              <a:rPr lang="en" dirty="0"/>
+              <a:t>, K) and sends it to Bob (Asymmetric encryption)</a:t>
+            </a:r>
+          </a:p>
+          <a:p>
+            <a:pPr lvl="2" indent="-342900">
+              <a:buSzPts val="1800"/>
+              <a:buFont typeface="Arial"/>
+              <a:buChar char="●"/>
+            </a:pPr>
+            <a:r>
+              <a:rPr lang="en" dirty="0"/>
+              <a:t>Bob </a:t>
+            </a:r>
+            <a:r>
+              <a:rPr lang="en" dirty="0" err="1"/>
+              <a:t>recei</a:t>
+            </a:r>
+            <a:r>
+              <a:rPr lang="en-US" dirty="0" err="1"/>
+              <a:t>ve</a:t>
+            </a:r>
+            <a:r>
+              <a:rPr lang="en" dirty="0"/>
+              <a:t>s both messages</a:t>
+            </a:r>
+          </a:p>
+          <a:p>
+            <a:pPr lvl="3" indent="-342900">
+              <a:buSzPts val="1800"/>
+            </a:pPr>
+            <a:r>
+              <a:rPr lang="en" dirty="0"/>
+              <a:t>uses his private key to decrypt C2 and get K, and then</a:t>
+            </a:r>
+          </a:p>
+          <a:p>
+            <a:pPr lvl="3" indent="-342900">
+              <a:buSzPts val="1800"/>
+            </a:pPr>
+            <a:r>
+              <a:rPr lang="en" dirty="0"/>
+              <a:t>use K to decrypt C1 and get M</a:t>
+            </a:r>
+          </a:p>
+        </p:txBody>
+      </p:sp>
+      <p:sp>
+        <p:nvSpPr>
+          <p:cNvPr id="260" name="Google Shape;260;p42"/>
+          <p:cNvSpPr txBox="1">
+            <a:spLocks noGrp="1"/>
+          </p:cNvSpPr>
+          <p:nvPr>
+            <p:ph type="sldNum" idx="12"/>
+          </p:nvPr>
+        </p:nvSpPr>
+        <p:spPr>
+          <a:xfrm>
+            <a:off x="8472458" y="4663217"/>
+            <a:ext cx="548700" cy="393600"/>
+          </a:xfrm>
+          <a:prstGeom prst="rect">
+            <a:avLst/>
+          </a:prstGeom>
+        </p:spPr>
+        <p:txBody>
+          <a:bodyPr spcFirstLastPara="1" wrap="square" lIns="91425" tIns="91425" rIns="91425" bIns="91425" anchor="ctr" anchorCtr="0">
+            <a:normAutofit/>
+          </a:bodyPr>
+          <a:lstStyle/>
+          <a:p>
+            <a:pPr marL="0" lvl="0" indent="0" algn="r" rtl="0">
+              <a:spcBef>
+                <a:spcPts val="0"/>
+              </a:spcBef>
+              <a:spcAft>
+                <a:spcPts val="0"/>
+              </a:spcAft>
+              <a:buNone/>
+            </a:pPr>
+            <a:fld id="{00000000-1234-1234-1234-123412341234}" type="slidenum">
+              <a:rPr lang="en"/>
+              <a:t>32</a:t>
+            </a:fld>
+            <a:endParaRPr/>
+          </a:p>
+        </p:txBody>
+      </p:sp>
+      <p:sp>
+        <p:nvSpPr>
+          <p:cNvPr id="2" name="TextBox 1">
+            <a:extLst>
+              <a:ext uri="{FF2B5EF4-FFF2-40B4-BE49-F238E27FC236}">
+                <a16:creationId xmlns:a16="http://schemas.microsoft.com/office/drawing/2014/main" id="{65ED914C-ECD9-3670-B6BE-EC000C8EBDCA}"/>
+              </a:ext>
+            </a:extLst>
+          </p:cNvPr>
+          <p:cNvSpPr txBox="1"/>
+          <p:nvPr/>
+        </p:nvSpPr>
+        <p:spPr>
+          <a:xfrm>
+            <a:off x="4737182" y="5244526"/>
+            <a:ext cx="184731" cy="307777"/>
+          </a:xfrm>
+          <a:prstGeom prst="rect">
+            <a:avLst/>
+          </a:prstGeom>
+          <a:noFill/>
+        </p:spPr>
+        <p:txBody>
+          <a:bodyPr wrap="none" rtlCol="0">
+            <a:spAutoFit/>
+          </a:bodyPr>
+          <a:lstStyle/>
+          <a:p>
+            <a:endParaRPr lang="en-US" dirty="0"/>
+          </a:p>
+        </p:txBody>
+      </p:sp>
+    </p:spTree>
+    <p:extLst>
+      <p:ext uri="{BB962C8B-B14F-4D97-AF65-F5344CB8AC3E}">
+        <p14:creationId xmlns:p14="http://schemas.microsoft.com/office/powerpoint/2010/main" val="3414192394"/>
+      </p:ext>
+    </p:extLst>
   </p:cSld>
   <p:clrMapOvr>
     <a:masterClrMapping/>
@@ -29665,7 +30005,7 @@
 </p:sld>
 </file>
 
-<file path=ppt/slides/slide32.xml><?xml version="1.0" encoding="utf-8"?>
+<file path=ppt/slides/slide33.xml><?xml version="1.0" encoding="utf-8"?>
 <p:sld xmlns:a="http://schemas.openxmlformats.org/drawingml/2006/main" xmlns:r="http://schemas.openxmlformats.org/officeDocument/2006/relationships" xmlns:p="http://schemas.openxmlformats.org/presentationml/2006/main">
   <p:cSld>
     <p:spTree>
@@ -29760,7 +30100,7 @@
             </a:pPr>
             <a:fld id="{00000000-1234-1234-1234-123412341234}" type="slidenum">
               <a:rPr lang="en"/>
-              <a:t>32</a:t>
+              <a:t>33</a:t>
             </a:fld>
             <a:endParaRPr/>
           </a:p>
@@ -29774,7 +30114,7 @@
 </p:sld>
 </file>
 
-<file path=ppt/slides/slide33.xml><?xml version="1.0" encoding="utf-8"?>
+<file path=ppt/slides/slide34.xml><?xml version="1.0" encoding="utf-8"?>
 <p:sld xmlns:a="http://schemas.openxmlformats.org/drawingml/2006/main" xmlns:r="http://schemas.openxmlformats.org/officeDocument/2006/relationships" xmlns:p="http://schemas.openxmlformats.org/presentationml/2006/main">
   <p:cSld>
     <p:spTree>
@@ -30446,7 +30786,7 @@
             </a:pPr>
             <a:fld id="{00000000-1234-1234-1234-123412341234}" type="slidenum">
               <a:rPr lang="en"/>
-              <a:t>33</a:t>
+              <a:t>34</a:t>
             </a:fld>
             <a:endParaRPr/>
           </a:p>
@@ -30460,7 +30800,7 @@
 </p:sld>
 </file>
 
-<file path=ppt/slides/slide34.xml><?xml version="1.0" encoding="utf-8"?>
+<file path=ppt/slides/slide35.xml><?xml version="1.0" encoding="utf-8"?>
 <p:sld xmlns:a="http://schemas.openxmlformats.org/drawingml/2006/main" xmlns:r="http://schemas.openxmlformats.org/officeDocument/2006/relationships" xmlns:p="http://schemas.openxmlformats.org/presentationml/2006/main">
   <p:cSld>
     <p:spTree>
@@ -30649,7 +30989,7 @@
             </a:pPr>
             <a:fld id="{00000000-1234-1234-1234-123412341234}" type="slidenum">
               <a:rPr lang="en"/>
-              <a:t>34</a:t>
+              <a:t>35</a:t>
             </a:fld>
             <a:endParaRPr/>
           </a:p>
@@ -30889,7 +31229,7 @@
 </p:sld>
 </file>
 
-<file path=ppt/slides/slide35.xml><?xml version="1.0" encoding="utf-8"?>
+<file path=ppt/slides/slide36.xml><?xml version="1.0" encoding="utf-8"?>
 <p:sld xmlns:a="http://schemas.openxmlformats.org/drawingml/2006/main" xmlns:r="http://schemas.openxmlformats.org/officeDocument/2006/relationships" xmlns:p="http://schemas.openxmlformats.org/presentationml/2006/main">
   <p:cSld>
     <p:spTree>
@@ -31057,7 +31397,7 @@
             </a:pPr>
             <a:fld id="{00000000-1234-1234-1234-123412341234}" type="slidenum">
               <a:rPr lang="en"/>
-              <a:t>35</a:t>
+              <a:t>36</a:t>
             </a:fld>
             <a:endParaRPr/>
           </a:p>
@@ -32082,7 +32422,7 @@
 </p:sld>
 </file>
 
-<file path=ppt/slides/slide36.xml><?xml version="1.0" encoding="utf-8"?>
+<file path=ppt/slides/slide37.xml><?xml version="1.0" encoding="utf-8"?>
 <p:sld xmlns:a="http://schemas.openxmlformats.org/drawingml/2006/main" xmlns:r="http://schemas.openxmlformats.org/officeDocument/2006/relationships" xmlns:p="http://schemas.openxmlformats.org/presentationml/2006/main">
   <p:cSld>
     <p:spTree>
@@ -32556,7 +32896,7 @@
             </a:pPr>
             <a:fld id="{00000000-1234-1234-1234-123412341234}" type="slidenum">
               <a:rPr lang="en"/>
-              <a:t>36</a:t>
+              <a:t>37</a:t>
             </a:fld>
             <a:endParaRPr/>
           </a:p>
@@ -32992,7 +33332,7 @@
 </p:sld>
 </file>
 
-<file path=ppt/slides/slide37.xml><?xml version="1.0" encoding="utf-8"?>
+<file path=ppt/slides/slide38.xml><?xml version="1.0" encoding="utf-8"?>
 <p:sld xmlns:a="http://schemas.openxmlformats.org/drawingml/2006/main" xmlns:r="http://schemas.openxmlformats.org/officeDocument/2006/relationships" xmlns:p="http://schemas.openxmlformats.org/presentationml/2006/main">
   <p:cSld>
     <p:spTree>
@@ -33280,7 +33620,7 @@
             </a:pPr>
             <a:fld id="{00000000-1234-1234-1234-123412341234}" type="slidenum">
               <a:rPr lang="en"/>
-              <a:t>37</a:t>
+              <a:t>38</a:t>
             </a:fld>
             <a:endParaRPr/>
           </a:p>
@@ -33613,7 +33953,7 @@
 </p:sld>
 </file>
 
-<file path=ppt/slides/slide38.xml><?xml version="1.0" encoding="utf-8"?>
+<file path=ppt/slides/slide39.xml><?xml version="1.0" encoding="utf-8"?>
 <p:sld xmlns:a="http://schemas.openxmlformats.org/drawingml/2006/main" xmlns:r="http://schemas.openxmlformats.org/officeDocument/2006/relationships" xmlns:p="http://schemas.openxmlformats.org/presentationml/2006/main">
   <p:cSld>
     <p:spTree>
@@ -33708,7 +34048,7 @@
             </a:pPr>
             <a:fld id="{00000000-1234-1234-1234-123412341234}" type="slidenum">
               <a:rPr lang="en"/>
-              <a:t>38</a:t>
+              <a:t>39</a:t>
             </a:fld>
             <a:endParaRPr/>
           </a:p>
@@ -33722,7 +34062,123 @@
 </p:sld>
 </file>
 
-<file path=ppt/slides/slide39.xml><?xml version="1.0" encoding="utf-8"?>
+<file path=ppt/slides/slide4.xml><?xml version="1.0" encoding="utf-8"?>
+<p:sld xmlns:a="http://schemas.openxmlformats.org/drawingml/2006/main" xmlns:r="http://schemas.openxmlformats.org/officeDocument/2006/relationships" xmlns:p="http://schemas.openxmlformats.org/presentationml/2006/main">
+  <p:cSld>
+    <p:spTree>
+      <p:nvGrpSpPr>
+        <p:cNvPr id="1" name="Shape 92"/>
+        <p:cNvGrpSpPr/>
+        <p:nvPr/>
+      </p:nvGrpSpPr>
+      <p:grpSpPr>
+        <a:xfrm>
+          <a:off x="0" y="0"/>
+          <a:ext cx="0" cy="0"/>
+          <a:chOff x="0" y="0"/>
+          <a:chExt cx="0" cy="0"/>
+        </a:xfrm>
+      </p:grpSpPr>
+      <p:sp>
+        <p:nvSpPr>
+          <p:cNvPr id="93" name="Google Shape;93;p20"/>
+          <p:cNvSpPr txBox="1">
+            <a:spLocks noGrp="1"/>
+          </p:cNvSpPr>
+          <p:nvPr>
+            <p:ph type="title"/>
+          </p:nvPr>
+        </p:nvSpPr>
+        <p:spPr>
+          <a:xfrm>
+            <a:off x="311700" y="2150850"/>
+            <a:ext cx="8520600" cy="841800"/>
+          </a:xfrm>
+          <a:prstGeom prst="rect">
+            <a:avLst/>
+          </a:prstGeom>
+        </p:spPr>
+        <p:txBody>
+          <a:bodyPr spcFirstLastPara="1" wrap="square" lIns="91425" tIns="91425" rIns="91425" bIns="91425" anchor="ctr" anchorCtr="0">
+            <a:normAutofit fontScale="90000"/>
+          </a:bodyPr>
+          <a:lstStyle/>
+          <a:p>
+            <a:pPr marL="0" lvl="0" indent="0" algn="ctr" rtl="0">
+              <a:spcBef>
+                <a:spcPts val="0"/>
+              </a:spcBef>
+              <a:spcAft>
+                <a:spcPts val="0"/>
+              </a:spcAft>
+              <a:buNone/>
+            </a:pPr>
+            <a:r>
+              <a:rPr lang="en" dirty="0"/>
+              <a:t>Public-Key Cryptography</a:t>
+            </a:r>
+            <a:br>
+              <a:rPr lang="en" dirty="0"/>
+            </a:br>
+            <a:r>
+              <a:rPr lang="en" dirty="0"/>
+              <a:t>(Asymmetric Key Cryptography)</a:t>
+            </a:r>
+            <a:endParaRPr dirty="0"/>
+          </a:p>
+        </p:txBody>
+      </p:sp>
+      <p:sp>
+        <p:nvSpPr>
+          <p:cNvPr id="94" name="Google Shape;94;p20"/>
+          <p:cNvSpPr txBox="1">
+            <a:spLocks noGrp="1"/>
+          </p:cNvSpPr>
+          <p:nvPr>
+            <p:ph type="sldNum" idx="12"/>
+          </p:nvPr>
+        </p:nvSpPr>
+        <p:spPr>
+          <a:xfrm>
+            <a:off x="8472458" y="4663217"/>
+            <a:ext cx="548700" cy="393600"/>
+          </a:xfrm>
+          <a:prstGeom prst="rect">
+            <a:avLst/>
+          </a:prstGeom>
+        </p:spPr>
+        <p:txBody>
+          <a:bodyPr spcFirstLastPara="1" wrap="square" lIns="91425" tIns="91425" rIns="91425" bIns="91425" anchor="ctr" anchorCtr="0">
+            <a:normAutofit/>
+          </a:bodyPr>
+          <a:lstStyle/>
+          <a:p>
+            <a:pPr marL="0" lvl="0" indent="0" algn="r" rtl="0">
+              <a:spcBef>
+                <a:spcPts val="0"/>
+              </a:spcBef>
+              <a:spcAft>
+                <a:spcPts val="0"/>
+              </a:spcAft>
+              <a:buNone/>
+            </a:pPr>
+            <a:fld id="{00000000-1234-1234-1234-123412341234}" type="slidenum">
+              <a:rPr lang="en"/>
+              <a:t>4</a:t>
+            </a:fld>
+            <a:endParaRPr/>
+          </a:p>
+        </p:txBody>
+      </p:sp>
+    </p:spTree>
+  </p:cSld>
+  <p:clrMapOvr>
+    <a:masterClrMapping/>
+  </p:clrMapOvr>
+</p:sld>
+</file>
+
+<file path=ppt/slides/slide40.xml><?xml version="1.0" encoding="utf-8"?>
 <p:sld xmlns:a="http://schemas.openxmlformats.org/drawingml/2006/main" xmlns:r="http://schemas.openxmlformats.org/officeDocument/2006/relationships" xmlns:p="http://schemas.openxmlformats.org/presentationml/2006/main">
   <p:cSld>
     <p:spTree>
@@ -34007,7 +34463,7 @@
             </a:pPr>
             <a:fld id="{00000000-1234-1234-1234-123412341234}" type="slidenum">
               <a:rPr lang="en"/>
-              <a:t>39</a:t>
+              <a:t>40</a:t>
             </a:fld>
             <a:endParaRPr/>
           </a:p>
@@ -34247,123 +34703,7 @@
 </p:sld>
 </file>
 
-<file path=ppt/slides/slide4.xml><?xml version="1.0" encoding="utf-8"?>
-<p:sld xmlns:a="http://schemas.openxmlformats.org/drawingml/2006/main" xmlns:r="http://schemas.openxmlformats.org/officeDocument/2006/relationships" xmlns:p="http://schemas.openxmlformats.org/presentationml/2006/main">
-  <p:cSld>
-    <p:spTree>
-      <p:nvGrpSpPr>
-        <p:cNvPr id="1" name="Shape 92"/>
-        <p:cNvGrpSpPr/>
-        <p:nvPr/>
-      </p:nvGrpSpPr>
-      <p:grpSpPr>
-        <a:xfrm>
-          <a:off x="0" y="0"/>
-          <a:ext cx="0" cy="0"/>
-          <a:chOff x="0" y="0"/>
-          <a:chExt cx="0" cy="0"/>
-        </a:xfrm>
-      </p:grpSpPr>
-      <p:sp>
-        <p:nvSpPr>
-          <p:cNvPr id="93" name="Google Shape;93;p20"/>
-          <p:cNvSpPr txBox="1">
-            <a:spLocks noGrp="1"/>
-          </p:cNvSpPr>
-          <p:nvPr>
-            <p:ph type="title"/>
-          </p:nvPr>
-        </p:nvSpPr>
-        <p:spPr>
-          <a:xfrm>
-            <a:off x="311700" y="2150850"/>
-            <a:ext cx="8520600" cy="841800"/>
-          </a:xfrm>
-          <a:prstGeom prst="rect">
-            <a:avLst/>
-          </a:prstGeom>
-        </p:spPr>
-        <p:txBody>
-          <a:bodyPr spcFirstLastPara="1" wrap="square" lIns="91425" tIns="91425" rIns="91425" bIns="91425" anchor="ctr" anchorCtr="0">
-            <a:normAutofit fontScale="90000"/>
-          </a:bodyPr>
-          <a:lstStyle/>
-          <a:p>
-            <a:pPr marL="0" lvl="0" indent="0" algn="ctr" rtl="0">
-              <a:spcBef>
-                <a:spcPts val="0"/>
-              </a:spcBef>
-              <a:spcAft>
-                <a:spcPts val="0"/>
-              </a:spcAft>
-              <a:buNone/>
-            </a:pPr>
-            <a:r>
-              <a:rPr lang="en" dirty="0"/>
-              <a:t>Public-Key Cryptography</a:t>
-            </a:r>
-            <a:br>
-              <a:rPr lang="en" dirty="0"/>
-            </a:br>
-            <a:r>
-              <a:rPr lang="en" dirty="0"/>
-              <a:t>(Asymmetric Key Cryptography)</a:t>
-            </a:r>
-            <a:endParaRPr dirty="0"/>
-          </a:p>
-        </p:txBody>
-      </p:sp>
-      <p:sp>
-        <p:nvSpPr>
-          <p:cNvPr id="94" name="Google Shape;94;p20"/>
-          <p:cNvSpPr txBox="1">
-            <a:spLocks noGrp="1"/>
-          </p:cNvSpPr>
-          <p:nvPr>
-            <p:ph type="sldNum" idx="12"/>
-          </p:nvPr>
-        </p:nvSpPr>
-        <p:spPr>
-          <a:xfrm>
-            <a:off x="8472458" y="4663217"/>
-            <a:ext cx="548700" cy="393600"/>
-          </a:xfrm>
-          <a:prstGeom prst="rect">
-            <a:avLst/>
-          </a:prstGeom>
-        </p:spPr>
-        <p:txBody>
-          <a:bodyPr spcFirstLastPara="1" wrap="square" lIns="91425" tIns="91425" rIns="91425" bIns="91425" anchor="ctr" anchorCtr="0">
-            <a:normAutofit/>
-          </a:bodyPr>
-          <a:lstStyle/>
-          <a:p>
-            <a:pPr marL="0" lvl="0" indent="0" algn="r" rtl="0">
-              <a:spcBef>
-                <a:spcPts val="0"/>
-              </a:spcBef>
-              <a:spcAft>
-                <a:spcPts val="0"/>
-              </a:spcAft>
-              <a:buNone/>
-            </a:pPr>
-            <a:fld id="{00000000-1234-1234-1234-123412341234}" type="slidenum">
-              <a:rPr lang="en"/>
-              <a:t>4</a:t>
-            </a:fld>
-            <a:endParaRPr/>
-          </a:p>
-        </p:txBody>
-      </p:sp>
-    </p:spTree>
-  </p:cSld>
-  <p:clrMapOvr>
-    <a:masterClrMapping/>
-  </p:clrMapOvr>
-</p:sld>
-</file>
-
-<file path=ppt/slides/slide40.xml><?xml version="1.0" encoding="utf-8"?>
+<file path=ppt/slides/slide41.xml><?xml version="1.0" encoding="utf-8"?>
 <p:sld xmlns:a="http://schemas.openxmlformats.org/drawingml/2006/main" xmlns:r="http://schemas.openxmlformats.org/officeDocument/2006/relationships" xmlns:p="http://schemas.openxmlformats.org/presentationml/2006/main">
   <p:cSld>
     <p:spTree>
@@ -34788,7 +35128,7 @@
             </a:pPr>
             <a:fld id="{00000000-1234-1234-1234-123412341234}" type="slidenum">
               <a:rPr lang="en"/>
-              <a:t>40</a:t>
+              <a:t>41</a:t>
             </a:fld>
             <a:endParaRPr/>
           </a:p>
@@ -35224,7 +35564,7 @@
 </p:sld>
 </file>
 
-<file path=ppt/slides/slide41.xml><?xml version="1.0" encoding="utf-8"?>
+<file path=ppt/slides/slide42.xml><?xml version="1.0" encoding="utf-8"?>
 <p:sld xmlns:a="http://schemas.openxmlformats.org/drawingml/2006/main" xmlns:r="http://schemas.openxmlformats.org/officeDocument/2006/relationships" xmlns:p="http://schemas.openxmlformats.org/presentationml/2006/main" show="0">
   <p:cSld>
     <p:spTree>
@@ -35319,7 +35659,7 @@
             </a:pPr>
             <a:fld id="{00000000-1234-1234-1234-123412341234}" type="slidenum">
               <a:rPr lang="en"/>
-              <a:t>41</a:t>
+              <a:t>42</a:t>
             </a:fld>
             <a:endParaRPr/>
           </a:p>
@@ -35333,7 +35673,7 @@
 </p:sld>
 </file>
 
-<file path=ppt/slides/slide42.xml><?xml version="1.0" encoding="utf-8"?>
+<file path=ppt/slides/slide43.xml><?xml version="1.0" encoding="utf-8"?>
 <p:sld xmlns:a="http://schemas.openxmlformats.org/drawingml/2006/main" xmlns:r="http://schemas.openxmlformats.org/officeDocument/2006/relationships" xmlns:p="http://schemas.openxmlformats.org/presentationml/2006/main" show="0">
   <p:cSld>
     <p:spTree>
@@ -35717,7 +36057,7 @@
             </a:pPr>
             <a:fld id="{00000000-1234-1234-1234-123412341234}" type="slidenum">
               <a:rPr lang="en"/>
-              <a:t>42</a:t>
+              <a:t>43</a:t>
             </a:fld>
             <a:endParaRPr/>
           </a:p>
@@ -36432,7 +36772,7 @@
 </p:sld>
 </file>
 
-<file path=ppt/slides/slide43.xml><?xml version="1.0" encoding="utf-8"?>
+<file path=ppt/slides/slide44.xml><?xml version="1.0" encoding="utf-8"?>
 <p:sld xmlns:a="http://schemas.openxmlformats.org/drawingml/2006/main" xmlns:r="http://schemas.openxmlformats.org/officeDocument/2006/relationships" xmlns:p="http://schemas.openxmlformats.org/presentationml/2006/main" show="0">
   <p:cSld>
     <p:spTree>
@@ -36714,7 +37054,7 @@
             </a:pPr>
             <a:fld id="{00000000-1234-1234-1234-123412341234}" type="slidenum">
               <a:rPr lang="en"/>
-              <a:t>43</a:t>
+              <a:t>44</a:t>
             </a:fld>
             <a:endParaRPr/>
           </a:p>
@@ -37199,7 +37539,7 @@
 </p:sld>
 </file>
 
-<file path=ppt/slides/slide44.xml><?xml version="1.0" encoding="utf-8"?>
+<file path=ppt/slides/slide45.xml><?xml version="1.0" encoding="utf-8"?>
 <p:sld xmlns:a="http://schemas.openxmlformats.org/drawingml/2006/main" xmlns:r="http://schemas.openxmlformats.org/officeDocument/2006/relationships" xmlns:p="http://schemas.openxmlformats.org/presentationml/2006/main" show="0">
   <p:cSld>
     <p:spTree>
@@ -37294,7 +37634,7 @@
             </a:pPr>
             <a:fld id="{00000000-1234-1234-1234-123412341234}" type="slidenum">
               <a:rPr lang="en"/>
-              <a:t>44</a:t>
+              <a:t>45</a:t>
             </a:fld>
             <a:endParaRPr/>
           </a:p>
@@ -37978,7 +38318,7 @@
 </p:sld>
 </file>
 
-<file path=ppt/slides/slide45.xml><?xml version="1.0" encoding="utf-8"?>
+<file path=ppt/slides/slide46.xml><?xml version="1.0" encoding="utf-8"?>
 <p:sld xmlns:a="http://schemas.openxmlformats.org/drawingml/2006/main" xmlns:r="http://schemas.openxmlformats.org/officeDocument/2006/relationships" xmlns:p="http://schemas.openxmlformats.org/presentationml/2006/main" show="0">
   <p:cSld>
     <p:spTree>
@@ -38073,7 +38413,7 @@
             </a:pPr>
             <a:fld id="{00000000-1234-1234-1234-123412341234}" type="slidenum">
               <a:rPr lang="en"/>
-              <a:t>45</a:t>
+              <a:t>46</a:t>
             </a:fld>
             <a:endParaRPr/>
           </a:p>
@@ -38827,7 +39167,7 @@
 </p:sld>
 </file>
 
-<file path=ppt/slides/slide46.xml><?xml version="1.0" encoding="utf-8"?>
+<file path=ppt/slides/slide47.xml><?xml version="1.0" encoding="utf-8"?>
 <p:sld xmlns:a="http://schemas.openxmlformats.org/drawingml/2006/main" xmlns:r="http://schemas.openxmlformats.org/officeDocument/2006/relationships" xmlns:p="http://schemas.openxmlformats.org/presentationml/2006/main">
   <p:cSld>
     <p:spTree>
@@ -39132,7 +39472,7 @@
             </a:pPr>
             <a:fld id="{00000000-1234-1234-1234-123412341234}" type="slidenum">
               <a:rPr lang="en"/>
-              <a:t>46</a:t>
+              <a:t>47</a:t>
             </a:fld>
             <a:endParaRPr/>
           </a:p>

--- a/teaching/ITIS6200/2023fa/lectures/lec06.pptx
+++ b/teaching/ITIS6200/2023fa/lectures/lec06.pptx
@@ -5,7 +5,7 @@
     <p:sldMasterId id="2147483663" r:id="rId1"/>
   </p:sldMasterIdLst>
   <p:notesMasterIdLst>
-    <p:notesMasterId r:id="rId49"/>
+    <p:notesMasterId r:id="rId50"/>
   </p:notesMasterIdLst>
   <p:sldIdLst>
     <p:sldId id="256" r:id="rId2"/>
@@ -40,21 +40,22 @@
     <p:sldId id="280" r:id="rId31"/>
     <p:sldId id="281" r:id="rId32"/>
     <p:sldId id="309" r:id="rId33"/>
-    <p:sldId id="282" r:id="rId34"/>
-    <p:sldId id="283" r:id="rId35"/>
-    <p:sldId id="284" r:id="rId36"/>
-    <p:sldId id="285" r:id="rId37"/>
-    <p:sldId id="286" r:id="rId38"/>
-    <p:sldId id="287" r:id="rId39"/>
-    <p:sldId id="288" r:id="rId40"/>
-    <p:sldId id="289" r:id="rId41"/>
-    <p:sldId id="290" r:id="rId42"/>
-    <p:sldId id="292" r:id="rId43"/>
-    <p:sldId id="293" r:id="rId44"/>
-    <p:sldId id="294" r:id="rId45"/>
-    <p:sldId id="295" r:id="rId46"/>
-    <p:sldId id="296" r:id="rId47"/>
-    <p:sldId id="297" r:id="rId48"/>
+    <p:sldId id="310" r:id="rId34"/>
+    <p:sldId id="282" r:id="rId35"/>
+    <p:sldId id="283" r:id="rId36"/>
+    <p:sldId id="284" r:id="rId37"/>
+    <p:sldId id="285" r:id="rId38"/>
+    <p:sldId id="286" r:id="rId39"/>
+    <p:sldId id="287" r:id="rId40"/>
+    <p:sldId id="288" r:id="rId41"/>
+    <p:sldId id="289" r:id="rId42"/>
+    <p:sldId id="290" r:id="rId43"/>
+    <p:sldId id="292" r:id="rId44"/>
+    <p:sldId id="293" r:id="rId45"/>
+    <p:sldId id="294" r:id="rId46"/>
+    <p:sldId id="295" r:id="rId47"/>
+    <p:sldId id="296" r:id="rId48"/>
+    <p:sldId id="297" r:id="rId49"/>
   </p:sldIdLst>
   <p:sldSz cx="9144000" cy="5143500" type="screen16x9"/>
   <p:notesSz cx="6858000" cy="9144000"/>
@@ -4091,6 +4092,119 @@
   <p:cSld>
     <p:spTree>
       <p:nvGrpSpPr>
+        <p:cNvPr id="1" name="Shape 254"/>
+        <p:cNvGrpSpPr/>
+        <p:nvPr/>
+      </p:nvGrpSpPr>
+      <p:grpSpPr>
+        <a:xfrm>
+          <a:off x="0" y="0"/>
+          <a:ext cx="0" cy="0"/>
+          <a:chOff x="0" y="0"/>
+          <a:chExt cx="0" cy="0"/>
+        </a:xfrm>
+      </p:grpSpPr>
+      <p:sp>
+        <p:nvSpPr>
+          <p:cNvPr id="255" name="Google Shape;255;g11468c29934_0_140:notes"/>
+          <p:cNvSpPr>
+            <a:spLocks noGrp="1" noRot="1" noChangeAspect="1"/>
+          </p:cNvSpPr>
+          <p:nvPr>
+            <p:ph type="sldImg" idx="2"/>
+          </p:nvPr>
+        </p:nvSpPr>
+        <p:spPr>
+          <a:xfrm>
+            <a:off x="381000" y="685800"/>
+            <a:ext cx="6096000" cy="3429000"/>
+          </a:xfrm>
+          <a:custGeom>
+            <a:avLst/>
+            <a:gdLst/>
+            <a:ahLst/>
+            <a:cxnLst/>
+            <a:rect l="l" t="t" r="r" b="b"/>
+            <a:pathLst>
+              <a:path w="120000" h="120000" extrusionOk="0">
+                <a:moveTo>
+                  <a:pt x="0" y="0"/>
+                </a:moveTo>
+                <a:lnTo>
+                  <a:pt x="120000" y="0"/>
+                </a:lnTo>
+                <a:lnTo>
+                  <a:pt x="120000" y="120000"/>
+                </a:lnTo>
+                <a:lnTo>
+                  <a:pt x="0" y="120000"/>
+                </a:lnTo>
+                <a:close/>
+              </a:path>
+            </a:pathLst>
+          </a:custGeom>
+        </p:spPr>
+      </p:sp>
+      <p:sp>
+        <p:nvSpPr>
+          <p:cNvPr id="256" name="Google Shape;256;g11468c29934_0_140:notes"/>
+          <p:cNvSpPr txBox="1">
+            <a:spLocks noGrp="1"/>
+          </p:cNvSpPr>
+          <p:nvPr>
+            <p:ph type="body" idx="1"/>
+          </p:nvPr>
+        </p:nvSpPr>
+        <p:spPr>
+          <a:xfrm>
+            <a:off x="685800" y="4343400"/>
+            <a:ext cx="5486400" cy="4114800"/>
+          </a:xfrm>
+          <a:prstGeom prst="rect">
+            <a:avLst/>
+          </a:prstGeom>
+        </p:spPr>
+        <p:txBody>
+          <a:bodyPr spcFirstLastPara="1" wrap="square" lIns="91425" tIns="91425" rIns="91425" bIns="91425" anchor="t" anchorCtr="0">
+            <a:noAutofit/>
+          </a:bodyPr>
+          <a:lstStyle/>
+          <a:p>
+            <a:pPr marL="0" lvl="0" indent="0" algn="l" rtl="0">
+              <a:spcBef>
+                <a:spcPts val="0"/>
+              </a:spcBef>
+              <a:spcAft>
+                <a:spcPts val="0"/>
+              </a:spcAft>
+              <a:buNone/>
+            </a:pPr>
+            <a:r>
+              <a:rPr lang="en"/>
+              <a:t>Ask after presenting issues: Ideas for how to encrypt large messages efficiently?</a:t>
+            </a:r>
+            <a:endParaRPr/>
+          </a:p>
+        </p:txBody>
+      </p:sp>
+    </p:spTree>
+    <p:extLst>
+      <p:ext uri="{BB962C8B-B14F-4D97-AF65-F5344CB8AC3E}">
+        <p14:creationId xmlns:p14="http://schemas.microsoft.com/office/powerpoint/2010/main" val="1442543173"/>
+      </p:ext>
+    </p:extLst>
+  </p:cSld>
+  <p:clrMapOvr>
+    <a:masterClrMapping/>
+  </p:clrMapOvr>
+</p:notes>
+</file>
+
+<file path=ppt/notesSlides/notesSlide34.xml><?xml version="1.0" encoding="utf-8"?>
+<p:notes xmlns:a="http://schemas.openxmlformats.org/drawingml/2006/main" xmlns:r="http://schemas.openxmlformats.org/officeDocument/2006/relationships" xmlns:p="http://schemas.openxmlformats.org/presentationml/2006/main" showMasterSp="0" showMasterPhAnim="0">
+  <p:cSld>
+    <p:spTree>
+      <p:nvGrpSpPr>
         <p:cNvPr id="1" name="Shape 261"/>
         <p:cNvGrpSpPr/>
         <p:nvPr/>
@@ -4190,7 +4304,7 @@
 </p:notes>
 </file>
 
-<file path=ppt/notesSlides/notesSlide34.xml><?xml version="1.0" encoding="utf-8"?>
+<file path=ppt/notesSlides/notesSlide35.xml><?xml version="1.0" encoding="utf-8"?>
 <p:notes xmlns:a="http://schemas.openxmlformats.org/drawingml/2006/main" xmlns:r="http://schemas.openxmlformats.org/officeDocument/2006/relationships" xmlns:p="http://schemas.openxmlformats.org/presentationml/2006/main" showMasterSp="0" showMasterPhAnim="0">
   <p:cSld>
     <p:spTree>
@@ -4294,7 +4408,7 @@
 </p:notes>
 </file>
 
-<file path=ppt/notesSlides/notesSlide35.xml><?xml version="1.0" encoding="utf-8"?>
+<file path=ppt/notesSlides/notesSlide36.xml><?xml version="1.0" encoding="utf-8"?>
 <p:notes xmlns:a="http://schemas.openxmlformats.org/drawingml/2006/main" xmlns:r="http://schemas.openxmlformats.org/officeDocument/2006/relationships" xmlns:p="http://schemas.openxmlformats.org/presentationml/2006/main" showMasterSp="0" showMasterPhAnim="0">
   <p:cSld>
     <p:spTree>
@@ -4398,7 +4512,7 @@
 </p:notes>
 </file>
 
-<file path=ppt/notesSlides/notesSlide36.xml><?xml version="1.0" encoding="utf-8"?>
+<file path=ppt/notesSlides/notesSlide37.xml><?xml version="1.0" encoding="utf-8"?>
 <p:notes xmlns:a="http://schemas.openxmlformats.org/drawingml/2006/main" xmlns:r="http://schemas.openxmlformats.org/officeDocument/2006/relationships" xmlns:p="http://schemas.openxmlformats.org/presentationml/2006/main" showMasterSp="0" showMasterPhAnim="0">
   <p:cSld>
     <p:spTree>
@@ -4502,7 +4616,7 @@
 </p:notes>
 </file>
 
-<file path=ppt/notesSlides/notesSlide37.xml><?xml version="1.0" encoding="utf-8"?>
+<file path=ppt/notesSlides/notesSlide38.xml><?xml version="1.0" encoding="utf-8"?>
 <p:notes xmlns:a="http://schemas.openxmlformats.org/drawingml/2006/main" xmlns:r="http://schemas.openxmlformats.org/officeDocument/2006/relationships" xmlns:p="http://schemas.openxmlformats.org/presentationml/2006/main" showMasterSp="0" showMasterPhAnim="0">
   <p:cSld>
     <p:spTree>
@@ -4606,7 +4720,7 @@
 </p:notes>
 </file>
 
-<file path=ppt/notesSlides/notesSlide38.xml><?xml version="1.0" encoding="utf-8"?>
+<file path=ppt/notesSlides/notesSlide39.xml><?xml version="1.0" encoding="utf-8"?>
 <p:notes xmlns:a="http://schemas.openxmlformats.org/drawingml/2006/main" xmlns:r="http://schemas.openxmlformats.org/officeDocument/2006/relationships" xmlns:p="http://schemas.openxmlformats.org/presentationml/2006/main" showMasterSp="0" showMasterPhAnim="0">
   <p:cSld>
     <p:spTree>
@@ -4667,110 +4781,6 @@
       <p:sp>
         <p:nvSpPr>
           <p:cNvPr id="303" name="Google Shape;303;g11468c29934_1_264:notes"/>
-          <p:cNvSpPr txBox="1">
-            <a:spLocks noGrp="1"/>
-          </p:cNvSpPr>
-          <p:nvPr>
-            <p:ph type="body" idx="1"/>
-          </p:nvPr>
-        </p:nvSpPr>
-        <p:spPr>
-          <a:xfrm>
-            <a:off x="685800" y="4343400"/>
-            <a:ext cx="5486400" cy="4114800"/>
-          </a:xfrm>
-          <a:prstGeom prst="rect">
-            <a:avLst/>
-          </a:prstGeom>
-        </p:spPr>
-        <p:txBody>
-          <a:bodyPr spcFirstLastPara="1" wrap="square" lIns="91425" tIns="91425" rIns="91425" bIns="91425" anchor="t" anchorCtr="0">
-            <a:noAutofit/>
-          </a:bodyPr>
-          <a:lstStyle/>
-          <a:p>
-            <a:pPr marL="0" lvl="0" indent="0" algn="l" rtl="0">
-              <a:spcBef>
-                <a:spcPts val="0"/>
-              </a:spcBef>
-              <a:spcAft>
-                <a:spcPts val="0"/>
-              </a:spcAft>
-              <a:buNone/>
-            </a:pPr>
-            <a:endParaRPr/>
-          </a:p>
-        </p:txBody>
-      </p:sp>
-    </p:spTree>
-  </p:cSld>
-  <p:clrMapOvr>
-    <a:masterClrMapping/>
-  </p:clrMapOvr>
-</p:notes>
-</file>
-
-<file path=ppt/notesSlides/notesSlide39.xml><?xml version="1.0" encoding="utf-8"?>
-<p:notes xmlns:a="http://schemas.openxmlformats.org/drawingml/2006/main" xmlns:r="http://schemas.openxmlformats.org/officeDocument/2006/relationships" xmlns:p="http://schemas.openxmlformats.org/presentationml/2006/main" showMasterSp="0" showMasterPhAnim="0">
-  <p:cSld>
-    <p:spTree>
-      <p:nvGrpSpPr>
-        <p:cNvPr id="1" name="Shape 308"/>
-        <p:cNvGrpSpPr/>
-        <p:nvPr/>
-      </p:nvGrpSpPr>
-      <p:grpSpPr>
-        <a:xfrm>
-          <a:off x="0" y="0"/>
-          <a:ext cx="0" cy="0"/>
-          <a:chOff x="0" y="0"/>
-          <a:chExt cx="0" cy="0"/>
-        </a:xfrm>
-      </p:grpSpPr>
-      <p:sp>
-        <p:nvSpPr>
-          <p:cNvPr id="309" name="Google Shape;309;g11468c29934_0_171:notes"/>
-          <p:cNvSpPr>
-            <a:spLocks noGrp="1" noRot="1" noChangeAspect="1"/>
-          </p:cNvSpPr>
-          <p:nvPr>
-            <p:ph type="sldImg" idx="2"/>
-          </p:nvPr>
-        </p:nvSpPr>
-        <p:spPr>
-          <a:xfrm>
-            <a:off x="381000" y="685800"/>
-            <a:ext cx="6096000" cy="3429000"/>
-          </a:xfrm>
-          <a:custGeom>
-            <a:avLst/>
-            <a:gdLst/>
-            <a:ahLst/>
-            <a:cxnLst/>
-            <a:rect l="l" t="t" r="r" b="b"/>
-            <a:pathLst>
-              <a:path w="120000" h="120000" extrusionOk="0">
-                <a:moveTo>
-                  <a:pt x="0" y="0"/>
-                </a:moveTo>
-                <a:lnTo>
-                  <a:pt x="120000" y="0"/>
-                </a:lnTo>
-                <a:lnTo>
-                  <a:pt x="120000" y="120000"/>
-                </a:lnTo>
-                <a:lnTo>
-                  <a:pt x="0" y="120000"/>
-                </a:lnTo>
-                <a:close/>
-              </a:path>
-            </a:pathLst>
-          </a:custGeom>
-        </p:spPr>
-      </p:sp>
-      <p:sp>
-        <p:nvSpPr>
-          <p:cNvPr id="310" name="Google Shape;310;g11468c29934_0_171:notes"/>
           <p:cNvSpPr txBox="1">
             <a:spLocks noGrp="1"/>
           </p:cNvSpPr>
@@ -4927,6 +4937,110 @@
   <p:cSld>
     <p:spTree>
       <p:nvGrpSpPr>
+        <p:cNvPr id="1" name="Shape 308"/>
+        <p:cNvGrpSpPr/>
+        <p:nvPr/>
+      </p:nvGrpSpPr>
+      <p:grpSpPr>
+        <a:xfrm>
+          <a:off x="0" y="0"/>
+          <a:ext cx="0" cy="0"/>
+          <a:chOff x="0" y="0"/>
+          <a:chExt cx="0" cy="0"/>
+        </a:xfrm>
+      </p:grpSpPr>
+      <p:sp>
+        <p:nvSpPr>
+          <p:cNvPr id="309" name="Google Shape;309;g11468c29934_0_171:notes"/>
+          <p:cNvSpPr>
+            <a:spLocks noGrp="1" noRot="1" noChangeAspect="1"/>
+          </p:cNvSpPr>
+          <p:nvPr>
+            <p:ph type="sldImg" idx="2"/>
+          </p:nvPr>
+        </p:nvSpPr>
+        <p:spPr>
+          <a:xfrm>
+            <a:off x="381000" y="685800"/>
+            <a:ext cx="6096000" cy="3429000"/>
+          </a:xfrm>
+          <a:custGeom>
+            <a:avLst/>
+            <a:gdLst/>
+            <a:ahLst/>
+            <a:cxnLst/>
+            <a:rect l="l" t="t" r="r" b="b"/>
+            <a:pathLst>
+              <a:path w="120000" h="120000" extrusionOk="0">
+                <a:moveTo>
+                  <a:pt x="0" y="0"/>
+                </a:moveTo>
+                <a:lnTo>
+                  <a:pt x="120000" y="0"/>
+                </a:lnTo>
+                <a:lnTo>
+                  <a:pt x="120000" y="120000"/>
+                </a:lnTo>
+                <a:lnTo>
+                  <a:pt x="0" y="120000"/>
+                </a:lnTo>
+                <a:close/>
+              </a:path>
+            </a:pathLst>
+          </a:custGeom>
+        </p:spPr>
+      </p:sp>
+      <p:sp>
+        <p:nvSpPr>
+          <p:cNvPr id="310" name="Google Shape;310;g11468c29934_0_171:notes"/>
+          <p:cNvSpPr txBox="1">
+            <a:spLocks noGrp="1"/>
+          </p:cNvSpPr>
+          <p:nvPr>
+            <p:ph type="body" idx="1"/>
+          </p:nvPr>
+        </p:nvSpPr>
+        <p:spPr>
+          <a:xfrm>
+            <a:off x="685800" y="4343400"/>
+            <a:ext cx="5486400" cy="4114800"/>
+          </a:xfrm>
+          <a:prstGeom prst="rect">
+            <a:avLst/>
+          </a:prstGeom>
+        </p:spPr>
+        <p:txBody>
+          <a:bodyPr spcFirstLastPara="1" wrap="square" lIns="91425" tIns="91425" rIns="91425" bIns="91425" anchor="t" anchorCtr="0">
+            <a:noAutofit/>
+          </a:bodyPr>
+          <a:lstStyle/>
+          <a:p>
+            <a:pPr marL="0" lvl="0" indent="0" algn="l" rtl="0">
+              <a:spcBef>
+                <a:spcPts val="0"/>
+              </a:spcBef>
+              <a:spcAft>
+                <a:spcPts val="0"/>
+              </a:spcAft>
+              <a:buNone/>
+            </a:pPr>
+            <a:endParaRPr/>
+          </a:p>
+        </p:txBody>
+      </p:sp>
+    </p:spTree>
+  </p:cSld>
+  <p:clrMapOvr>
+    <a:masterClrMapping/>
+  </p:clrMapOvr>
+</p:notes>
+</file>
+
+<file path=ppt/notesSlides/notesSlide41.xml><?xml version="1.0" encoding="utf-8"?>
+<p:notes xmlns:a="http://schemas.openxmlformats.org/drawingml/2006/main" xmlns:r="http://schemas.openxmlformats.org/officeDocument/2006/relationships" xmlns:p="http://schemas.openxmlformats.org/presentationml/2006/main" showMasterSp="0" showMasterPhAnim="0">
+  <p:cSld>
+    <p:spTree>
+      <p:nvGrpSpPr>
         <p:cNvPr id="1" name="Shape 316"/>
         <p:cNvGrpSpPr/>
         <p:nvPr/>
@@ -5026,7 +5140,7 @@
 </p:notes>
 </file>
 
-<file path=ppt/notesSlides/notesSlide41.xml><?xml version="1.0" encoding="utf-8"?>
+<file path=ppt/notesSlides/notesSlide42.xml><?xml version="1.0" encoding="utf-8"?>
 <p:notes xmlns:a="http://schemas.openxmlformats.org/drawingml/2006/main" xmlns:r="http://schemas.openxmlformats.org/officeDocument/2006/relationships" xmlns:p="http://schemas.openxmlformats.org/presentationml/2006/main" showMasterSp="0" showMasterPhAnim="0">
   <p:cSld>
     <p:spTree>
@@ -5130,7 +5244,7 @@
 </p:notes>
 </file>
 
-<file path=ppt/notesSlides/notesSlide42.xml><?xml version="1.0" encoding="utf-8"?>
+<file path=ppt/notesSlides/notesSlide43.xml><?xml version="1.0" encoding="utf-8"?>
 <p:notes xmlns:a="http://schemas.openxmlformats.org/drawingml/2006/main" xmlns:r="http://schemas.openxmlformats.org/officeDocument/2006/relationships" xmlns:p="http://schemas.openxmlformats.org/presentationml/2006/main" showMasterSp="0" showMasterPhAnim="0">
   <p:cSld>
     <p:spTree>
@@ -5234,7 +5348,7 @@
 </p:notes>
 </file>
 
-<file path=ppt/notesSlides/notesSlide43.xml><?xml version="1.0" encoding="utf-8"?>
+<file path=ppt/notesSlides/notesSlide44.xml><?xml version="1.0" encoding="utf-8"?>
 <p:notes xmlns:a="http://schemas.openxmlformats.org/drawingml/2006/main" xmlns:r="http://schemas.openxmlformats.org/officeDocument/2006/relationships" xmlns:p="http://schemas.openxmlformats.org/presentationml/2006/main" showMasterSp="0" showMasterPhAnim="0">
   <p:cSld>
     <p:spTree>
@@ -5372,7 +5486,7 @@
 </p:notes>
 </file>
 
-<file path=ppt/notesSlides/notesSlide44.xml><?xml version="1.0" encoding="utf-8"?>
+<file path=ppt/notesSlides/notesSlide45.xml><?xml version="1.0" encoding="utf-8"?>
 <p:notes xmlns:a="http://schemas.openxmlformats.org/drawingml/2006/main" xmlns:r="http://schemas.openxmlformats.org/officeDocument/2006/relationships" xmlns:p="http://schemas.openxmlformats.org/presentationml/2006/main" showMasterSp="0" showMasterPhAnim="0">
   <p:cSld>
     <p:spTree>
@@ -5476,7 +5590,7 @@
 </p:notes>
 </file>
 
-<file path=ppt/notesSlides/notesSlide45.xml><?xml version="1.0" encoding="utf-8"?>
+<file path=ppt/notesSlides/notesSlide46.xml><?xml version="1.0" encoding="utf-8"?>
 <p:notes xmlns:a="http://schemas.openxmlformats.org/drawingml/2006/main" xmlns:r="http://schemas.openxmlformats.org/officeDocument/2006/relationships" xmlns:p="http://schemas.openxmlformats.org/presentationml/2006/main" showMasterSp="0" showMasterPhAnim="0">
   <p:cSld>
     <p:spTree>
@@ -5580,7 +5694,7 @@
 </p:notes>
 </file>
 
-<file path=ppt/notesSlides/notesSlide46.xml><?xml version="1.0" encoding="utf-8"?>
+<file path=ppt/notesSlides/notesSlide47.xml><?xml version="1.0" encoding="utf-8"?>
 <p:notes xmlns:a="http://schemas.openxmlformats.org/drawingml/2006/main" xmlns:r="http://schemas.openxmlformats.org/officeDocument/2006/relationships" xmlns:p="http://schemas.openxmlformats.org/presentationml/2006/main" showMasterSp="0" showMasterPhAnim="0">
   <p:cSld>
     <p:spTree>
@@ -5701,7 +5815,7 @@
 </p:notes>
 </file>
 
-<file path=ppt/notesSlides/notesSlide47.xml><?xml version="1.0" encoding="utf-8"?>
+<file path=ppt/notesSlides/notesSlide48.xml><?xml version="1.0" encoding="utf-8"?>
 <p:notes xmlns:a="http://schemas.openxmlformats.org/drawingml/2006/main" xmlns:r="http://schemas.openxmlformats.org/officeDocument/2006/relationships" xmlns:p="http://schemas.openxmlformats.org/presentationml/2006/main" showMasterSp="0" showMasterPhAnim="0">
   <p:cSld>
     <p:spTree>
@@ -30010,6 +30124,1800 @@
   <p:cSld>
     <p:spTree>
       <p:nvGrpSpPr>
+        <p:cNvPr id="1" name="Shape 257"/>
+        <p:cNvGrpSpPr/>
+        <p:nvPr/>
+      </p:nvGrpSpPr>
+      <p:grpSpPr>
+        <a:xfrm>
+          <a:off x="0" y="0"/>
+          <a:ext cx="0" cy="0"/>
+          <a:chOff x="0" y="0"/>
+          <a:chExt cx="0" cy="0"/>
+        </a:xfrm>
+      </p:grpSpPr>
+      <p:sp>
+        <p:nvSpPr>
+          <p:cNvPr id="258" name="Google Shape;258;p42"/>
+          <p:cNvSpPr txBox="1">
+            <a:spLocks noGrp="1"/>
+          </p:cNvSpPr>
+          <p:nvPr>
+            <p:ph type="title"/>
+          </p:nvPr>
+        </p:nvSpPr>
+        <p:spPr>
+          <a:xfrm>
+            <a:off x="102700" y="270875"/>
+            <a:ext cx="8520600" cy="572700"/>
+          </a:xfrm>
+          <a:prstGeom prst="rect">
+            <a:avLst/>
+          </a:prstGeom>
+        </p:spPr>
+        <p:txBody>
+          <a:bodyPr spcFirstLastPara="1" wrap="square" lIns="91425" tIns="91425" rIns="91425" bIns="91425" anchor="t" anchorCtr="0">
+            <a:normAutofit fontScale="90000"/>
+          </a:bodyPr>
+          <a:lstStyle/>
+          <a:p>
+            <a:pPr marL="0" lvl="0" indent="0" algn="l" rtl="0">
+              <a:spcBef>
+                <a:spcPts val="0"/>
+              </a:spcBef>
+              <a:spcAft>
+                <a:spcPts val="0"/>
+              </a:spcAft>
+              <a:buNone/>
+            </a:pPr>
+            <a:r>
+              <a:rPr lang="en"/>
+              <a:t>Hybrid Encryption</a:t>
+            </a:r>
+            <a:endParaRPr/>
+          </a:p>
+        </p:txBody>
+      </p:sp>
+      <p:sp>
+        <p:nvSpPr>
+          <p:cNvPr id="260" name="Google Shape;260;p42"/>
+          <p:cNvSpPr txBox="1">
+            <a:spLocks noGrp="1"/>
+          </p:cNvSpPr>
+          <p:nvPr>
+            <p:ph type="sldNum" idx="12"/>
+          </p:nvPr>
+        </p:nvSpPr>
+        <p:spPr>
+          <a:xfrm>
+            <a:off x="8472458" y="4663217"/>
+            <a:ext cx="548700" cy="393600"/>
+          </a:xfrm>
+          <a:prstGeom prst="rect">
+            <a:avLst/>
+          </a:prstGeom>
+        </p:spPr>
+        <p:txBody>
+          <a:bodyPr spcFirstLastPara="1" wrap="square" lIns="91425" tIns="91425" rIns="91425" bIns="91425" anchor="ctr" anchorCtr="0">
+            <a:normAutofit/>
+          </a:bodyPr>
+          <a:lstStyle/>
+          <a:p>
+            <a:pPr marL="0" lvl="0" indent="0" algn="r" rtl="0">
+              <a:spcBef>
+                <a:spcPts val="0"/>
+              </a:spcBef>
+              <a:spcAft>
+                <a:spcPts val="0"/>
+              </a:spcAft>
+              <a:buNone/>
+            </a:pPr>
+            <a:fld id="{00000000-1234-1234-1234-123412341234}" type="slidenum">
+              <a:rPr lang="en"/>
+              <a:t>33</a:t>
+            </a:fld>
+            <a:endParaRPr/>
+          </a:p>
+        </p:txBody>
+      </p:sp>
+      <p:sp>
+        <p:nvSpPr>
+          <p:cNvPr id="2" name="TextBox 1">
+            <a:extLst>
+              <a:ext uri="{FF2B5EF4-FFF2-40B4-BE49-F238E27FC236}">
+                <a16:creationId xmlns:a16="http://schemas.microsoft.com/office/drawing/2014/main" id="{65ED914C-ECD9-3670-B6BE-EC000C8EBDCA}"/>
+              </a:ext>
+            </a:extLst>
+          </p:cNvPr>
+          <p:cNvSpPr txBox="1"/>
+          <p:nvPr/>
+        </p:nvSpPr>
+        <p:spPr>
+          <a:xfrm>
+            <a:off x="4737182" y="5244526"/>
+            <a:ext cx="184731" cy="307777"/>
+          </a:xfrm>
+          <a:prstGeom prst="rect">
+            <a:avLst/>
+          </a:prstGeom>
+          <a:noFill/>
+        </p:spPr>
+        <p:txBody>
+          <a:bodyPr wrap="none" rtlCol="0">
+            <a:spAutoFit/>
+          </a:bodyPr>
+          <a:lstStyle/>
+          <a:p>
+            <a:endParaRPr lang="en-US" dirty="0"/>
+          </a:p>
+        </p:txBody>
+      </p:sp>
+      <p:sp>
+        <p:nvSpPr>
+          <p:cNvPr id="5" name="Google Shape;577;p62">
+            <a:extLst>
+              <a:ext uri="{FF2B5EF4-FFF2-40B4-BE49-F238E27FC236}">
+                <a16:creationId xmlns:a16="http://schemas.microsoft.com/office/drawing/2014/main" id="{E9A981B3-3B22-1E4C-54DF-6C31B3EA63F3}"/>
+              </a:ext>
+            </a:extLst>
+          </p:cNvPr>
+          <p:cNvSpPr/>
+          <p:nvPr/>
+        </p:nvSpPr>
+        <p:spPr>
+          <a:xfrm>
+            <a:off x="2017153" y="3677408"/>
+            <a:ext cx="1135200" cy="470100"/>
+          </a:xfrm>
+          <a:prstGeom prst="rect">
+            <a:avLst/>
+          </a:prstGeom>
+          <a:solidFill>
+            <a:schemeClr val="lt2"/>
+          </a:solidFill>
+          <a:ln w="9525" cap="flat" cmpd="sng">
+            <a:solidFill>
+              <a:schemeClr val="dk2"/>
+            </a:solidFill>
+            <a:prstDash val="solid"/>
+            <a:round/>
+            <a:headEnd type="none" w="sm" len="sm"/>
+            <a:tailEnd type="none" w="sm" len="sm"/>
+          </a:ln>
+        </p:spPr>
+        <p:txBody>
+          <a:bodyPr spcFirstLastPara="1" wrap="square" lIns="91425" tIns="91425" rIns="91425" bIns="91425" anchor="ctr" anchorCtr="0">
+            <a:noAutofit/>
+          </a:bodyPr>
+          <a:lstStyle/>
+          <a:p>
+            <a:pPr marL="0" lvl="0" indent="0" algn="ctr" rtl="0">
+              <a:spcBef>
+                <a:spcPts val="0"/>
+              </a:spcBef>
+              <a:spcAft>
+                <a:spcPts val="0"/>
+              </a:spcAft>
+              <a:buNone/>
+            </a:pPr>
+            <a:r>
+              <a:rPr lang="en" dirty="0"/>
+              <a:t>Symmetric encryption</a:t>
+            </a:r>
+            <a:endParaRPr dirty="0"/>
+          </a:p>
+        </p:txBody>
+      </p:sp>
+      <p:sp>
+        <p:nvSpPr>
+          <p:cNvPr id="7" name="Google Shape;580;p62">
+            <a:extLst>
+              <a:ext uri="{FF2B5EF4-FFF2-40B4-BE49-F238E27FC236}">
+                <a16:creationId xmlns:a16="http://schemas.microsoft.com/office/drawing/2014/main" id="{70866F55-03C2-0690-D9F7-C02A0FE2ECD9}"/>
+              </a:ext>
+            </a:extLst>
+          </p:cNvPr>
+          <p:cNvSpPr/>
+          <p:nvPr/>
+        </p:nvSpPr>
+        <p:spPr>
+          <a:xfrm>
+            <a:off x="3903305" y="2539369"/>
+            <a:ext cx="1135200" cy="470100"/>
+          </a:xfrm>
+          <a:prstGeom prst="rect">
+            <a:avLst/>
+          </a:prstGeom>
+          <a:solidFill>
+            <a:schemeClr val="lt2"/>
+          </a:solidFill>
+          <a:ln w="9525" cap="flat" cmpd="sng">
+            <a:solidFill>
+              <a:schemeClr val="dk2"/>
+            </a:solidFill>
+            <a:prstDash val="solid"/>
+            <a:round/>
+            <a:headEnd type="none" w="sm" len="sm"/>
+            <a:tailEnd type="none" w="sm" len="sm"/>
+          </a:ln>
+        </p:spPr>
+        <p:txBody>
+          <a:bodyPr spcFirstLastPara="1" wrap="square" lIns="91425" tIns="91425" rIns="91425" bIns="91425" anchor="ctr" anchorCtr="0">
+            <a:noAutofit/>
+          </a:bodyPr>
+          <a:lstStyle/>
+          <a:p>
+            <a:pPr marL="0" lvl="0" indent="0" algn="ctr" rtl="0">
+              <a:spcBef>
+                <a:spcPts val="0"/>
+              </a:spcBef>
+              <a:spcAft>
+                <a:spcPts val="0"/>
+              </a:spcAft>
+              <a:buNone/>
+            </a:pPr>
+            <a:r>
+              <a:rPr lang="en" dirty="0"/>
+              <a:t>C2</a:t>
+            </a:r>
+            <a:endParaRPr dirty="0"/>
+          </a:p>
+        </p:txBody>
+      </p:sp>
+      <p:cxnSp>
+        <p:nvCxnSpPr>
+          <p:cNvPr id="8" name="Google Shape;581;p62">
+            <a:extLst>
+              <a:ext uri="{FF2B5EF4-FFF2-40B4-BE49-F238E27FC236}">
+                <a16:creationId xmlns:a16="http://schemas.microsoft.com/office/drawing/2014/main" id="{CF1E875B-D59C-373A-72A4-47E0DB095EA3}"/>
+              </a:ext>
+            </a:extLst>
+          </p:cNvPr>
+          <p:cNvCxnSpPr>
+            <a:cxnSpLocks/>
+            <a:stCxn id="5" idx="3"/>
+            <a:endCxn id="31" idx="1"/>
+          </p:cNvCxnSpPr>
+          <p:nvPr/>
+        </p:nvCxnSpPr>
+        <p:spPr>
+          <a:xfrm>
+            <a:off x="3152353" y="3912458"/>
+            <a:ext cx="758524" cy="0"/>
+          </a:xfrm>
+          <a:prstGeom prst="straightConnector1">
+            <a:avLst/>
+          </a:prstGeom>
+          <a:noFill/>
+          <a:ln w="9525" cap="flat" cmpd="sng">
+            <a:solidFill>
+              <a:schemeClr val="tx1"/>
+            </a:solidFill>
+            <a:prstDash val="solid"/>
+            <a:round/>
+            <a:headEnd type="none" w="med" len="med"/>
+            <a:tailEnd type="triangle" w="med" len="med"/>
+          </a:ln>
+        </p:spPr>
+      </p:cxnSp>
+      <p:cxnSp>
+        <p:nvCxnSpPr>
+          <p:cNvPr id="9" name="Google Shape;582;p62">
+            <a:extLst>
+              <a:ext uri="{FF2B5EF4-FFF2-40B4-BE49-F238E27FC236}">
+                <a16:creationId xmlns:a16="http://schemas.microsoft.com/office/drawing/2014/main" id="{BA58AD37-6896-A4DB-CDE4-A4E0A06713DE}"/>
+              </a:ext>
+            </a:extLst>
+          </p:cNvPr>
+          <p:cNvCxnSpPr>
+            <a:cxnSpLocks/>
+            <a:stCxn id="7" idx="3"/>
+            <a:endCxn id="34" idx="1"/>
+          </p:cNvCxnSpPr>
+          <p:nvPr/>
+        </p:nvCxnSpPr>
+        <p:spPr>
+          <a:xfrm flipV="1">
+            <a:off x="5038505" y="2771139"/>
+            <a:ext cx="562301" cy="3280"/>
+          </a:xfrm>
+          <a:prstGeom prst="straightConnector1">
+            <a:avLst/>
+          </a:prstGeom>
+          <a:noFill/>
+          <a:ln w="9525" cap="flat" cmpd="sng">
+            <a:solidFill>
+              <a:schemeClr val="tx1"/>
+            </a:solidFill>
+            <a:prstDash val="solid"/>
+            <a:round/>
+            <a:headEnd type="none" w="med" len="med"/>
+            <a:tailEnd type="triangle" w="med" len="med"/>
+          </a:ln>
+        </p:spPr>
+      </p:cxnSp>
+      <p:sp>
+        <p:nvSpPr>
+          <p:cNvPr id="10" name="Google Shape;583;p62">
+            <a:extLst>
+              <a:ext uri="{FF2B5EF4-FFF2-40B4-BE49-F238E27FC236}">
+                <a16:creationId xmlns:a16="http://schemas.microsoft.com/office/drawing/2014/main" id="{16D7D3DC-D146-1FF2-505B-81E56AD8198C}"/>
+              </a:ext>
+            </a:extLst>
+          </p:cNvPr>
+          <p:cNvSpPr/>
+          <p:nvPr/>
+        </p:nvSpPr>
+        <p:spPr>
+          <a:xfrm>
+            <a:off x="5838695" y="3677408"/>
+            <a:ext cx="1135200" cy="470100"/>
+          </a:xfrm>
+          <a:prstGeom prst="rect">
+            <a:avLst/>
+          </a:prstGeom>
+          <a:solidFill>
+            <a:schemeClr val="lt2"/>
+          </a:solidFill>
+          <a:ln w="9525" cap="flat" cmpd="sng">
+            <a:solidFill>
+              <a:schemeClr val="dk2"/>
+            </a:solidFill>
+            <a:prstDash val="solid"/>
+            <a:round/>
+            <a:headEnd type="none" w="sm" len="sm"/>
+            <a:tailEnd type="none" w="sm" len="sm"/>
+          </a:ln>
+        </p:spPr>
+        <p:txBody>
+          <a:bodyPr spcFirstLastPara="1" wrap="square" lIns="91425" tIns="91425" rIns="91425" bIns="91425" anchor="ctr" anchorCtr="0">
+            <a:noAutofit/>
+          </a:bodyPr>
+          <a:lstStyle/>
+          <a:p>
+            <a:pPr marL="0" lvl="0" indent="0" algn="ctr" rtl="0">
+              <a:spcBef>
+                <a:spcPts val="0"/>
+              </a:spcBef>
+              <a:spcAft>
+                <a:spcPts val="0"/>
+              </a:spcAft>
+              <a:buNone/>
+            </a:pPr>
+            <a:r>
+              <a:rPr lang="en" dirty="0"/>
+              <a:t>Symmetric decryption</a:t>
+            </a:r>
+            <a:endParaRPr dirty="0"/>
+          </a:p>
+        </p:txBody>
+      </p:sp>
+      <p:cxnSp>
+        <p:nvCxnSpPr>
+          <p:cNvPr id="11" name="Google Shape;585;p62">
+            <a:extLst>
+              <a:ext uri="{FF2B5EF4-FFF2-40B4-BE49-F238E27FC236}">
+                <a16:creationId xmlns:a16="http://schemas.microsoft.com/office/drawing/2014/main" id="{D87E8AFF-C83A-99C6-8923-E7F0A92EDF37}"/>
+              </a:ext>
+            </a:extLst>
+          </p:cNvPr>
+          <p:cNvCxnSpPr>
+            <a:cxnSpLocks/>
+            <a:stCxn id="26" idx="2"/>
+            <a:endCxn id="34" idx="0"/>
+          </p:cNvCxnSpPr>
+          <p:nvPr/>
+        </p:nvCxnSpPr>
+        <p:spPr>
+          <a:xfrm>
+            <a:off x="6264594" y="2265071"/>
+            <a:ext cx="2313" cy="255002"/>
+          </a:xfrm>
+          <a:prstGeom prst="straightConnector1">
+            <a:avLst/>
+          </a:prstGeom>
+          <a:noFill/>
+          <a:ln w="9525" cap="flat" cmpd="sng">
+            <a:solidFill>
+              <a:schemeClr val="dk2"/>
+            </a:solidFill>
+            <a:prstDash val="solid"/>
+            <a:round/>
+            <a:headEnd type="none" w="med" len="med"/>
+            <a:tailEnd type="triangle" w="med" len="med"/>
+          </a:ln>
+        </p:spPr>
+      </p:cxnSp>
+      <p:sp>
+        <p:nvSpPr>
+          <p:cNvPr id="12" name="Google Shape;586;p62">
+            <a:extLst>
+              <a:ext uri="{FF2B5EF4-FFF2-40B4-BE49-F238E27FC236}">
+                <a16:creationId xmlns:a16="http://schemas.microsoft.com/office/drawing/2014/main" id="{C64718AD-064F-B374-A9EA-F9CC018246E8}"/>
+              </a:ext>
+            </a:extLst>
+          </p:cNvPr>
+          <p:cNvSpPr/>
+          <p:nvPr/>
+        </p:nvSpPr>
+        <p:spPr>
+          <a:xfrm>
+            <a:off x="7439361" y="2532990"/>
+            <a:ext cx="1135200" cy="470100"/>
+          </a:xfrm>
+          <a:prstGeom prst="rect">
+            <a:avLst/>
+          </a:prstGeom>
+          <a:solidFill>
+            <a:schemeClr val="lt2"/>
+          </a:solidFill>
+          <a:ln w="9525" cap="flat" cmpd="sng">
+            <a:solidFill>
+              <a:schemeClr val="dk2"/>
+            </a:solidFill>
+            <a:prstDash val="solid"/>
+            <a:round/>
+            <a:headEnd type="none" w="sm" len="sm"/>
+            <a:tailEnd type="none" w="sm" len="sm"/>
+          </a:ln>
+        </p:spPr>
+        <p:txBody>
+          <a:bodyPr spcFirstLastPara="1" wrap="square" lIns="91425" tIns="91425" rIns="91425" bIns="91425" anchor="ctr" anchorCtr="0">
+            <a:noAutofit/>
+          </a:bodyPr>
+          <a:lstStyle/>
+          <a:p>
+            <a:pPr marL="0" lvl="0" indent="0" algn="ctr" rtl="0">
+              <a:spcBef>
+                <a:spcPts val="0"/>
+              </a:spcBef>
+              <a:spcAft>
+                <a:spcPts val="0"/>
+              </a:spcAft>
+              <a:buNone/>
+            </a:pPr>
+            <a:r>
+              <a:rPr lang="en" dirty="0"/>
+              <a:t>Key K</a:t>
+            </a:r>
+            <a:endParaRPr dirty="0"/>
+          </a:p>
+        </p:txBody>
+      </p:sp>
+      <p:cxnSp>
+        <p:nvCxnSpPr>
+          <p:cNvPr id="13" name="Google Shape;587;p62">
+            <a:extLst>
+              <a:ext uri="{FF2B5EF4-FFF2-40B4-BE49-F238E27FC236}">
+                <a16:creationId xmlns:a16="http://schemas.microsoft.com/office/drawing/2014/main" id="{B8F0447F-1520-2037-D373-CA8413DF5E9A}"/>
+              </a:ext>
+            </a:extLst>
+          </p:cNvPr>
+          <p:cNvCxnSpPr>
+            <a:cxnSpLocks/>
+            <a:stCxn id="34" idx="3"/>
+            <a:endCxn id="12" idx="1"/>
+          </p:cNvCxnSpPr>
+          <p:nvPr/>
+        </p:nvCxnSpPr>
+        <p:spPr>
+          <a:xfrm flipV="1">
+            <a:off x="6933007" y="2768040"/>
+            <a:ext cx="506354" cy="3099"/>
+          </a:xfrm>
+          <a:prstGeom prst="straightConnector1">
+            <a:avLst/>
+          </a:prstGeom>
+          <a:noFill/>
+          <a:ln w="9525" cap="flat" cmpd="sng">
+            <a:solidFill>
+              <a:schemeClr val="tx1"/>
+            </a:solidFill>
+            <a:prstDash val="solid"/>
+            <a:round/>
+            <a:headEnd type="none" w="med" len="med"/>
+            <a:tailEnd type="triangle" w="med" len="med"/>
+          </a:ln>
+        </p:spPr>
+      </p:cxnSp>
+      <p:grpSp>
+        <p:nvGrpSpPr>
+          <p:cNvPr id="14" name="Group 13">
+            <a:extLst>
+              <a:ext uri="{FF2B5EF4-FFF2-40B4-BE49-F238E27FC236}">
+                <a16:creationId xmlns:a16="http://schemas.microsoft.com/office/drawing/2014/main" id="{D18CBB20-526E-A747-1387-58632747D90C}"/>
+              </a:ext>
+            </a:extLst>
+          </p:cNvPr>
+          <p:cNvGrpSpPr/>
+          <p:nvPr/>
+        </p:nvGrpSpPr>
+        <p:grpSpPr>
+          <a:xfrm>
+            <a:off x="269111" y="1679117"/>
+            <a:ext cx="8429100" cy="2719018"/>
+            <a:chOff x="275550" y="3197140"/>
+            <a:chExt cx="8429100" cy="1536936"/>
+          </a:xfrm>
+        </p:grpSpPr>
+        <p:sp>
+          <p:nvSpPr>
+            <p:cNvPr id="15" name="Google Shape;573;p62">
+              <a:extLst>
+                <a:ext uri="{FF2B5EF4-FFF2-40B4-BE49-F238E27FC236}">
+                  <a16:creationId xmlns:a16="http://schemas.microsoft.com/office/drawing/2014/main" id="{22ABFEE4-E7D5-B3CE-0A92-A5809222B75E}"/>
+                </a:ext>
+              </a:extLst>
+            </p:cNvPr>
+            <p:cNvSpPr/>
+            <p:nvPr/>
+          </p:nvSpPr>
+          <p:spPr>
+            <a:xfrm>
+              <a:off x="5469450" y="3198033"/>
+              <a:ext cx="3235200" cy="1536042"/>
+            </a:xfrm>
+            <a:prstGeom prst="rect">
+              <a:avLst/>
+            </a:prstGeom>
+            <a:noFill/>
+            <a:ln w="9525" cap="flat" cmpd="sng">
+              <a:solidFill>
+                <a:schemeClr val="dk2"/>
+              </a:solidFill>
+              <a:prstDash val="solid"/>
+              <a:round/>
+              <a:headEnd type="none" w="sm" len="sm"/>
+              <a:tailEnd type="none" w="sm" len="sm"/>
+            </a:ln>
+          </p:spPr>
+          <p:txBody>
+            <a:bodyPr spcFirstLastPara="1" wrap="square" lIns="91425" tIns="91425" rIns="91425" bIns="91425" anchor="ctr" anchorCtr="0">
+              <a:noAutofit/>
+            </a:bodyPr>
+            <a:lstStyle/>
+            <a:p>
+              <a:pPr marL="0" lvl="0" indent="0" algn="l" rtl="0">
+                <a:spcBef>
+                  <a:spcPts val="0"/>
+                </a:spcBef>
+                <a:spcAft>
+                  <a:spcPts val="0"/>
+                </a:spcAft>
+                <a:buNone/>
+              </a:pPr>
+              <a:endParaRPr/>
+            </a:p>
+          </p:txBody>
+        </p:sp>
+        <p:sp>
+          <p:nvSpPr>
+            <p:cNvPr id="16" name="Google Shape;574;p62">
+              <a:extLst>
+                <a:ext uri="{FF2B5EF4-FFF2-40B4-BE49-F238E27FC236}">
+                  <a16:creationId xmlns:a16="http://schemas.microsoft.com/office/drawing/2014/main" id="{CB5C95A8-7FF0-1E82-0141-0F3DED42FC54}"/>
+                </a:ext>
+              </a:extLst>
+            </p:cNvPr>
+            <p:cNvSpPr/>
+            <p:nvPr/>
+          </p:nvSpPr>
+          <p:spPr>
+            <a:xfrm>
+              <a:off x="275550" y="3198033"/>
+              <a:ext cx="3235200" cy="1536043"/>
+            </a:xfrm>
+            <a:prstGeom prst="rect">
+              <a:avLst/>
+            </a:prstGeom>
+            <a:noFill/>
+            <a:ln w="9525" cap="flat" cmpd="sng">
+              <a:solidFill>
+                <a:schemeClr val="dk2"/>
+              </a:solidFill>
+              <a:prstDash val="solid"/>
+              <a:round/>
+              <a:headEnd type="none" w="sm" len="sm"/>
+              <a:tailEnd type="none" w="sm" len="sm"/>
+            </a:ln>
+          </p:spPr>
+          <p:txBody>
+            <a:bodyPr spcFirstLastPara="1" wrap="square" lIns="91425" tIns="91425" rIns="91425" bIns="91425" anchor="ctr" anchorCtr="0">
+              <a:noAutofit/>
+            </a:bodyPr>
+            <a:lstStyle/>
+            <a:p>
+              <a:pPr marL="0" lvl="0" indent="0" algn="l" rtl="0">
+                <a:spcBef>
+                  <a:spcPts val="0"/>
+                </a:spcBef>
+                <a:spcAft>
+                  <a:spcPts val="0"/>
+                </a:spcAft>
+                <a:buNone/>
+              </a:pPr>
+              <a:endParaRPr/>
+            </a:p>
+          </p:txBody>
+        </p:sp>
+        <p:sp>
+          <p:nvSpPr>
+            <p:cNvPr id="17" name="Google Shape;575;p62">
+              <a:extLst>
+                <a:ext uri="{FF2B5EF4-FFF2-40B4-BE49-F238E27FC236}">
+                  <a16:creationId xmlns:a16="http://schemas.microsoft.com/office/drawing/2014/main" id="{9E3CD953-CA91-9B85-C519-6D6BB4F62341}"/>
+                </a:ext>
+              </a:extLst>
+            </p:cNvPr>
+            <p:cNvSpPr/>
+            <p:nvPr/>
+          </p:nvSpPr>
+          <p:spPr>
+            <a:xfrm>
+              <a:off x="629541" y="3683335"/>
+              <a:ext cx="765296" cy="265726"/>
+            </a:xfrm>
+            <a:prstGeom prst="rect">
+              <a:avLst/>
+            </a:prstGeom>
+            <a:solidFill>
+              <a:schemeClr val="lt2"/>
+            </a:solidFill>
+            <a:ln w="9525" cap="flat" cmpd="sng">
+              <a:solidFill>
+                <a:schemeClr val="dk2"/>
+              </a:solidFill>
+              <a:prstDash val="solid"/>
+              <a:round/>
+              <a:headEnd type="none" w="sm" len="sm"/>
+              <a:tailEnd type="none" w="sm" len="sm"/>
+            </a:ln>
+          </p:spPr>
+          <p:txBody>
+            <a:bodyPr spcFirstLastPara="1" wrap="square" lIns="91425" tIns="91425" rIns="91425" bIns="91425" anchor="ctr" anchorCtr="0">
+              <a:noAutofit/>
+            </a:bodyPr>
+            <a:lstStyle/>
+            <a:p>
+              <a:pPr marL="0" lvl="0" indent="0" algn="ctr" rtl="0">
+                <a:spcBef>
+                  <a:spcPts val="0"/>
+                </a:spcBef>
+                <a:spcAft>
+                  <a:spcPts val="0"/>
+                </a:spcAft>
+                <a:buNone/>
+              </a:pPr>
+              <a:r>
+                <a:rPr lang="en" dirty="0"/>
+                <a:t>Key K</a:t>
+              </a:r>
+              <a:endParaRPr dirty="0"/>
+            </a:p>
+          </p:txBody>
+        </p:sp>
+        <p:sp>
+          <p:nvSpPr>
+            <p:cNvPr id="18" name="Google Shape;588;p62">
+              <a:extLst>
+                <a:ext uri="{FF2B5EF4-FFF2-40B4-BE49-F238E27FC236}">
+                  <a16:creationId xmlns:a16="http://schemas.microsoft.com/office/drawing/2014/main" id="{6C11D858-45AE-B52A-EA2E-01F250D92861}"/>
+                </a:ext>
+              </a:extLst>
+            </p:cNvPr>
+            <p:cNvSpPr txBox="1"/>
+            <p:nvPr/>
+          </p:nvSpPr>
+          <p:spPr>
+            <a:xfrm>
+              <a:off x="304711" y="3197140"/>
+              <a:ext cx="765299" cy="243544"/>
+            </a:xfrm>
+            <a:prstGeom prst="rect">
+              <a:avLst/>
+            </a:prstGeom>
+            <a:noFill/>
+            <a:ln>
+              <a:noFill/>
+            </a:ln>
+          </p:spPr>
+          <p:txBody>
+            <a:bodyPr spcFirstLastPara="1" wrap="square" lIns="91425" tIns="91425" rIns="91425" bIns="91425" anchor="t" anchorCtr="0">
+              <a:spAutoFit/>
+            </a:bodyPr>
+            <a:lstStyle/>
+            <a:p>
+              <a:pPr marL="0" lvl="0" indent="0" algn="l" rtl="0">
+                <a:spcBef>
+                  <a:spcPts val="0"/>
+                </a:spcBef>
+                <a:spcAft>
+                  <a:spcPts val="0"/>
+                </a:spcAft>
+                <a:buNone/>
+              </a:pPr>
+              <a:r>
+                <a:rPr lang="en" sz="1600" dirty="0"/>
+                <a:t>Alice</a:t>
+              </a:r>
+              <a:endParaRPr sz="1600" dirty="0"/>
+            </a:p>
+          </p:txBody>
+        </p:sp>
+        <p:sp>
+          <p:nvSpPr>
+            <p:cNvPr id="19" name="Google Shape;589;p62">
+              <a:extLst>
+                <a:ext uri="{FF2B5EF4-FFF2-40B4-BE49-F238E27FC236}">
+                  <a16:creationId xmlns:a16="http://schemas.microsoft.com/office/drawing/2014/main" id="{ACED2E7D-E51F-BE49-D1F2-39106A7979D5}"/>
+                </a:ext>
+              </a:extLst>
+            </p:cNvPr>
+            <p:cNvSpPr txBox="1"/>
+            <p:nvPr/>
+          </p:nvSpPr>
+          <p:spPr>
+            <a:xfrm>
+              <a:off x="7939350" y="3200224"/>
+              <a:ext cx="765300" cy="243544"/>
+            </a:xfrm>
+            <a:prstGeom prst="rect">
+              <a:avLst/>
+            </a:prstGeom>
+            <a:noFill/>
+            <a:ln>
+              <a:noFill/>
+            </a:ln>
+          </p:spPr>
+          <p:txBody>
+            <a:bodyPr spcFirstLastPara="1" wrap="square" lIns="91425" tIns="91425" rIns="91425" bIns="91425" anchor="t" anchorCtr="0">
+              <a:spAutoFit/>
+            </a:bodyPr>
+            <a:lstStyle/>
+            <a:p>
+              <a:pPr marL="0" lvl="0" indent="0" algn="r" rtl="0">
+                <a:spcBef>
+                  <a:spcPts val="0"/>
+                </a:spcBef>
+                <a:spcAft>
+                  <a:spcPts val="0"/>
+                </a:spcAft>
+                <a:buNone/>
+              </a:pPr>
+              <a:r>
+                <a:rPr lang="en" sz="1600" dirty="0"/>
+                <a:t>Bob</a:t>
+              </a:r>
+              <a:endParaRPr sz="1600" dirty="0"/>
+            </a:p>
+          </p:txBody>
+        </p:sp>
+        <p:sp>
+          <p:nvSpPr>
+            <p:cNvPr id="20" name="Google Shape;590;p62">
+              <a:extLst>
+                <a:ext uri="{FF2B5EF4-FFF2-40B4-BE49-F238E27FC236}">
+                  <a16:creationId xmlns:a16="http://schemas.microsoft.com/office/drawing/2014/main" id="{3020B04D-2FD6-7B3A-1A1C-6985B2EABAAB}"/>
+                </a:ext>
+              </a:extLst>
+            </p:cNvPr>
+            <p:cNvSpPr txBox="1"/>
+            <p:nvPr/>
+          </p:nvSpPr>
+          <p:spPr>
+            <a:xfrm>
+              <a:off x="3510750" y="3294975"/>
+              <a:ext cx="1958700" cy="400200"/>
+            </a:xfrm>
+            <a:prstGeom prst="rect">
+              <a:avLst/>
+            </a:prstGeom>
+            <a:noFill/>
+            <a:ln>
+              <a:noFill/>
+            </a:ln>
+          </p:spPr>
+          <p:txBody>
+            <a:bodyPr spcFirstLastPara="1" wrap="square" lIns="91425" tIns="91425" rIns="91425" bIns="91425" anchor="t" anchorCtr="0">
+              <a:spAutoFit/>
+            </a:bodyPr>
+            <a:lstStyle/>
+            <a:p>
+              <a:pPr marL="0" lvl="0" indent="0" algn="ctr" rtl="0">
+                <a:spcBef>
+                  <a:spcPts val="0"/>
+                </a:spcBef>
+                <a:spcAft>
+                  <a:spcPts val="0"/>
+                </a:spcAft>
+                <a:buNone/>
+              </a:pPr>
+              <a:r>
+                <a:rPr lang="en" dirty="0"/>
+                <a:t>Insecure Channel</a:t>
+              </a:r>
+              <a:endParaRPr dirty="0"/>
+            </a:p>
+          </p:txBody>
+        </p:sp>
+      </p:grpSp>
+      <p:grpSp>
+        <p:nvGrpSpPr>
+          <p:cNvPr id="21" name="Group 20">
+            <a:extLst>
+              <a:ext uri="{FF2B5EF4-FFF2-40B4-BE49-F238E27FC236}">
+                <a16:creationId xmlns:a16="http://schemas.microsoft.com/office/drawing/2014/main" id="{0BACFB37-E62A-3BE3-9874-7BDEB31996C2}"/>
+              </a:ext>
+            </a:extLst>
+          </p:cNvPr>
+          <p:cNvGrpSpPr/>
+          <p:nvPr/>
+        </p:nvGrpSpPr>
+        <p:grpSpPr>
+          <a:xfrm>
+            <a:off x="2106195" y="1715109"/>
+            <a:ext cx="854684" cy="553352"/>
+            <a:chOff x="5682567" y="3229349"/>
+            <a:chExt cx="854684" cy="553352"/>
+          </a:xfrm>
+        </p:grpSpPr>
+        <p:sp>
+          <p:nvSpPr>
+            <p:cNvPr id="22" name="Google Shape;576;p62">
+              <a:extLst>
+                <a:ext uri="{FF2B5EF4-FFF2-40B4-BE49-F238E27FC236}">
+                  <a16:creationId xmlns:a16="http://schemas.microsoft.com/office/drawing/2014/main" id="{B630CC7C-9CBA-0CFC-9931-11AF32BB725B}"/>
+                </a:ext>
+              </a:extLst>
+            </p:cNvPr>
+            <p:cNvSpPr/>
+            <p:nvPr/>
+          </p:nvSpPr>
+          <p:spPr>
+            <a:xfrm>
+              <a:off x="5874893" y="3382501"/>
+              <a:ext cx="662358" cy="400200"/>
+            </a:xfrm>
+            <a:prstGeom prst="rect">
+              <a:avLst/>
+            </a:prstGeom>
+            <a:solidFill>
+              <a:schemeClr val="accent1"/>
+            </a:solidFill>
+            <a:ln w="9525" cap="flat" cmpd="sng">
+              <a:solidFill>
+                <a:schemeClr val="dk2"/>
+              </a:solidFill>
+              <a:prstDash val="solid"/>
+              <a:round/>
+              <a:headEnd type="none" w="sm" len="sm"/>
+              <a:tailEnd type="none" w="sm" len="sm"/>
+            </a:ln>
+          </p:spPr>
+          <p:txBody>
+            <a:bodyPr spcFirstLastPara="1" wrap="square" lIns="91425" tIns="91425" rIns="91425" bIns="91425" anchor="ctr" anchorCtr="0">
+              <a:noAutofit/>
+            </a:bodyPr>
+            <a:lstStyle/>
+            <a:p>
+              <a:pPr marL="0" lvl="0" indent="0" algn="ctr" rtl="0">
+                <a:spcBef>
+                  <a:spcPts val="0"/>
+                </a:spcBef>
+                <a:spcAft>
+                  <a:spcPts val="0"/>
+                </a:spcAft>
+                <a:buNone/>
+              </a:pPr>
+              <a:r>
+                <a:rPr lang="en" sz="1200" dirty="0">
+                  <a:solidFill>
+                    <a:schemeClr val="tx1"/>
+                  </a:solidFill>
+                </a:rPr>
+                <a:t>public key</a:t>
+              </a:r>
+              <a:endParaRPr sz="1200" dirty="0">
+                <a:solidFill>
+                  <a:schemeClr val="tx1"/>
+                </a:solidFill>
+              </a:endParaRPr>
+            </a:p>
+          </p:txBody>
+        </p:sp>
+        <p:sp>
+          <p:nvSpPr>
+            <p:cNvPr id="23" name="TextBox 22">
+              <a:extLst>
+                <a:ext uri="{FF2B5EF4-FFF2-40B4-BE49-F238E27FC236}">
+                  <a16:creationId xmlns:a16="http://schemas.microsoft.com/office/drawing/2014/main" id="{77AA3D10-5687-B1DF-8451-55EE6705BF7F}"/>
+                </a:ext>
+              </a:extLst>
+            </p:cNvPr>
+            <p:cNvSpPr txBox="1"/>
+            <p:nvPr/>
+          </p:nvSpPr>
+          <p:spPr>
+            <a:xfrm>
+              <a:off x="5682567" y="3229349"/>
+              <a:ext cx="276335" cy="261610"/>
+            </a:xfrm>
+            <a:prstGeom prst="rect">
+              <a:avLst/>
+            </a:prstGeom>
+            <a:noFill/>
+          </p:spPr>
+          <p:txBody>
+            <a:bodyPr wrap="square">
+              <a:spAutoFit/>
+            </a:bodyPr>
+            <a:lstStyle/>
+            <a:p>
+              <a:pPr marL="0" lvl="0" indent="0" algn="ctr" rtl="0">
+                <a:spcBef>
+                  <a:spcPts val="0"/>
+                </a:spcBef>
+                <a:spcAft>
+                  <a:spcPts val="0"/>
+                </a:spcAft>
+                <a:buNone/>
+              </a:pPr>
+              <a:r>
+                <a:rPr lang="en-US" sz="1100" dirty="0">
+                  <a:solidFill>
+                    <a:schemeClr val="tx1"/>
+                  </a:solidFill>
+                </a:rPr>
+                <a:t>B</a:t>
+              </a:r>
+            </a:p>
+          </p:txBody>
+        </p:sp>
+      </p:grpSp>
+      <p:cxnSp>
+        <p:nvCxnSpPr>
+          <p:cNvPr id="24" name="Google Shape;585;p62">
+            <a:extLst>
+              <a:ext uri="{FF2B5EF4-FFF2-40B4-BE49-F238E27FC236}">
+                <a16:creationId xmlns:a16="http://schemas.microsoft.com/office/drawing/2014/main" id="{B8532F5B-0858-EF57-EA53-373D9D8DC1FF}"/>
+              </a:ext>
+            </a:extLst>
+          </p:cNvPr>
+          <p:cNvCxnSpPr>
+            <a:cxnSpLocks/>
+            <a:stCxn id="22" idx="2"/>
+            <a:endCxn id="28" idx="0"/>
+          </p:cNvCxnSpPr>
+          <p:nvPr/>
+        </p:nvCxnSpPr>
+        <p:spPr>
+          <a:xfrm flipH="1">
+            <a:off x="2625158" y="2268461"/>
+            <a:ext cx="4542" cy="264589"/>
+          </a:xfrm>
+          <a:prstGeom prst="straightConnector1">
+            <a:avLst/>
+          </a:prstGeom>
+          <a:noFill/>
+          <a:ln w="9525" cap="flat" cmpd="sng">
+            <a:solidFill>
+              <a:schemeClr val="dk2"/>
+            </a:solidFill>
+            <a:prstDash val="solid"/>
+            <a:round/>
+            <a:headEnd type="none" w="med" len="med"/>
+            <a:tailEnd type="triangle" w="med" len="med"/>
+          </a:ln>
+        </p:spPr>
+      </p:cxnSp>
+      <p:grpSp>
+        <p:nvGrpSpPr>
+          <p:cNvPr id="25" name="Group 24">
+            <a:extLst>
+              <a:ext uri="{FF2B5EF4-FFF2-40B4-BE49-F238E27FC236}">
+                <a16:creationId xmlns:a16="http://schemas.microsoft.com/office/drawing/2014/main" id="{CAFFD531-268C-2036-601F-26CC1821C639}"/>
+              </a:ext>
+            </a:extLst>
+          </p:cNvPr>
+          <p:cNvGrpSpPr/>
+          <p:nvPr/>
+        </p:nvGrpSpPr>
+        <p:grpSpPr>
+          <a:xfrm>
+            <a:off x="5725635" y="1704094"/>
+            <a:ext cx="892284" cy="560977"/>
+            <a:chOff x="6549451" y="3182649"/>
+            <a:chExt cx="892284" cy="560977"/>
+          </a:xfrm>
+        </p:grpSpPr>
+        <p:sp>
+          <p:nvSpPr>
+            <p:cNvPr id="26" name="Google Shape;576;p62">
+              <a:extLst>
+                <a:ext uri="{FF2B5EF4-FFF2-40B4-BE49-F238E27FC236}">
+                  <a16:creationId xmlns:a16="http://schemas.microsoft.com/office/drawing/2014/main" id="{DD5C88C9-8112-A046-F678-B71C51E5B556}"/>
+                </a:ext>
+              </a:extLst>
+            </p:cNvPr>
+            <p:cNvSpPr/>
+            <p:nvPr/>
+          </p:nvSpPr>
+          <p:spPr>
+            <a:xfrm>
+              <a:off x="6735084" y="3343425"/>
+              <a:ext cx="706651" cy="400201"/>
+            </a:xfrm>
+            <a:prstGeom prst="rect">
+              <a:avLst/>
+            </a:prstGeom>
+            <a:solidFill>
+              <a:srgbClr val="FF0000"/>
+            </a:solidFill>
+            <a:ln w="9525" cap="flat" cmpd="sng">
+              <a:solidFill>
+                <a:schemeClr val="dk2"/>
+              </a:solidFill>
+              <a:prstDash val="solid"/>
+              <a:round/>
+              <a:headEnd type="none" w="sm" len="sm"/>
+              <a:tailEnd type="none" w="sm" len="sm"/>
+            </a:ln>
+          </p:spPr>
+          <p:txBody>
+            <a:bodyPr spcFirstLastPara="1" wrap="square" lIns="91425" tIns="91425" rIns="91425" bIns="91425" anchor="ctr" anchorCtr="0">
+              <a:noAutofit/>
+            </a:bodyPr>
+            <a:lstStyle/>
+            <a:p>
+              <a:pPr marL="0" lvl="0" indent="0" algn="ctr" rtl="0">
+                <a:spcBef>
+                  <a:spcPts val="0"/>
+                </a:spcBef>
+                <a:spcAft>
+                  <a:spcPts val="0"/>
+                </a:spcAft>
+                <a:buNone/>
+              </a:pPr>
+              <a:r>
+                <a:rPr lang="en" sz="1200" dirty="0"/>
+                <a:t>private key</a:t>
+              </a:r>
+              <a:endParaRPr sz="1200" dirty="0"/>
+            </a:p>
+          </p:txBody>
+        </p:sp>
+        <p:sp>
+          <p:nvSpPr>
+            <p:cNvPr id="27" name="TextBox 26">
+              <a:extLst>
+                <a:ext uri="{FF2B5EF4-FFF2-40B4-BE49-F238E27FC236}">
+                  <a16:creationId xmlns:a16="http://schemas.microsoft.com/office/drawing/2014/main" id="{AFCCE570-08F4-BED8-340A-0EC8DAC865B8}"/>
+                </a:ext>
+              </a:extLst>
+            </p:cNvPr>
+            <p:cNvSpPr txBox="1"/>
+            <p:nvPr/>
+          </p:nvSpPr>
+          <p:spPr>
+            <a:xfrm>
+              <a:off x="6549451" y="3182649"/>
+              <a:ext cx="276335" cy="261610"/>
+            </a:xfrm>
+            <a:prstGeom prst="rect">
+              <a:avLst/>
+            </a:prstGeom>
+            <a:noFill/>
+          </p:spPr>
+          <p:txBody>
+            <a:bodyPr wrap="square">
+              <a:spAutoFit/>
+            </a:bodyPr>
+            <a:lstStyle/>
+            <a:p>
+              <a:pPr marL="0" lvl="0" indent="0" algn="ctr" rtl="0">
+                <a:spcBef>
+                  <a:spcPts val="0"/>
+                </a:spcBef>
+                <a:spcAft>
+                  <a:spcPts val="0"/>
+                </a:spcAft>
+                <a:buNone/>
+              </a:pPr>
+              <a:r>
+                <a:rPr lang="en-US" sz="1100" dirty="0">
+                  <a:solidFill>
+                    <a:schemeClr val="tx1"/>
+                  </a:solidFill>
+                </a:rPr>
+                <a:t>B</a:t>
+              </a:r>
+            </a:p>
+          </p:txBody>
+        </p:sp>
+      </p:grpSp>
+      <p:sp>
+        <p:nvSpPr>
+          <p:cNvPr id="28" name="Google Shape;577;p62">
+            <a:extLst>
+              <a:ext uri="{FF2B5EF4-FFF2-40B4-BE49-F238E27FC236}">
+                <a16:creationId xmlns:a16="http://schemas.microsoft.com/office/drawing/2014/main" id="{B955F819-5E53-A5E2-3A0C-1E777B4586E5}"/>
+              </a:ext>
+            </a:extLst>
+          </p:cNvPr>
+          <p:cNvSpPr/>
+          <p:nvPr/>
+        </p:nvSpPr>
+        <p:spPr>
+          <a:xfrm>
+            <a:off x="2057558" y="2533050"/>
+            <a:ext cx="1135200" cy="470100"/>
+          </a:xfrm>
+          <a:prstGeom prst="rect">
+            <a:avLst/>
+          </a:prstGeom>
+          <a:solidFill>
+            <a:schemeClr val="lt2"/>
+          </a:solidFill>
+          <a:ln w="9525" cap="flat" cmpd="sng">
+            <a:solidFill>
+              <a:schemeClr val="dk2"/>
+            </a:solidFill>
+            <a:prstDash val="solid"/>
+            <a:round/>
+            <a:headEnd type="none" w="sm" len="sm"/>
+            <a:tailEnd type="none" w="sm" len="sm"/>
+          </a:ln>
+        </p:spPr>
+        <p:txBody>
+          <a:bodyPr spcFirstLastPara="1" wrap="square" lIns="91425" tIns="91425" rIns="91425" bIns="91425" anchor="ctr" anchorCtr="0">
+            <a:noAutofit/>
+          </a:bodyPr>
+          <a:lstStyle/>
+          <a:p>
+            <a:pPr marL="0" lvl="0" indent="0" algn="ctr" rtl="0">
+              <a:spcBef>
+                <a:spcPts val="0"/>
+              </a:spcBef>
+              <a:spcAft>
+                <a:spcPts val="0"/>
+              </a:spcAft>
+              <a:buNone/>
+            </a:pPr>
+            <a:r>
+              <a:rPr lang="en" dirty="0"/>
+              <a:t>Asymmetric encryption</a:t>
+            </a:r>
+            <a:endParaRPr dirty="0"/>
+          </a:p>
+        </p:txBody>
+      </p:sp>
+      <p:sp>
+        <p:nvSpPr>
+          <p:cNvPr id="31" name="Google Shape;580;p62">
+            <a:extLst>
+              <a:ext uri="{FF2B5EF4-FFF2-40B4-BE49-F238E27FC236}">
+                <a16:creationId xmlns:a16="http://schemas.microsoft.com/office/drawing/2014/main" id="{1BC61A3F-5EB8-E3E0-83BF-25EEE734E3F3}"/>
+              </a:ext>
+            </a:extLst>
+          </p:cNvPr>
+          <p:cNvSpPr/>
+          <p:nvPr/>
+        </p:nvSpPr>
+        <p:spPr>
+          <a:xfrm>
+            <a:off x="3910877" y="3677408"/>
+            <a:ext cx="1135200" cy="470100"/>
+          </a:xfrm>
+          <a:prstGeom prst="rect">
+            <a:avLst/>
+          </a:prstGeom>
+          <a:solidFill>
+            <a:schemeClr val="lt2"/>
+          </a:solidFill>
+          <a:ln w="9525" cap="flat" cmpd="sng">
+            <a:solidFill>
+              <a:schemeClr val="dk2"/>
+            </a:solidFill>
+            <a:prstDash val="solid"/>
+            <a:round/>
+            <a:headEnd type="none" w="sm" len="sm"/>
+            <a:tailEnd type="none" w="sm" len="sm"/>
+          </a:ln>
+        </p:spPr>
+        <p:txBody>
+          <a:bodyPr spcFirstLastPara="1" wrap="square" lIns="91425" tIns="91425" rIns="91425" bIns="91425" anchor="ctr" anchorCtr="0">
+            <a:noAutofit/>
+          </a:bodyPr>
+          <a:lstStyle/>
+          <a:p>
+            <a:pPr marL="0" lvl="0" indent="0" algn="ctr" rtl="0">
+              <a:spcBef>
+                <a:spcPts val="0"/>
+              </a:spcBef>
+              <a:spcAft>
+                <a:spcPts val="0"/>
+              </a:spcAft>
+              <a:buNone/>
+            </a:pPr>
+            <a:r>
+              <a:rPr lang="en" dirty="0"/>
+              <a:t>C1</a:t>
+            </a:r>
+            <a:endParaRPr dirty="0"/>
+          </a:p>
+        </p:txBody>
+      </p:sp>
+      <p:cxnSp>
+        <p:nvCxnSpPr>
+          <p:cNvPr id="32" name="Google Shape;581;p62">
+            <a:extLst>
+              <a:ext uri="{FF2B5EF4-FFF2-40B4-BE49-F238E27FC236}">
+                <a16:creationId xmlns:a16="http://schemas.microsoft.com/office/drawing/2014/main" id="{9017F904-AFF0-064D-216C-309A09366B04}"/>
+              </a:ext>
+            </a:extLst>
+          </p:cNvPr>
+          <p:cNvCxnSpPr>
+            <a:cxnSpLocks/>
+            <a:stCxn id="28" idx="3"/>
+            <a:endCxn id="7" idx="1"/>
+          </p:cNvCxnSpPr>
+          <p:nvPr/>
+        </p:nvCxnSpPr>
+        <p:spPr>
+          <a:xfrm>
+            <a:off x="3192758" y="2768100"/>
+            <a:ext cx="710547" cy="6319"/>
+          </a:xfrm>
+          <a:prstGeom prst="straightConnector1">
+            <a:avLst/>
+          </a:prstGeom>
+          <a:noFill/>
+          <a:ln w="9525" cap="flat" cmpd="sng">
+            <a:solidFill>
+              <a:schemeClr val="tx1"/>
+            </a:solidFill>
+            <a:prstDash val="solid"/>
+            <a:round/>
+            <a:headEnd type="none" w="med" len="med"/>
+            <a:tailEnd type="triangle" w="med" len="med"/>
+          </a:ln>
+        </p:spPr>
+      </p:cxnSp>
+      <p:cxnSp>
+        <p:nvCxnSpPr>
+          <p:cNvPr id="33" name="Google Shape;582;p62">
+            <a:extLst>
+              <a:ext uri="{FF2B5EF4-FFF2-40B4-BE49-F238E27FC236}">
+                <a16:creationId xmlns:a16="http://schemas.microsoft.com/office/drawing/2014/main" id="{C3C04A47-F827-621C-DA53-5C923954FCCF}"/>
+              </a:ext>
+            </a:extLst>
+          </p:cNvPr>
+          <p:cNvCxnSpPr>
+            <a:cxnSpLocks/>
+            <a:stCxn id="31" idx="3"/>
+            <a:endCxn id="10" idx="1"/>
+          </p:cNvCxnSpPr>
+          <p:nvPr/>
+        </p:nvCxnSpPr>
+        <p:spPr>
+          <a:xfrm>
+            <a:off x="5046077" y="3912458"/>
+            <a:ext cx="792618" cy="0"/>
+          </a:xfrm>
+          <a:prstGeom prst="straightConnector1">
+            <a:avLst/>
+          </a:prstGeom>
+          <a:noFill/>
+          <a:ln w="9525" cap="flat" cmpd="sng">
+            <a:solidFill>
+              <a:schemeClr val="tx1"/>
+            </a:solidFill>
+            <a:prstDash val="solid"/>
+            <a:round/>
+            <a:headEnd type="none" w="med" len="med"/>
+            <a:tailEnd type="triangle" w="med" len="med"/>
+          </a:ln>
+        </p:spPr>
+      </p:cxnSp>
+      <p:sp>
+        <p:nvSpPr>
+          <p:cNvPr id="34" name="Google Shape;583;p62">
+            <a:extLst>
+              <a:ext uri="{FF2B5EF4-FFF2-40B4-BE49-F238E27FC236}">
+                <a16:creationId xmlns:a16="http://schemas.microsoft.com/office/drawing/2014/main" id="{1C81AAC2-F3FD-41D0-496D-8FC0811B531E}"/>
+              </a:ext>
+            </a:extLst>
+          </p:cNvPr>
+          <p:cNvSpPr/>
+          <p:nvPr/>
+        </p:nvSpPr>
+        <p:spPr>
+          <a:xfrm>
+            <a:off x="5600806" y="2520073"/>
+            <a:ext cx="1332201" cy="502132"/>
+          </a:xfrm>
+          <a:prstGeom prst="rect">
+            <a:avLst/>
+          </a:prstGeom>
+          <a:solidFill>
+            <a:schemeClr val="lt2"/>
+          </a:solidFill>
+          <a:ln w="9525" cap="flat" cmpd="sng">
+            <a:solidFill>
+              <a:schemeClr val="dk2"/>
+            </a:solidFill>
+            <a:prstDash val="solid"/>
+            <a:round/>
+            <a:headEnd type="none" w="sm" len="sm"/>
+            <a:tailEnd type="none" w="sm" len="sm"/>
+          </a:ln>
+        </p:spPr>
+        <p:txBody>
+          <a:bodyPr spcFirstLastPara="1" wrap="square" lIns="91425" tIns="91425" rIns="91425" bIns="91425" anchor="ctr" anchorCtr="0">
+            <a:noAutofit/>
+          </a:bodyPr>
+          <a:lstStyle/>
+          <a:p>
+            <a:pPr marL="0" lvl="0" indent="0" algn="ctr" rtl="0">
+              <a:spcBef>
+                <a:spcPts val="0"/>
+              </a:spcBef>
+              <a:spcAft>
+                <a:spcPts val="0"/>
+              </a:spcAft>
+              <a:buNone/>
+            </a:pPr>
+            <a:r>
+              <a:rPr lang="en" dirty="0"/>
+              <a:t>Asymmetric decryption</a:t>
+            </a:r>
+            <a:endParaRPr dirty="0"/>
+          </a:p>
+        </p:txBody>
+      </p:sp>
+      <p:sp>
+        <p:nvSpPr>
+          <p:cNvPr id="35" name="Google Shape;586;p62">
+            <a:extLst>
+              <a:ext uri="{FF2B5EF4-FFF2-40B4-BE49-F238E27FC236}">
+                <a16:creationId xmlns:a16="http://schemas.microsoft.com/office/drawing/2014/main" id="{C86995CF-DF61-5265-CBC6-920BB104B7A7}"/>
+              </a:ext>
+            </a:extLst>
+          </p:cNvPr>
+          <p:cNvSpPr/>
+          <p:nvPr/>
+        </p:nvSpPr>
+        <p:spPr>
+          <a:xfrm>
+            <a:off x="7439361" y="3685196"/>
+            <a:ext cx="1135200" cy="470100"/>
+          </a:xfrm>
+          <a:prstGeom prst="rect">
+            <a:avLst/>
+          </a:prstGeom>
+          <a:solidFill>
+            <a:schemeClr val="lt2"/>
+          </a:solidFill>
+          <a:ln w="9525" cap="flat" cmpd="sng">
+            <a:solidFill>
+              <a:schemeClr val="dk2"/>
+            </a:solidFill>
+            <a:prstDash val="solid"/>
+            <a:round/>
+            <a:headEnd type="none" w="sm" len="sm"/>
+            <a:tailEnd type="none" w="sm" len="sm"/>
+          </a:ln>
+        </p:spPr>
+        <p:txBody>
+          <a:bodyPr spcFirstLastPara="1" wrap="square" lIns="91425" tIns="91425" rIns="91425" bIns="91425" anchor="ctr" anchorCtr="0">
+            <a:noAutofit/>
+          </a:bodyPr>
+          <a:lstStyle/>
+          <a:p>
+            <a:pPr marL="0" lvl="0" indent="0" algn="ctr" rtl="0">
+              <a:spcBef>
+                <a:spcPts val="0"/>
+              </a:spcBef>
+              <a:spcAft>
+                <a:spcPts val="0"/>
+              </a:spcAft>
+              <a:buNone/>
+            </a:pPr>
+            <a:r>
+              <a:rPr lang="en"/>
+              <a:t>Plaintext</a:t>
+            </a:r>
+            <a:endParaRPr/>
+          </a:p>
+        </p:txBody>
+      </p:sp>
+      <p:cxnSp>
+        <p:nvCxnSpPr>
+          <p:cNvPr id="36" name="Google Shape;587;p62">
+            <a:extLst>
+              <a:ext uri="{FF2B5EF4-FFF2-40B4-BE49-F238E27FC236}">
+                <a16:creationId xmlns:a16="http://schemas.microsoft.com/office/drawing/2014/main" id="{01BE2324-46BB-2F01-FE6C-F85238BCC061}"/>
+              </a:ext>
+            </a:extLst>
+          </p:cNvPr>
+          <p:cNvCxnSpPr>
+            <a:cxnSpLocks/>
+            <a:stCxn id="10" idx="3"/>
+            <a:endCxn id="35" idx="1"/>
+          </p:cNvCxnSpPr>
+          <p:nvPr/>
+        </p:nvCxnSpPr>
+        <p:spPr>
+          <a:xfrm>
+            <a:off x="6973895" y="3912458"/>
+            <a:ext cx="465466" cy="7788"/>
+          </a:xfrm>
+          <a:prstGeom prst="straightConnector1">
+            <a:avLst/>
+          </a:prstGeom>
+          <a:noFill/>
+          <a:ln w="9525" cap="flat" cmpd="sng">
+            <a:solidFill>
+              <a:schemeClr val="tx1"/>
+            </a:solidFill>
+            <a:prstDash val="solid"/>
+            <a:round/>
+            <a:headEnd type="none" w="med" len="med"/>
+            <a:tailEnd type="triangle" w="med" len="med"/>
+          </a:ln>
+        </p:spPr>
+      </p:cxnSp>
+      <p:sp>
+        <p:nvSpPr>
+          <p:cNvPr id="54" name="TextBox 53">
+            <a:extLst>
+              <a:ext uri="{FF2B5EF4-FFF2-40B4-BE49-F238E27FC236}">
+                <a16:creationId xmlns:a16="http://schemas.microsoft.com/office/drawing/2014/main" id="{D5480C5C-C2E1-DC65-844A-13D47B1D3EEE}"/>
+              </a:ext>
+            </a:extLst>
+          </p:cNvPr>
+          <p:cNvSpPr txBox="1"/>
+          <p:nvPr/>
+        </p:nvSpPr>
+        <p:spPr>
+          <a:xfrm>
+            <a:off x="670654" y="2050308"/>
+            <a:ext cx="863982" cy="276999"/>
+          </a:xfrm>
+          <a:prstGeom prst="rect">
+            <a:avLst/>
+          </a:prstGeom>
+          <a:noFill/>
+        </p:spPr>
+        <p:txBody>
+          <a:bodyPr wrap="square">
+            <a:spAutoFit/>
+          </a:bodyPr>
+          <a:lstStyle/>
+          <a:p>
+            <a:pPr marL="0" lvl="0" indent="0" algn="ctr" rtl="0">
+              <a:spcBef>
+                <a:spcPts val="0"/>
+              </a:spcBef>
+              <a:spcAft>
+                <a:spcPts val="0"/>
+              </a:spcAft>
+              <a:buNone/>
+            </a:pPr>
+            <a:r>
+              <a:rPr lang="en-US" sz="1200" dirty="0">
+                <a:solidFill>
+                  <a:schemeClr val="tx1"/>
+                </a:solidFill>
+              </a:rPr>
+              <a:t>generate</a:t>
+            </a:r>
+          </a:p>
+        </p:txBody>
+      </p:sp>
+      <p:cxnSp>
+        <p:nvCxnSpPr>
+          <p:cNvPr id="59" name="Elbow Connector 58">
+            <a:extLst>
+              <a:ext uri="{FF2B5EF4-FFF2-40B4-BE49-F238E27FC236}">
+                <a16:creationId xmlns:a16="http://schemas.microsoft.com/office/drawing/2014/main" id="{42D586B8-7FAF-C2EE-1EED-1FC18EC2445C}"/>
+              </a:ext>
+            </a:extLst>
+          </p:cNvPr>
+          <p:cNvCxnSpPr>
+            <a:cxnSpLocks/>
+            <a:stCxn id="17" idx="2"/>
+            <a:endCxn id="5" idx="0"/>
+          </p:cNvCxnSpPr>
+          <p:nvPr/>
+        </p:nvCxnSpPr>
+        <p:spPr>
+          <a:xfrm rot="16200000" flipH="1">
+            <a:off x="1461224" y="2553878"/>
+            <a:ext cx="668055" cy="1579003"/>
+          </a:xfrm>
+          <a:prstGeom prst="bentConnector3">
+            <a:avLst>
+              <a:gd name="adj1" fmla="val 50000"/>
+            </a:avLst>
+          </a:prstGeom>
+          <a:ln>
+            <a:tailEnd type="triangle"/>
+          </a:ln>
+        </p:spPr>
+        <p:style>
+          <a:lnRef idx="1">
+            <a:schemeClr val="dk1"/>
+          </a:lnRef>
+          <a:fillRef idx="0">
+            <a:schemeClr val="dk1"/>
+          </a:fillRef>
+          <a:effectRef idx="0">
+            <a:schemeClr val="dk1"/>
+          </a:effectRef>
+          <a:fontRef idx="minor">
+            <a:schemeClr val="tx1"/>
+          </a:fontRef>
+        </p:style>
+      </p:cxnSp>
+      <p:sp>
+        <p:nvSpPr>
+          <p:cNvPr id="288" name="Google Shape;575;p62">
+            <a:extLst>
+              <a:ext uri="{FF2B5EF4-FFF2-40B4-BE49-F238E27FC236}">
+                <a16:creationId xmlns:a16="http://schemas.microsoft.com/office/drawing/2014/main" id="{521AFC12-6FB4-96E2-BEC4-89AB5DB92130}"/>
+              </a:ext>
+            </a:extLst>
+          </p:cNvPr>
+          <p:cNvSpPr/>
+          <p:nvPr/>
+        </p:nvSpPr>
+        <p:spPr>
+          <a:xfrm>
+            <a:off x="623102" y="3679436"/>
+            <a:ext cx="949896" cy="470100"/>
+          </a:xfrm>
+          <a:prstGeom prst="rect">
+            <a:avLst/>
+          </a:prstGeom>
+          <a:solidFill>
+            <a:schemeClr val="lt2"/>
+          </a:solidFill>
+          <a:ln w="9525" cap="flat" cmpd="sng">
+            <a:solidFill>
+              <a:schemeClr val="dk2"/>
+            </a:solidFill>
+            <a:prstDash val="solid"/>
+            <a:round/>
+            <a:headEnd type="none" w="sm" len="sm"/>
+            <a:tailEnd type="none" w="sm" len="sm"/>
+          </a:ln>
+        </p:spPr>
+        <p:txBody>
+          <a:bodyPr spcFirstLastPara="1" wrap="square" lIns="91425" tIns="91425" rIns="91425" bIns="91425" anchor="ctr" anchorCtr="0">
+            <a:noAutofit/>
+          </a:bodyPr>
+          <a:lstStyle/>
+          <a:p>
+            <a:pPr marL="0" lvl="0" indent="0" algn="ctr" rtl="0">
+              <a:spcBef>
+                <a:spcPts val="0"/>
+              </a:spcBef>
+              <a:spcAft>
+                <a:spcPts val="0"/>
+              </a:spcAft>
+              <a:buNone/>
+            </a:pPr>
+            <a:r>
+              <a:rPr lang="en" dirty="0"/>
+              <a:t>Plaintext</a:t>
+            </a:r>
+            <a:endParaRPr dirty="0"/>
+          </a:p>
+        </p:txBody>
+      </p:sp>
+      <p:cxnSp>
+        <p:nvCxnSpPr>
+          <p:cNvPr id="299" name="Straight Arrow Connector 298">
+            <a:extLst>
+              <a:ext uri="{FF2B5EF4-FFF2-40B4-BE49-F238E27FC236}">
+                <a16:creationId xmlns:a16="http://schemas.microsoft.com/office/drawing/2014/main" id="{CF90253E-5D6F-148A-F6E9-6003F35E1178}"/>
+              </a:ext>
+            </a:extLst>
+          </p:cNvPr>
+          <p:cNvCxnSpPr>
+            <a:stCxn id="288" idx="3"/>
+            <a:endCxn id="5" idx="1"/>
+          </p:cNvCxnSpPr>
+          <p:nvPr/>
+        </p:nvCxnSpPr>
+        <p:spPr>
+          <a:xfrm flipV="1">
+            <a:off x="1572998" y="3912458"/>
+            <a:ext cx="444155" cy="2028"/>
+          </a:xfrm>
+          <a:prstGeom prst="straightConnector1">
+            <a:avLst/>
+          </a:prstGeom>
+          <a:ln>
+            <a:solidFill>
+              <a:schemeClr val="tx1"/>
+            </a:solidFill>
+            <a:tailEnd type="triangle"/>
+          </a:ln>
+        </p:spPr>
+        <p:style>
+          <a:lnRef idx="1">
+            <a:schemeClr val="accent1"/>
+          </a:lnRef>
+          <a:fillRef idx="0">
+            <a:schemeClr val="accent1"/>
+          </a:fillRef>
+          <a:effectRef idx="0">
+            <a:schemeClr val="accent1"/>
+          </a:effectRef>
+          <a:fontRef idx="minor">
+            <a:schemeClr val="tx1"/>
+          </a:fontRef>
+        </p:style>
+      </p:cxnSp>
+      <p:cxnSp>
+        <p:nvCxnSpPr>
+          <p:cNvPr id="303" name="Elbow Connector 302">
+            <a:extLst>
+              <a:ext uri="{FF2B5EF4-FFF2-40B4-BE49-F238E27FC236}">
+                <a16:creationId xmlns:a16="http://schemas.microsoft.com/office/drawing/2014/main" id="{D10175E4-3C33-BDE6-EB8E-E878E5D7AA3E}"/>
+              </a:ext>
+            </a:extLst>
+          </p:cNvPr>
+          <p:cNvCxnSpPr>
+            <a:stCxn id="18" idx="2"/>
+            <a:endCxn id="17" idx="0"/>
+          </p:cNvCxnSpPr>
+          <p:nvPr/>
+        </p:nvCxnSpPr>
+        <p:spPr>
+          <a:xfrm rot="16200000" flipH="1">
+            <a:off x="628698" y="2162199"/>
+            <a:ext cx="429277" cy="324828"/>
+          </a:xfrm>
+          <a:prstGeom prst="bentConnector3">
+            <a:avLst/>
+          </a:prstGeom>
+          <a:ln>
+            <a:solidFill>
+              <a:schemeClr val="tx1"/>
+            </a:solidFill>
+            <a:tailEnd type="triangle"/>
+          </a:ln>
+        </p:spPr>
+        <p:style>
+          <a:lnRef idx="1">
+            <a:schemeClr val="accent1"/>
+          </a:lnRef>
+          <a:fillRef idx="0">
+            <a:schemeClr val="accent1"/>
+          </a:fillRef>
+          <a:effectRef idx="0">
+            <a:schemeClr val="accent1"/>
+          </a:effectRef>
+          <a:fontRef idx="minor">
+            <a:schemeClr val="tx1"/>
+          </a:fontRef>
+        </p:style>
+      </p:cxnSp>
+      <p:cxnSp>
+        <p:nvCxnSpPr>
+          <p:cNvPr id="326" name="Elbow Connector 325">
+            <a:extLst>
+              <a:ext uri="{FF2B5EF4-FFF2-40B4-BE49-F238E27FC236}">
+                <a16:creationId xmlns:a16="http://schemas.microsoft.com/office/drawing/2014/main" id="{645EB167-6AC2-69EA-5715-6FE9D7380F0E}"/>
+              </a:ext>
+            </a:extLst>
+          </p:cNvPr>
+          <p:cNvCxnSpPr>
+            <a:cxnSpLocks/>
+            <a:stCxn id="12" idx="2"/>
+            <a:endCxn id="10" idx="0"/>
+          </p:cNvCxnSpPr>
+          <p:nvPr/>
+        </p:nvCxnSpPr>
+        <p:spPr>
+          <a:xfrm rot="5400000">
+            <a:off x="6869469" y="2539916"/>
+            <a:ext cx="674318" cy="1600666"/>
+          </a:xfrm>
+          <a:prstGeom prst="bentConnector3">
+            <a:avLst>
+              <a:gd name="adj1" fmla="val 50000"/>
+            </a:avLst>
+          </a:prstGeom>
+          <a:ln>
+            <a:solidFill>
+              <a:schemeClr val="tx1"/>
+            </a:solidFill>
+            <a:tailEnd type="triangle"/>
+          </a:ln>
+        </p:spPr>
+        <p:style>
+          <a:lnRef idx="1">
+            <a:schemeClr val="accent1"/>
+          </a:lnRef>
+          <a:fillRef idx="0">
+            <a:schemeClr val="accent1"/>
+          </a:fillRef>
+          <a:effectRef idx="0">
+            <a:schemeClr val="accent1"/>
+          </a:effectRef>
+          <a:fontRef idx="minor">
+            <a:schemeClr val="tx1"/>
+          </a:fontRef>
+        </p:style>
+      </p:cxnSp>
+      <p:cxnSp>
+        <p:nvCxnSpPr>
+          <p:cNvPr id="332" name="Straight Arrow Connector 331">
+            <a:extLst>
+              <a:ext uri="{FF2B5EF4-FFF2-40B4-BE49-F238E27FC236}">
+                <a16:creationId xmlns:a16="http://schemas.microsoft.com/office/drawing/2014/main" id="{BB6B9F56-84A2-74EE-40FB-13A0A7E06006}"/>
+              </a:ext>
+            </a:extLst>
+          </p:cNvPr>
+          <p:cNvCxnSpPr>
+            <a:cxnSpLocks/>
+            <a:stCxn id="17" idx="3"/>
+            <a:endCxn id="28" idx="1"/>
+          </p:cNvCxnSpPr>
+          <p:nvPr/>
+        </p:nvCxnSpPr>
+        <p:spPr>
+          <a:xfrm flipV="1">
+            <a:off x="1388398" y="2768100"/>
+            <a:ext cx="669160" cy="6202"/>
+          </a:xfrm>
+          <a:prstGeom prst="straightConnector1">
+            <a:avLst/>
+          </a:prstGeom>
+          <a:ln>
+            <a:solidFill>
+              <a:schemeClr val="tx1"/>
+            </a:solidFill>
+            <a:tailEnd type="triangle"/>
+          </a:ln>
+        </p:spPr>
+        <p:style>
+          <a:lnRef idx="1">
+            <a:schemeClr val="accent1"/>
+          </a:lnRef>
+          <a:fillRef idx="0">
+            <a:schemeClr val="accent1"/>
+          </a:fillRef>
+          <a:effectRef idx="0">
+            <a:schemeClr val="accent1"/>
+          </a:effectRef>
+          <a:fontRef idx="minor">
+            <a:schemeClr val="tx1"/>
+          </a:fontRef>
+        </p:style>
+      </p:cxnSp>
+    </p:spTree>
+    <p:extLst>
+      <p:ext uri="{BB962C8B-B14F-4D97-AF65-F5344CB8AC3E}">
+        <p14:creationId xmlns:p14="http://schemas.microsoft.com/office/powerpoint/2010/main" val="714968743"/>
+      </p:ext>
+    </p:extLst>
+  </p:cSld>
+  <p:clrMapOvr>
+    <a:masterClrMapping/>
+  </p:clrMapOvr>
+</p:sld>
+</file>
+
+<file path=ppt/slides/slide34.xml><?xml version="1.0" encoding="utf-8"?>
+<p:sld xmlns:a="http://schemas.openxmlformats.org/drawingml/2006/main" xmlns:r="http://schemas.openxmlformats.org/officeDocument/2006/relationships" xmlns:p="http://schemas.openxmlformats.org/presentationml/2006/main">
+  <p:cSld>
+    <p:spTree>
+      <p:nvGrpSpPr>
         <p:cNvPr id="1" name="Shape 264"/>
         <p:cNvGrpSpPr/>
         <p:nvPr/>
@@ -30100,7 +32008,7 @@
             </a:pPr>
             <a:fld id="{00000000-1234-1234-1234-123412341234}" type="slidenum">
               <a:rPr lang="en"/>
-              <a:t>33</a:t>
+              <a:t>34</a:t>
             </a:fld>
             <a:endParaRPr/>
           </a:p>
@@ -30114,7 +32022,7 @@
 </p:sld>
 </file>
 
-<file path=ppt/slides/slide34.xml><?xml version="1.0" encoding="utf-8"?>
+<file path=ppt/slides/slide35.xml><?xml version="1.0" encoding="utf-8"?>
 <p:sld xmlns:a="http://schemas.openxmlformats.org/drawingml/2006/main" xmlns:r="http://schemas.openxmlformats.org/officeDocument/2006/relationships" xmlns:p="http://schemas.openxmlformats.org/presentationml/2006/main">
   <p:cSld>
     <p:spTree>
@@ -30786,7 +32694,7 @@
             </a:pPr>
             <a:fld id="{00000000-1234-1234-1234-123412341234}" type="slidenum">
               <a:rPr lang="en"/>
-              <a:t>34</a:t>
+              <a:t>35</a:t>
             </a:fld>
             <a:endParaRPr/>
           </a:p>
@@ -30800,7 +32708,7 @@
 </p:sld>
 </file>
 
-<file path=ppt/slides/slide35.xml><?xml version="1.0" encoding="utf-8"?>
+<file path=ppt/slides/slide36.xml><?xml version="1.0" encoding="utf-8"?>
 <p:sld xmlns:a="http://schemas.openxmlformats.org/drawingml/2006/main" xmlns:r="http://schemas.openxmlformats.org/officeDocument/2006/relationships" xmlns:p="http://schemas.openxmlformats.org/presentationml/2006/main">
   <p:cSld>
     <p:spTree>
@@ -30989,7 +32897,7 @@
             </a:pPr>
             <a:fld id="{00000000-1234-1234-1234-123412341234}" type="slidenum">
               <a:rPr lang="en"/>
-              <a:t>35</a:t>
+              <a:t>36</a:t>
             </a:fld>
             <a:endParaRPr/>
           </a:p>
@@ -31229,7 +33137,7 @@
 </p:sld>
 </file>
 
-<file path=ppt/slides/slide36.xml><?xml version="1.0" encoding="utf-8"?>
+<file path=ppt/slides/slide37.xml><?xml version="1.0" encoding="utf-8"?>
 <p:sld xmlns:a="http://schemas.openxmlformats.org/drawingml/2006/main" xmlns:r="http://schemas.openxmlformats.org/officeDocument/2006/relationships" xmlns:p="http://schemas.openxmlformats.org/presentationml/2006/main">
   <p:cSld>
     <p:spTree>
@@ -31397,7 +33305,7 @@
             </a:pPr>
             <a:fld id="{00000000-1234-1234-1234-123412341234}" type="slidenum">
               <a:rPr lang="en"/>
-              <a:t>36</a:t>
+              <a:t>37</a:t>
             </a:fld>
             <a:endParaRPr/>
           </a:p>
@@ -32422,7 +34330,7 @@
 </p:sld>
 </file>
 
-<file path=ppt/slides/slide37.xml><?xml version="1.0" encoding="utf-8"?>
+<file path=ppt/slides/slide38.xml><?xml version="1.0" encoding="utf-8"?>
 <p:sld xmlns:a="http://schemas.openxmlformats.org/drawingml/2006/main" xmlns:r="http://schemas.openxmlformats.org/officeDocument/2006/relationships" xmlns:p="http://schemas.openxmlformats.org/presentationml/2006/main">
   <p:cSld>
     <p:spTree>
@@ -32896,7 +34804,7 @@
             </a:pPr>
             <a:fld id="{00000000-1234-1234-1234-123412341234}" type="slidenum">
               <a:rPr lang="en"/>
-              <a:t>37</a:t>
+              <a:t>38</a:t>
             </a:fld>
             <a:endParaRPr/>
           </a:p>
@@ -33332,7 +35240,7 @@
 </p:sld>
 </file>
 
-<file path=ppt/slides/slide38.xml><?xml version="1.0" encoding="utf-8"?>
+<file path=ppt/slides/slide39.xml><?xml version="1.0" encoding="utf-8"?>
 <p:sld xmlns:a="http://schemas.openxmlformats.org/drawingml/2006/main" xmlns:r="http://schemas.openxmlformats.org/officeDocument/2006/relationships" xmlns:p="http://schemas.openxmlformats.org/presentationml/2006/main">
   <p:cSld>
     <p:spTree>
@@ -33620,7 +35528,7 @@
             </a:pPr>
             <a:fld id="{00000000-1234-1234-1234-123412341234}" type="slidenum">
               <a:rPr lang="en"/>
-              <a:t>38</a:t>
+              <a:t>39</a:t>
             </a:fld>
             <a:endParaRPr/>
           </a:p>
@@ -33953,115 +35861,6 @@
 </p:sld>
 </file>
 
-<file path=ppt/slides/slide39.xml><?xml version="1.0" encoding="utf-8"?>
-<p:sld xmlns:a="http://schemas.openxmlformats.org/drawingml/2006/main" xmlns:r="http://schemas.openxmlformats.org/officeDocument/2006/relationships" xmlns:p="http://schemas.openxmlformats.org/presentationml/2006/main">
-  <p:cSld>
-    <p:spTree>
-      <p:nvGrpSpPr>
-        <p:cNvPr id="1" name="Shape 311"/>
-        <p:cNvGrpSpPr/>
-        <p:nvPr/>
-      </p:nvGrpSpPr>
-      <p:grpSpPr>
-        <a:xfrm>
-          <a:off x="0" y="0"/>
-          <a:ext cx="0" cy="0"/>
-          <a:chOff x="0" y="0"/>
-          <a:chExt cx="0" cy="0"/>
-        </a:xfrm>
-      </p:grpSpPr>
-      <p:sp>
-        <p:nvSpPr>
-          <p:cNvPr id="313" name="Google Shape;313;p49"/>
-          <p:cNvSpPr txBox="1">
-            <a:spLocks noGrp="1"/>
-          </p:cNvSpPr>
-          <p:nvPr>
-            <p:ph type="title"/>
-          </p:nvPr>
-        </p:nvSpPr>
-        <p:spPr>
-          <a:xfrm>
-            <a:off x="311700" y="2150850"/>
-            <a:ext cx="8520600" cy="841800"/>
-          </a:xfrm>
-          <a:prstGeom prst="rect">
-            <a:avLst/>
-          </a:prstGeom>
-        </p:spPr>
-        <p:txBody>
-          <a:bodyPr spcFirstLastPara="1" wrap="square" lIns="91425" tIns="91425" rIns="91425" bIns="91425" anchor="ctr" anchorCtr="0">
-            <a:normAutofit/>
-          </a:bodyPr>
-          <a:lstStyle/>
-          <a:p>
-            <a:pPr marL="0" lvl="0" indent="0" algn="ctr" rtl="0">
-              <a:spcBef>
-                <a:spcPts val="0"/>
-              </a:spcBef>
-              <a:spcAft>
-                <a:spcPts val="0"/>
-              </a:spcAft>
-              <a:buNone/>
-            </a:pPr>
-            <a:r>
-              <a:rPr lang="en"/>
-              <a:t>RSA Signatures</a:t>
-            </a:r>
-            <a:endParaRPr/>
-          </a:p>
-        </p:txBody>
-      </p:sp>
-      <p:sp>
-        <p:nvSpPr>
-          <p:cNvPr id="314" name="Google Shape;314;p49"/>
-          <p:cNvSpPr txBox="1">
-            <a:spLocks noGrp="1"/>
-          </p:cNvSpPr>
-          <p:nvPr>
-            <p:ph type="sldNum" idx="12"/>
-          </p:nvPr>
-        </p:nvSpPr>
-        <p:spPr>
-          <a:xfrm>
-            <a:off x="8472458" y="4663217"/>
-            <a:ext cx="548700" cy="393600"/>
-          </a:xfrm>
-          <a:prstGeom prst="rect">
-            <a:avLst/>
-          </a:prstGeom>
-        </p:spPr>
-        <p:txBody>
-          <a:bodyPr spcFirstLastPara="1" wrap="square" lIns="91425" tIns="91425" rIns="91425" bIns="91425" anchor="ctr" anchorCtr="0">
-            <a:normAutofit/>
-          </a:bodyPr>
-          <a:lstStyle/>
-          <a:p>
-            <a:pPr marL="0" lvl="0" indent="0" algn="r" rtl="0">
-              <a:spcBef>
-                <a:spcPts val="0"/>
-              </a:spcBef>
-              <a:spcAft>
-                <a:spcPts val="0"/>
-              </a:spcAft>
-              <a:buNone/>
-            </a:pPr>
-            <a:fld id="{00000000-1234-1234-1234-123412341234}" type="slidenum">
-              <a:rPr lang="en"/>
-              <a:t>39</a:t>
-            </a:fld>
-            <a:endParaRPr/>
-          </a:p>
-        </p:txBody>
-      </p:sp>
-    </p:spTree>
-  </p:cSld>
-  <p:clrMapOvr>
-    <a:masterClrMapping/>
-  </p:clrMapOvr>
-</p:sld>
-</file>
-
 <file path=ppt/slides/slide4.xml><?xml version="1.0" encoding="utf-8"?>
 <p:sld xmlns:a="http://schemas.openxmlformats.org/drawingml/2006/main" xmlns:r="http://schemas.openxmlformats.org/officeDocument/2006/relationships" xmlns:p="http://schemas.openxmlformats.org/presentationml/2006/main">
   <p:cSld>
@@ -34183,6 +35982,115 @@
   <p:cSld>
     <p:spTree>
       <p:nvGrpSpPr>
+        <p:cNvPr id="1" name="Shape 311"/>
+        <p:cNvGrpSpPr/>
+        <p:nvPr/>
+      </p:nvGrpSpPr>
+      <p:grpSpPr>
+        <a:xfrm>
+          <a:off x="0" y="0"/>
+          <a:ext cx="0" cy="0"/>
+          <a:chOff x="0" y="0"/>
+          <a:chExt cx="0" cy="0"/>
+        </a:xfrm>
+      </p:grpSpPr>
+      <p:sp>
+        <p:nvSpPr>
+          <p:cNvPr id="313" name="Google Shape;313;p49"/>
+          <p:cNvSpPr txBox="1">
+            <a:spLocks noGrp="1"/>
+          </p:cNvSpPr>
+          <p:nvPr>
+            <p:ph type="title"/>
+          </p:nvPr>
+        </p:nvSpPr>
+        <p:spPr>
+          <a:xfrm>
+            <a:off x="311700" y="2150850"/>
+            <a:ext cx="8520600" cy="841800"/>
+          </a:xfrm>
+          <a:prstGeom prst="rect">
+            <a:avLst/>
+          </a:prstGeom>
+        </p:spPr>
+        <p:txBody>
+          <a:bodyPr spcFirstLastPara="1" wrap="square" lIns="91425" tIns="91425" rIns="91425" bIns="91425" anchor="ctr" anchorCtr="0">
+            <a:normAutofit/>
+          </a:bodyPr>
+          <a:lstStyle/>
+          <a:p>
+            <a:pPr marL="0" lvl="0" indent="0" algn="ctr" rtl="0">
+              <a:spcBef>
+                <a:spcPts val="0"/>
+              </a:spcBef>
+              <a:spcAft>
+                <a:spcPts val="0"/>
+              </a:spcAft>
+              <a:buNone/>
+            </a:pPr>
+            <a:r>
+              <a:rPr lang="en"/>
+              <a:t>RSA Signatures</a:t>
+            </a:r>
+            <a:endParaRPr/>
+          </a:p>
+        </p:txBody>
+      </p:sp>
+      <p:sp>
+        <p:nvSpPr>
+          <p:cNvPr id="314" name="Google Shape;314;p49"/>
+          <p:cNvSpPr txBox="1">
+            <a:spLocks noGrp="1"/>
+          </p:cNvSpPr>
+          <p:nvPr>
+            <p:ph type="sldNum" idx="12"/>
+          </p:nvPr>
+        </p:nvSpPr>
+        <p:spPr>
+          <a:xfrm>
+            <a:off x="8472458" y="4663217"/>
+            <a:ext cx="548700" cy="393600"/>
+          </a:xfrm>
+          <a:prstGeom prst="rect">
+            <a:avLst/>
+          </a:prstGeom>
+        </p:spPr>
+        <p:txBody>
+          <a:bodyPr spcFirstLastPara="1" wrap="square" lIns="91425" tIns="91425" rIns="91425" bIns="91425" anchor="ctr" anchorCtr="0">
+            <a:normAutofit/>
+          </a:bodyPr>
+          <a:lstStyle/>
+          <a:p>
+            <a:pPr marL="0" lvl="0" indent="0" algn="r" rtl="0">
+              <a:spcBef>
+                <a:spcPts val="0"/>
+              </a:spcBef>
+              <a:spcAft>
+                <a:spcPts val="0"/>
+              </a:spcAft>
+              <a:buNone/>
+            </a:pPr>
+            <a:fld id="{00000000-1234-1234-1234-123412341234}" type="slidenum">
+              <a:rPr lang="en"/>
+              <a:t>40</a:t>
+            </a:fld>
+            <a:endParaRPr/>
+          </a:p>
+        </p:txBody>
+      </p:sp>
+    </p:spTree>
+  </p:cSld>
+  <p:clrMapOvr>
+    <a:masterClrMapping/>
+  </p:clrMapOvr>
+</p:sld>
+</file>
+
+<file path=ppt/slides/slide41.xml><?xml version="1.0" encoding="utf-8"?>
+<p:sld xmlns:a="http://schemas.openxmlformats.org/drawingml/2006/main" xmlns:r="http://schemas.openxmlformats.org/officeDocument/2006/relationships" xmlns:p="http://schemas.openxmlformats.org/presentationml/2006/main">
+  <p:cSld>
+    <p:spTree>
+      <p:nvGrpSpPr>
         <p:cNvPr id="1" name="Shape 319"/>
         <p:cNvGrpSpPr/>
         <p:nvPr/>
@@ -34463,7 +36371,7 @@
             </a:pPr>
             <a:fld id="{00000000-1234-1234-1234-123412341234}" type="slidenum">
               <a:rPr lang="en"/>
-              <a:t>40</a:t>
+              <a:t>41</a:t>
             </a:fld>
             <a:endParaRPr/>
           </a:p>
@@ -34703,7 +36611,7 @@
 </p:sld>
 </file>
 
-<file path=ppt/slides/slide41.xml><?xml version="1.0" encoding="utf-8"?>
+<file path=ppt/slides/slide42.xml><?xml version="1.0" encoding="utf-8"?>
 <p:sld xmlns:a="http://schemas.openxmlformats.org/drawingml/2006/main" xmlns:r="http://schemas.openxmlformats.org/officeDocument/2006/relationships" xmlns:p="http://schemas.openxmlformats.org/presentationml/2006/main">
   <p:cSld>
     <p:spTree>
@@ -35128,7 +37036,7 @@
             </a:pPr>
             <a:fld id="{00000000-1234-1234-1234-123412341234}" type="slidenum">
               <a:rPr lang="en"/>
-              <a:t>41</a:t>
+              <a:t>42</a:t>
             </a:fld>
             <a:endParaRPr/>
           </a:p>
@@ -35564,7 +37472,7 @@
 </p:sld>
 </file>
 
-<file path=ppt/slides/slide42.xml><?xml version="1.0" encoding="utf-8"?>
+<file path=ppt/slides/slide43.xml><?xml version="1.0" encoding="utf-8"?>
 <p:sld xmlns:a="http://schemas.openxmlformats.org/drawingml/2006/main" xmlns:r="http://schemas.openxmlformats.org/officeDocument/2006/relationships" xmlns:p="http://schemas.openxmlformats.org/presentationml/2006/main" show="0">
   <p:cSld>
     <p:spTree>
@@ -35659,7 +37567,7 @@
             </a:pPr>
             <a:fld id="{00000000-1234-1234-1234-123412341234}" type="slidenum">
               <a:rPr lang="en"/>
-              <a:t>42</a:t>
+              <a:t>43</a:t>
             </a:fld>
             <a:endParaRPr/>
           </a:p>
@@ -35673,7 +37581,7 @@
 </p:sld>
 </file>
 
-<file path=ppt/slides/slide43.xml><?xml version="1.0" encoding="utf-8"?>
+<file path=ppt/slides/slide44.xml><?xml version="1.0" encoding="utf-8"?>
 <p:sld xmlns:a="http://schemas.openxmlformats.org/drawingml/2006/main" xmlns:r="http://schemas.openxmlformats.org/officeDocument/2006/relationships" xmlns:p="http://schemas.openxmlformats.org/presentationml/2006/main" show="0">
   <p:cSld>
     <p:spTree>
@@ -36057,7 +37965,7 @@
             </a:pPr>
             <a:fld id="{00000000-1234-1234-1234-123412341234}" type="slidenum">
               <a:rPr lang="en"/>
-              <a:t>43</a:t>
+              <a:t>44</a:t>
             </a:fld>
             <a:endParaRPr/>
           </a:p>
@@ -36772,7 +38680,7 @@
 </p:sld>
 </file>
 
-<file path=ppt/slides/slide44.xml><?xml version="1.0" encoding="utf-8"?>
+<file path=ppt/slides/slide45.xml><?xml version="1.0" encoding="utf-8"?>
 <p:sld xmlns:a="http://schemas.openxmlformats.org/drawingml/2006/main" xmlns:r="http://schemas.openxmlformats.org/officeDocument/2006/relationships" xmlns:p="http://schemas.openxmlformats.org/presentationml/2006/main" show="0">
   <p:cSld>
     <p:spTree>
@@ -37054,7 +38962,7 @@
             </a:pPr>
             <a:fld id="{00000000-1234-1234-1234-123412341234}" type="slidenum">
               <a:rPr lang="en"/>
-              <a:t>44</a:t>
+              <a:t>45</a:t>
             </a:fld>
             <a:endParaRPr/>
           </a:p>
@@ -37539,7 +39447,7 @@
 </p:sld>
 </file>
 
-<file path=ppt/slides/slide45.xml><?xml version="1.0" encoding="utf-8"?>
+<file path=ppt/slides/slide46.xml><?xml version="1.0" encoding="utf-8"?>
 <p:sld xmlns:a="http://schemas.openxmlformats.org/drawingml/2006/main" xmlns:r="http://schemas.openxmlformats.org/officeDocument/2006/relationships" xmlns:p="http://schemas.openxmlformats.org/presentationml/2006/main" show="0">
   <p:cSld>
     <p:spTree>
@@ -37634,7 +39542,7 @@
             </a:pPr>
             <a:fld id="{00000000-1234-1234-1234-123412341234}" type="slidenum">
               <a:rPr lang="en"/>
-              <a:t>45</a:t>
+              <a:t>46</a:t>
             </a:fld>
             <a:endParaRPr/>
           </a:p>
@@ -38318,7 +40226,7 @@
 </p:sld>
 </file>
 
-<file path=ppt/slides/slide46.xml><?xml version="1.0" encoding="utf-8"?>
+<file path=ppt/slides/slide47.xml><?xml version="1.0" encoding="utf-8"?>
 <p:sld xmlns:a="http://schemas.openxmlformats.org/drawingml/2006/main" xmlns:r="http://schemas.openxmlformats.org/officeDocument/2006/relationships" xmlns:p="http://schemas.openxmlformats.org/presentationml/2006/main" show="0">
   <p:cSld>
     <p:spTree>
@@ -38413,7 +40321,7 @@
             </a:pPr>
             <a:fld id="{00000000-1234-1234-1234-123412341234}" type="slidenum">
               <a:rPr lang="en"/>
-              <a:t>46</a:t>
+              <a:t>47</a:t>
             </a:fld>
             <a:endParaRPr/>
           </a:p>
@@ -39167,7 +41075,7 @@
 </p:sld>
 </file>
 
-<file path=ppt/slides/slide47.xml><?xml version="1.0" encoding="utf-8"?>
+<file path=ppt/slides/slide48.xml><?xml version="1.0" encoding="utf-8"?>
 <p:sld xmlns:a="http://schemas.openxmlformats.org/drawingml/2006/main" xmlns:r="http://schemas.openxmlformats.org/officeDocument/2006/relationships" xmlns:p="http://schemas.openxmlformats.org/presentationml/2006/main">
   <p:cSld>
     <p:spTree>
@@ -39472,7 +41380,7 @@
             </a:pPr>
             <a:fld id="{00000000-1234-1234-1234-123412341234}" type="slidenum">
               <a:rPr lang="en"/>
-              <a:t>47</a:t>
+              <a:t>48</a:t>
             </a:fld>
             <a:endParaRPr/>
           </a:p>

--- a/teaching/ITIS6200/2023fa/lectures/lec06.pptx
+++ b/teaching/ITIS6200/2023fa/lectures/lec06.pptx
@@ -30485,8 +30485,12 @@
               <a:buNone/>
             </a:pPr>
             <a:r>
+              <a:rPr lang="en"/>
+              <a:t>Symmetric </a:t>
+            </a:r>
+            <a:r>
               <a:rPr lang="en" dirty="0"/>
-              <a:t>Symmetric decryption</a:t>
+              <a:t>decryption</a:t>
             </a:r>
             <a:endParaRPr dirty="0"/>
           </a:p>
@@ -31726,6 +31730,7 @@
             </a:extLst>
           </p:cNvPr>
           <p:cNvCxnSpPr>
+            <a:cxnSpLocks/>
             <a:stCxn id="288" idx="3"/>
             <a:endCxn id="5" idx="1"/>
           </p:cNvCxnSpPr>

--- a/teaching/ITIS6200/2023fa/lectures/lec06.pptx
+++ b/teaching/ITIS6200/2023fa/lectures/lec06.pptx
@@ -4179,11 +4179,7 @@
               </a:spcAft>
               <a:buNone/>
             </a:pPr>
-            <a:r>
-              <a:rPr lang="en"/>
-              <a:t>Ask after presenting issues: Ideas for how to encrypt large messages efficiently?</a:t>
-            </a:r>
-            <a:endParaRPr/>
+            <a:endParaRPr dirty="0"/>
           </a:p>
         </p:txBody>
       </p:sp>
@@ -29073,7 +29069,7 @@
         </p:spPr>
         <p:txBody>
           <a:bodyPr spcFirstLastPara="1" wrap="square" lIns="91425" tIns="91425" rIns="91425" bIns="91425" anchor="t" anchorCtr="0">
-            <a:normAutofit fontScale="92500" lnSpcReduction="10000"/>
+            <a:normAutofit/>
           </a:bodyPr>
           <a:lstStyle/>
           <a:p>
@@ -29212,106 +29208,6 @@
             <a:r>
               <a:rPr lang="en" dirty="0"/>
               <a:t>Almost all cryptographic systems use hybrid encryption</a:t>
-            </a:r>
-          </a:p>
-          <a:p>
-            <a:pPr lvl="1" indent="-342900">
-              <a:buSzPts val="1800"/>
-              <a:buChar char="●"/>
-            </a:pPr>
-            <a:r>
-              <a:rPr lang="en" dirty="0"/>
-              <a:t>Scenario:</a:t>
-            </a:r>
-          </a:p>
-          <a:p>
-            <a:pPr lvl="2" indent="-342900">
-              <a:buSzPts val="1800"/>
-              <a:buChar char="●"/>
-            </a:pPr>
-            <a:r>
-              <a:rPr lang="en" dirty="0"/>
-              <a:t>Alice wants to send a message to Bob</a:t>
-            </a:r>
-          </a:p>
-          <a:p>
-            <a:pPr lvl="2" indent="-342900">
-              <a:buSzPts val="1800"/>
-              <a:buChar char="●"/>
-            </a:pPr>
-            <a:r>
-              <a:rPr lang="en" dirty="0"/>
-              <a:t>Alice chooses / generates a random symmetric key K</a:t>
-            </a:r>
-          </a:p>
-          <a:p>
-            <a:pPr lvl="2" indent="-342900">
-              <a:buSzPts val="1800"/>
-              <a:buChar char="●"/>
-            </a:pPr>
-            <a:r>
-              <a:rPr lang="en" dirty="0"/>
-              <a:t>Alice computes C1 = Enc(K, M) and sends it to Bob (Symmetric encryption)</a:t>
-            </a:r>
-          </a:p>
-          <a:p>
-            <a:pPr lvl="2" indent="-342900">
-              <a:buSzPts val="1800"/>
-              <a:buFont typeface="Arial"/>
-              <a:buChar char="●"/>
-            </a:pPr>
-            <a:r>
-              <a:rPr lang="en" dirty="0"/>
-              <a:t>Alice computes C2 = Enc(</a:t>
-            </a:r>
-            <a:r>
-              <a:rPr lang="en" dirty="0" err="1"/>
-              <a:t>pub_bob</a:t>
-            </a:r>
-            <a:r>
-              <a:rPr lang="en" dirty="0"/>
-              <a:t>, K) and sends it to Bob (Asymmetric encryption)</a:t>
-            </a:r>
-          </a:p>
-          <a:p>
-            <a:pPr lvl="2" indent="-342900">
-              <a:buSzPts val="1800"/>
-              <a:buFont typeface="Arial"/>
-              <a:buChar char="●"/>
-            </a:pPr>
-            <a:r>
-              <a:rPr lang="en" dirty="0"/>
-              <a:t>Bob </a:t>
-            </a:r>
-            <a:r>
-              <a:rPr lang="en" dirty="0" err="1"/>
-              <a:t>recei</a:t>
-            </a:r>
-            <a:r>
-              <a:rPr lang="en-US" dirty="0" err="1"/>
-              <a:t>ve</a:t>
-            </a:r>
-            <a:r>
-              <a:rPr lang="en" dirty="0"/>
-              <a:t>s both messages</a:t>
-            </a:r>
-          </a:p>
-          <a:p>
-            <a:pPr lvl="3" indent="-342900">
-              <a:buSzPts val="1800"/>
-            </a:pPr>
-            <a:r>
-              <a:rPr lang="en" dirty="0"/>
-              <a:t>uses his private key to decrypt C2 and get K, and then</a:t>
-            </a:r>
-          </a:p>
-          <a:p>
-            <a:pPr lvl="3" indent="-342900">
-              <a:buSzPts val="1800"/>
-            </a:pPr>
-            <a:r>
-              <a:rPr lang="en" dirty="0"/>
-              <a:t>use K to decrypt C1 and get M</a:t>
             </a:r>
           </a:p>
         </p:txBody>
@@ -29702,398 +29598,6 @@
                       </p:childTnLst>
                     </p:cTn>
                   </p:par>
-                  <p:par>
-                    <p:cTn id="27" fill="hold">
-                      <p:stCondLst>
-                        <p:cond delay="indefinite"/>
-                      </p:stCondLst>
-                      <p:childTnLst>
-                        <p:par>
-                          <p:cTn id="28" fill="hold">
-                            <p:stCondLst>
-                              <p:cond delay="0"/>
-                            </p:stCondLst>
-                            <p:childTnLst>
-                              <p:par>
-                                <p:cTn id="29" presetID="1" presetClass="entr" presetSubtype="0" fill="hold" nodeType="clickEffect">
-                                  <p:stCondLst>
-                                    <p:cond delay="0"/>
-                                  </p:stCondLst>
-                                  <p:childTnLst>
-                                    <p:set>
-                                      <p:cBhvr>
-                                        <p:cTn id="30" dur="1" fill="hold">
-                                          <p:stCondLst>
-                                            <p:cond delay="0"/>
-                                          </p:stCondLst>
-                                        </p:cTn>
-                                        <p:tgtEl>
-                                          <p:spTgt spid="259">
-                                            <p:txEl>
-                                              <p:pRg st="7" end="7"/>
-                                            </p:txEl>
-                                          </p:spTgt>
-                                        </p:tgtEl>
-                                        <p:attrNameLst>
-                                          <p:attrName>style.visibility</p:attrName>
-                                        </p:attrNameLst>
-                                      </p:cBhvr>
-                                      <p:to>
-                                        <p:strVal val="visible"/>
-                                      </p:to>
-                                    </p:set>
-                                  </p:childTnLst>
-                                </p:cTn>
-                              </p:par>
-                            </p:childTnLst>
-                          </p:cTn>
-                        </p:par>
-                      </p:childTnLst>
-                    </p:cTn>
-                  </p:par>
-                  <p:par>
-                    <p:cTn id="31" fill="hold">
-                      <p:stCondLst>
-                        <p:cond delay="indefinite"/>
-                      </p:stCondLst>
-                      <p:childTnLst>
-                        <p:par>
-                          <p:cTn id="32" fill="hold">
-                            <p:stCondLst>
-                              <p:cond delay="0"/>
-                            </p:stCondLst>
-                            <p:childTnLst>
-                              <p:par>
-                                <p:cTn id="33" presetID="1" presetClass="entr" presetSubtype="0" fill="hold" nodeType="clickEffect">
-                                  <p:stCondLst>
-                                    <p:cond delay="0"/>
-                                  </p:stCondLst>
-                                  <p:childTnLst>
-                                    <p:set>
-                                      <p:cBhvr>
-                                        <p:cTn id="34" dur="1" fill="hold">
-                                          <p:stCondLst>
-                                            <p:cond delay="0"/>
-                                          </p:stCondLst>
-                                        </p:cTn>
-                                        <p:tgtEl>
-                                          <p:spTgt spid="259">
-                                            <p:txEl>
-                                              <p:pRg st="8" end="8"/>
-                                            </p:txEl>
-                                          </p:spTgt>
-                                        </p:tgtEl>
-                                        <p:attrNameLst>
-                                          <p:attrName>style.visibility</p:attrName>
-                                        </p:attrNameLst>
-                                      </p:cBhvr>
-                                      <p:to>
-                                        <p:strVal val="visible"/>
-                                      </p:to>
-                                    </p:set>
-                                  </p:childTnLst>
-                                </p:cTn>
-                              </p:par>
-                            </p:childTnLst>
-                          </p:cTn>
-                        </p:par>
-                      </p:childTnLst>
-                    </p:cTn>
-                  </p:par>
-                  <p:par>
-                    <p:cTn id="35" fill="hold">
-                      <p:stCondLst>
-                        <p:cond delay="indefinite"/>
-                      </p:stCondLst>
-                      <p:childTnLst>
-                        <p:par>
-                          <p:cTn id="36" fill="hold">
-                            <p:stCondLst>
-                              <p:cond delay="0"/>
-                            </p:stCondLst>
-                            <p:childTnLst>
-                              <p:par>
-                                <p:cTn id="37" presetID="1" presetClass="entr" presetSubtype="0" fill="hold" nodeType="clickEffect">
-                                  <p:stCondLst>
-                                    <p:cond delay="0"/>
-                                  </p:stCondLst>
-                                  <p:childTnLst>
-                                    <p:set>
-                                      <p:cBhvr>
-                                        <p:cTn id="38" dur="1" fill="hold">
-                                          <p:stCondLst>
-                                            <p:cond delay="0"/>
-                                          </p:stCondLst>
-                                        </p:cTn>
-                                        <p:tgtEl>
-                                          <p:spTgt spid="259">
-                                            <p:txEl>
-                                              <p:pRg st="9" end="9"/>
-                                            </p:txEl>
-                                          </p:spTgt>
-                                        </p:tgtEl>
-                                        <p:attrNameLst>
-                                          <p:attrName>style.visibility</p:attrName>
-                                        </p:attrNameLst>
-                                      </p:cBhvr>
-                                      <p:to>
-                                        <p:strVal val="visible"/>
-                                      </p:to>
-                                    </p:set>
-                                  </p:childTnLst>
-                                </p:cTn>
-                              </p:par>
-                            </p:childTnLst>
-                          </p:cTn>
-                        </p:par>
-                      </p:childTnLst>
-                    </p:cTn>
-                  </p:par>
-                  <p:par>
-                    <p:cTn id="39" fill="hold">
-                      <p:stCondLst>
-                        <p:cond delay="indefinite"/>
-                      </p:stCondLst>
-                      <p:childTnLst>
-                        <p:par>
-                          <p:cTn id="40" fill="hold">
-                            <p:stCondLst>
-                              <p:cond delay="0"/>
-                            </p:stCondLst>
-                            <p:childTnLst>
-                              <p:par>
-                                <p:cTn id="41" presetID="1" presetClass="entr" presetSubtype="0" fill="hold" nodeType="clickEffect">
-                                  <p:stCondLst>
-                                    <p:cond delay="0"/>
-                                  </p:stCondLst>
-                                  <p:childTnLst>
-                                    <p:set>
-                                      <p:cBhvr>
-                                        <p:cTn id="42" dur="1" fill="hold">
-                                          <p:stCondLst>
-                                            <p:cond delay="0"/>
-                                          </p:stCondLst>
-                                        </p:cTn>
-                                        <p:tgtEl>
-                                          <p:spTgt spid="259">
-                                            <p:txEl>
-                                              <p:pRg st="10" end="10"/>
-                                            </p:txEl>
-                                          </p:spTgt>
-                                        </p:tgtEl>
-                                        <p:attrNameLst>
-                                          <p:attrName>style.visibility</p:attrName>
-                                        </p:attrNameLst>
-                                      </p:cBhvr>
-                                      <p:to>
-                                        <p:strVal val="visible"/>
-                                      </p:to>
-                                    </p:set>
-                                  </p:childTnLst>
-                                </p:cTn>
-                              </p:par>
-                            </p:childTnLst>
-                          </p:cTn>
-                        </p:par>
-                      </p:childTnLst>
-                    </p:cTn>
-                  </p:par>
-                  <p:par>
-                    <p:cTn id="43" fill="hold">
-                      <p:stCondLst>
-                        <p:cond delay="indefinite"/>
-                      </p:stCondLst>
-                      <p:childTnLst>
-                        <p:par>
-                          <p:cTn id="44" fill="hold">
-                            <p:stCondLst>
-                              <p:cond delay="0"/>
-                            </p:stCondLst>
-                            <p:childTnLst>
-                              <p:par>
-                                <p:cTn id="45" presetID="1" presetClass="entr" presetSubtype="0" fill="hold" nodeType="clickEffect">
-                                  <p:stCondLst>
-                                    <p:cond delay="0"/>
-                                  </p:stCondLst>
-                                  <p:childTnLst>
-                                    <p:set>
-                                      <p:cBhvr>
-                                        <p:cTn id="46" dur="1" fill="hold">
-                                          <p:stCondLst>
-                                            <p:cond delay="0"/>
-                                          </p:stCondLst>
-                                        </p:cTn>
-                                        <p:tgtEl>
-                                          <p:spTgt spid="259">
-                                            <p:txEl>
-                                              <p:pRg st="11" end="11"/>
-                                            </p:txEl>
-                                          </p:spTgt>
-                                        </p:tgtEl>
-                                        <p:attrNameLst>
-                                          <p:attrName>style.visibility</p:attrName>
-                                        </p:attrNameLst>
-                                      </p:cBhvr>
-                                      <p:to>
-                                        <p:strVal val="visible"/>
-                                      </p:to>
-                                    </p:set>
-                                  </p:childTnLst>
-                                </p:cTn>
-                              </p:par>
-                            </p:childTnLst>
-                          </p:cTn>
-                        </p:par>
-                      </p:childTnLst>
-                    </p:cTn>
-                  </p:par>
-                  <p:par>
-                    <p:cTn id="47" fill="hold">
-                      <p:stCondLst>
-                        <p:cond delay="indefinite"/>
-                      </p:stCondLst>
-                      <p:childTnLst>
-                        <p:par>
-                          <p:cTn id="48" fill="hold">
-                            <p:stCondLst>
-                              <p:cond delay="0"/>
-                            </p:stCondLst>
-                            <p:childTnLst>
-                              <p:par>
-                                <p:cTn id="49" presetID="1" presetClass="entr" presetSubtype="0" fill="hold" nodeType="clickEffect">
-                                  <p:stCondLst>
-                                    <p:cond delay="0"/>
-                                  </p:stCondLst>
-                                  <p:childTnLst>
-                                    <p:set>
-                                      <p:cBhvr>
-                                        <p:cTn id="50" dur="1" fill="hold">
-                                          <p:stCondLst>
-                                            <p:cond delay="0"/>
-                                          </p:stCondLst>
-                                        </p:cTn>
-                                        <p:tgtEl>
-                                          <p:spTgt spid="259">
-                                            <p:txEl>
-                                              <p:pRg st="12" end="12"/>
-                                            </p:txEl>
-                                          </p:spTgt>
-                                        </p:tgtEl>
-                                        <p:attrNameLst>
-                                          <p:attrName>style.visibility</p:attrName>
-                                        </p:attrNameLst>
-                                      </p:cBhvr>
-                                      <p:to>
-                                        <p:strVal val="visible"/>
-                                      </p:to>
-                                    </p:set>
-                                  </p:childTnLst>
-                                </p:cTn>
-                              </p:par>
-                            </p:childTnLst>
-                          </p:cTn>
-                        </p:par>
-                      </p:childTnLst>
-                    </p:cTn>
-                  </p:par>
-                  <p:par>
-                    <p:cTn id="51" fill="hold">
-                      <p:stCondLst>
-                        <p:cond delay="indefinite"/>
-                      </p:stCondLst>
-                      <p:childTnLst>
-                        <p:par>
-                          <p:cTn id="52" fill="hold">
-                            <p:stCondLst>
-                              <p:cond delay="0"/>
-                            </p:stCondLst>
-                            <p:childTnLst>
-                              <p:par>
-                                <p:cTn id="53" presetID="1" presetClass="entr" presetSubtype="0" fill="hold" nodeType="clickEffect">
-                                  <p:stCondLst>
-                                    <p:cond delay="0"/>
-                                  </p:stCondLst>
-                                  <p:childTnLst>
-                                    <p:set>
-                                      <p:cBhvr>
-                                        <p:cTn id="54" dur="1" fill="hold">
-                                          <p:stCondLst>
-                                            <p:cond delay="0"/>
-                                          </p:stCondLst>
-                                        </p:cTn>
-                                        <p:tgtEl>
-                                          <p:spTgt spid="259">
-                                            <p:txEl>
-                                              <p:pRg st="13" end="13"/>
-                                            </p:txEl>
-                                          </p:spTgt>
-                                        </p:tgtEl>
-                                        <p:attrNameLst>
-                                          <p:attrName>style.visibility</p:attrName>
-                                        </p:attrNameLst>
-                                      </p:cBhvr>
-                                      <p:to>
-                                        <p:strVal val="visible"/>
-                                      </p:to>
-                                    </p:set>
-                                  </p:childTnLst>
-                                </p:cTn>
-                              </p:par>
-                            </p:childTnLst>
-                          </p:cTn>
-                        </p:par>
-                      </p:childTnLst>
-                    </p:cTn>
-                  </p:par>
-                  <p:par>
-                    <p:cTn id="55" fill="hold">
-                      <p:stCondLst>
-                        <p:cond delay="indefinite"/>
-                      </p:stCondLst>
-                      <p:childTnLst>
-                        <p:par>
-                          <p:cTn id="56" fill="hold">
-                            <p:stCondLst>
-                              <p:cond delay="0"/>
-                            </p:stCondLst>
-                            <p:childTnLst>
-                              <p:par>
-                                <p:cTn id="57" presetID="1" presetClass="entr" presetSubtype="0" fill="hold" nodeType="clickEffect">
-                                  <p:stCondLst>
-                                    <p:cond delay="0"/>
-                                  </p:stCondLst>
-                                  <p:childTnLst>
-                                    <p:set>
-                                      <p:cBhvr>
-                                        <p:cTn id="58" dur="1" fill="hold">
-                                          <p:stCondLst>
-                                            <p:cond delay="0"/>
-                                          </p:stCondLst>
-                                        </p:cTn>
-                                        <p:tgtEl>
-                                          <p:spTgt spid="259">
-                                            <p:txEl>
-                                              <p:pRg st="14" end="14"/>
-                                            </p:txEl>
-                                          </p:spTgt>
-                                        </p:tgtEl>
-                                        <p:attrNameLst>
-                                          <p:attrName>style.visibility</p:attrName>
-                                        </p:attrNameLst>
-                                      </p:cBhvr>
-                                      <p:to>
-                                        <p:strVal val="visible"/>
-                                      </p:to>
-                                    </p:set>
-                                  </p:childTnLst>
-                                </p:cTn>
-                              </p:par>
-                            </p:childTnLst>
-                          </p:cTn>
-                        </p:par>
-                      </p:childTnLst>
-                    </p:cTn>
-                  </p:par>
                 </p:childTnLst>
               </p:cTn>
               <p:prevCondLst>
@@ -30254,10 +29758,10 @@
       </p:sp>
       <p:sp>
         <p:nvSpPr>
-          <p:cNvPr id="5" name="Google Shape;577;p62">
+          <p:cNvPr id="15" name="Google Shape;573;p62">
             <a:extLst>
               <a:ext uri="{FF2B5EF4-FFF2-40B4-BE49-F238E27FC236}">
-                <a16:creationId xmlns:a16="http://schemas.microsoft.com/office/drawing/2014/main" id="{E9A981B3-3B22-1E4C-54DF-6C31B3EA63F3}"/>
+                <a16:creationId xmlns:a16="http://schemas.microsoft.com/office/drawing/2014/main" id="{22ABFEE4-E7D5-B3CE-0A92-A5809222B75E}"/>
               </a:ext>
             </a:extLst>
           </p:cNvPr>
@@ -30266,8 +29770,993 @@
         </p:nvSpPr>
         <p:spPr>
           <a:xfrm>
-            <a:off x="2017153" y="3677408"/>
-            <a:ext cx="1135200" cy="470100"/>
+            <a:off x="5423411" y="2614457"/>
+            <a:ext cx="3235200" cy="2434573"/>
+          </a:xfrm>
+          <a:prstGeom prst="rect">
+            <a:avLst/>
+          </a:prstGeom>
+          <a:noFill/>
+          <a:ln w="9525" cap="flat" cmpd="sng">
+            <a:solidFill>
+              <a:schemeClr val="dk2"/>
+            </a:solidFill>
+            <a:prstDash val="solid"/>
+            <a:round/>
+            <a:headEnd type="none" w="sm" len="sm"/>
+            <a:tailEnd type="none" w="sm" len="sm"/>
+          </a:ln>
+        </p:spPr>
+        <p:txBody>
+          <a:bodyPr spcFirstLastPara="1" wrap="square" lIns="91425" tIns="91425" rIns="91425" bIns="91425" anchor="ctr" anchorCtr="0">
+            <a:noAutofit/>
+          </a:bodyPr>
+          <a:lstStyle/>
+          <a:p>
+            <a:pPr marL="0" lvl="0" indent="0" algn="l" rtl="0">
+              <a:spcBef>
+                <a:spcPts val="0"/>
+              </a:spcBef>
+              <a:spcAft>
+                <a:spcPts val="0"/>
+              </a:spcAft>
+              <a:buNone/>
+            </a:pPr>
+            <a:endParaRPr/>
+          </a:p>
+        </p:txBody>
+      </p:sp>
+      <p:sp>
+        <p:nvSpPr>
+          <p:cNvPr id="16" name="Google Shape;574;p62">
+            <a:extLst>
+              <a:ext uri="{FF2B5EF4-FFF2-40B4-BE49-F238E27FC236}">
+                <a16:creationId xmlns:a16="http://schemas.microsoft.com/office/drawing/2014/main" id="{CB5C95A8-7FF0-1E82-0141-0F3DED42FC54}"/>
+              </a:ext>
+            </a:extLst>
+          </p:cNvPr>
+          <p:cNvSpPr/>
+          <p:nvPr/>
+        </p:nvSpPr>
+        <p:spPr>
+          <a:xfrm>
+            <a:off x="229511" y="2614458"/>
+            <a:ext cx="3235200" cy="2434572"/>
+          </a:xfrm>
+          <a:prstGeom prst="rect">
+            <a:avLst/>
+          </a:prstGeom>
+          <a:noFill/>
+          <a:ln w="9525" cap="flat" cmpd="sng">
+            <a:solidFill>
+              <a:schemeClr val="dk2"/>
+            </a:solidFill>
+            <a:prstDash val="solid"/>
+            <a:round/>
+            <a:headEnd type="none" w="sm" len="sm"/>
+            <a:tailEnd type="none" w="sm" len="sm"/>
+          </a:ln>
+        </p:spPr>
+        <p:txBody>
+          <a:bodyPr spcFirstLastPara="1" wrap="square" lIns="91425" tIns="91425" rIns="91425" bIns="91425" anchor="ctr" anchorCtr="0">
+            <a:noAutofit/>
+          </a:bodyPr>
+          <a:lstStyle/>
+          <a:p>
+            <a:pPr marL="0" lvl="0" indent="0" algn="l" rtl="0">
+              <a:spcBef>
+                <a:spcPts val="0"/>
+              </a:spcBef>
+              <a:spcAft>
+                <a:spcPts val="0"/>
+              </a:spcAft>
+              <a:buNone/>
+            </a:pPr>
+            <a:endParaRPr/>
+          </a:p>
+        </p:txBody>
+      </p:sp>
+      <p:sp>
+        <p:nvSpPr>
+          <p:cNvPr id="18" name="Google Shape;588;p62">
+            <a:extLst>
+              <a:ext uri="{FF2B5EF4-FFF2-40B4-BE49-F238E27FC236}">
+                <a16:creationId xmlns:a16="http://schemas.microsoft.com/office/drawing/2014/main" id="{6C11D858-45AE-B52A-EA2E-01F250D92861}"/>
+              </a:ext>
+            </a:extLst>
+          </p:cNvPr>
+          <p:cNvSpPr txBox="1"/>
+          <p:nvPr/>
+        </p:nvSpPr>
+        <p:spPr>
+          <a:xfrm>
+            <a:off x="258715" y="2614458"/>
+            <a:ext cx="765299" cy="430858"/>
+          </a:xfrm>
+          <a:prstGeom prst="rect">
+            <a:avLst/>
+          </a:prstGeom>
+          <a:noFill/>
+          <a:ln>
+            <a:noFill/>
+          </a:ln>
+        </p:spPr>
+        <p:txBody>
+          <a:bodyPr spcFirstLastPara="1" wrap="square" lIns="91425" tIns="91425" rIns="91425" bIns="91425" anchor="t" anchorCtr="0">
+            <a:spAutoFit/>
+          </a:bodyPr>
+          <a:lstStyle/>
+          <a:p>
+            <a:pPr marL="0" lvl="0" indent="0" algn="l" rtl="0">
+              <a:spcBef>
+                <a:spcPts val="0"/>
+              </a:spcBef>
+              <a:spcAft>
+                <a:spcPts val="0"/>
+              </a:spcAft>
+              <a:buNone/>
+            </a:pPr>
+            <a:r>
+              <a:rPr lang="en" sz="1600" dirty="0"/>
+              <a:t>Alice</a:t>
+            </a:r>
+            <a:endParaRPr sz="1600" dirty="0"/>
+          </a:p>
+        </p:txBody>
+      </p:sp>
+      <p:sp>
+        <p:nvSpPr>
+          <p:cNvPr id="19" name="Google Shape;589;p62">
+            <a:extLst>
+              <a:ext uri="{FF2B5EF4-FFF2-40B4-BE49-F238E27FC236}">
+                <a16:creationId xmlns:a16="http://schemas.microsoft.com/office/drawing/2014/main" id="{ACED2E7D-E51F-BE49-D1F2-39106A7979D5}"/>
+              </a:ext>
+            </a:extLst>
+          </p:cNvPr>
+          <p:cNvSpPr txBox="1"/>
+          <p:nvPr/>
+        </p:nvSpPr>
+        <p:spPr>
+          <a:xfrm>
+            <a:off x="7893311" y="2667373"/>
+            <a:ext cx="765300" cy="430858"/>
+          </a:xfrm>
+          <a:prstGeom prst="rect">
+            <a:avLst/>
+          </a:prstGeom>
+          <a:noFill/>
+          <a:ln>
+            <a:noFill/>
+          </a:ln>
+        </p:spPr>
+        <p:txBody>
+          <a:bodyPr spcFirstLastPara="1" wrap="square" lIns="91425" tIns="91425" rIns="91425" bIns="91425" anchor="t" anchorCtr="0">
+            <a:spAutoFit/>
+          </a:bodyPr>
+          <a:lstStyle/>
+          <a:p>
+            <a:pPr marL="0" lvl="0" indent="0" algn="r" rtl="0">
+              <a:spcBef>
+                <a:spcPts val="0"/>
+              </a:spcBef>
+              <a:spcAft>
+                <a:spcPts val="0"/>
+              </a:spcAft>
+              <a:buNone/>
+            </a:pPr>
+            <a:r>
+              <a:rPr lang="en" sz="1600" dirty="0"/>
+              <a:t>Bob</a:t>
+            </a:r>
+            <a:endParaRPr sz="1600" dirty="0"/>
+          </a:p>
+        </p:txBody>
+      </p:sp>
+      <p:sp>
+        <p:nvSpPr>
+          <p:cNvPr id="20" name="Google Shape;590;p62">
+            <a:extLst>
+              <a:ext uri="{FF2B5EF4-FFF2-40B4-BE49-F238E27FC236}">
+                <a16:creationId xmlns:a16="http://schemas.microsoft.com/office/drawing/2014/main" id="{3020B04D-2FD6-7B3A-1A1C-6985B2EABAAB}"/>
+              </a:ext>
+            </a:extLst>
+          </p:cNvPr>
+          <p:cNvSpPr txBox="1"/>
+          <p:nvPr/>
+        </p:nvSpPr>
+        <p:spPr>
+          <a:xfrm>
+            <a:off x="3464711" y="2651398"/>
+            <a:ext cx="1958700" cy="708000"/>
+          </a:xfrm>
+          <a:prstGeom prst="rect">
+            <a:avLst/>
+          </a:prstGeom>
+          <a:noFill/>
+          <a:ln>
+            <a:noFill/>
+          </a:ln>
+        </p:spPr>
+        <p:txBody>
+          <a:bodyPr spcFirstLastPara="1" wrap="square" lIns="91425" tIns="91425" rIns="91425" bIns="91425" anchor="t" anchorCtr="0">
+            <a:spAutoFit/>
+          </a:bodyPr>
+          <a:lstStyle/>
+          <a:p>
+            <a:pPr marL="0" lvl="0" indent="0" algn="ctr" rtl="0">
+              <a:spcBef>
+                <a:spcPts val="0"/>
+              </a:spcBef>
+              <a:spcAft>
+                <a:spcPts val="0"/>
+              </a:spcAft>
+              <a:buNone/>
+            </a:pPr>
+            <a:r>
+              <a:rPr lang="en" dirty="0"/>
+              <a:t>Insecure Channel</a:t>
+            </a:r>
+            <a:endParaRPr dirty="0"/>
+          </a:p>
+        </p:txBody>
+      </p:sp>
+      <p:grpSp>
+        <p:nvGrpSpPr>
+          <p:cNvPr id="30" name="Group 29">
+            <a:extLst>
+              <a:ext uri="{FF2B5EF4-FFF2-40B4-BE49-F238E27FC236}">
+                <a16:creationId xmlns:a16="http://schemas.microsoft.com/office/drawing/2014/main" id="{6CCCEB41-1D84-5C76-0C78-B0C4B7B3EAD8}"/>
+              </a:ext>
+            </a:extLst>
+          </p:cNvPr>
+          <p:cNvGrpSpPr/>
+          <p:nvPr/>
+        </p:nvGrpSpPr>
+        <p:grpSpPr>
+          <a:xfrm>
+            <a:off x="3153158" y="3338569"/>
+            <a:ext cx="2408048" cy="470100"/>
+            <a:chOff x="3192758" y="2539369"/>
+            <a:chExt cx="2408048" cy="470100"/>
+          </a:xfrm>
+        </p:grpSpPr>
+        <p:sp>
+          <p:nvSpPr>
+            <p:cNvPr id="7" name="Google Shape;580;p62">
+              <a:extLst>
+                <a:ext uri="{FF2B5EF4-FFF2-40B4-BE49-F238E27FC236}">
+                  <a16:creationId xmlns:a16="http://schemas.microsoft.com/office/drawing/2014/main" id="{70866F55-03C2-0690-D9F7-C02A0FE2ECD9}"/>
+                </a:ext>
+              </a:extLst>
+            </p:cNvPr>
+            <p:cNvSpPr/>
+            <p:nvPr/>
+          </p:nvSpPr>
+          <p:spPr>
+            <a:xfrm>
+              <a:off x="3903305" y="2539369"/>
+              <a:ext cx="1135200" cy="470100"/>
+            </a:xfrm>
+            <a:prstGeom prst="rect">
+              <a:avLst/>
+            </a:prstGeom>
+            <a:solidFill>
+              <a:schemeClr val="lt2"/>
+            </a:solidFill>
+            <a:ln w="9525" cap="flat" cmpd="sng">
+              <a:solidFill>
+                <a:schemeClr val="dk2"/>
+              </a:solidFill>
+              <a:prstDash val="solid"/>
+              <a:round/>
+              <a:headEnd type="none" w="sm" len="sm"/>
+              <a:tailEnd type="none" w="sm" len="sm"/>
+            </a:ln>
+          </p:spPr>
+          <p:txBody>
+            <a:bodyPr spcFirstLastPara="1" wrap="square" lIns="91425" tIns="91425" rIns="91425" bIns="91425" anchor="ctr" anchorCtr="0">
+              <a:noAutofit/>
+            </a:bodyPr>
+            <a:lstStyle/>
+            <a:p>
+              <a:pPr marL="0" lvl="0" indent="0" algn="ctr" rtl="0">
+                <a:spcBef>
+                  <a:spcPts val="0"/>
+                </a:spcBef>
+                <a:spcAft>
+                  <a:spcPts val="0"/>
+                </a:spcAft>
+                <a:buNone/>
+              </a:pPr>
+              <a:r>
+                <a:rPr lang="en" dirty="0"/>
+                <a:t>C2</a:t>
+              </a:r>
+              <a:endParaRPr dirty="0"/>
+            </a:p>
+          </p:txBody>
+        </p:sp>
+        <p:cxnSp>
+          <p:nvCxnSpPr>
+            <p:cNvPr id="9" name="Google Shape;582;p62">
+              <a:extLst>
+                <a:ext uri="{FF2B5EF4-FFF2-40B4-BE49-F238E27FC236}">
+                  <a16:creationId xmlns:a16="http://schemas.microsoft.com/office/drawing/2014/main" id="{BA58AD37-6896-A4DB-CDE4-A4E0A06713DE}"/>
+                </a:ext>
+              </a:extLst>
+            </p:cNvPr>
+            <p:cNvCxnSpPr>
+              <a:cxnSpLocks/>
+              <a:stCxn id="7" idx="3"/>
+              <a:endCxn id="34" idx="1"/>
+            </p:cNvCxnSpPr>
+            <p:nvPr/>
+          </p:nvCxnSpPr>
+          <p:spPr>
+            <a:xfrm flipV="1">
+              <a:off x="5038505" y="2771139"/>
+              <a:ext cx="562301" cy="3280"/>
+            </a:xfrm>
+            <a:prstGeom prst="straightConnector1">
+              <a:avLst/>
+            </a:prstGeom>
+            <a:noFill/>
+            <a:ln w="9525" cap="flat" cmpd="sng">
+              <a:solidFill>
+                <a:schemeClr val="tx1"/>
+              </a:solidFill>
+              <a:prstDash val="solid"/>
+              <a:round/>
+              <a:headEnd type="none" w="med" len="med"/>
+              <a:tailEnd type="triangle" w="med" len="med"/>
+            </a:ln>
+          </p:spPr>
+        </p:cxnSp>
+        <p:cxnSp>
+          <p:nvCxnSpPr>
+            <p:cNvPr id="32" name="Google Shape;581;p62">
+              <a:extLst>
+                <a:ext uri="{FF2B5EF4-FFF2-40B4-BE49-F238E27FC236}">
+                  <a16:creationId xmlns:a16="http://schemas.microsoft.com/office/drawing/2014/main" id="{9017F904-AFF0-064D-216C-309A09366B04}"/>
+                </a:ext>
+              </a:extLst>
+            </p:cNvPr>
+            <p:cNvCxnSpPr>
+              <a:cxnSpLocks/>
+              <a:stCxn id="28" idx="3"/>
+              <a:endCxn id="7" idx="1"/>
+            </p:cNvCxnSpPr>
+            <p:nvPr/>
+          </p:nvCxnSpPr>
+          <p:spPr>
+            <a:xfrm flipV="1">
+              <a:off x="3192758" y="2774419"/>
+              <a:ext cx="670947" cy="4163"/>
+            </a:xfrm>
+            <a:prstGeom prst="straightConnector1">
+              <a:avLst/>
+            </a:prstGeom>
+            <a:noFill/>
+            <a:ln w="9525" cap="flat" cmpd="sng">
+              <a:solidFill>
+                <a:schemeClr val="tx1"/>
+              </a:solidFill>
+              <a:prstDash val="solid"/>
+              <a:round/>
+              <a:headEnd type="none" w="med" len="med"/>
+              <a:tailEnd type="triangle" w="med" len="med"/>
+            </a:ln>
+          </p:spPr>
+        </p:cxnSp>
+      </p:grpSp>
+      <p:grpSp>
+        <p:nvGrpSpPr>
+          <p:cNvPr id="6" name="Group 5">
+            <a:extLst>
+              <a:ext uri="{FF2B5EF4-FFF2-40B4-BE49-F238E27FC236}">
+                <a16:creationId xmlns:a16="http://schemas.microsoft.com/office/drawing/2014/main" id="{94F3FE16-7EF5-17CB-5313-4CA9742B65C1}"/>
+              </a:ext>
+            </a:extLst>
+          </p:cNvPr>
+          <p:cNvGrpSpPr/>
+          <p:nvPr/>
+        </p:nvGrpSpPr>
+        <p:grpSpPr>
+          <a:xfrm>
+            <a:off x="3112753" y="4476608"/>
+            <a:ext cx="2665941" cy="470100"/>
+            <a:chOff x="3152353" y="3677408"/>
+            <a:chExt cx="2665941" cy="470100"/>
+          </a:xfrm>
+        </p:grpSpPr>
+        <p:cxnSp>
+          <p:nvCxnSpPr>
+            <p:cNvPr id="8" name="Google Shape;581;p62">
+              <a:extLst>
+                <a:ext uri="{FF2B5EF4-FFF2-40B4-BE49-F238E27FC236}">
+                  <a16:creationId xmlns:a16="http://schemas.microsoft.com/office/drawing/2014/main" id="{CF1E875B-D59C-373A-72A4-47E0DB095EA3}"/>
+                </a:ext>
+              </a:extLst>
+            </p:cNvPr>
+            <p:cNvCxnSpPr>
+              <a:cxnSpLocks/>
+              <a:stCxn id="5" idx="3"/>
+              <a:endCxn id="31" idx="1"/>
+            </p:cNvCxnSpPr>
+            <p:nvPr/>
+          </p:nvCxnSpPr>
+          <p:spPr>
+            <a:xfrm>
+              <a:off x="3152353" y="3912458"/>
+              <a:ext cx="758524" cy="0"/>
+            </a:xfrm>
+            <a:prstGeom prst="straightConnector1">
+              <a:avLst/>
+            </a:prstGeom>
+            <a:noFill/>
+            <a:ln w="9525" cap="flat" cmpd="sng">
+              <a:solidFill>
+                <a:schemeClr val="tx1"/>
+              </a:solidFill>
+              <a:prstDash val="solid"/>
+              <a:round/>
+              <a:headEnd type="none" w="med" len="med"/>
+              <a:tailEnd type="triangle" w="med" len="med"/>
+            </a:ln>
+          </p:spPr>
+        </p:cxnSp>
+        <p:sp>
+          <p:nvSpPr>
+            <p:cNvPr id="31" name="Google Shape;580;p62">
+              <a:extLst>
+                <a:ext uri="{FF2B5EF4-FFF2-40B4-BE49-F238E27FC236}">
+                  <a16:creationId xmlns:a16="http://schemas.microsoft.com/office/drawing/2014/main" id="{1BC61A3F-5EB8-E3E0-83BF-25EEE734E3F3}"/>
+                </a:ext>
+              </a:extLst>
+            </p:cNvPr>
+            <p:cNvSpPr/>
+            <p:nvPr/>
+          </p:nvSpPr>
+          <p:spPr>
+            <a:xfrm>
+              <a:off x="3910877" y="3677408"/>
+              <a:ext cx="1135200" cy="470100"/>
+            </a:xfrm>
+            <a:prstGeom prst="rect">
+              <a:avLst/>
+            </a:prstGeom>
+            <a:solidFill>
+              <a:schemeClr val="lt2"/>
+            </a:solidFill>
+            <a:ln w="9525" cap="flat" cmpd="sng">
+              <a:solidFill>
+                <a:schemeClr val="dk2"/>
+              </a:solidFill>
+              <a:prstDash val="solid"/>
+              <a:round/>
+              <a:headEnd type="none" w="sm" len="sm"/>
+              <a:tailEnd type="none" w="sm" len="sm"/>
+            </a:ln>
+          </p:spPr>
+          <p:txBody>
+            <a:bodyPr spcFirstLastPara="1" wrap="square" lIns="91425" tIns="91425" rIns="91425" bIns="91425" anchor="ctr" anchorCtr="0">
+              <a:noAutofit/>
+            </a:bodyPr>
+            <a:lstStyle/>
+            <a:p>
+              <a:pPr marL="0" lvl="0" indent="0" algn="ctr" rtl="0">
+                <a:spcBef>
+                  <a:spcPts val="0"/>
+                </a:spcBef>
+                <a:spcAft>
+                  <a:spcPts val="0"/>
+                </a:spcAft>
+                <a:buNone/>
+              </a:pPr>
+              <a:r>
+                <a:rPr lang="en" dirty="0"/>
+                <a:t>C1</a:t>
+              </a:r>
+              <a:endParaRPr dirty="0"/>
+            </a:p>
+          </p:txBody>
+        </p:sp>
+        <p:cxnSp>
+          <p:nvCxnSpPr>
+            <p:cNvPr id="33" name="Google Shape;582;p62">
+              <a:extLst>
+                <a:ext uri="{FF2B5EF4-FFF2-40B4-BE49-F238E27FC236}">
+                  <a16:creationId xmlns:a16="http://schemas.microsoft.com/office/drawing/2014/main" id="{C3C04A47-F827-621C-DA53-5C923954FCCF}"/>
+                </a:ext>
+              </a:extLst>
+            </p:cNvPr>
+            <p:cNvCxnSpPr>
+              <a:cxnSpLocks/>
+              <a:stCxn id="31" idx="3"/>
+              <a:endCxn id="10" idx="1"/>
+            </p:cNvCxnSpPr>
+            <p:nvPr/>
+          </p:nvCxnSpPr>
+          <p:spPr>
+            <a:xfrm>
+              <a:off x="5046077" y="3912458"/>
+              <a:ext cx="772217" cy="7788"/>
+            </a:xfrm>
+            <a:prstGeom prst="straightConnector1">
+              <a:avLst/>
+            </a:prstGeom>
+            <a:noFill/>
+            <a:ln w="9525" cap="flat" cmpd="sng">
+              <a:solidFill>
+                <a:schemeClr val="tx1"/>
+              </a:solidFill>
+              <a:prstDash val="solid"/>
+              <a:round/>
+              <a:headEnd type="none" w="med" len="med"/>
+              <a:tailEnd type="triangle" w="med" len="med"/>
+            </a:ln>
+          </p:spPr>
+        </p:cxnSp>
+      </p:grpSp>
+      <p:grpSp>
+        <p:nvGrpSpPr>
+          <p:cNvPr id="38" name="Group 37">
+            <a:extLst>
+              <a:ext uri="{FF2B5EF4-FFF2-40B4-BE49-F238E27FC236}">
+                <a16:creationId xmlns:a16="http://schemas.microsoft.com/office/drawing/2014/main" id="{27F21E16-67F7-0427-BAED-A983242F59BF}"/>
+              </a:ext>
+            </a:extLst>
+          </p:cNvPr>
+          <p:cNvGrpSpPr/>
+          <p:nvPr/>
+        </p:nvGrpSpPr>
+        <p:grpSpPr>
+          <a:xfrm>
+            <a:off x="5561206" y="2571750"/>
+            <a:ext cx="2973755" cy="1249655"/>
+            <a:chOff x="5600806" y="1772550"/>
+            <a:chExt cx="2973755" cy="1249655"/>
+          </a:xfrm>
+        </p:grpSpPr>
+        <p:cxnSp>
+          <p:nvCxnSpPr>
+            <p:cNvPr id="11" name="Google Shape;585;p62">
+              <a:extLst>
+                <a:ext uri="{FF2B5EF4-FFF2-40B4-BE49-F238E27FC236}">
+                  <a16:creationId xmlns:a16="http://schemas.microsoft.com/office/drawing/2014/main" id="{D87E8AFF-C83A-99C6-8923-E7F0A92EDF37}"/>
+                </a:ext>
+              </a:extLst>
+            </p:cNvPr>
+            <p:cNvCxnSpPr>
+              <a:cxnSpLocks/>
+              <a:stCxn id="26" idx="2"/>
+              <a:endCxn id="34" idx="0"/>
+            </p:cNvCxnSpPr>
+            <p:nvPr/>
+          </p:nvCxnSpPr>
+          <p:spPr>
+            <a:xfrm>
+              <a:off x="6264594" y="2337071"/>
+              <a:ext cx="2313" cy="183002"/>
+            </a:xfrm>
+            <a:prstGeom prst="straightConnector1">
+              <a:avLst/>
+            </a:prstGeom>
+            <a:noFill/>
+            <a:ln w="9525" cap="flat" cmpd="sng">
+              <a:solidFill>
+                <a:schemeClr val="dk2"/>
+              </a:solidFill>
+              <a:prstDash val="solid"/>
+              <a:round/>
+              <a:headEnd type="none" w="med" len="med"/>
+              <a:tailEnd type="triangle" w="med" len="med"/>
+            </a:ln>
+          </p:spPr>
+        </p:cxnSp>
+        <p:sp>
+          <p:nvSpPr>
+            <p:cNvPr id="12" name="Google Shape;586;p62">
+              <a:extLst>
+                <a:ext uri="{FF2B5EF4-FFF2-40B4-BE49-F238E27FC236}">
+                  <a16:creationId xmlns:a16="http://schemas.microsoft.com/office/drawing/2014/main" id="{C64718AD-064F-B374-A9EA-F9CC018246E8}"/>
+                </a:ext>
+              </a:extLst>
+            </p:cNvPr>
+            <p:cNvSpPr/>
+            <p:nvPr/>
+          </p:nvSpPr>
+          <p:spPr>
+            <a:xfrm>
+              <a:off x="7439361" y="2532990"/>
+              <a:ext cx="1135200" cy="470100"/>
+            </a:xfrm>
+            <a:prstGeom prst="rect">
+              <a:avLst/>
+            </a:prstGeom>
+            <a:solidFill>
+              <a:schemeClr val="lt2"/>
+            </a:solidFill>
+            <a:ln w="9525" cap="flat" cmpd="sng">
+              <a:solidFill>
+                <a:schemeClr val="dk2"/>
+              </a:solidFill>
+              <a:prstDash val="solid"/>
+              <a:round/>
+              <a:headEnd type="none" w="sm" len="sm"/>
+              <a:tailEnd type="none" w="sm" len="sm"/>
+            </a:ln>
+          </p:spPr>
+          <p:txBody>
+            <a:bodyPr spcFirstLastPara="1" wrap="square" lIns="91425" tIns="91425" rIns="91425" bIns="91425" anchor="ctr" anchorCtr="0">
+              <a:noAutofit/>
+            </a:bodyPr>
+            <a:lstStyle/>
+            <a:p>
+              <a:pPr marL="0" lvl="0" indent="0" algn="ctr" rtl="0">
+                <a:spcBef>
+                  <a:spcPts val="0"/>
+                </a:spcBef>
+                <a:spcAft>
+                  <a:spcPts val="0"/>
+                </a:spcAft>
+                <a:buNone/>
+              </a:pPr>
+              <a:r>
+                <a:rPr lang="en" dirty="0"/>
+                <a:t>Key K</a:t>
+              </a:r>
+              <a:endParaRPr dirty="0"/>
+            </a:p>
+          </p:txBody>
+        </p:sp>
+        <p:cxnSp>
+          <p:nvCxnSpPr>
+            <p:cNvPr id="13" name="Google Shape;587;p62">
+              <a:extLst>
+                <a:ext uri="{FF2B5EF4-FFF2-40B4-BE49-F238E27FC236}">
+                  <a16:creationId xmlns:a16="http://schemas.microsoft.com/office/drawing/2014/main" id="{B8F0447F-1520-2037-D373-CA8413DF5E9A}"/>
+                </a:ext>
+              </a:extLst>
+            </p:cNvPr>
+            <p:cNvCxnSpPr>
+              <a:cxnSpLocks/>
+              <a:stCxn id="34" idx="3"/>
+              <a:endCxn id="12" idx="1"/>
+            </p:cNvCxnSpPr>
+            <p:nvPr/>
+          </p:nvCxnSpPr>
+          <p:spPr>
+            <a:xfrm flipV="1">
+              <a:off x="6933007" y="2768040"/>
+              <a:ext cx="506354" cy="3099"/>
+            </a:xfrm>
+            <a:prstGeom prst="straightConnector1">
+              <a:avLst/>
+            </a:prstGeom>
+            <a:noFill/>
+            <a:ln w="9525" cap="flat" cmpd="sng">
+              <a:solidFill>
+                <a:schemeClr val="tx1"/>
+              </a:solidFill>
+              <a:prstDash val="solid"/>
+              <a:round/>
+              <a:headEnd type="none" w="med" len="med"/>
+              <a:tailEnd type="triangle" w="med" len="med"/>
+            </a:ln>
+          </p:spPr>
+        </p:cxnSp>
+        <p:grpSp>
+          <p:nvGrpSpPr>
+            <p:cNvPr id="25" name="Group 24">
+              <a:extLst>
+                <a:ext uri="{FF2B5EF4-FFF2-40B4-BE49-F238E27FC236}">
+                  <a16:creationId xmlns:a16="http://schemas.microsoft.com/office/drawing/2014/main" id="{CAFFD531-268C-2036-601F-26CC1821C639}"/>
+                </a:ext>
+              </a:extLst>
+            </p:cNvPr>
+            <p:cNvGrpSpPr/>
+            <p:nvPr/>
+          </p:nvGrpSpPr>
+          <p:grpSpPr>
+            <a:xfrm>
+              <a:off x="5713898" y="1772550"/>
+              <a:ext cx="904021" cy="564521"/>
+              <a:chOff x="6537714" y="3251105"/>
+              <a:chExt cx="904021" cy="564521"/>
+            </a:xfrm>
+          </p:grpSpPr>
+          <p:sp>
+            <p:nvSpPr>
+              <p:cNvPr id="26" name="Google Shape;576;p62">
+                <a:extLst>
+                  <a:ext uri="{FF2B5EF4-FFF2-40B4-BE49-F238E27FC236}">
+                    <a16:creationId xmlns:a16="http://schemas.microsoft.com/office/drawing/2014/main" id="{DD5C88C9-8112-A046-F678-B71C51E5B556}"/>
+                  </a:ext>
+                </a:extLst>
+              </p:cNvPr>
+              <p:cNvSpPr/>
+              <p:nvPr/>
+            </p:nvSpPr>
+            <p:spPr>
+              <a:xfrm>
+                <a:off x="6735084" y="3415425"/>
+                <a:ext cx="706651" cy="400201"/>
+              </a:xfrm>
+              <a:prstGeom prst="rect">
+                <a:avLst/>
+              </a:prstGeom>
+              <a:solidFill>
+                <a:srgbClr val="FF0000"/>
+              </a:solidFill>
+              <a:ln w="9525" cap="flat" cmpd="sng">
+                <a:solidFill>
+                  <a:schemeClr val="dk2"/>
+                </a:solidFill>
+                <a:prstDash val="solid"/>
+                <a:round/>
+                <a:headEnd type="none" w="sm" len="sm"/>
+                <a:tailEnd type="none" w="sm" len="sm"/>
+              </a:ln>
+            </p:spPr>
+            <p:txBody>
+              <a:bodyPr spcFirstLastPara="1" wrap="square" lIns="91425" tIns="91425" rIns="91425" bIns="91425" anchor="ctr" anchorCtr="0">
+                <a:noAutofit/>
+              </a:bodyPr>
+              <a:lstStyle/>
+              <a:p>
+                <a:pPr marL="0" lvl="0" indent="0" algn="ctr" rtl="0">
+                  <a:spcBef>
+                    <a:spcPts val="0"/>
+                  </a:spcBef>
+                  <a:spcAft>
+                    <a:spcPts val="0"/>
+                  </a:spcAft>
+                  <a:buNone/>
+                </a:pPr>
+                <a:r>
+                  <a:rPr lang="en" sz="1200" dirty="0"/>
+                  <a:t>private key</a:t>
+                </a:r>
+                <a:endParaRPr sz="1200" dirty="0"/>
+              </a:p>
+            </p:txBody>
+          </p:sp>
+          <p:sp>
+            <p:nvSpPr>
+              <p:cNvPr id="27" name="TextBox 26">
+                <a:extLst>
+                  <a:ext uri="{FF2B5EF4-FFF2-40B4-BE49-F238E27FC236}">
+                    <a16:creationId xmlns:a16="http://schemas.microsoft.com/office/drawing/2014/main" id="{AFCCE570-08F4-BED8-340A-0EC8DAC865B8}"/>
+                  </a:ext>
+                </a:extLst>
+              </p:cNvPr>
+              <p:cNvSpPr txBox="1"/>
+              <p:nvPr/>
+            </p:nvSpPr>
+            <p:spPr>
+              <a:xfrm>
+                <a:off x="6537714" y="3251105"/>
+                <a:ext cx="276335" cy="261610"/>
+              </a:xfrm>
+              <a:prstGeom prst="rect">
+                <a:avLst/>
+              </a:prstGeom>
+              <a:noFill/>
+            </p:spPr>
+            <p:txBody>
+              <a:bodyPr wrap="square">
+                <a:spAutoFit/>
+              </a:bodyPr>
+              <a:lstStyle/>
+              <a:p>
+                <a:pPr marL="0" lvl="0" indent="0" algn="ctr" rtl="0">
+                  <a:spcBef>
+                    <a:spcPts val="0"/>
+                  </a:spcBef>
+                  <a:spcAft>
+                    <a:spcPts val="0"/>
+                  </a:spcAft>
+                  <a:buNone/>
+                </a:pPr>
+                <a:r>
+                  <a:rPr lang="en-US" sz="1100" dirty="0">
+                    <a:solidFill>
+                      <a:schemeClr val="tx1"/>
+                    </a:solidFill>
+                  </a:rPr>
+                  <a:t>B</a:t>
+                </a:r>
+              </a:p>
+            </p:txBody>
+          </p:sp>
+        </p:grpSp>
+        <p:sp>
+          <p:nvSpPr>
+            <p:cNvPr id="34" name="Google Shape;583;p62">
+              <a:extLst>
+                <a:ext uri="{FF2B5EF4-FFF2-40B4-BE49-F238E27FC236}">
+                  <a16:creationId xmlns:a16="http://schemas.microsoft.com/office/drawing/2014/main" id="{1C81AAC2-F3FD-41D0-496D-8FC0811B531E}"/>
+                </a:ext>
+              </a:extLst>
+            </p:cNvPr>
+            <p:cNvSpPr/>
+            <p:nvPr/>
+          </p:nvSpPr>
+          <p:spPr>
+            <a:xfrm>
+              <a:off x="5600806" y="2520073"/>
+              <a:ext cx="1332201" cy="502132"/>
+            </a:xfrm>
+            <a:prstGeom prst="rect">
+              <a:avLst/>
+            </a:prstGeom>
+            <a:solidFill>
+              <a:schemeClr val="lt2"/>
+            </a:solidFill>
+            <a:ln w="9525" cap="flat" cmpd="sng">
+              <a:solidFill>
+                <a:schemeClr val="dk2"/>
+              </a:solidFill>
+              <a:prstDash val="solid"/>
+              <a:round/>
+              <a:headEnd type="none" w="sm" len="sm"/>
+              <a:tailEnd type="none" w="sm" len="sm"/>
+            </a:ln>
+          </p:spPr>
+          <p:txBody>
+            <a:bodyPr spcFirstLastPara="1" wrap="square" lIns="91425" tIns="91425" rIns="91425" bIns="91425" anchor="ctr" anchorCtr="0">
+              <a:noAutofit/>
+            </a:bodyPr>
+            <a:lstStyle/>
+            <a:p>
+              <a:pPr marL="0" lvl="0" indent="0" algn="ctr" rtl="0">
+                <a:spcBef>
+                  <a:spcPts val="0"/>
+                </a:spcBef>
+                <a:spcAft>
+                  <a:spcPts val="0"/>
+                </a:spcAft>
+                <a:buNone/>
+              </a:pPr>
+              <a:r>
+                <a:rPr lang="en" dirty="0"/>
+                <a:t>Asymmetric decryption</a:t>
+              </a:r>
+              <a:endParaRPr dirty="0"/>
+            </a:p>
+          </p:txBody>
+        </p:sp>
+      </p:grpSp>
+      <p:grpSp>
+        <p:nvGrpSpPr>
+          <p:cNvPr id="40" name="Group 39">
+            <a:extLst>
+              <a:ext uri="{FF2B5EF4-FFF2-40B4-BE49-F238E27FC236}">
+                <a16:creationId xmlns:a16="http://schemas.microsoft.com/office/drawing/2014/main" id="{4175139C-BE53-057F-8197-A001118D49EB}"/>
+              </a:ext>
+            </a:extLst>
+          </p:cNvPr>
+          <p:cNvGrpSpPr/>
+          <p:nvPr/>
+        </p:nvGrpSpPr>
+        <p:grpSpPr>
+          <a:xfrm>
+            <a:off x="6913894" y="4484396"/>
+            <a:ext cx="1621067" cy="470100"/>
+            <a:chOff x="6953494" y="3685196"/>
+            <a:chExt cx="1621067" cy="470100"/>
+          </a:xfrm>
+        </p:grpSpPr>
+        <p:sp>
+          <p:nvSpPr>
+            <p:cNvPr id="35" name="Google Shape;586;p62">
+              <a:extLst>
+                <a:ext uri="{FF2B5EF4-FFF2-40B4-BE49-F238E27FC236}">
+                  <a16:creationId xmlns:a16="http://schemas.microsoft.com/office/drawing/2014/main" id="{C86995CF-DF61-5265-CBC6-920BB104B7A7}"/>
+                </a:ext>
+              </a:extLst>
+            </p:cNvPr>
+            <p:cNvSpPr/>
+            <p:nvPr/>
+          </p:nvSpPr>
+          <p:spPr>
+            <a:xfrm>
+              <a:off x="7439361" y="3685196"/>
+              <a:ext cx="1135200" cy="470100"/>
+            </a:xfrm>
+            <a:prstGeom prst="rect">
+              <a:avLst/>
+            </a:prstGeom>
+            <a:solidFill>
+              <a:schemeClr val="lt2"/>
+            </a:solidFill>
+            <a:ln w="9525" cap="flat" cmpd="sng">
+              <a:solidFill>
+                <a:schemeClr val="dk2"/>
+              </a:solidFill>
+              <a:prstDash val="solid"/>
+              <a:round/>
+              <a:headEnd type="none" w="sm" len="sm"/>
+              <a:tailEnd type="none" w="sm" len="sm"/>
+            </a:ln>
+          </p:spPr>
+          <p:txBody>
+            <a:bodyPr spcFirstLastPara="1" wrap="square" lIns="91425" tIns="91425" rIns="91425" bIns="91425" anchor="ctr" anchorCtr="0">
+              <a:noAutofit/>
+            </a:bodyPr>
+            <a:lstStyle/>
+            <a:p>
+              <a:pPr marL="0" lvl="0" indent="0" algn="ctr" rtl="0">
+                <a:spcBef>
+                  <a:spcPts val="0"/>
+                </a:spcBef>
+                <a:spcAft>
+                  <a:spcPts val="0"/>
+                </a:spcAft>
+                <a:buNone/>
+              </a:pPr>
+              <a:r>
+                <a:rPr lang="en"/>
+                <a:t>Plaintext</a:t>
+              </a:r>
+              <a:endParaRPr/>
+            </a:p>
+          </p:txBody>
+        </p:sp>
+        <p:cxnSp>
+          <p:nvCxnSpPr>
+            <p:cNvPr id="36" name="Google Shape;587;p62">
+              <a:extLst>
+                <a:ext uri="{FF2B5EF4-FFF2-40B4-BE49-F238E27FC236}">
+                  <a16:creationId xmlns:a16="http://schemas.microsoft.com/office/drawing/2014/main" id="{01BE2324-46BB-2F01-FE6C-F85238BCC061}"/>
+                </a:ext>
+              </a:extLst>
+            </p:cNvPr>
+            <p:cNvCxnSpPr>
+              <a:cxnSpLocks/>
+              <a:stCxn id="10" idx="3"/>
+              <a:endCxn id="35" idx="1"/>
+            </p:cNvCxnSpPr>
+            <p:nvPr/>
+          </p:nvCxnSpPr>
+          <p:spPr>
+            <a:xfrm>
+              <a:off x="6953494" y="3920246"/>
+              <a:ext cx="485867" cy="0"/>
+            </a:xfrm>
+            <a:prstGeom prst="straightConnector1">
+              <a:avLst/>
+            </a:prstGeom>
+            <a:noFill/>
+            <a:ln w="9525" cap="flat" cmpd="sng">
+              <a:solidFill>
+                <a:schemeClr val="tx1"/>
+              </a:solidFill>
+              <a:prstDash val="solid"/>
+              <a:round/>
+              <a:headEnd type="none" w="med" len="med"/>
+              <a:tailEnd type="triangle" w="med" len="med"/>
+            </a:ln>
+          </p:spPr>
+        </p:cxnSp>
+      </p:grpSp>
+      <p:sp>
+        <p:nvSpPr>
+          <p:cNvPr id="288" name="Google Shape;575;p62">
+            <a:extLst>
+              <a:ext uri="{FF2B5EF4-FFF2-40B4-BE49-F238E27FC236}">
+                <a16:creationId xmlns:a16="http://schemas.microsoft.com/office/drawing/2014/main" id="{521AFC12-6FB4-96E2-BEC4-89AB5DB92130}"/>
+              </a:ext>
+            </a:extLst>
+          </p:cNvPr>
+          <p:cNvSpPr/>
+          <p:nvPr/>
+        </p:nvSpPr>
+        <p:spPr>
+          <a:xfrm>
+            <a:off x="583502" y="4478636"/>
+            <a:ext cx="949896" cy="470100"/>
           </a:xfrm>
           <a:prstGeom prst="rect">
             <a:avLst/>
@@ -30302,334 +30791,18 @@
             </a:pPr>
             <a:r>
               <a:rPr lang="en" dirty="0"/>
-              <a:t>Symmetric encryption</a:t>
+              <a:t>Plaintext</a:t>
             </a:r>
             <a:endParaRPr dirty="0"/>
           </a:p>
         </p:txBody>
       </p:sp>
-      <p:sp>
-        <p:nvSpPr>
-          <p:cNvPr id="7" name="Google Shape;580;p62">
+      <p:grpSp>
+        <p:nvGrpSpPr>
+          <p:cNvPr id="4" name="Group 3">
             <a:extLst>
               <a:ext uri="{FF2B5EF4-FFF2-40B4-BE49-F238E27FC236}">
-                <a16:creationId xmlns:a16="http://schemas.microsoft.com/office/drawing/2014/main" id="{70866F55-03C2-0690-D9F7-C02A0FE2ECD9}"/>
-              </a:ext>
-            </a:extLst>
-          </p:cNvPr>
-          <p:cNvSpPr/>
-          <p:nvPr/>
-        </p:nvSpPr>
-        <p:spPr>
-          <a:xfrm>
-            <a:off x="3903305" y="2539369"/>
-            <a:ext cx="1135200" cy="470100"/>
-          </a:xfrm>
-          <a:prstGeom prst="rect">
-            <a:avLst/>
-          </a:prstGeom>
-          <a:solidFill>
-            <a:schemeClr val="lt2"/>
-          </a:solidFill>
-          <a:ln w="9525" cap="flat" cmpd="sng">
-            <a:solidFill>
-              <a:schemeClr val="dk2"/>
-            </a:solidFill>
-            <a:prstDash val="solid"/>
-            <a:round/>
-            <a:headEnd type="none" w="sm" len="sm"/>
-            <a:tailEnd type="none" w="sm" len="sm"/>
-          </a:ln>
-        </p:spPr>
-        <p:txBody>
-          <a:bodyPr spcFirstLastPara="1" wrap="square" lIns="91425" tIns="91425" rIns="91425" bIns="91425" anchor="ctr" anchorCtr="0">
-            <a:noAutofit/>
-          </a:bodyPr>
-          <a:lstStyle/>
-          <a:p>
-            <a:pPr marL="0" lvl="0" indent="0" algn="ctr" rtl="0">
-              <a:spcBef>
-                <a:spcPts val="0"/>
-              </a:spcBef>
-              <a:spcAft>
-                <a:spcPts val="0"/>
-              </a:spcAft>
-              <a:buNone/>
-            </a:pPr>
-            <a:r>
-              <a:rPr lang="en" dirty="0"/>
-              <a:t>C2</a:t>
-            </a:r>
-            <a:endParaRPr dirty="0"/>
-          </a:p>
-        </p:txBody>
-      </p:sp>
-      <p:cxnSp>
-        <p:nvCxnSpPr>
-          <p:cNvPr id="8" name="Google Shape;581;p62">
-            <a:extLst>
-              <a:ext uri="{FF2B5EF4-FFF2-40B4-BE49-F238E27FC236}">
-                <a16:creationId xmlns:a16="http://schemas.microsoft.com/office/drawing/2014/main" id="{CF1E875B-D59C-373A-72A4-47E0DB095EA3}"/>
-              </a:ext>
-            </a:extLst>
-          </p:cNvPr>
-          <p:cNvCxnSpPr>
-            <a:cxnSpLocks/>
-            <a:stCxn id="5" idx="3"/>
-            <a:endCxn id="31" idx="1"/>
-          </p:cNvCxnSpPr>
-          <p:nvPr/>
-        </p:nvCxnSpPr>
-        <p:spPr>
-          <a:xfrm>
-            <a:off x="3152353" y="3912458"/>
-            <a:ext cx="758524" cy="0"/>
-          </a:xfrm>
-          <a:prstGeom prst="straightConnector1">
-            <a:avLst/>
-          </a:prstGeom>
-          <a:noFill/>
-          <a:ln w="9525" cap="flat" cmpd="sng">
-            <a:solidFill>
-              <a:schemeClr val="tx1"/>
-            </a:solidFill>
-            <a:prstDash val="solid"/>
-            <a:round/>
-            <a:headEnd type="none" w="med" len="med"/>
-            <a:tailEnd type="triangle" w="med" len="med"/>
-          </a:ln>
-        </p:spPr>
-      </p:cxnSp>
-      <p:cxnSp>
-        <p:nvCxnSpPr>
-          <p:cNvPr id="9" name="Google Shape;582;p62">
-            <a:extLst>
-              <a:ext uri="{FF2B5EF4-FFF2-40B4-BE49-F238E27FC236}">
-                <a16:creationId xmlns:a16="http://schemas.microsoft.com/office/drawing/2014/main" id="{BA58AD37-6896-A4DB-CDE4-A4E0A06713DE}"/>
-              </a:ext>
-            </a:extLst>
-          </p:cNvPr>
-          <p:cNvCxnSpPr>
-            <a:cxnSpLocks/>
-            <a:stCxn id="7" idx="3"/>
-            <a:endCxn id="34" idx="1"/>
-          </p:cNvCxnSpPr>
-          <p:nvPr/>
-        </p:nvCxnSpPr>
-        <p:spPr>
-          <a:xfrm flipV="1">
-            <a:off x="5038505" y="2771139"/>
-            <a:ext cx="562301" cy="3280"/>
-          </a:xfrm>
-          <a:prstGeom prst="straightConnector1">
-            <a:avLst/>
-          </a:prstGeom>
-          <a:noFill/>
-          <a:ln w="9525" cap="flat" cmpd="sng">
-            <a:solidFill>
-              <a:schemeClr val="tx1"/>
-            </a:solidFill>
-            <a:prstDash val="solid"/>
-            <a:round/>
-            <a:headEnd type="none" w="med" len="med"/>
-            <a:tailEnd type="triangle" w="med" len="med"/>
-          </a:ln>
-        </p:spPr>
-      </p:cxnSp>
-      <p:sp>
-        <p:nvSpPr>
-          <p:cNvPr id="10" name="Google Shape;583;p62">
-            <a:extLst>
-              <a:ext uri="{FF2B5EF4-FFF2-40B4-BE49-F238E27FC236}">
-                <a16:creationId xmlns:a16="http://schemas.microsoft.com/office/drawing/2014/main" id="{16D7D3DC-D146-1FF2-505B-81E56AD8198C}"/>
-              </a:ext>
-            </a:extLst>
-          </p:cNvPr>
-          <p:cNvSpPr/>
-          <p:nvPr/>
-        </p:nvSpPr>
-        <p:spPr>
-          <a:xfrm>
-            <a:off x="5838695" y="3677408"/>
-            <a:ext cx="1135200" cy="470100"/>
-          </a:xfrm>
-          <a:prstGeom prst="rect">
-            <a:avLst/>
-          </a:prstGeom>
-          <a:solidFill>
-            <a:schemeClr val="lt2"/>
-          </a:solidFill>
-          <a:ln w="9525" cap="flat" cmpd="sng">
-            <a:solidFill>
-              <a:schemeClr val="dk2"/>
-            </a:solidFill>
-            <a:prstDash val="solid"/>
-            <a:round/>
-            <a:headEnd type="none" w="sm" len="sm"/>
-            <a:tailEnd type="none" w="sm" len="sm"/>
-          </a:ln>
-        </p:spPr>
-        <p:txBody>
-          <a:bodyPr spcFirstLastPara="1" wrap="square" lIns="91425" tIns="91425" rIns="91425" bIns="91425" anchor="ctr" anchorCtr="0">
-            <a:noAutofit/>
-          </a:bodyPr>
-          <a:lstStyle/>
-          <a:p>
-            <a:pPr marL="0" lvl="0" indent="0" algn="ctr" rtl="0">
-              <a:spcBef>
-                <a:spcPts val="0"/>
-              </a:spcBef>
-              <a:spcAft>
-                <a:spcPts val="0"/>
-              </a:spcAft>
-              <a:buNone/>
-            </a:pPr>
-            <a:r>
-              <a:rPr lang="en"/>
-              <a:t>Symmetric </a:t>
-            </a:r>
-            <a:r>
-              <a:rPr lang="en" dirty="0"/>
-              <a:t>decryption</a:t>
-            </a:r>
-            <a:endParaRPr dirty="0"/>
-          </a:p>
-        </p:txBody>
-      </p:sp>
-      <p:cxnSp>
-        <p:nvCxnSpPr>
-          <p:cNvPr id="11" name="Google Shape;585;p62">
-            <a:extLst>
-              <a:ext uri="{FF2B5EF4-FFF2-40B4-BE49-F238E27FC236}">
-                <a16:creationId xmlns:a16="http://schemas.microsoft.com/office/drawing/2014/main" id="{D87E8AFF-C83A-99C6-8923-E7F0A92EDF37}"/>
-              </a:ext>
-            </a:extLst>
-          </p:cNvPr>
-          <p:cNvCxnSpPr>
-            <a:cxnSpLocks/>
-            <a:stCxn id="26" idx="2"/>
-            <a:endCxn id="34" idx="0"/>
-          </p:cNvCxnSpPr>
-          <p:nvPr/>
-        </p:nvCxnSpPr>
-        <p:spPr>
-          <a:xfrm>
-            <a:off x="6264594" y="2265071"/>
-            <a:ext cx="2313" cy="255002"/>
-          </a:xfrm>
-          <a:prstGeom prst="straightConnector1">
-            <a:avLst/>
-          </a:prstGeom>
-          <a:noFill/>
-          <a:ln w="9525" cap="flat" cmpd="sng">
-            <a:solidFill>
-              <a:schemeClr val="dk2"/>
-            </a:solidFill>
-            <a:prstDash val="solid"/>
-            <a:round/>
-            <a:headEnd type="none" w="med" len="med"/>
-            <a:tailEnd type="triangle" w="med" len="med"/>
-          </a:ln>
-        </p:spPr>
-      </p:cxnSp>
-      <p:sp>
-        <p:nvSpPr>
-          <p:cNvPr id="12" name="Google Shape;586;p62">
-            <a:extLst>
-              <a:ext uri="{FF2B5EF4-FFF2-40B4-BE49-F238E27FC236}">
-                <a16:creationId xmlns:a16="http://schemas.microsoft.com/office/drawing/2014/main" id="{C64718AD-064F-B374-A9EA-F9CC018246E8}"/>
-              </a:ext>
-            </a:extLst>
-          </p:cNvPr>
-          <p:cNvSpPr/>
-          <p:nvPr/>
-        </p:nvSpPr>
-        <p:spPr>
-          <a:xfrm>
-            <a:off x="7439361" y="2532990"/>
-            <a:ext cx="1135200" cy="470100"/>
-          </a:xfrm>
-          <a:prstGeom prst="rect">
-            <a:avLst/>
-          </a:prstGeom>
-          <a:solidFill>
-            <a:schemeClr val="lt2"/>
-          </a:solidFill>
-          <a:ln w="9525" cap="flat" cmpd="sng">
-            <a:solidFill>
-              <a:schemeClr val="dk2"/>
-            </a:solidFill>
-            <a:prstDash val="solid"/>
-            <a:round/>
-            <a:headEnd type="none" w="sm" len="sm"/>
-            <a:tailEnd type="none" w="sm" len="sm"/>
-          </a:ln>
-        </p:spPr>
-        <p:txBody>
-          <a:bodyPr spcFirstLastPara="1" wrap="square" lIns="91425" tIns="91425" rIns="91425" bIns="91425" anchor="ctr" anchorCtr="0">
-            <a:noAutofit/>
-          </a:bodyPr>
-          <a:lstStyle/>
-          <a:p>
-            <a:pPr marL="0" lvl="0" indent="0" algn="ctr" rtl="0">
-              <a:spcBef>
-                <a:spcPts val="0"/>
-              </a:spcBef>
-              <a:spcAft>
-                <a:spcPts val="0"/>
-              </a:spcAft>
-              <a:buNone/>
-            </a:pPr>
-            <a:r>
-              <a:rPr lang="en" dirty="0"/>
-              <a:t>Key K</a:t>
-            </a:r>
-            <a:endParaRPr dirty="0"/>
-          </a:p>
-        </p:txBody>
-      </p:sp>
-      <p:cxnSp>
-        <p:nvCxnSpPr>
-          <p:cNvPr id="13" name="Google Shape;587;p62">
-            <a:extLst>
-              <a:ext uri="{FF2B5EF4-FFF2-40B4-BE49-F238E27FC236}">
-                <a16:creationId xmlns:a16="http://schemas.microsoft.com/office/drawing/2014/main" id="{B8F0447F-1520-2037-D373-CA8413DF5E9A}"/>
-              </a:ext>
-            </a:extLst>
-          </p:cNvPr>
-          <p:cNvCxnSpPr>
-            <a:cxnSpLocks/>
-            <a:stCxn id="34" idx="3"/>
-            <a:endCxn id="12" idx="1"/>
-          </p:cNvCxnSpPr>
-          <p:nvPr/>
-        </p:nvCxnSpPr>
-        <p:spPr>
-          <a:xfrm flipV="1">
-            <a:off x="6933007" y="2768040"/>
-            <a:ext cx="506354" cy="3099"/>
-          </a:xfrm>
-          <a:prstGeom prst="straightConnector1">
-            <a:avLst/>
-          </a:prstGeom>
-          <a:noFill/>
-          <a:ln w="9525" cap="flat" cmpd="sng">
-            <a:solidFill>
-              <a:schemeClr val="tx1"/>
-            </a:solidFill>
-            <a:prstDash val="solid"/>
-            <a:round/>
-            <a:headEnd type="none" w="med" len="med"/>
-            <a:tailEnd type="triangle" w="med" len="med"/>
-          </a:ln>
-        </p:spPr>
-      </p:cxnSp>
-      <p:grpSp>
-        <p:nvGrpSpPr>
-          <p:cNvPr id="14" name="Group 13">
-            <a:extLst>
-              <a:ext uri="{FF2B5EF4-FFF2-40B4-BE49-F238E27FC236}">
-                <a16:creationId xmlns:a16="http://schemas.microsoft.com/office/drawing/2014/main" id="{D18CBB20-526E-A747-1387-58632747D90C}"/>
+                <a16:creationId xmlns:a16="http://schemas.microsoft.com/office/drawing/2014/main" id="{BDFFF302-DE07-4BFA-2CC0-AA39193437D3}"/>
               </a:ext>
             </a:extLst>
           </p:cNvPr>
@@ -30638,18 +30811,18 @@
         </p:nvGrpSpPr>
         <p:grpSpPr>
           <a:xfrm>
-            <a:off x="269111" y="1679117"/>
-            <a:ext cx="8429100" cy="2719018"/>
-            <a:chOff x="275550" y="3197140"/>
-            <a:chExt cx="8429100" cy="1536936"/>
+            <a:off x="966149" y="3808552"/>
+            <a:ext cx="2146604" cy="1138156"/>
+            <a:chOff x="1005749" y="3009352"/>
+            <a:chExt cx="2146604" cy="1138156"/>
           </a:xfrm>
         </p:grpSpPr>
         <p:sp>
           <p:nvSpPr>
-            <p:cNvPr id="15" name="Google Shape;573;p62">
+            <p:cNvPr id="5" name="Google Shape;577;p62">
               <a:extLst>
                 <a:ext uri="{FF2B5EF4-FFF2-40B4-BE49-F238E27FC236}">
-                  <a16:creationId xmlns:a16="http://schemas.microsoft.com/office/drawing/2014/main" id="{22ABFEE4-E7D5-B3CE-0A92-A5809222B75E}"/>
+                  <a16:creationId xmlns:a16="http://schemas.microsoft.com/office/drawing/2014/main" id="{E9A981B3-3B22-1E4C-54DF-6C31B3EA63F3}"/>
                 </a:ext>
               </a:extLst>
             </p:cNvPr>
@@ -30658,13 +30831,15 @@
           </p:nvSpPr>
           <p:spPr>
             <a:xfrm>
-              <a:off x="5469450" y="3198033"/>
-              <a:ext cx="3235200" cy="1536042"/>
+              <a:off x="2017153" y="3677408"/>
+              <a:ext cx="1135200" cy="470100"/>
             </a:xfrm>
             <a:prstGeom prst="rect">
               <a:avLst/>
             </a:prstGeom>
-            <a:noFill/>
+            <a:solidFill>
+              <a:schemeClr val="lt2"/>
+            </a:solidFill>
             <a:ln w="9525" cap="flat" cmpd="sng">
               <a:solidFill>
                 <a:schemeClr val="dk2"/>
@@ -30681,7 +30856,7 @@
             </a:bodyPr>
             <a:lstStyle/>
             <a:p>
-              <a:pPr marL="0" lvl="0" indent="0" algn="l" rtl="0">
+              <a:pPr marL="0" lvl="0" indent="0" algn="ctr" rtl="0">
                 <a:spcBef>
                   <a:spcPts val="0"/>
                 </a:spcBef>
@@ -30690,60 +30865,126 @@
                 </a:spcAft>
                 <a:buNone/>
               </a:pPr>
-              <a:endParaRPr/>
+              <a:r>
+                <a:rPr lang="en" dirty="0"/>
+                <a:t>Symmetric encryption</a:t>
+              </a:r>
+              <a:endParaRPr dirty="0"/>
             </a:p>
           </p:txBody>
         </p:sp>
-        <p:sp>
-          <p:nvSpPr>
-            <p:cNvPr id="16" name="Google Shape;574;p62">
+        <p:cxnSp>
+          <p:nvCxnSpPr>
+            <p:cNvPr id="59" name="Elbow Connector 58">
               <a:extLst>
                 <a:ext uri="{FF2B5EF4-FFF2-40B4-BE49-F238E27FC236}">
-                  <a16:creationId xmlns:a16="http://schemas.microsoft.com/office/drawing/2014/main" id="{CB5C95A8-7FF0-1E82-0141-0F3DED42FC54}"/>
+                  <a16:creationId xmlns:a16="http://schemas.microsoft.com/office/drawing/2014/main" id="{42D586B8-7FAF-C2EE-1EED-1FC18EC2445C}"/>
                 </a:ext>
               </a:extLst>
             </p:cNvPr>
-            <p:cNvSpPr/>
+            <p:cNvCxnSpPr>
+              <a:cxnSpLocks/>
+              <a:stCxn id="17" idx="2"/>
+              <a:endCxn id="5" idx="0"/>
+            </p:cNvCxnSpPr>
             <p:nvPr/>
-          </p:nvSpPr>
+          </p:nvCxnSpPr>
           <p:spPr>
-            <a:xfrm>
-              <a:off x="275550" y="3198033"/>
-              <a:ext cx="3235200" cy="1536043"/>
+            <a:xfrm rot="16200000" flipH="1">
+              <a:off x="1461223" y="2553878"/>
+              <a:ext cx="668056" cy="1579003"/>
             </a:xfrm>
-            <a:prstGeom prst="rect">
+            <a:prstGeom prst="bentConnector3">
+              <a:avLst>
+                <a:gd name="adj1" fmla="val 50000"/>
+              </a:avLst>
+            </a:prstGeom>
+            <a:ln>
+              <a:tailEnd type="triangle"/>
+            </a:ln>
+          </p:spPr>
+          <p:style>
+            <a:lnRef idx="1">
+              <a:schemeClr val="dk1"/>
+            </a:lnRef>
+            <a:fillRef idx="0">
+              <a:schemeClr val="dk1"/>
+            </a:fillRef>
+            <a:effectRef idx="0">
+              <a:schemeClr val="dk1"/>
+            </a:effectRef>
+            <a:fontRef idx="minor">
+              <a:schemeClr val="tx1"/>
+            </a:fontRef>
+          </p:style>
+        </p:cxnSp>
+        <p:cxnSp>
+          <p:nvCxnSpPr>
+            <p:cNvPr id="299" name="Straight Arrow Connector 298">
+              <a:extLst>
+                <a:ext uri="{FF2B5EF4-FFF2-40B4-BE49-F238E27FC236}">
+                  <a16:creationId xmlns:a16="http://schemas.microsoft.com/office/drawing/2014/main" id="{CF90253E-5D6F-148A-F6E9-6003F35E1178}"/>
+                </a:ext>
+              </a:extLst>
+            </p:cNvPr>
+            <p:cNvCxnSpPr>
+              <a:cxnSpLocks/>
+              <a:stCxn id="288" idx="3"/>
+              <a:endCxn id="5" idx="1"/>
+            </p:cNvCxnSpPr>
+            <p:nvPr/>
+          </p:nvCxnSpPr>
+          <p:spPr>
+            <a:xfrm flipV="1">
+              <a:off x="1572998" y="3912458"/>
+              <a:ext cx="444155" cy="2028"/>
+            </a:xfrm>
+            <a:prstGeom prst="straightConnector1">
               <a:avLst/>
             </a:prstGeom>
-            <a:noFill/>
-            <a:ln w="9525" cap="flat" cmpd="sng">
+            <a:ln>
               <a:solidFill>
-                <a:schemeClr val="dk2"/>
+                <a:schemeClr val="tx1"/>
               </a:solidFill>
-              <a:prstDash val="solid"/>
-              <a:round/>
-              <a:headEnd type="none" w="sm" len="sm"/>
-              <a:tailEnd type="none" w="sm" len="sm"/>
+              <a:tailEnd type="triangle"/>
             </a:ln>
           </p:spPr>
-          <p:txBody>
-            <a:bodyPr spcFirstLastPara="1" wrap="square" lIns="91425" tIns="91425" rIns="91425" bIns="91425" anchor="ctr" anchorCtr="0">
-              <a:noAutofit/>
-            </a:bodyPr>
-            <a:lstStyle/>
-            <a:p>
-              <a:pPr marL="0" lvl="0" indent="0" algn="l" rtl="0">
-                <a:spcBef>
-                  <a:spcPts val="0"/>
-                </a:spcBef>
-                <a:spcAft>
-                  <a:spcPts val="0"/>
-                </a:spcAft>
-                <a:buNone/>
-              </a:pPr>
-              <a:endParaRPr/>
-            </a:p>
-          </p:txBody>
-        </p:sp>
+          <p:style>
+            <a:lnRef idx="1">
+              <a:schemeClr val="accent1"/>
+            </a:lnRef>
+            <a:fillRef idx="0">
+              <a:schemeClr val="accent1"/>
+            </a:fillRef>
+            <a:effectRef idx="0">
+              <a:schemeClr val="accent1"/>
+            </a:effectRef>
+            <a:fontRef idx="minor">
+              <a:schemeClr val="tx1"/>
+            </a:fontRef>
+          </p:style>
+        </p:cxnSp>
+      </p:grpSp>
+      <p:grpSp>
+        <p:nvGrpSpPr>
+          <p:cNvPr id="3" name="Group 2">
+            <a:extLst>
+              <a:ext uri="{FF2B5EF4-FFF2-40B4-BE49-F238E27FC236}">
+                <a16:creationId xmlns:a16="http://schemas.microsoft.com/office/drawing/2014/main" id="{62E9EEAC-BB71-A8D5-96BD-8F11222876A9}"/>
+              </a:ext>
+            </a:extLst>
+          </p:cNvPr>
+          <p:cNvGrpSpPr/>
+          <p:nvPr/>
+        </p:nvGrpSpPr>
+        <p:grpSpPr>
+          <a:xfrm>
+            <a:off x="583502" y="2849508"/>
+            <a:ext cx="911534" cy="959044"/>
+            <a:chOff x="623102" y="2050308"/>
+            <a:chExt cx="911534" cy="959044"/>
+          </a:xfrm>
+        </p:grpSpPr>
         <p:sp>
           <p:nvSpPr>
             <p:cNvPr id="17" name="Google Shape;575;p62">
@@ -30758,8 +30999,8 @@
           </p:nvSpPr>
           <p:spPr>
             <a:xfrm>
-              <a:off x="629541" y="3683335"/>
-              <a:ext cx="765296" cy="265726"/>
+              <a:off x="623102" y="2539252"/>
+              <a:ext cx="765296" cy="470100"/>
             </a:xfrm>
             <a:prstGeom prst="rect">
               <a:avLst/>
@@ -30802,10 +31043,10 @@
         </p:sp>
         <p:sp>
           <p:nvSpPr>
-            <p:cNvPr id="18" name="Google Shape;588;p62">
+            <p:cNvPr id="54" name="TextBox 53">
               <a:extLst>
                 <a:ext uri="{FF2B5EF4-FFF2-40B4-BE49-F238E27FC236}">
-                  <a16:creationId xmlns:a16="http://schemas.microsoft.com/office/drawing/2014/main" id="{6C11D858-45AE-B52A-EA2E-01F250D92861}"/>
+                  <a16:creationId xmlns:a16="http://schemas.microsoft.com/office/drawing/2014/main" id="{D5480C5C-C2E1-DC65-844A-13D47B1D3EEE}"/>
                 </a:ext>
               </a:extLst>
             </p:cNvPr>
@@ -30814,115 +31055,16 @@
           </p:nvSpPr>
           <p:spPr>
             <a:xfrm>
-              <a:off x="304711" y="3197140"/>
-              <a:ext cx="765299" cy="243544"/>
+              <a:off x="670654" y="2050308"/>
+              <a:ext cx="863982" cy="276999"/>
             </a:xfrm>
             <a:prstGeom prst="rect">
               <a:avLst/>
             </a:prstGeom>
             <a:noFill/>
-            <a:ln>
-              <a:noFill/>
-            </a:ln>
           </p:spPr>
           <p:txBody>
-            <a:bodyPr spcFirstLastPara="1" wrap="square" lIns="91425" tIns="91425" rIns="91425" bIns="91425" anchor="t" anchorCtr="0">
-              <a:spAutoFit/>
-            </a:bodyPr>
-            <a:lstStyle/>
-            <a:p>
-              <a:pPr marL="0" lvl="0" indent="0" algn="l" rtl="0">
-                <a:spcBef>
-                  <a:spcPts val="0"/>
-                </a:spcBef>
-                <a:spcAft>
-                  <a:spcPts val="0"/>
-                </a:spcAft>
-                <a:buNone/>
-              </a:pPr>
-              <a:r>
-                <a:rPr lang="en" sz="1600" dirty="0"/>
-                <a:t>Alice</a:t>
-              </a:r>
-              <a:endParaRPr sz="1600" dirty="0"/>
-            </a:p>
-          </p:txBody>
-        </p:sp>
-        <p:sp>
-          <p:nvSpPr>
-            <p:cNvPr id="19" name="Google Shape;589;p62">
-              <a:extLst>
-                <a:ext uri="{FF2B5EF4-FFF2-40B4-BE49-F238E27FC236}">
-                  <a16:creationId xmlns:a16="http://schemas.microsoft.com/office/drawing/2014/main" id="{ACED2E7D-E51F-BE49-D1F2-39106A7979D5}"/>
-                </a:ext>
-              </a:extLst>
-            </p:cNvPr>
-            <p:cNvSpPr txBox="1"/>
-            <p:nvPr/>
-          </p:nvSpPr>
-          <p:spPr>
-            <a:xfrm>
-              <a:off x="7939350" y="3200224"/>
-              <a:ext cx="765300" cy="243544"/>
-            </a:xfrm>
-            <a:prstGeom prst="rect">
-              <a:avLst/>
-            </a:prstGeom>
-            <a:noFill/>
-            <a:ln>
-              <a:noFill/>
-            </a:ln>
-          </p:spPr>
-          <p:txBody>
-            <a:bodyPr spcFirstLastPara="1" wrap="square" lIns="91425" tIns="91425" rIns="91425" bIns="91425" anchor="t" anchorCtr="0">
-              <a:spAutoFit/>
-            </a:bodyPr>
-            <a:lstStyle/>
-            <a:p>
-              <a:pPr marL="0" lvl="0" indent="0" algn="r" rtl="0">
-                <a:spcBef>
-                  <a:spcPts val="0"/>
-                </a:spcBef>
-                <a:spcAft>
-                  <a:spcPts val="0"/>
-                </a:spcAft>
-                <a:buNone/>
-              </a:pPr>
-              <a:r>
-                <a:rPr lang="en" sz="1600" dirty="0"/>
-                <a:t>Bob</a:t>
-              </a:r>
-              <a:endParaRPr sz="1600" dirty="0"/>
-            </a:p>
-          </p:txBody>
-        </p:sp>
-        <p:sp>
-          <p:nvSpPr>
-            <p:cNvPr id="20" name="Google Shape;590;p62">
-              <a:extLst>
-                <a:ext uri="{FF2B5EF4-FFF2-40B4-BE49-F238E27FC236}">
-                  <a16:creationId xmlns:a16="http://schemas.microsoft.com/office/drawing/2014/main" id="{3020B04D-2FD6-7B3A-1A1C-6985B2EABAAB}"/>
-                </a:ext>
-              </a:extLst>
-            </p:cNvPr>
-            <p:cNvSpPr txBox="1"/>
-            <p:nvPr/>
-          </p:nvSpPr>
-          <p:spPr>
-            <a:xfrm>
-              <a:off x="3510750" y="3294975"/>
-              <a:ext cx="1958700" cy="400200"/>
-            </a:xfrm>
-            <a:prstGeom prst="rect">
-              <a:avLst/>
-            </a:prstGeom>
-            <a:noFill/>
-            <a:ln>
-              <a:noFill/>
-            </a:ln>
-          </p:spPr>
-          <p:txBody>
-            <a:bodyPr spcFirstLastPara="1" wrap="square" lIns="91425" tIns="91425" rIns="91425" bIns="91425" anchor="t" anchorCtr="0">
+            <a:bodyPr wrap="square">
               <a:spAutoFit/>
             </a:bodyPr>
             <a:lstStyle/>
@@ -30937,20 +31079,71 @@
                 <a:buNone/>
               </a:pPr>
               <a:r>
-                <a:rPr lang="en" dirty="0"/>
-                <a:t>Insecure Channel</a:t>
+                <a:rPr lang="en-US" sz="1200" dirty="0">
+                  <a:solidFill>
+                    <a:schemeClr val="tx1"/>
+                  </a:solidFill>
+                </a:rPr>
+                <a:t>generate</a:t>
               </a:r>
-              <a:endParaRPr dirty="0"/>
             </a:p>
           </p:txBody>
         </p:sp>
+        <p:cxnSp>
+          <p:nvCxnSpPr>
+            <p:cNvPr id="303" name="Elbow Connector 302">
+              <a:extLst>
+                <a:ext uri="{FF2B5EF4-FFF2-40B4-BE49-F238E27FC236}">
+                  <a16:creationId xmlns:a16="http://schemas.microsoft.com/office/drawing/2014/main" id="{D10175E4-3C33-BDE6-EB8E-E878E5D7AA3E}"/>
+                </a:ext>
+              </a:extLst>
+            </p:cNvPr>
+            <p:cNvCxnSpPr>
+              <a:cxnSpLocks/>
+              <a:stCxn id="18" idx="2"/>
+              <a:endCxn id="17" idx="0"/>
+            </p:cNvCxnSpPr>
+            <p:nvPr/>
+          </p:nvCxnSpPr>
+          <p:spPr>
+            <a:xfrm rot="16200000" flipH="1">
+              <a:off x="696789" y="2230291"/>
+              <a:ext cx="293136" cy="324785"/>
+            </a:xfrm>
+            <a:prstGeom prst="bentConnector3">
+              <a:avLst>
+                <a:gd name="adj1" fmla="val 50000"/>
+              </a:avLst>
+            </a:prstGeom>
+            <a:ln>
+              <a:solidFill>
+                <a:schemeClr val="tx1"/>
+              </a:solidFill>
+              <a:tailEnd type="triangle"/>
+            </a:ln>
+          </p:spPr>
+          <p:style>
+            <a:lnRef idx="1">
+              <a:schemeClr val="accent1"/>
+            </a:lnRef>
+            <a:fillRef idx="0">
+              <a:schemeClr val="accent1"/>
+            </a:fillRef>
+            <a:effectRef idx="0">
+              <a:schemeClr val="accent1"/>
+            </a:effectRef>
+            <a:fontRef idx="minor">
+              <a:schemeClr val="tx1"/>
+            </a:fontRef>
+          </p:style>
+        </p:cxnSp>
       </p:grpSp>
       <p:grpSp>
         <p:nvGrpSpPr>
-          <p:cNvPr id="21" name="Group 20">
+          <p:cNvPr id="39" name="Group 38">
             <a:extLst>
               <a:ext uri="{FF2B5EF4-FFF2-40B4-BE49-F238E27FC236}">
-                <a16:creationId xmlns:a16="http://schemas.microsoft.com/office/drawing/2014/main" id="{0BACFB37-E62A-3BE3-9874-7BDEB31996C2}"/>
+                <a16:creationId xmlns:a16="http://schemas.microsoft.com/office/drawing/2014/main" id="{3986425C-F20D-1A9A-A836-D3A6DDAB3CFB}"/>
               </a:ext>
             </a:extLst>
           </p:cNvPr>
@@ -30959,18 +31152,18 @@
         </p:nvGrpSpPr>
         <p:grpSpPr>
           <a:xfrm>
-            <a:off x="2106195" y="1715109"/>
-            <a:ext cx="854684" cy="553352"/>
-            <a:chOff x="5682567" y="3229349"/>
-            <a:chExt cx="854684" cy="553352"/>
+            <a:off x="5778694" y="3802291"/>
+            <a:ext cx="2188667" cy="1152205"/>
+            <a:chOff x="5818294" y="3802291"/>
+            <a:chExt cx="2188667" cy="1152205"/>
           </a:xfrm>
         </p:grpSpPr>
         <p:sp>
           <p:nvSpPr>
-            <p:cNvPr id="22" name="Google Shape;576;p62">
+            <p:cNvPr id="10" name="Google Shape;583;p62">
               <a:extLst>
                 <a:ext uri="{FF2B5EF4-FFF2-40B4-BE49-F238E27FC236}">
-                  <a16:creationId xmlns:a16="http://schemas.microsoft.com/office/drawing/2014/main" id="{B630CC7C-9CBA-0CFC-9931-11AF32BB725B}"/>
+                  <a16:creationId xmlns:a16="http://schemas.microsoft.com/office/drawing/2014/main" id="{16D7D3DC-D146-1FF2-505B-81E56AD8198C}"/>
                 </a:ext>
               </a:extLst>
             </p:cNvPr>
@@ -30979,14 +31172,14 @@
           </p:nvSpPr>
           <p:spPr>
             <a:xfrm>
-              <a:off x="5874893" y="3382501"/>
-              <a:ext cx="662358" cy="400200"/>
+              <a:off x="5818294" y="4484396"/>
+              <a:ext cx="1135200" cy="470100"/>
             </a:xfrm>
             <a:prstGeom prst="rect">
               <a:avLst/>
             </a:prstGeom>
             <a:solidFill>
-              <a:schemeClr val="accent1"/>
+              <a:schemeClr val="lt2"/>
             </a:solidFill>
             <a:ln w="9525" cap="flat" cmpd="sng">
               <a:solidFill>
@@ -31014,112 +31207,68 @@
                 <a:buNone/>
               </a:pPr>
               <a:r>
-                <a:rPr lang="en" sz="1200" dirty="0">
-                  <a:solidFill>
-                    <a:schemeClr val="tx1"/>
-                  </a:solidFill>
-                </a:rPr>
-                <a:t>public key</a:t>
+                <a:rPr lang="en" dirty="0"/>
+                <a:t>Symmetric decryption</a:t>
               </a:r>
-              <a:endParaRPr sz="1200" dirty="0">
-                <a:solidFill>
-                  <a:schemeClr val="tx1"/>
-                </a:solidFill>
-              </a:endParaRPr>
+              <a:endParaRPr dirty="0"/>
             </a:p>
           </p:txBody>
         </p:sp>
-        <p:sp>
-          <p:nvSpPr>
-            <p:cNvPr id="23" name="TextBox 22">
+        <p:cxnSp>
+          <p:nvCxnSpPr>
+            <p:cNvPr id="326" name="Elbow Connector 325">
               <a:extLst>
                 <a:ext uri="{FF2B5EF4-FFF2-40B4-BE49-F238E27FC236}">
-                  <a16:creationId xmlns:a16="http://schemas.microsoft.com/office/drawing/2014/main" id="{77AA3D10-5687-B1DF-8451-55EE6705BF7F}"/>
+                  <a16:creationId xmlns:a16="http://schemas.microsoft.com/office/drawing/2014/main" id="{645EB167-6AC2-69EA-5715-6FE9D7380F0E}"/>
                 </a:ext>
               </a:extLst>
             </p:cNvPr>
-            <p:cNvSpPr txBox="1"/>
+            <p:cNvCxnSpPr>
+              <a:cxnSpLocks/>
+              <a:stCxn id="12" idx="2"/>
+              <a:endCxn id="10" idx="0"/>
+            </p:cNvCxnSpPr>
             <p:nvPr/>
-          </p:nvSpPr>
+          </p:nvCxnSpPr>
           <p:spPr>
-            <a:xfrm>
-              <a:off x="5682567" y="3229349"/>
-              <a:ext cx="276335" cy="261610"/>
+            <a:xfrm rot="5400000">
+              <a:off x="6855375" y="3332810"/>
+              <a:ext cx="682106" cy="1621067"/>
             </a:xfrm>
-            <a:prstGeom prst="rect">
-              <a:avLst/>
+            <a:prstGeom prst="bentConnector3">
+              <a:avLst>
+                <a:gd name="adj1" fmla="val 50000"/>
+              </a:avLst>
             </a:prstGeom>
-            <a:noFill/>
+            <a:ln>
+              <a:solidFill>
+                <a:schemeClr val="tx1"/>
+              </a:solidFill>
+              <a:tailEnd type="triangle"/>
+            </a:ln>
           </p:spPr>
-          <p:txBody>
-            <a:bodyPr wrap="square">
-              <a:spAutoFit/>
-            </a:bodyPr>
-            <a:lstStyle/>
-            <a:p>
-              <a:pPr marL="0" lvl="0" indent="0" algn="ctr" rtl="0">
-                <a:spcBef>
-                  <a:spcPts val="0"/>
-                </a:spcBef>
-                <a:spcAft>
-                  <a:spcPts val="0"/>
-                </a:spcAft>
-                <a:buNone/>
-              </a:pPr>
-              <a:r>
-                <a:rPr lang="en-US" sz="1100" dirty="0">
-                  <a:solidFill>
-                    <a:schemeClr val="tx1"/>
-                  </a:solidFill>
-                </a:rPr>
-                <a:t>B</a:t>
-              </a:r>
-            </a:p>
-          </p:txBody>
-        </p:sp>
+          <p:style>
+            <a:lnRef idx="1">
+              <a:schemeClr val="accent1"/>
+            </a:lnRef>
+            <a:fillRef idx="0">
+              <a:schemeClr val="accent1"/>
+            </a:fillRef>
+            <a:effectRef idx="0">
+              <a:schemeClr val="accent1"/>
+            </a:effectRef>
+            <a:fontRef idx="minor">
+              <a:schemeClr val="tx1"/>
+            </a:fontRef>
+          </p:style>
+        </p:cxnSp>
       </p:grpSp>
-      <p:cxnSp>
-        <p:nvCxnSpPr>
-          <p:cNvPr id="24" name="Google Shape;585;p62">
+      <p:grpSp>
+        <p:nvGrpSpPr>
+          <p:cNvPr id="29" name="Group 28">
             <a:extLst>
               <a:ext uri="{FF2B5EF4-FFF2-40B4-BE49-F238E27FC236}">
-                <a16:creationId xmlns:a16="http://schemas.microsoft.com/office/drawing/2014/main" id="{B8532F5B-0858-EF57-EA53-373D9D8DC1FF}"/>
-              </a:ext>
-            </a:extLst>
-          </p:cNvPr>
-          <p:cNvCxnSpPr>
-            <a:cxnSpLocks/>
-            <a:stCxn id="22" idx="2"/>
-            <a:endCxn id="28" idx="0"/>
-          </p:cNvCxnSpPr>
-          <p:nvPr/>
-        </p:nvCxnSpPr>
-        <p:spPr>
-          <a:xfrm flipH="1">
-            <a:off x="2625158" y="2268461"/>
-            <a:ext cx="4542" cy="264589"/>
-          </a:xfrm>
-          <a:prstGeom prst="straightConnector1">
-            <a:avLst/>
-          </a:prstGeom>
-          <a:noFill/>
-          <a:ln w="9525" cap="flat" cmpd="sng">
-            <a:solidFill>
-              <a:schemeClr val="dk2"/>
-            </a:solidFill>
-            <a:prstDash val="solid"/>
-            <a:round/>
-            <a:headEnd type="none" w="med" len="med"/>
-            <a:tailEnd type="triangle" w="med" len="med"/>
-          </a:ln>
-        </p:spPr>
-      </p:cxnSp>
-      <p:grpSp>
-        <p:nvGrpSpPr>
-          <p:cNvPr id="25" name="Group 24">
-            <a:extLst>
-              <a:ext uri="{FF2B5EF4-FFF2-40B4-BE49-F238E27FC236}">
-                <a16:creationId xmlns:a16="http://schemas.microsoft.com/office/drawing/2014/main" id="{CAFFD531-268C-2036-601F-26CC1821C639}"/>
+                <a16:creationId xmlns:a16="http://schemas.microsoft.com/office/drawing/2014/main" id="{E0EB21FF-651E-CB37-6CFB-9635BB2BD582}"/>
               </a:ext>
             </a:extLst>
           </p:cNvPr>
@@ -31128,18 +31277,187 @@
         </p:nvGrpSpPr>
         <p:grpSpPr>
           <a:xfrm>
-            <a:off x="5725635" y="1704094"/>
-            <a:ext cx="892284" cy="560977"/>
-            <a:chOff x="6549451" y="3182649"/>
-            <a:chExt cx="892284" cy="560977"/>
+            <a:off x="1348798" y="2571750"/>
+            <a:ext cx="1843960" cy="1230600"/>
+            <a:chOff x="1348798" y="1715109"/>
+            <a:chExt cx="1843960" cy="1288041"/>
           </a:xfrm>
         </p:grpSpPr>
+        <p:grpSp>
+          <p:nvGrpSpPr>
+            <p:cNvPr id="21" name="Group 20">
+              <a:extLst>
+                <a:ext uri="{FF2B5EF4-FFF2-40B4-BE49-F238E27FC236}">
+                  <a16:creationId xmlns:a16="http://schemas.microsoft.com/office/drawing/2014/main" id="{0BACFB37-E62A-3BE3-9874-7BDEB31996C2}"/>
+                </a:ext>
+              </a:extLst>
+            </p:cNvPr>
+            <p:cNvGrpSpPr/>
+            <p:nvPr/>
+          </p:nvGrpSpPr>
+          <p:grpSpPr>
+            <a:xfrm>
+              <a:off x="2106195" y="1715109"/>
+              <a:ext cx="854684" cy="553352"/>
+              <a:chOff x="5682567" y="3229349"/>
+              <a:chExt cx="854684" cy="553352"/>
+            </a:xfrm>
+          </p:grpSpPr>
+          <p:sp>
+            <p:nvSpPr>
+              <p:cNvPr id="22" name="Google Shape;576;p62">
+                <a:extLst>
+                  <a:ext uri="{FF2B5EF4-FFF2-40B4-BE49-F238E27FC236}">
+                    <a16:creationId xmlns:a16="http://schemas.microsoft.com/office/drawing/2014/main" id="{B630CC7C-9CBA-0CFC-9931-11AF32BB725B}"/>
+                  </a:ext>
+                </a:extLst>
+              </p:cNvPr>
+              <p:cNvSpPr/>
+              <p:nvPr/>
+            </p:nvSpPr>
+            <p:spPr>
+              <a:xfrm>
+                <a:off x="5874893" y="3382501"/>
+                <a:ext cx="662358" cy="400200"/>
+              </a:xfrm>
+              <a:prstGeom prst="rect">
+                <a:avLst/>
+              </a:prstGeom>
+              <a:solidFill>
+                <a:schemeClr val="accent1"/>
+              </a:solidFill>
+              <a:ln w="9525" cap="flat" cmpd="sng">
+                <a:solidFill>
+                  <a:schemeClr val="dk2"/>
+                </a:solidFill>
+                <a:prstDash val="solid"/>
+                <a:round/>
+                <a:headEnd type="none" w="sm" len="sm"/>
+                <a:tailEnd type="none" w="sm" len="sm"/>
+              </a:ln>
+            </p:spPr>
+            <p:txBody>
+              <a:bodyPr spcFirstLastPara="1" wrap="square" lIns="91425" tIns="91425" rIns="91425" bIns="91425" anchor="ctr" anchorCtr="0">
+                <a:noAutofit/>
+              </a:bodyPr>
+              <a:lstStyle/>
+              <a:p>
+                <a:pPr marL="0" lvl="0" indent="0" algn="ctr" rtl="0">
+                  <a:spcBef>
+                    <a:spcPts val="0"/>
+                  </a:spcBef>
+                  <a:spcAft>
+                    <a:spcPts val="0"/>
+                  </a:spcAft>
+                  <a:buNone/>
+                </a:pPr>
+                <a:r>
+                  <a:rPr lang="en" sz="1200" dirty="0">
+                    <a:solidFill>
+                      <a:schemeClr val="tx1"/>
+                    </a:solidFill>
+                  </a:rPr>
+                  <a:t>public key</a:t>
+                </a:r>
+                <a:endParaRPr sz="1200" dirty="0">
+                  <a:solidFill>
+                    <a:schemeClr val="tx1"/>
+                  </a:solidFill>
+                </a:endParaRPr>
+              </a:p>
+            </p:txBody>
+          </p:sp>
+          <p:sp>
+            <p:nvSpPr>
+              <p:cNvPr id="23" name="TextBox 22">
+                <a:extLst>
+                  <a:ext uri="{FF2B5EF4-FFF2-40B4-BE49-F238E27FC236}">
+                    <a16:creationId xmlns:a16="http://schemas.microsoft.com/office/drawing/2014/main" id="{77AA3D10-5687-B1DF-8451-55EE6705BF7F}"/>
+                  </a:ext>
+                </a:extLst>
+              </p:cNvPr>
+              <p:cNvSpPr txBox="1"/>
+              <p:nvPr/>
+            </p:nvSpPr>
+            <p:spPr>
+              <a:xfrm>
+                <a:off x="5682567" y="3229349"/>
+                <a:ext cx="276335" cy="261610"/>
+              </a:xfrm>
+              <a:prstGeom prst="rect">
+                <a:avLst/>
+              </a:prstGeom>
+              <a:noFill/>
+            </p:spPr>
+            <p:txBody>
+              <a:bodyPr wrap="square">
+                <a:spAutoFit/>
+              </a:bodyPr>
+              <a:lstStyle/>
+              <a:p>
+                <a:pPr marL="0" lvl="0" indent="0" algn="ctr" rtl="0">
+                  <a:spcBef>
+                    <a:spcPts val="0"/>
+                  </a:spcBef>
+                  <a:spcAft>
+                    <a:spcPts val="0"/>
+                  </a:spcAft>
+                  <a:buNone/>
+                </a:pPr>
+                <a:r>
+                  <a:rPr lang="en-US" sz="1100" dirty="0">
+                    <a:solidFill>
+                      <a:schemeClr val="tx1"/>
+                    </a:solidFill>
+                  </a:rPr>
+                  <a:t>B</a:t>
+                </a:r>
+              </a:p>
+            </p:txBody>
+          </p:sp>
+        </p:grpSp>
+        <p:cxnSp>
+          <p:nvCxnSpPr>
+            <p:cNvPr id="24" name="Google Shape;585;p62">
+              <a:extLst>
+                <a:ext uri="{FF2B5EF4-FFF2-40B4-BE49-F238E27FC236}">
+                  <a16:creationId xmlns:a16="http://schemas.microsoft.com/office/drawing/2014/main" id="{B8532F5B-0858-EF57-EA53-373D9D8DC1FF}"/>
+                </a:ext>
+              </a:extLst>
+            </p:cNvPr>
+            <p:cNvCxnSpPr>
+              <a:cxnSpLocks/>
+              <a:stCxn id="22" idx="2"/>
+              <a:endCxn id="28" idx="0"/>
+            </p:cNvCxnSpPr>
+            <p:nvPr/>
+          </p:nvCxnSpPr>
+          <p:spPr>
+            <a:xfrm flipH="1">
+              <a:off x="2625158" y="2268461"/>
+              <a:ext cx="4542" cy="264589"/>
+            </a:xfrm>
+            <a:prstGeom prst="straightConnector1">
+              <a:avLst/>
+            </a:prstGeom>
+            <a:noFill/>
+            <a:ln w="9525" cap="flat" cmpd="sng">
+              <a:solidFill>
+                <a:schemeClr val="dk2"/>
+              </a:solidFill>
+              <a:prstDash val="solid"/>
+              <a:round/>
+              <a:headEnd type="none" w="med" len="med"/>
+              <a:tailEnd type="triangle" w="med" len="med"/>
+            </a:ln>
+          </p:spPr>
+        </p:cxnSp>
         <p:sp>
           <p:nvSpPr>
-            <p:cNvPr id="26" name="Google Shape;576;p62">
+            <p:cNvPr id="28" name="Google Shape;577;p62">
               <a:extLst>
                 <a:ext uri="{FF2B5EF4-FFF2-40B4-BE49-F238E27FC236}">
-                  <a16:creationId xmlns:a16="http://schemas.microsoft.com/office/drawing/2014/main" id="{DD5C88C9-8112-A046-F678-B71C51E5B556}"/>
+                  <a16:creationId xmlns:a16="http://schemas.microsoft.com/office/drawing/2014/main" id="{B955F819-5E53-A5E2-3A0C-1E777B4586E5}"/>
                 </a:ext>
               </a:extLst>
             </p:cNvPr>
@@ -31148,14 +31466,14 @@
           </p:nvSpPr>
           <p:spPr>
             <a:xfrm>
-              <a:off x="6735084" y="3343425"/>
-              <a:ext cx="706651" cy="400201"/>
+              <a:off x="2057558" y="2533050"/>
+              <a:ext cx="1135200" cy="470100"/>
             </a:xfrm>
             <a:prstGeom prst="rect">
               <a:avLst/>
             </a:prstGeom>
             <a:solidFill>
-              <a:srgbClr val="FF0000"/>
+              <a:schemeClr val="lt2"/>
             </a:solidFill>
             <a:ln w="9525" cap="flat" cmpd="sng">
               <a:solidFill>
@@ -31183,400 +31501,66 @@
                 <a:buNone/>
               </a:pPr>
               <a:r>
-                <a:rPr lang="en" sz="1200" dirty="0"/>
-                <a:t>private key</a:t>
+                <a:rPr lang="en" dirty="0"/>
+                <a:t>Asymmetric encryption</a:t>
               </a:r>
-              <a:endParaRPr sz="1200" dirty="0"/>
+              <a:endParaRPr dirty="0"/>
             </a:p>
           </p:txBody>
         </p:sp>
-        <p:sp>
-          <p:nvSpPr>
-            <p:cNvPr id="27" name="TextBox 26">
+        <p:cxnSp>
+          <p:nvCxnSpPr>
+            <p:cNvPr id="332" name="Straight Arrow Connector 331">
               <a:extLst>
                 <a:ext uri="{FF2B5EF4-FFF2-40B4-BE49-F238E27FC236}">
-                  <a16:creationId xmlns:a16="http://schemas.microsoft.com/office/drawing/2014/main" id="{AFCCE570-08F4-BED8-340A-0EC8DAC865B8}"/>
+                  <a16:creationId xmlns:a16="http://schemas.microsoft.com/office/drawing/2014/main" id="{BB6B9F56-84A2-74EE-40FB-13A0A7E06006}"/>
                 </a:ext>
               </a:extLst>
             </p:cNvPr>
-            <p:cNvSpPr txBox="1"/>
+            <p:cNvCxnSpPr>
+              <a:cxnSpLocks/>
+              <a:stCxn id="17" idx="3"/>
+              <a:endCxn id="28" idx="1"/>
+            </p:cNvCxnSpPr>
             <p:nvPr/>
-          </p:nvSpPr>
+          </p:nvCxnSpPr>
           <p:spPr>
-            <a:xfrm>
-              <a:off x="6549451" y="3182649"/>
-              <a:ext cx="276335" cy="261610"/>
+            <a:xfrm flipV="1">
+              <a:off x="1348798" y="2768100"/>
+              <a:ext cx="708760" cy="6202"/>
             </a:xfrm>
-            <a:prstGeom prst="rect">
+            <a:prstGeom prst="straightConnector1">
               <a:avLst/>
             </a:prstGeom>
-            <a:noFill/>
+            <a:ln>
+              <a:solidFill>
+                <a:schemeClr val="tx1"/>
+              </a:solidFill>
+              <a:tailEnd type="triangle"/>
+            </a:ln>
           </p:spPr>
-          <p:txBody>
-            <a:bodyPr wrap="square">
-              <a:spAutoFit/>
-            </a:bodyPr>
-            <a:lstStyle/>
-            <a:p>
-              <a:pPr marL="0" lvl="0" indent="0" algn="ctr" rtl="0">
-                <a:spcBef>
-                  <a:spcPts val="0"/>
-                </a:spcBef>
-                <a:spcAft>
-                  <a:spcPts val="0"/>
-                </a:spcAft>
-                <a:buNone/>
-              </a:pPr>
-              <a:r>
-                <a:rPr lang="en-US" sz="1100" dirty="0">
-                  <a:solidFill>
-                    <a:schemeClr val="tx1"/>
-                  </a:solidFill>
-                </a:rPr>
-                <a:t>B</a:t>
-              </a:r>
-            </a:p>
-          </p:txBody>
-        </p:sp>
+          <p:style>
+            <a:lnRef idx="1">
+              <a:schemeClr val="accent1"/>
+            </a:lnRef>
+            <a:fillRef idx="0">
+              <a:schemeClr val="accent1"/>
+            </a:fillRef>
+            <a:effectRef idx="0">
+              <a:schemeClr val="accent1"/>
+            </a:effectRef>
+            <a:fontRef idx="minor">
+              <a:schemeClr val="tx1"/>
+            </a:fontRef>
+          </p:style>
+        </p:cxnSp>
       </p:grpSp>
       <p:sp>
         <p:nvSpPr>
-          <p:cNvPr id="28" name="Google Shape;577;p62">
+          <p:cNvPr id="261" name="TextBox 260">
             <a:extLst>
               <a:ext uri="{FF2B5EF4-FFF2-40B4-BE49-F238E27FC236}">
-                <a16:creationId xmlns:a16="http://schemas.microsoft.com/office/drawing/2014/main" id="{B955F819-5E53-A5E2-3A0C-1E777B4586E5}"/>
-              </a:ext>
-            </a:extLst>
-          </p:cNvPr>
-          <p:cNvSpPr/>
-          <p:nvPr/>
-        </p:nvSpPr>
-        <p:spPr>
-          <a:xfrm>
-            <a:off x="2057558" y="2533050"/>
-            <a:ext cx="1135200" cy="470100"/>
-          </a:xfrm>
-          <a:prstGeom prst="rect">
-            <a:avLst/>
-          </a:prstGeom>
-          <a:solidFill>
-            <a:schemeClr val="lt2"/>
-          </a:solidFill>
-          <a:ln w="9525" cap="flat" cmpd="sng">
-            <a:solidFill>
-              <a:schemeClr val="dk2"/>
-            </a:solidFill>
-            <a:prstDash val="solid"/>
-            <a:round/>
-            <a:headEnd type="none" w="sm" len="sm"/>
-            <a:tailEnd type="none" w="sm" len="sm"/>
-          </a:ln>
-        </p:spPr>
-        <p:txBody>
-          <a:bodyPr spcFirstLastPara="1" wrap="square" lIns="91425" tIns="91425" rIns="91425" bIns="91425" anchor="ctr" anchorCtr="0">
-            <a:noAutofit/>
-          </a:bodyPr>
-          <a:lstStyle/>
-          <a:p>
-            <a:pPr marL="0" lvl="0" indent="0" algn="ctr" rtl="0">
-              <a:spcBef>
-                <a:spcPts val="0"/>
-              </a:spcBef>
-              <a:spcAft>
-                <a:spcPts val="0"/>
-              </a:spcAft>
-              <a:buNone/>
-            </a:pPr>
-            <a:r>
-              <a:rPr lang="en" dirty="0"/>
-              <a:t>Asymmetric encryption</a:t>
-            </a:r>
-            <a:endParaRPr dirty="0"/>
-          </a:p>
-        </p:txBody>
-      </p:sp>
-      <p:sp>
-        <p:nvSpPr>
-          <p:cNvPr id="31" name="Google Shape;580;p62">
-            <a:extLst>
-              <a:ext uri="{FF2B5EF4-FFF2-40B4-BE49-F238E27FC236}">
-                <a16:creationId xmlns:a16="http://schemas.microsoft.com/office/drawing/2014/main" id="{1BC61A3F-5EB8-E3E0-83BF-25EEE734E3F3}"/>
-              </a:ext>
-            </a:extLst>
-          </p:cNvPr>
-          <p:cNvSpPr/>
-          <p:nvPr/>
-        </p:nvSpPr>
-        <p:spPr>
-          <a:xfrm>
-            <a:off x="3910877" y="3677408"/>
-            <a:ext cx="1135200" cy="470100"/>
-          </a:xfrm>
-          <a:prstGeom prst="rect">
-            <a:avLst/>
-          </a:prstGeom>
-          <a:solidFill>
-            <a:schemeClr val="lt2"/>
-          </a:solidFill>
-          <a:ln w="9525" cap="flat" cmpd="sng">
-            <a:solidFill>
-              <a:schemeClr val="dk2"/>
-            </a:solidFill>
-            <a:prstDash val="solid"/>
-            <a:round/>
-            <a:headEnd type="none" w="sm" len="sm"/>
-            <a:tailEnd type="none" w="sm" len="sm"/>
-          </a:ln>
-        </p:spPr>
-        <p:txBody>
-          <a:bodyPr spcFirstLastPara="1" wrap="square" lIns="91425" tIns="91425" rIns="91425" bIns="91425" anchor="ctr" anchorCtr="0">
-            <a:noAutofit/>
-          </a:bodyPr>
-          <a:lstStyle/>
-          <a:p>
-            <a:pPr marL="0" lvl="0" indent="0" algn="ctr" rtl="0">
-              <a:spcBef>
-                <a:spcPts val="0"/>
-              </a:spcBef>
-              <a:spcAft>
-                <a:spcPts val="0"/>
-              </a:spcAft>
-              <a:buNone/>
-            </a:pPr>
-            <a:r>
-              <a:rPr lang="en" dirty="0"/>
-              <a:t>C1</a:t>
-            </a:r>
-            <a:endParaRPr dirty="0"/>
-          </a:p>
-        </p:txBody>
-      </p:sp>
-      <p:cxnSp>
-        <p:nvCxnSpPr>
-          <p:cNvPr id="32" name="Google Shape;581;p62">
-            <a:extLst>
-              <a:ext uri="{FF2B5EF4-FFF2-40B4-BE49-F238E27FC236}">
-                <a16:creationId xmlns:a16="http://schemas.microsoft.com/office/drawing/2014/main" id="{9017F904-AFF0-064D-216C-309A09366B04}"/>
-              </a:ext>
-            </a:extLst>
-          </p:cNvPr>
-          <p:cNvCxnSpPr>
-            <a:cxnSpLocks/>
-            <a:stCxn id="28" idx="3"/>
-            <a:endCxn id="7" idx="1"/>
-          </p:cNvCxnSpPr>
-          <p:nvPr/>
-        </p:nvCxnSpPr>
-        <p:spPr>
-          <a:xfrm>
-            <a:off x="3192758" y="2768100"/>
-            <a:ext cx="710547" cy="6319"/>
-          </a:xfrm>
-          <a:prstGeom prst="straightConnector1">
-            <a:avLst/>
-          </a:prstGeom>
-          <a:noFill/>
-          <a:ln w="9525" cap="flat" cmpd="sng">
-            <a:solidFill>
-              <a:schemeClr val="tx1"/>
-            </a:solidFill>
-            <a:prstDash val="solid"/>
-            <a:round/>
-            <a:headEnd type="none" w="med" len="med"/>
-            <a:tailEnd type="triangle" w="med" len="med"/>
-          </a:ln>
-        </p:spPr>
-      </p:cxnSp>
-      <p:cxnSp>
-        <p:nvCxnSpPr>
-          <p:cNvPr id="33" name="Google Shape;582;p62">
-            <a:extLst>
-              <a:ext uri="{FF2B5EF4-FFF2-40B4-BE49-F238E27FC236}">
-                <a16:creationId xmlns:a16="http://schemas.microsoft.com/office/drawing/2014/main" id="{C3C04A47-F827-621C-DA53-5C923954FCCF}"/>
-              </a:ext>
-            </a:extLst>
-          </p:cNvPr>
-          <p:cNvCxnSpPr>
-            <a:cxnSpLocks/>
-            <a:stCxn id="31" idx="3"/>
-            <a:endCxn id="10" idx="1"/>
-          </p:cNvCxnSpPr>
-          <p:nvPr/>
-        </p:nvCxnSpPr>
-        <p:spPr>
-          <a:xfrm>
-            <a:off x="5046077" y="3912458"/>
-            <a:ext cx="792618" cy="0"/>
-          </a:xfrm>
-          <a:prstGeom prst="straightConnector1">
-            <a:avLst/>
-          </a:prstGeom>
-          <a:noFill/>
-          <a:ln w="9525" cap="flat" cmpd="sng">
-            <a:solidFill>
-              <a:schemeClr val="tx1"/>
-            </a:solidFill>
-            <a:prstDash val="solid"/>
-            <a:round/>
-            <a:headEnd type="none" w="med" len="med"/>
-            <a:tailEnd type="triangle" w="med" len="med"/>
-          </a:ln>
-        </p:spPr>
-      </p:cxnSp>
-      <p:sp>
-        <p:nvSpPr>
-          <p:cNvPr id="34" name="Google Shape;583;p62">
-            <a:extLst>
-              <a:ext uri="{FF2B5EF4-FFF2-40B4-BE49-F238E27FC236}">
-                <a16:creationId xmlns:a16="http://schemas.microsoft.com/office/drawing/2014/main" id="{1C81AAC2-F3FD-41D0-496D-8FC0811B531E}"/>
-              </a:ext>
-            </a:extLst>
-          </p:cNvPr>
-          <p:cNvSpPr/>
-          <p:nvPr/>
-        </p:nvSpPr>
-        <p:spPr>
-          <a:xfrm>
-            <a:off x="5600806" y="2520073"/>
-            <a:ext cx="1332201" cy="502132"/>
-          </a:xfrm>
-          <a:prstGeom prst="rect">
-            <a:avLst/>
-          </a:prstGeom>
-          <a:solidFill>
-            <a:schemeClr val="lt2"/>
-          </a:solidFill>
-          <a:ln w="9525" cap="flat" cmpd="sng">
-            <a:solidFill>
-              <a:schemeClr val="dk2"/>
-            </a:solidFill>
-            <a:prstDash val="solid"/>
-            <a:round/>
-            <a:headEnd type="none" w="sm" len="sm"/>
-            <a:tailEnd type="none" w="sm" len="sm"/>
-          </a:ln>
-        </p:spPr>
-        <p:txBody>
-          <a:bodyPr spcFirstLastPara="1" wrap="square" lIns="91425" tIns="91425" rIns="91425" bIns="91425" anchor="ctr" anchorCtr="0">
-            <a:noAutofit/>
-          </a:bodyPr>
-          <a:lstStyle/>
-          <a:p>
-            <a:pPr marL="0" lvl="0" indent="0" algn="ctr" rtl="0">
-              <a:spcBef>
-                <a:spcPts val="0"/>
-              </a:spcBef>
-              <a:spcAft>
-                <a:spcPts val="0"/>
-              </a:spcAft>
-              <a:buNone/>
-            </a:pPr>
-            <a:r>
-              <a:rPr lang="en" dirty="0"/>
-              <a:t>Asymmetric decryption</a:t>
-            </a:r>
-            <a:endParaRPr dirty="0"/>
-          </a:p>
-        </p:txBody>
-      </p:sp>
-      <p:sp>
-        <p:nvSpPr>
-          <p:cNvPr id="35" name="Google Shape;586;p62">
-            <a:extLst>
-              <a:ext uri="{FF2B5EF4-FFF2-40B4-BE49-F238E27FC236}">
-                <a16:creationId xmlns:a16="http://schemas.microsoft.com/office/drawing/2014/main" id="{C86995CF-DF61-5265-CBC6-920BB104B7A7}"/>
-              </a:ext>
-            </a:extLst>
-          </p:cNvPr>
-          <p:cNvSpPr/>
-          <p:nvPr/>
-        </p:nvSpPr>
-        <p:spPr>
-          <a:xfrm>
-            <a:off x="7439361" y="3685196"/>
-            <a:ext cx="1135200" cy="470100"/>
-          </a:xfrm>
-          <a:prstGeom prst="rect">
-            <a:avLst/>
-          </a:prstGeom>
-          <a:solidFill>
-            <a:schemeClr val="lt2"/>
-          </a:solidFill>
-          <a:ln w="9525" cap="flat" cmpd="sng">
-            <a:solidFill>
-              <a:schemeClr val="dk2"/>
-            </a:solidFill>
-            <a:prstDash val="solid"/>
-            <a:round/>
-            <a:headEnd type="none" w="sm" len="sm"/>
-            <a:tailEnd type="none" w="sm" len="sm"/>
-          </a:ln>
-        </p:spPr>
-        <p:txBody>
-          <a:bodyPr spcFirstLastPara="1" wrap="square" lIns="91425" tIns="91425" rIns="91425" bIns="91425" anchor="ctr" anchorCtr="0">
-            <a:noAutofit/>
-          </a:bodyPr>
-          <a:lstStyle/>
-          <a:p>
-            <a:pPr marL="0" lvl="0" indent="0" algn="ctr" rtl="0">
-              <a:spcBef>
-                <a:spcPts val="0"/>
-              </a:spcBef>
-              <a:spcAft>
-                <a:spcPts val="0"/>
-              </a:spcAft>
-              <a:buNone/>
-            </a:pPr>
-            <a:r>
-              <a:rPr lang="en"/>
-              <a:t>Plaintext</a:t>
-            </a:r>
-            <a:endParaRPr/>
-          </a:p>
-        </p:txBody>
-      </p:sp>
-      <p:cxnSp>
-        <p:nvCxnSpPr>
-          <p:cNvPr id="36" name="Google Shape;587;p62">
-            <a:extLst>
-              <a:ext uri="{FF2B5EF4-FFF2-40B4-BE49-F238E27FC236}">
-                <a16:creationId xmlns:a16="http://schemas.microsoft.com/office/drawing/2014/main" id="{01BE2324-46BB-2F01-FE6C-F85238BCC061}"/>
-              </a:ext>
-            </a:extLst>
-          </p:cNvPr>
-          <p:cNvCxnSpPr>
-            <a:cxnSpLocks/>
-            <a:stCxn id="10" idx="3"/>
-            <a:endCxn id="35" idx="1"/>
-          </p:cNvCxnSpPr>
-          <p:nvPr/>
-        </p:nvCxnSpPr>
-        <p:spPr>
-          <a:xfrm>
-            <a:off x="6973895" y="3912458"/>
-            <a:ext cx="465466" cy="7788"/>
-          </a:xfrm>
-          <a:prstGeom prst="straightConnector1">
-            <a:avLst/>
-          </a:prstGeom>
-          <a:noFill/>
-          <a:ln w="9525" cap="flat" cmpd="sng">
-            <a:solidFill>
-              <a:schemeClr val="tx1"/>
-            </a:solidFill>
-            <a:prstDash val="solid"/>
-            <a:round/>
-            <a:headEnd type="none" w="med" len="med"/>
-            <a:tailEnd type="triangle" w="med" len="med"/>
-          </a:ln>
-        </p:spPr>
-      </p:cxnSp>
-      <p:sp>
-        <p:nvSpPr>
-          <p:cNvPr id="54" name="TextBox 53">
-            <a:extLst>
-              <a:ext uri="{FF2B5EF4-FFF2-40B4-BE49-F238E27FC236}">
-                <a16:creationId xmlns:a16="http://schemas.microsoft.com/office/drawing/2014/main" id="{D5480C5C-C2E1-DC65-844A-13D47B1D3EEE}"/>
+                <a16:creationId xmlns:a16="http://schemas.microsoft.com/office/drawing/2014/main" id="{46731382-D604-4710-90DA-EDFB752E41C9}"/>
               </a:ext>
             </a:extLst>
           </p:cNvPr>
@@ -31585,8 +31569,8 @@
         </p:nvSpPr>
         <p:spPr>
           <a:xfrm>
-            <a:off x="670654" y="2050308"/>
-            <a:ext cx="863982" cy="276999"/>
+            <a:off x="36859" y="1336537"/>
+            <a:ext cx="9070282" cy="1092607"/>
           </a:xfrm>
           <a:prstGeom prst="rect">
             <a:avLst/>
@@ -31599,312 +31583,79 @@
           </a:bodyPr>
           <a:lstStyle/>
           <a:p>
-            <a:pPr marL="0" lvl="0" indent="0" algn="ctr" rtl="0">
-              <a:spcBef>
-                <a:spcPts val="0"/>
-              </a:spcBef>
-              <a:spcAft>
-                <a:spcPts val="0"/>
-              </a:spcAft>
-              <a:buNone/>
+            <a:pPr lvl="2" indent="-342900">
+              <a:buSzPts val="1800"/>
+              <a:buChar char="●"/>
             </a:pPr>
             <a:r>
-              <a:rPr lang="en-US" sz="1200" dirty="0">
-                <a:solidFill>
-                  <a:schemeClr val="tx1"/>
-                </a:solidFill>
-              </a:rPr>
-              <a:t>generate</a:t>
+              <a:rPr lang="en" sz="1300" dirty="0"/>
+              <a:t>Alice wants to send a message to Bob</a:t>
+            </a:r>
+          </a:p>
+          <a:p>
+            <a:pPr lvl="2" indent="-342900">
+              <a:buSzPts val="1800"/>
+              <a:buChar char="●"/>
+            </a:pPr>
+            <a:r>
+              <a:rPr lang="en" sz="1300" dirty="0"/>
+              <a:t>Alice chooses / generates a random symmetric key K</a:t>
+            </a:r>
+          </a:p>
+          <a:p>
+            <a:pPr lvl="2" indent="-342900">
+              <a:buSzPts val="1800"/>
+              <a:buChar char="●"/>
+            </a:pPr>
+            <a:r>
+              <a:rPr lang="en" sz="1300" dirty="0"/>
+              <a:t>Alice computes C1 = Enc(K, M) and sends it to Bob (Symmetric encryption)</a:t>
+            </a:r>
+          </a:p>
+          <a:p>
+            <a:pPr lvl="2" indent="-342900">
+              <a:buSzPts val="1800"/>
+              <a:buFont typeface="Arial"/>
+              <a:buChar char="●"/>
+            </a:pPr>
+            <a:r>
+              <a:rPr lang="en" sz="1300" dirty="0"/>
+              <a:t>Alice computes C2 = Enc(</a:t>
+            </a:r>
+            <a:r>
+              <a:rPr lang="en" sz="1300" dirty="0" err="1"/>
+              <a:t>pub_bob</a:t>
+            </a:r>
+            <a:r>
+              <a:rPr lang="en" sz="1300" dirty="0"/>
+              <a:t>, K) and sends it to Bob (Asymmetric encryption)</a:t>
+            </a:r>
+          </a:p>
+          <a:p>
+            <a:pPr lvl="2" indent="-342900">
+              <a:buSzPts val="1800"/>
+              <a:buFont typeface="Arial"/>
+              <a:buChar char="●"/>
+            </a:pPr>
+            <a:r>
+              <a:rPr lang="en" sz="1300" dirty="0"/>
+              <a:t>Bob </a:t>
+            </a:r>
+            <a:r>
+              <a:rPr lang="en" sz="1300" dirty="0" err="1"/>
+              <a:t>recei</a:t>
+            </a:r>
+            <a:r>
+              <a:rPr lang="en-US" sz="1300" dirty="0" err="1"/>
+              <a:t>ve</a:t>
+            </a:r>
+            <a:r>
+              <a:rPr lang="en" sz="1300" dirty="0"/>
+              <a:t>s both messages, uses his private key to decrypt C2 and get K, and then use K to decrypt C1 and get M</a:t>
             </a:r>
           </a:p>
         </p:txBody>
       </p:sp>
-      <p:cxnSp>
-        <p:nvCxnSpPr>
-          <p:cNvPr id="59" name="Elbow Connector 58">
-            <a:extLst>
-              <a:ext uri="{FF2B5EF4-FFF2-40B4-BE49-F238E27FC236}">
-                <a16:creationId xmlns:a16="http://schemas.microsoft.com/office/drawing/2014/main" id="{42D586B8-7FAF-C2EE-1EED-1FC18EC2445C}"/>
-              </a:ext>
-            </a:extLst>
-          </p:cNvPr>
-          <p:cNvCxnSpPr>
-            <a:cxnSpLocks/>
-            <a:stCxn id="17" idx="2"/>
-            <a:endCxn id="5" idx="0"/>
-          </p:cNvCxnSpPr>
-          <p:nvPr/>
-        </p:nvCxnSpPr>
-        <p:spPr>
-          <a:xfrm rot="16200000" flipH="1">
-            <a:off x="1461224" y="2553878"/>
-            <a:ext cx="668055" cy="1579003"/>
-          </a:xfrm>
-          <a:prstGeom prst="bentConnector3">
-            <a:avLst>
-              <a:gd name="adj1" fmla="val 50000"/>
-            </a:avLst>
-          </a:prstGeom>
-          <a:ln>
-            <a:tailEnd type="triangle"/>
-          </a:ln>
-        </p:spPr>
-        <p:style>
-          <a:lnRef idx="1">
-            <a:schemeClr val="dk1"/>
-          </a:lnRef>
-          <a:fillRef idx="0">
-            <a:schemeClr val="dk1"/>
-          </a:fillRef>
-          <a:effectRef idx="0">
-            <a:schemeClr val="dk1"/>
-          </a:effectRef>
-          <a:fontRef idx="minor">
-            <a:schemeClr val="tx1"/>
-          </a:fontRef>
-        </p:style>
-      </p:cxnSp>
-      <p:sp>
-        <p:nvSpPr>
-          <p:cNvPr id="288" name="Google Shape;575;p62">
-            <a:extLst>
-              <a:ext uri="{FF2B5EF4-FFF2-40B4-BE49-F238E27FC236}">
-                <a16:creationId xmlns:a16="http://schemas.microsoft.com/office/drawing/2014/main" id="{521AFC12-6FB4-96E2-BEC4-89AB5DB92130}"/>
-              </a:ext>
-            </a:extLst>
-          </p:cNvPr>
-          <p:cNvSpPr/>
-          <p:nvPr/>
-        </p:nvSpPr>
-        <p:spPr>
-          <a:xfrm>
-            <a:off x="623102" y="3679436"/>
-            <a:ext cx="949896" cy="470100"/>
-          </a:xfrm>
-          <a:prstGeom prst="rect">
-            <a:avLst/>
-          </a:prstGeom>
-          <a:solidFill>
-            <a:schemeClr val="lt2"/>
-          </a:solidFill>
-          <a:ln w="9525" cap="flat" cmpd="sng">
-            <a:solidFill>
-              <a:schemeClr val="dk2"/>
-            </a:solidFill>
-            <a:prstDash val="solid"/>
-            <a:round/>
-            <a:headEnd type="none" w="sm" len="sm"/>
-            <a:tailEnd type="none" w="sm" len="sm"/>
-          </a:ln>
-        </p:spPr>
-        <p:txBody>
-          <a:bodyPr spcFirstLastPara="1" wrap="square" lIns="91425" tIns="91425" rIns="91425" bIns="91425" anchor="ctr" anchorCtr="0">
-            <a:noAutofit/>
-          </a:bodyPr>
-          <a:lstStyle/>
-          <a:p>
-            <a:pPr marL="0" lvl="0" indent="0" algn="ctr" rtl="0">
-              <a:spcBef>
-                <a:spcPts val="0"/>
-              </a:spcBef>
-              <a:spcAft>
-                <a:spcPts val="0"/>
-              </a:spcAft>
-              <a:buNone/>
-            </a:pPr>
-            <a:r>
-              <a:rPr lang="en" dirty="0"/>
-              <a:t>Plaintext</a:t>
-            </a:r>
-            <a:endParaRPr dirty="0"/>
-          </a:p>
-        </p:txBody>
-      </p:sp>
-      <p:cxnSp>
-        <p:nvCxnSpPr>
-          <p:cNvPr id="299" name="Straight Arrow Connector 298">
-            <a:extLst>
-              <a:ext uri="{FF2B5EF4-FFF2-40B4-BE49-F238E27FC236}">
-                <a16:creationId xmlns:a16="http://schemas.microsoft.com/office/drawing/2014/main" id="{CF90253E-5D6F-148A-F6E9-6003F35E1178}"/>
-              </a:ext>
-            </a:extLst>
-          </p:cNvPr>
-          <p:cNvCxnSpPr>
-            <a:cxnSpLocks/>
-            <a:stCxn id="288" idx="3"/>
-            <a:endCxn id="5" idx="1"/>
-          </p:cNvCxnSpPr>
-          <p:nvPr/>
-        </p:nvCxnSpPr>
-        <p:spPr>
-          <a:xfrm flipV="1">
-            <a:off x="1572998" y="3912458"/>
-            <a:ext cx="444155" cy="2028"/>
-          </a:xfrm>
-          <a:prstGeom prst="straightConnector1">
-            <a:avLst/>
-          </a:prstGeom>
-          <a:ln>
-            <a:solidFill>
-              <a:schemeClr val="tx1"/>
-            </a:solidFill>
-            <a:tailEnd type="triangle"/>
-          </a:ln>
-        </p:spPr>
-        <p:style>
-          <a:lnRef idx="1">
-            <a:schemeClr val="accent1"/>
-          </a:lnRef>
-          <a:fillRef idx="0">
-            <a:schemeClr val="accent1"/>
-          </a:fillRef>
-          <a:effectRef idx="0">
-            <a:schemeClr val="accent1"/>
-          </a:effectRef>
-          <a:fontRef idx="minor">
-            <a:schemeClr val="tx1"/>
-          </a:fontRef>
-        </p:style>
-      </p:cxnSp>
-      <p:cxnSp>
-        <p:nvCxnSpPr>
-          <p:cNvPr id="303" name="Elbow Connector 302">
-            <a:extLst>
-              <a:ext uri="{FF2B5EF4-FFF2-40B4-BE49-F238E27FC236}">
-                <a16:creationId xmlns:a16="http://schemas.microsoft.com/office/drawing/2014/main" id="{D10175E4-3C33-BDE6-EB8E-E878E5D7AA3E}"/>
-              </a:ext>
-            </a:extLst>
-          </p:cNvPr>
-          <p:cNvCxnSpPr>
-            <a:stCxn id="18" idx="2"/>
-            <a:endCxn id="17" idx="0"/>
-          </p:cNvCxnSpPr>
-          <p:nvPr/>
-        </p:nvCxnSpPr>
-        <p:spPr>
-          <a:xfrm rot="16200000" flipH="1">
-            <a:off x="628698" y="2162199"/>
-            <a:ext cx="429277" cy="324828"/>
-          </a:xfrm>
-          <a:prstGeom prst="bentConnector3">
-            <a:avLst/>
-          </a:prstGeom>
-          <a:ln>
-            <a:solidFill>
-              <a:schemeClr val="tx1"/>
-            </a:solidFill>
-            <a:tailEnd type="triangle"/>
-          </a:ln>
-        </p:spPr>
-        <p:style>
-          <a:lnRef idx="1">
-            <a:schemeClr val="accent1"/>
-          </a:lnRef>
-          <a:fillRef idx="0">
-            <a:schemeClr val="accent1"/>
-          </a:fillRef>
-          <a:effectRef idx="0">
-            <a:schemeClr val="accent1"/>
-          </a:effectRef>
-          <a:fontRef idx="minor">
-            <a:schemeClr val="tx1"/>
-          </a:fontRef>
-        </p:style>
-      </p:cxnSp>
-      <p:cxnSp>
-        <p:nvCxnSpPr>
-          <p:cNvPr id="326" name="Elbow Connector 325">
-            <a:extLst>
-              <a:ext uri="{FF2B5EF4-FFF2-40B4-BE49-F238E27FC236}">
-                <a16:creationId xmlns:a16="http://schemas.microsoft.com/office/drawing/2014/main" id="{645EB167-6AC2-69EA-5715-6FE9D7380F0E}"/>
-              </a:ext>
-            </a:extLst>
-          </p:cNvPr>
-          <p:cNvCxnSpPr>
-            <a:cxnSpLocks/>
-            <a:stCxn id="12" idx="2"/>
-            <a:endCxn id="10" idx="0"/>
-          </p:cNvCxnSpPr>
-          <p:nvPr/>
-        </p:nvCxnSpPr>
-        <p:spPr>
-          <a:xfrm rot="5400000">
-            <a:off x="6869469" y="2539916"/>
-            <a:ext cx="674318" cy="1600666"/>
-          </a:xfrm>
-          <a:prstGeom prst="bentConnector3">
-            <a:avLst>
-              <a:gd name="adj1" fmla="val 50000"/>
-            </a:avLst>
-          </a:prstGeom>
-          <a:ln>
-            <a:solidFill>
-              <a:schemeClr val="tx1"/>
-            </a:solidFill>
-            <a:tailEnd type="triangle"/>
-          </a:ln>
-        </p:spPr>
-        <p:style>
-          <a:lnRef idx="1">
-            <a:schemeClr val="accent1"/>
-          </a:lnRef>
-          <a:fillRef idx="0">
-            <a:schemeClr val="accent1"/>
-          </a:fillRef>
-          <a:effectRef idx="0">
-            <a:schemeClr val="accent1"/>
-          </a:effectRef>
-          <a:fontRef idx="minor">
-            <a:schemeClr val="tx1"/>
-          </a:fontRef>
-        </p:style>
-      </p:cxnSp>
-      <p:cxnSp>
-        <p:nvCxnSpPr>
-          <p:cNvPr id="332" name="Straight Arrow Connector 331">
-            <a:extLst>
-              <a:ext uri="{FF2B5EF4-FFF2-40B4-BE49-F238E27FC236}">
-                <a16:creationId xmlns:a16="http://schemas.microsoft.com/office/drawing/2014/main" id="{BB6B9F56-84A2-74EE-40FB-13A0A7E06006}"/>
-              </a:ext>
-            </a:extLst>
-          </p:cNvPr>
-          <p:cNvCxnSpPr>
-            <a:cxnSpLocks/>
-            <a:stCxn id="17" idx="3"/>
-            <a:endCxn id="28" idx="1"/>
-          </p:cNvCxnSpPr>
-          <p:nvPr/>
-        </p:nvCxnSpPr>
-        <p:spPr>
-          <a:xfrm flipV="1">
-            <a:off x="1388398" y="2768100"/>
-            <a:ext cx="669160" cy="6202"/>
-          </a:xfrm>
-          <a:prstGeom prst="straightConnector1">
-            <a:avLst/>
-          </a:prstGeom>
-          <a:ln>
-            <a:solidFill>
-              <a:schemeClr val="tx1"/>
-            </a:solidFill>
-            <a:tailEnd type="triangle"/>
-          </a:ln>
-        </p:spPr>
-        <p:style>
-          <a:lnRef idx="1">
-            <a:schemeClr val="accent1"/>
-          </a:lnRef>
-          <a:fillRef idx="0">
-            <a:schemeClr val="accent1"/>
-          </a:fillRef>
-          <a:effectRef idx="0">
-            <a:schemeClr val="accent1"/>
-          </a:effectRef>
-          <a:fontRef idx="minor">
-            <a:schemeClr val="tx1"/>
-          </a:fontRef>
-        </p:style>
-      </p:cxnSp>
     </p:spTree>
     <p:extLst>
       <p:ext uri="{BB962C8B-B14F-4D97-AF65-F5344CB8AC3E}">
@@ -31915,6 +31666,538 @@
   <p:clrMapOvr>
     <a:masterClrMapping/>
   </p:clrMapOvr>
+  <p:timing>
+    <p:tnLst>
+      <p:par>
+        <p:cTn id="1" dur="indefinite" restart="never" nodeType="tmRoot">
+          <p:childTnLst>
+            <p:seq concurrent="1" nextAc="seek">
+              <p:cTn id="2" dur="indefinite" nodeType="mainSeq">
+                <p:childTnLst>
+                  <p:par>
+                    <p:cTn id="3" fill="hold">
+                      <p:stCondLst>
+                        <p:cond delay="indefinite"/>
+                      </p:stCondLst>
+                      <p:childTnLst>
+                        <p:par>
+                          <p:cTn id="4" fill="hold">
+                            <p:stCondLst>
+                              <p:cond delay="0"/>
+                            </p:stCondLst>
+                            <p:childTnLst>
+                              <p:par>
+                                <p:cTn id="5" presetID="1" presetClass="entr" presetSubtype="0" fill="hold" nodeType="clickEffect">
+                                  <p:stCondLst>
+                                    <p:cond delay="0"/>
+                                  </p:stCondLst>
+                                  <p:childTnLst>
+                                    <p:set>
+                                      <p:cBhvr>
+                                        <p:cTn id="6" dur="1" fill="hold">
+                                          <p:stCondLst>
+                                            <p:cond delay="0"/>
+                                          </p:stCondLst>
+                                        </p:cTn>
+                                        <p:tgtEl>
+                                          <p:spTgt spid="3"/>
+                                        </p:tgtEl>
+                                        <p:attrNameLst>
+                                          <p:attrName>style.visibility</p:attrName>
+                                        </p:attrNameLst>
+                                      </p:cBhvr>
+                                      <p:to>
+                                        <p:strVal val="visible"/>
+                                      </p:to>
+                                    </p:set>
+                                  </p:childTnLst>
+                                </p:cTn>
+                              </p:par>
+                              <p:par>
+                                <p:cTn id="7" presetID="1" presetClass="entr" presetSubtype="0" fill="hold" nodeType="withEffect">
+                                  <p:stCondLst>
+                                    <p:cond delay="0"/>
+                                  </p:stCondLst>
+                                  <p:childTnLst>
+                                    <p:set>
+                                      <p:cBhvr>
+                                        <p:cTn id="8" dur="1" fill="hold">
+                                          <p:stCondLst>
+                                            <p:cond delay="0"/>
+                                          </p:stCondLst>
+                                        </p:cTn>
+                                        <p:tgtEl>
+                                          <p:spTgt spid="261">
+                                            <p:txEl>
+                                              <p:pRg st="1" end="1"/>
+                                            </p:txEl>
+                                          </p:spTgt>
+                                        </p:tgtEl>
+                                        <p:attrNameLst>
+                                          <p:attrName>style.visibility</p:attrName>
+                                        </p:attrNameLst>
+                                      </p:cBhvr>
+                                      <p:to>
+                                        <p:strVal val="visible"/>
+                                      </p:to>
+                                    </p:set>
+                                  </p:childTnLst>
+                                </p:cTn>
+                              </p:par>
+                            </p:childTnLst>
+                          </p:cTn>
+                        </p:par>
+                      </p:childTnLst>
+                    </p:cTn>
+                  </p:par>
+                  <p:par>
+                    <p:cTn id="9" fill="hold">
+                      <p:stCondLst>
+                        <p:cond delay="indefinite"/>
+                      </p:stCondLst>
+                      <p:childTnLst>
+                        <p:par>
+                          <p:cTn id="10" fill="hold">
+                            <p:stCondLst>
+                              <p:cond delay="0"/>
+                            </p:stCondLst>
+                            <p:childTnLst>
+                              <p:par>
+                                <p:cTn id="11" presetID="1" presetClass="entr" presetSubtype="0" fill="hold" nodeType="clickEffect">
+                                  <p:stCondLst>
+                                    <p:cond delay="0"/>
+                                  </p:stCondLst>
+                                  <p:childTnLst>
+                                    <p:set>
+                                      <p:cBhvr>
+                                        <p:cTn id="12" dur="1" fill="hold">
+                                          <p:stCondLst>
+                                            <p:cond delay="0"/>
+                                          </p:stCondLst>
+                                        </p:cTn>
+                                        <p:tgtEl>
+                                          <p:spTgt spid="261">
+                                            <p:txEl>
+                                              <p:pRg st="2" end="2"/>
+                                            </p:txEl>
+                                          </p:spTgt>
+                                        </p:tgtEl>
+                                        <p:attrNameLst>
+                                          <p:attrName>style.visibility</p:attrName>
+                                        </p:attrNameLst>
+                                      </p:cBhvr>
+                                      <p:to>
+                                        <p:strVal val="visible"/>
+                                      </p:to>
+                                    </p:set>
+                                  </p:childTnLst>
+                                </p:cTn>
+                              </p:par>
+                              <p:par>
+                                <p:cTn id="13" presetID="1" presetClass="entr" presetSubtype="0" fill="hold" nodeType="withEffect">
+                                  <p:stCondLst>
+                                    <p:cond delay="0"/>
+                                  </p:stCondLst>
+                                  <p:childTnLst>
+                                    <p:set>
+                                      <p:cBhvr>
+                                        <p:cTn id="14" dur="1" fill="hold">
+                                          <p:stCondLst>
+                                            <p:cond delay="0"/>
+                                          </p:stCondLst>
+                                        </p:cTn>
+                                        <p:tgtEl>
+                                          <p:spTgt spid="4"/>
+                                        </p:tgtEl>
+                                        <p:attrNameLst>
+                                          <p:attrName>style.visibility</p:attrName>
+                                        </p:attrNameLst>
+                                      </p:cBhvr>
+                                      <p:to>
+                                        <p:strVal val="visible"/>
+                                      </p:to>
+                                    </p:set>
+                                  </p:childTnLst>
+                                </p:cTn>
+                              </p:par>
+                            </p:childTnLst>
+                          </p:cTn>
+                        </p:par>
+                      </p:childTnLst>
+                    </p:cTn>
+                  </p:par>
+                  <p:par>
+                    <p:cTn id="15" fill="hold">
+                      <p:stCondLst>
+                        <p:cond delay="indefinite"/>
+                      </p:stCondLst>
+                      <p:childTnLst>
+                        <p:par>
+                          <p:cTn id="16" fill="hold">
+                            <p:stCondLst>
+                              <p:cond delay="0"/>
+                            </p:stCondLst>
+                            <p:childTnLst>
+                              <p:par>
+                                <p:cTn id="17" presetID="1" presetClass="entr" presetSubtype="0" fill="hold" nodeType="clickEffect">
+                                  <p:stCondLst>
+                                    <p:cond delay="0"/>
+                                  </p:stCondLst>
+                                  <p:childTnLst>
+                                    <p:set>
+                                      <p:cBhvr>
+                                        <p:cTn id="18" dur="1" fill="hold">
+                                          <p:stCondLst>
+                                            <p:cond delay="0"/>
+                                          </p:stCondLst>
+                                        </p:cTn>
+                                        <p:tgtEl>
+                                          <p:spTgt spid="6"/>
+                                        </p:tgtEl>
+                                        <p:attrNameLst>
+                                          <p:attrName>style.visibility</p:attrName>
+                                        </p:attrNameLst>
+                                      </p:cBhvr>
+                                      <p:to>
+                                        <p:strVal val="visible"/>
+                                      </p:to>
+                                    </p:set>
+                                  </p:childTnLst>
+                                </p:cTn>
+                              </p:par>
+                            </p:childTnLst>
+                          </p:cTn>
+                        </p:par>
+                      </p:childTnLst>
+                    </p:cTn>
+                  </p:par>
+                  <p:par>
+                    <p:cTn id="19" fill="hold">
+                      <p:stCondLst>
+                        <p:cond delay="indefinite"/>
+                      </p:stCondLst>
+                      <p:childTnLst>
+                        <p:par>
+                          <p:cTn id="20" fill="hold">
+                            <p:stCondLst>
+                              <p:cond delay="0"/>
+                            </p:stCondLst>
+                            <p:childTnLst>
+                              <p:par>
+                                <p:cTn id="21" presetID="1" presetClass="entr" presetSubtype="0" fill="hold" nodeType="clickEffect">
+                                  <p:stCondLst>
+                                    <p:cond delay="0"/>
+                                  </p:stCondLst>
+                                  <p:childTnLst>
+                                    <p:set>
+                                      <p:cBhvr>
+                                        <p:cTn id="22" dur="1" fill="hold">
+                                          <p:stCondLst>
+                                            <p:cond delay="0"/>
+                                          </p:stCondLst>
+                                        </p:cTn>
+                                        <p:tgtEl>
+                                          <p:spTgt spid="261">
+                                            <p:txEl>
+                                              <p:pRg st="3" end="3"/>
+                                            </p:txEl>
+                                          </p:spTgt>
+                                        </p:tgtEl>
+                                        <p:attrNameLst>
+                                          <p:attrName>style.visibility</p:attrName>
+                                        </p:attrNameLst>
+                                      </p:cBhvr>
+                                      <p:to>
+                                        <p:strVal val="visible"/>
+                                      </p:to>
+                                    </p:set>
+                                  </p:childTnLst>
+                                </p:cTn>
+                              </p:par>
+                              <p:par>
+                                <p:cTn id="23" presetID="1" presetClass="entr" presetSubtype="0" fill="hold" nodeType="withEffect">
+                                  <p:stCondLst>
+                                    <p:cond delay="0"/>
+                                  </p:stCondLst>
+                                  <p:childTnLst>
+                                    <p:set>
+                                      <p:cBhvr>
+                                        <p:cTn id="24" dur="1" fill="hold">
+                                          <p:stCondLst>
+                                            <p:cond delay="0"/>
+                                          </p:stCondLst>
+                                        </p:cTn>
+                                        <p:tgtEl>
+                                          <p:spTgt spid="29"/>
+                                        </p:tgtEl>
+                                        <p:attrNameLst>
+                                          <p:attrName>style.visibility</p:attrName>
+                                        </p:attrNameLst>
+                                      </p:cBhvr>
+                                      <p:to>
+                                        <p:strVal val="visible"/>
+                                      </p:to>
+                                    </p:set>
+                                  </p:childTnLst>
+                                </p:cTn>
+                              </p:par>
+                            </p:childTnLst>
+                          </p:cTn>
+                        </p:par>
+                      </p:childTnLst>
+                    </p:cTn>
+                  </p:par>
+                  <p:par>
+                    <p:cTn id="25" fill="hold">
+                      <p:stCondLst>
+                        <p:cond delay="indefinite"/>
+                      </p:stCondLst>
+                      <p:childTnLst>
+                        <p:par>
+                          <p:cTn id="26" fill="hold">
+                            <p:stCondLst>
+                              <p:cond delay="0"/>
+                            </p:stCondLst>
+                            <p:childTnLst>
+                              <p:par>
+                                <p:cTn id="27" presetID="1" presetClass="entr" presetSubtype="0" fill="hold" nodeType="clickEffect">
+                                  <p:stCondLst>
+                                    <p:cond delay="0"/>
+                                  </p:stCondLst>
+                                  <p:childTnLst>
+                                    <p:set>
+                                      <p:cBhvr>
+                                        <p:cTn id="28" dur="1" fill="hold">
+                                          <p:stCondLst>
+                                            <p:cond delay="0"/>
+                                          </p:stCondLst>
+                                        </p:cTn>
+                                        <p:tgtEl>
+                                          <p:spTgt spid="30"/>
+                                        </p:tgtEl>
+                                        <p:attrNameLst>
+                                          <p:attrName>style.visibility</p:attrName>
+                                        </p:attrNameLst>
+                                      </p:cBhvr>
+                                      <p:to>
+                                        <p:strVal val="visible"/>
+                                      </p:to>
+                                    </p:set>
+                                  </p:childTnLst>
+                                </p:cTn>
+                              </p:par>
+                            </p:childTnLst>
+                          </p:cTn>
+                        </p:par>
+                      </p:childTnLst>
+                    </p:cTn>
+                  </p:par>
+                  <p:par>
+                    <p:cTn id="29" fill="hold">
+                      <p:stCondLst>
+                        <p:cond delay="indefinite"/>
+                      </p:stCondLst>
+                      <p:childTnLst>
+                        <p:par>
+                          <p:cTn id="30" fill="hold">
+                            <p:stCondLst>
+                              <p:cond delay="0"/>
+                            </p:stCondLst>
+                            <p:childTnLst>
+                              <p:par>
+                                <p:cTn id="31" presetID="1" presetClass="entr" presetSubtype="0" fill="hold" nodeType="clickEffect">
+                                  <p:stCondLst>
+                                    <p:cond delay="0"/>
+                                  </p:stCondLst>
+                                  <p:childTnLst>
+                                    <p:set>
+                                      <p:cBhvr>
+                                        <p:cTn id="32" dur="1" fill="hold">
+                                          <p:stCondLst>
+                                            <p:cond delay="0"/>
+                                          </p:stCondLst>
+                                        </p:cTn>
+                                        <p:tgtEl>
+                                          <p:spTgt spid="261">
+                                            <p:txEl>
+                                              <p:pRg st="4" end="4"/>
+                                            </p:txEl>
+                                          </p:spTgt>
+                                        </p:tgtEl>
+                                        <p:attrNameLst>
+                                          <p:attrName>style.visibility</p:attrName>
+                                        </p:attrNameLst>
+                                      </p:cBhvr>
+                                      <p:to>
+                                        <p:strVal val="visible"/>
+                                      </p:to>
+                                    </p:set>
+                                  </p:childTnLst>
+                                </p:cTn>
+                              </p:par>
+                            </p:childTnLst>
+                          </p:cTn>
+                        </p:par>
+                      </p:childTnLst>
+                    </p:cTn>
+                  </p:par>
+                  <p:par>
+                    <p:cTn id="33" fill="hold">
+                      <p:stCondLst>
+                        <p:cond delay="indefinite"/>
+                      </p:stCondLst>
+                      <p:childTnLst>
+                        <p:par>
+                          <p:cTn id="34" fill="hold">
+                            <p:stCondLst>
+                              <p:cond delay="0"/>
+                            </p:stCondLst>
+                            <p:childTnLst>
+                              <p:par>
+                                <p:cTn id="35" presetID="1" presetClass="entr" presetSubtype="0" fill="hold" nodeType="clickEffect">
+                                  <p:stCondLst>
+                                    <p:cond delay="0"/>
+                                  </p:stCondLst>
+                                  <p:childTnLst>
+                                    <p:set>
+                                      <p:cBhvr>
+                                        <p:cTn id="36" dur="1" fill="hold">
+                                          <p:stCondLst>
+                                            <p:cond delay="0"/>
+                                          </p:stCondLst>
+                                        </p:cTn>
+                                        <p:tgtEl>
+                                          <p:spTgt spid="38"/>
+                                        </p:tgtEl>
+                                        <p:attrNameLst>
+                                          <p:attrName>style.visibility</p:attrName>
+                                        </p:attrNameLst>
+                                      </p:cBhvr>
+                                      <p:to>
+                                        <p:strVal val="visible"/>
+                                      </p:to>
+                                    </p:set>
+                                  </p:childTnLst>
+                                </p:cTn>
+                              </p:par>
+                            </p:childTnLst>
+                          </p:cTn>
+                        </p:par>
+                      </p:childTnLst>
+                    </p:cTn>
+                  </p:par>
+                  <p:par>
+                    <p:cTn id="37" fill="hold">
+                      <p:stCondLst>
+                        <p:cond delay="indefinite"/>
+                      </p:stCondLst>
+                      <p:childTnLst>
+                        <p:par>
+                          <p:cTn id="38" fill="hold">
+                            <p:stCondLst>
+                              <p:cond delay="0"/>
+                            </p:stCondLst>
+                            <p:childTnLst>
+                              <p:par>
+                                <p:cTn id="39" presetID="1" presetClass="entr" presetSubtype="0" fill="hold" nodeType="clickEffect">
+                                  <p:stCondLst>
+                                    <p:cond delay="0"/>
+                                  </p:stCondLst>
+                                  <p:childTnLst>
+                                    <p:set>
+                                      <p:cBhvr>
+                                        <p:cTn id="40" dur="1" fill="hold">
+                                          <p:stCondLst>
+                                            <p:cond delay="0"/>
+                                          </p:stCondLst>
+                                        </p:cTn>
+                                        <p:tgtEl>
+                                          <p:spTgt spid="39"/>
+                                        </p:tgtEl>
+                                        <p:attrNameLst>
+                                          <p:attrName>style.visibility</p:attrName>
+                                        </p:attrNameLst>
+                                      </p:cBhvr>
+                                      <p:to>
+                                        <p:strVal val="visible"/>
+                                      </p:to>
+                                    </p:set>
+                                  </p:childTnLst>
+                                </p:cTn>
+                              </p:par>
+                            </p:childTnLst>
+                          </p:cTn>
+                        </p:par>
+                      </p:childTnLst>
+                    </p:cTn>
+                  </p:par>
+                  <p:par>
+                    <p:cTn id="41" fill="hold">
+                      <p:stCondLst>
+                        <p:cond delay="indefinite"/>
+                      </p:stCondLst>
+                      <p:childTnLst>
+                        <p:par>
+                          <p:cTn id="42" fill="hold">
+                            <p:stCondLst>
+                              <p:cond delay="0"/>
+                            </p:stCondLst>
+                            <p:childTnLst>
+                              <p:par>
+                                <p:cTn id="43" presetID="1" presetClass="entr" presetSubtype="0" fill="hold" nodeType="clickEffect">
+                                  <p:stCondLst>
+                                    <p:cond delay="0"/>
+                                  </p:stCondLst>
+                                  <p:childTnLst>
+                                    <p:set>
+                                      <p:cBhvr>
+                                        <p:cTn id="44" dur="1" fill="hold">
+                                          <p:stCondLst>
+                                            <p:cond delay="0"/>
+                                          </p:stCondLst>
+                                        </p:cTn>
+                                        <p:tgtEl>
+                                          <p:spTgt spid="40"/>
+                                        </p:tgtEl>
+                                        <p:attrNameLst>
+                                          <p:attrName>style.visibility</p:attrName>
+                                        </p:attrNameLst>
+                                      </p:cBhvr>
+                                      <p:to>
+                                        <p:strVal val="visible"/>
+                                      </p:to>
+                                    </p:set>
+                                  </p:childTnLst>
+                                </p:cTn>
+                              </p:par>
+                            </p:childTnLst>
+                          </p:cTn>
+                        </p:par>
+                      </p:childTnLst>
+                    </p:cTn>
+                  </p:par>
+                </p:childTnLst>
+              </p:cTn>
+              <p:prevCondLst>
+                <p:cond evt="onPrev" delay="0">
+                  <p:tgtEl>
+                    <p:sldTgt/>
+                  </p:tgtEl>
+                </p:cond>
+              </p:prevCondLst>
+              <p:nextCondLst>
+                <p:cond evt="onNext" delay="0">
+                  <p:tgtEl>
+                    <p:sldTgt/>
+                  </p:tgtEl>
+                </p:cond>
+              </p:nextCondLst>
+            </p:seq>
+          </p:childTnLst>
+        </p:cTn>
+      </p:par>
+    </p:tnLst>
+  </p:timing>
 </p:sld>
 </file>
 
@@ -33214,7 +33497,7 @@
         <p:spPr>
           <a:xfrm>
             <a:off x="198500" y="1246825"/>
-            <a:ext cx="8520600" cy="3765600"/>
+            <a:ext cx="8424800" cy="1577106"/>
           </a:xfrm>
           <a:prstGeom prst="rect">
             <a:avLst/>
@@ -33366,7 +33649,7 @@
             </a:pPr>
             <a:r>
               <a:rPr lang="en" dirty="0"/>
-              <a:t>Encryption Algorithm    </a:t>
+              <a:t>Sign</a:t>
             </a:r>
             <a:endParaRPr dirty="0"/>
           </a:p>
@@ -33455,10 +33738,10 @@
               <a:buNone/>
             </a:pPr>
             <a:r>
-              <a:rPr lang="en"/>
-              <a:t>Ciphertext</a:t>
-            </a:r>
-            <a:endParaRPr/>
+              <a:rPr lang="en" dirty="0"/>
+              <a:t>Message</a:t>
+            </a:r>
+            <a:endParaRPr dirty="0"/>
           </a:p>
         </p:txBody>
       </p:sp>
@@ -33581,10 +33864,10 @@
               <a:buNone/>
             </a:pPr>
             <a:r>
-              <a:rPr lang="en"/>
-              <a:t>Decryption Algorithm</a:t>
-            </a:r>
-            <a:endParaRPr/>
+              <a:rPr lang="en" dirty="0"/>
+              <a:t>Verify</a:t>
+            </a:r>
+            <a:endParaRPr dirty="0"/>
           </a:p>
         </p:txBody>
       </p:sp>
@@ -33672,10 +33955,10 @@
               <a:buNone/>
             </a:pPr>
             <a:r>
-              <a:rPr lang="en"/>
-              <a:t>Plaintext</a:t>
-            </a:r>
-            <a:endParaRPr/>
+              <a:rPr lang="en" dirty="0"/>
+              <a:t>Message</a:t>
+            </a:r>
+            <a:endParaRPr dirty="0"/>
           </a:p>
         </p:txBody>
       </p:sp>
@@ -33883,10 +34166,10 @@
                 <a:buNone/>
               </a:pPr>
               <a:r>
-                <a:rPr lang="en"/>
-                <a:t>Plaintext</a:t>
+                <a:rPr lang="en" dirty="0"/>
+                <a:t>Message</a:t>
               </a:r>
-              <a:endParaRPr/>
+              <a:endParaRPr dirty="0"/>
             </a:p>
           </p:txBody>
         </p:sp>
@@ -34327,6 +34610,62 @@
           </p:txBody>
         </p:sp>
       </p:grpSp>
+      <p:sp>
+        <p:nvSpPr>
+          <p:cNvPr id="2" name="Google Shape;580;p62">
+            <a:extLst>
+              <a:ext uri="{FF2B5EF4-FFF2-40B4-BE49-F238E27FC236}">
+                <a16:creationId xmlns:a16="http://schemas.microsoft.com/office/drawing/2014/main" id="{198916FB-F5A2-F825-D5AF-625CFA50D5B1}"/>
+              </a:ext>
+            </a:extLst>
+          </p:cNvPr>
+          <p:cNvSpPr/>
+          <p:nvPr/>
+        </p:nvSpPr>
+        <p:spPr>
+          <a:xfrm>
+            <a:off x="3922500" y="4648225"/>
+            <a:ext cx="1135200" cy="224400"/>
+          </a:xfrm>
+          <a:prstGeom prst="rect">
+            <a:avLst/>
+          </a:prstGeom>
+          <a:solidFill>
+            <a:schemeClr val="lt2"/>
+          </a:solidFill>
+          <a:ln w="9525" cap="flat" cmpd="sng">
+            <a:solidFill>
+              <a:schemeClr val="dk2"/>
+            </a:solidFill>
+            <a:prstDash val="solid"/>
+            <a:round/>
+            <a:headEnd type="none" w="sm" len="sm"/>
+            <a:tailEnd type="none" w="sm" len="sm"/>
+          </a:ln>
+        </p:spPr>
+        <p:txBody>
+          <a:bodyPr spcFirstLastPara="1" wrap="square" lIns="91425" tIns="91425" rIns="91425" bIns="91425" anchor="ctr" anchorCtr="0">
+            <a:noAutofit/>
+          </a:bodyPr>
+          <a:lstStyle/>
+          <a:p>
+            <a:pPr marL="0" lvl="0" indent="0" algn="ctr" rtl="0">
+              <a:spcBef>
+                <a:spcPts val="0"/>
+              </a:spcBef>
+              <a:spcAft>
+                <a:spcPts val="0"/>
+              </a:spcAft>
+              <a:buNone/>
+            </a:pPr>
+            <a:r>
+              <a:rPr lang="en" dirty="0"/>
+              <a:t>Signature</a:t>
+            </a:r>
+            <a:endParaRPr dirty="0"/>
+          </a:p>
+        </p:txBody>
+      </p:sp>
     </p:spTree>
   </p:cSld>
   <p:clrMapOvr>
@@ -36423,7 +36762,7 @@
                                         <p:tgtEl>
                                           <p:spTgt spid="321">
                                             <p:txEl>
-                                              <p:pRg st="0" end="0"/>
+                                              <p:pRg st="1" end="1"/>
                                             </p:txEl>
                                           </p:spTgt>
                                         </p:tgtEl>
@@ -36472,7 +36811,7 @@
                                         <p:tgtEl>
                                           <p:spTgt spid="321">
                                             <p:txEl>
-                                              <p:pRg st="1" end="1"/>
+                                              <p:pRg st="2" end="2"/>
                                             </p:txEl>
                                           </p:spTgt>
                                         </p:tgtEl>
@@ -36514,55 +36853,6 @@
                                     <p:set>
                                       <p:cBhvr>
                                         <p:cTn id="14" dur="1" fill="hold">
-                                          <p:stCondLst>
-                                            <p:cond delay="0"/>
-                                          </p:stCondLst>
-                                        </p:cTn>
-                                        <p:tgtEl>
-                                          <p:spTgt spid="321">
-                                            <p:txEl>
-                                              <p:pRg st="2" end="2"/>
-                                            </p:txEl>
-                                          </p:spTgt>
-                                        </p:tgtEl>
-                                        <p:attrNameLst>
-                                          <p:attrName>style.visibility</p:attrName>
-                                        </p:attrNameLst>
-                                      </p:cBhvr>
-                                      <p:to>
-                                        <p:strVal val="visible"/>
-                                      </p:to>
-                                    </p:set>
-                                  </p:childTnLst>
-                                </p:cTn>
-                              </p:par>
-                            </p:childTnLst>
-                          </p:cTn>
-                        </p:par>
-                      </p:childTnLst>
-                    </p:cTn>
-                  </p:par>
-                  <p:par>
-                    <p:cTn id="15" fill="hold">
-                      <p:stCondLst>
-                        <p:cond delay="indefinite"/>
-                      </p:stCondLst>
-                      <p:childTnLst>
-                        <p:par>
-                          <p:cTn id="16" fill="hold">
-                            <p:stCondLst>
-                              <p:cond delay="0"/>
-                            </p:stCondLst>
-                            <p:childTnLst>
-                              <p:par>
-                                <p:cTn id="17" presetID="1" presetClass="entr" presetSubtype="0" fill="hold" nodeType="clickEffect">
-                                  <p:stCondLst>
-                                    <p:cond delay="0"/>
-                                  </p:stCondLst>
-                                  <p:childTnLst>
-                                    <p:set>
-                                      <p:cBhvr>
-                                        <p:cTn id="18" dur="1" fill="hold">
                                           <p:stCondLst>
                                             <p:cond delay="0"/>
                                           </p:stCondLst>
